--- a/AWS Guard Duty & Azure Security Center.pptx
+++ b/AWS Guard Duty & Azure Security Center.pptx
@@ -5,10 +5,10 @@
     <p:sldMasterId id="2147483648" r:id="rId1"/>
   </p:sldMasterIdLst>
   <p:notesMasterIdLst>
-    <p:notesMasterId r:id="rId45"/>
+    <p:notesMasterId r:id="rId50"/>
   </p:notesMasterIdLst>
   <p:handoutMasterIdLst>
-    <p:handoutMasterId r:id="rId46"/>
+    <p:handoutMasterId r:id="rId51"/>
   </p:handoutMasterIdLst>
   <p:sldIdLst>
     <p:sldId id="296" r:id="rId2"/>
@@ -53,12 +53,17 @@
     <p:sldId id="314" r:id="rId41"/>
     <p:sldId id="337" r:id="rId42"/>
     <p:sldId id="334" r:id="rId43"/>
-    <p:sldId id="266" r:id="rId44"/>
+    <p:sldId id="343" r:id="rId44"/>
+    <p:sldId id="339" r:id="rId45"/>
+    <p:sldId id="340" r:id="rId46"/>
+    <p:sldId id="341" r:id="rId47"/>
+    <p:sldId id="342" r:id="rId48"/>
+    <p:sldId id="266" r:id="rId49"/>
   </p:sldIdLst>
   <p:sldSz cx="12188825" cy="6858000"/>
   <p:notesSz cx="6858000" cy="9144000"/>
   <p:custDataLst>
-    <p:tags r:id="rId47"/>
+    <p:tags r:id="rId52"/>
   </p:custDataLst>
   <p:defaultTextStyle>
     <a:defPPr>
@@ -553,7 +558,7 @@
             <a:fld id="{7724383D-47EA-45CB-930A-8D57FFD0FCC3}" type="datetime2">
               <a:rPr lang="en-US"/>
               <a:pPr/>
-              <a:t>Monday, August 9, 2021</a:t>
+              <a:t>Tuesday, August 10, 2021</a:t>
             </a:fld>
             <a:endParaRPr/>
           </a:p>
@@ -4994,6 +4999,119 @@
       </p:grpSpPr>
       <p:sp>
         <p:nvSpPr>
+          <p:cNvPr id="31746" name="Rectangle 2"/>
+          <p:cNvSpPr>
+            <a:spLocks noGrp="1" noRot="1" noChangeAspect="1" noChangeArrowheads="1" noTextEdit="1"/>
+          </p:cNvSpPr>
+          <p:nvPr>
+            <p:ph type="sldImg"/>
+          </p:nvPr>
+        </p:nvSpPr>
+        <p:spPr bwMode="auto">
+          <a:noFill/>
+          <a:ln>
+            <a:solidFill>
+              <a:srgbClr val="000000"/>
+            </a:solidFill>
+            <a:miter lim="800000"/>
+            <a:headEnd/>
+            <a:tailEnd/>
+          </a:ln>
+          <a:extLst>
+            <a:ext uri="{909E8E84-426E-40DD-AFC4-6F175D3DCCD1}">
+              <a14:hiddenFill xmlns:a14="http://schemas.microsoft.com/office/drawing/2010/main">
+                <a:solidFill>
+                  <a:srgbClr val="FFFFFF"/>
+                </a:solidFill>
+              </a14:hiddenFill>
+            </a:ext>
+          </a:extLst>
+        </p:spPr>
+      </p:sp>
+      <p:sp>
+        <p:nvSpPr>
+          <p:cNvPr id="31747" name="Rectangle 3"/>
+          <p:cNvSpPr>
+            <a:spLocks noGrp="1" noChangeArrowheads="1"/>
+          </p:cNvSpPr>
+          <p:nvPr>
+            <p:ph type="body" idx="1"/>
+          </p:nvPr>
+        </p:nvSpPr>
+        <p:spPr bwMode="auto">
+          <a:noFill/>
+          <a:extLst>
+            <a:ext uri="{909E8E84-426E-40DD-AFC4-6F175D3DCCD1}">
+              <a14:hiddenFill xmlns:a14="http://schemas.microsoft.com/office/drawing/2010/main">
+                <a:solidFill>
+                  <a:srgbClr val="FFFFFF"/>
+                </a:solidFill>
+              </a14:hiddenFill>
+            </a:ext>
+            <a:ext uri="{91240B29-F687-4F45-9708-019B960494DF}">
+              <a14:hiddenLine xmlns:a14="http://schemas.microsoft.com/office/drawing/2010/main" w="9525">
+                <a:solidFill>
+                  <a:srgbClr val="000000"/>
+                </a:solidFill>
+                <a:miter lim="800000"/>
+                <a:headEnd/>
+                <a:tailEnd/>
+              </a14:hiddenLine>
+            </a:ext>
+          </a:extLst>
+        </p:spPr>
+        <p:txBody>
+          <a:bodyPr wrap="square" numCol="1" anchor="t" anchorCtr="0" compatLnSpc="1">
+            <a:prstTxWarp prst="textNoShape">
+              <a:avLst/>
+            </a:prstTxWarp>
+          </a:bodyPr>
+          <a:lstStyle/>
+          <a:p>
+            <a:pPr eaLnBrk="1" hangingPunct="1">
+              <a:spcBef>
+                <a:spcPct val="0"/>
+              </a:spcBef>
+            </a:pPr>
+            <a:endParaRPr lang="en-US">
+              <a:latin typeface="Helvetica"/>
+              <a:ea typeface="MS PGothic" pitchFamily="34" charset="-128"/>
+            </a:endParaRPr>
+          </a:p>
+        </p:txBody>
+      </p:sp>
+    </p:spTree>
+    <p:extLst>
+      <p:ext uri="{BB962C8B-B14F-4D97-AF65-F5344CB8AC3E}">
+        <p14:creationId xmlns:p14="http://schemas.microsoft.com/office/powerpoint/2010/main" val="1164434959"/>
+      </p:ext>
+    </p:extLst>
+  </p:cSld>
+  <p:clrMapOvr>
+    <a:masterClrMapping/>
+  </p:clrMapOvr>
+</p:notes>
+</file>
+
+<file path=ppt/notesSlides/notesSlide43.xml><?xml version="1.0" encoding="utf-8"?>
+<p:notes xmlns:a="http://schemas.openxmlformats.org/drawingml/2006/main" xmlns:r="http://schemas.openxmlformats.org/officeDocument/2006/relationships" xmlns:p="http://schemas.openxmlformats.org/presentationml/2006/main">
+  <p:cSld>
+    <p:spTree>
+      <p:nvGrpSpPr>
+        <p:cNvPr id="1" name=""/>
+        <p:cNvGrpSpPr/>
+        <p:nvPr/>
+      </p:nvGrpSpPr>
+      <p:grpSpPr>
+        <a:xfrm>
+          <a:off x="0" y="0"/>
+          <a:ext cx="0" cy="0"/>
+          <a:chOff x="0" y="0"/>
+          <a:chExt cx="0" cy="0"/>
+        </a:xfrm>
+      </p:grpSpPr>
+      <p:sp>
+        <p:nvSpPr>
           <p:cNvPr id="2" name="Slide Image Placeholder 1"/>
           <p:cNvSpPr>
             <a:spLocks noGrp="1" noRot="1" noChangeAspect="1"/>
@@ -5060,7 +5178,7 @@
             <a:fld id="{AA177954-F820-4125-B6DD-F07DB14523EB}" type="slidenum">
               <a:rPr lang="en-US" smtClean="0"/>
               <a:pPr/>
-              <a:t>43</a:t>
+              <a:t>48</a:t>
             </a:fld>
             <a:endParaRPr lang="en-US"/>
           </a:p>
@@ -34212,7 +34330,7 @@
             <a:pPr lvl="2"/>
             <a:r>
               <a:rPr lang="en-US" dirty="0"/>
-              <a:t>Jul-21 </a:t>
+              <a:t>V1.1 Jul-21 </a:t>
             </a:r>
           </a:p>
         </p:txBody>
@@ -45444,6 +45562,669 @@
 </file>
 
 <file path=ppt/slides/slide43.xml><?xml version="1.0" encoding="utf-8"?>
+<p:sld xmlns:a="http://schemas.openxmlformats.org/drawingml/2006/main" xmlns:r="http://schemas.openxmlformats.org/officeDocument/2006/relationships" xmlns:p="http://schemas.openxmlformats.org/presentationml/2006/main">
+  <p:cSld>
+    <p:spTree>
+      <p:nvGrpSpPr>
+        <p:cNvPr id="1" name=""/>
+        <p:cNvGrpSpPr/>
+        <p:nvPr/>
+      </p:nvGrpSpPr>
+      <p:grpSpPr>
+        <a:xfrm>
+          <a:off x="0" y="0"/>
+          <a:ext cx="0" cy="0"/>
+          <a:chOff x="0" y="0"/>
+          <a:chExt cx="0" cy="0"/>
+        </a:xfrm>
+      </p:grpSpPr>
+      <p:sp>
+        <p:nvSpPr>
+          <p:cNvPr id="17410" name="Rectangle 2"/>
+          <p:cNvSpPr>
+            <a:spLocks noGrp="1" noChangeArrowheads="1"/>
+          </p:cNvSpPr>
+          <p:nvPr>
+            <p:ph type="title"/>
+          </p:nvPr>
+        </p:nvSpPr>
+        <p:spPr/>
+        <p:txBody>
+          <a:bodyPr/>
+          <a:lstStyle/>
+          <a:p>
+            <a:r>
+              <a:rPr lang="en-US" dirty="0"/>
+              <a:t>Pricing for Prisma SAAS</a:t>
+            </a:r>
+          </a:p>
+        </p:txBody>
+      </p:sp>
+      <p:sp>
+        <p:nvSpPr>
+          <p:cNvPr id="4" name="Slide Number Placeholder 3"/>
+          <p:cNvSpPr>
+            <a:spLocks noGrp="1"/>
+          </p:cNvSpPr>
+          <p:nvPr>
+            <p:ph type="sldNum" sz="quarter" idx="12"/>
+          </p:nvPr>
+        </p:nvSpPr>
+        <p:spPr/>
+        <p:txBody>
+          <a:bodyPr/>
+          <a:lstStyle/>
+          <a:p>
+            <a:fld id="{D92B6165-2E63-41A3-8905-D7634EBC6D44}" type="slidenum">
+              <a:rPr lang="en-US" smtClean="0"/>
+              <a:pPr/>
+              <a:t>43</a:t>
+            </a:fld>
+            <a:endParaRPr lang="en-US"/>
+          </a:p>
+        </p:txBody>
+      </p:sp>
+      <p:sp>
+        <p:nvSpPr>
+          <p:cNvPr id="2" name="Rectangle 1">
+            <a:extLst>
+              <a:ext uri="{FF2B5EF4-FFF2-40B4-BE49-F238E27FC236}">
+                <a16:creationId xmlns:a16="http://schemas.microsoft.com/office/drawing/2014/main" id="{3B34818F-4EC6-495C-A0E0-30FCB7404BE7}"/>
+              </a:ext>
+            </a:extLst>
+          </p:cNvPr>
+          <p:cNvSpPr/>
+          <p:nvPr/>
+        </p:nvSpPr>
+        <p:spPr>
+          <a:xfrm>
+            <a:off x="329195" y="897873"/>
+            <a:ext cx="10881730" cy="2585323"/>
+          </a:xfrm>
+          <a:prstGeom prst="rect">
+            <a:avLst/>
+          </a:prstGeom>
+        </p:spPr>
+        <p:txBody>
+          <a:bodyPr wrap="square">
+            <a:spAutoFit/>
+          </a:bodyPr>
+          <a:lstStyle/>
+          <a:p>
+            <a:r>
+              <a:rPr lang="en-US" dirty="0"/>
+              <a:t>Prisma Cloud Units can be bought in increments of 100 Units.</a:t>
+            </a:r>
+          </a:p>
+          <a:p>
+            <a:pPr algn="l"/>
+            <a:r>
+              <a:rPr lang="en-GB" b="0" i="0" dirty="0">
+                <a:solidFill>
+                  <a:srgbClr val="141414"/>
+                </a:solidFill>
+                <a:effectLst/>
+                <a:latin typeface="HCo Decimal"/>
+              </a:rPr>
+              <a:t>you estimate the number of units you need to monitor and protect. Your usage data is based on the number of capacity units that you are consuming for each Prisma Cloud module every hour, and the </a:t>
+            </a:r>
+            <a:r>
+              <a:rPr lang="en-GB" b="1" i="0" dirty="0">
+                <a:solidFill>
+                  <a:srgbClr val="141414"/>
+                </a:solidFill>
+                <a:effectLst/>
+                <a:latin typeface="HCo Decimal"/>
+              </a:rPr>
+              <a:t>Time Range </a:t>
+            </a:r>
+            <a:r>
+              <a:rPr lang="en-GB" b="0" i="0" dirty="0">
+                <a:solidFill>
+                  <a:srgbClr val="141414"/>
+                </a:solidFill>
+                <a:effectLst/>
+                <a:latin typeface="HCo Decimal"/>
+              </a:rPr>
+              <a:t>is averaged for daily, weekly, monthly and quarterly usage to prevent overages based on short-term bursts.</a:t>
+            </a:r>
+            <a:endParaRPr lang="en-US" dirty="0"/>
+          </a:p>
+          <a:p>
+            <a:r>
+              <a:rPr lang="en-US" dirty="0"/>
+              <a:t>The Visibility, Compliance &amp; Governance Module costs one credit per resource instance (e.g., Amazon EC2).</a:t>
+            </a:r>
+          </a:p>
+          <a:p>
+            <a:r>
+              <a:rPr lang="en-US" dirty="0"/>
+              <a:t>The Host Security Module costs one credit per Host Defender, and Container Security costs seven credits per Container Defender</a:t>
+            </a:r>
+          </a:p>
+          <a:p>
+            <a:endParaRPr lang="en-US" dirty="0"/>
+          </a:p>
+        </p:txBody>
+      </p:sp>
+    </p:spTree>
+    <p:extLst>
+      <p:ext uri="{BB962C8B-B14F-4D97-AF65-F5344CB8AC3E}">
+        <p14:creationId xmlns:p14="http://schemas.microsoft.com/office/powerpoint/2010/main" val="142474970"/>
+      </p:ext>
+    </p:extLst>
+  </p:cSld>
+  <p:clrMapOvr>
+    <a:masterClrMapping/>
+  </p:clrMapOvr>
+  <mc:AlternateContent xmlns:mc="http://schemas.openxmlformats.org/markup-compatibility/2006" xmlns:p14="http://schemas.microsoft.com/office/powerpoint/2010/main">
+    <mc:Choice Requires="p14">
+      <p:transition spd="med" p14:dur="700">
+        <p:fade/>
+      </p:transition>
+    </mc:Choice>
+    <mc:Fallback xmlns="">
+      <p:transition spd="med">
+        <p:fade/>
+      </p:transition>
+    </mc:Fallback>
+  </mc:AlternateContent>
+</p:sld>
+</file>
+
+<file path=ppt/slides/slide44.xml><?xml version="1.0" encoding="utf-8"?>
+<p:sld xmlns:a="http://schemas.openxmlformats.org/drawingml/2006/main" xmlns:r="http://schemas.openxmlformats.org/officeDocument/2006/relationships" xmlns:p="http://schemas.openxmlformats.org/presentationml/2006/main">
+  <p:cSld>
+    <p:spTree>
+      <p:nvGrpSpPr>
+        <p:cNvPr id="1" name=""/>
+        <p:cNvGrpSpPr/>
+        <p:nvPr/>
+      </p:nvGrpSpPr>
+      <p:grpSpPr>
+        <a:xfrm>
+          <a:off x="0" y="0"/>
+          <a:ext cx="0" cy="0"/>
+          <a:chOff x="0" y="0"/>
+          <a:chExt cx="0" cy="0"/>
+        </a:xfrm>
+      </p:grpSpPr>
+      <p:sp>
+        <p:nvSpPr>
+          <p:cNvPr id="2" name="Slide Number Placeholder 1">
+            <a:extLst>
+              <a:ext uri="{FF2B5EF4-FFF2-40B4-BE49-F238E27FC236}">
+                <a16:creationId xmlns:a16="http://schemas.microsoft.com/office/drawing/2014/main" id="{352C83EB-BE45-429B-BE5E-515E153FA0D2}"/>
+              </a:ext>
+            </a:extLst>
+          </p:cNvPr>
+          <p:cNvSpPr>
+            <a:spLocks noGrp="1"/>
+          </p:cNvSpPr>
+          <p:nvPr>
+            <p:ph type="sldNum" sz="quarter" idx="12"/>
+          </p:nvPr>
+        </p:nvSpPr>
+        <p:spPr/>
+        <p:txBody>
+          <a:bodyPr/>
+          <a:lstStyle/>
+          <a:p>
+            <a:fld id="{D92B6165-2E63-41A3-8905-D7634EBC6D44}" type="slidenum">
+              <a:rPr lang="en-IN" smtClean="0"/>
+              <a:pPr/>
+              <a:t>44</a:t>
+            </a:fld>
+            <a:endParaRPr lang="en-IN"/>
+          </a:p>
+        </p:txBody>
+      </p:sp>
+      <p:pic>
+        <p:nvPicPr>
+          <p:cNvPr id="4" name="Picture 3">
+            <a:extLst>
+              <a:ext uri="{FF2B5EF4-FFF2-40B4-BE49-F238E27FC236}">
+                <a16:creationId xmlns:a16="http://schemas.microsoft.com/office/drawing/2014/main" id="{54B0DBC0-BAA8-4844-9588-BDFE0D6343E2}"/>
+              </a:ext>
+            </a:extLst>
+          </p:cNvPr>
+          <p:cNvPicPr>
+            <a:picLocks noChangeAspect="1"/>
+          </p:cNvPicPr>
+          <p:nvPr/>
+        </p:nvPicPr>
+        <p:blipFill>
+          <a:blip r:embed="rId2"/>
+          <a:stretch>
+            <a:fillRect/>
+          </a:stretch>
+        </p:blipFill>
+        <p:spPr>
+          <a:xfrm>
+            <a:off x="1260475" y="909637"/>
+            <a:ext cx="9667875" cy="5038725"/>
+          </a:xfrm>
+          <a:prstGeom prst="rect">
+            <a:avLst/>
+          </a:prstGeom>
+        </p:spPr>
+      </p:pic>
+    </p:spTree>
+    <p:extLst>
+      <p:ext uri="{BB962C8B-B14F-4D97-AF65-F5344CB8AC3E}">
+        <p14:creationId xmlns:p14="http://schemas.microsoft.com/office/powerpoint/2010/main" val="4145013452"/>
+      </p:ext>
+    </p:extLst>
+  </p:cSld>
+  <p:clrMapOvr>
+    <a:masterClrMapping/>
+  </p:clrMapOvr>
+  <mc:AlternateContent xmlns:mc="http://schemas.openxmlformats.org/markup-compatibility/2006" xmlns:p14="http://schemas.microsoft.com/office/powerpoint/2010/main">
+    <mc:Choice Requires="p14">
+      <p:transition spd="med" p14:dur="700">
+        <p:fade/>
+      </p:transition>
+    </mc:Choice>
+    <mc:Fallback xmlns="">
+      <p:transition spd="med">
+        <p:fade/>
+      </p:transition>
+    </mc:Fallback>
+  </mc:AlternateContent>
+</p:sld>
+</file>
+
+<file path=ppt/slides/slide45.xml><?xml version="1.0" encoding="utf-8"?>
+<p:sld xmlns:a="http://schemas.openxmlformats.org/drawingml/2006/main" xmlns:r="http://schemas.openxmlformats.org/officeDocument/2006/relationships" xmlns:p="http://schemas.openxmlformats.org/presentationml/2006/main">
+  <p:cSld>
+    <p:spTree>
+      <p:nvGrpSpPr>
+        <p:cNvPr id="1" name=""/>
+        <p:cNvGrpSpPr/>
+        <p:nvPr/>
+      </p:nvGrpSpPr>
+      <p:grpSpPr>
+        <a:xfrm>
+          <a:off x="0" y="0"/>
+          <a:ext cx="0" cy="0"/>
+          <a:chOff x="0" y="0"/>
+          <a:chExt cx="0" cy="0"/>
+        </a:xfrm>
+      </p:grpSpPr>
+      <p:sp>
+        <p:nvSpPr>
+          <p:cNvPr id="2" name="Slide Number Placeholder 1">
+            <a:extLst>
+              <a:ext uri="{FF2B5EF4-FFF2-40B4-BE49-F238E27FC236}">
+                <a16:creationId xmlns:a16="http://schemas.microsoft.com/office/drawing/2014/main" id="{EE4F602A-C346-44F4-95C7-830A88991CA8}"/>
+              </a:ext>
+            </a:extLst>
+          </p:cNvPr>
+          <p:cNvSpPr>
+            <a:spLocks noGrp="1"/>
+          </p:cNvSpPr>
+          <p:nvPr>
+            <p:ph type="sldNum" sz="quarter" idx="12"/>
+          </p:nvPr>
+        </p:nvSpPr>
+        <p:spPr/>
+        <p:txBody>
+          <a:bodyPr/>
+          <a:lstStyle/>
+          <a:p>
+            <a:fld id="{D92B6165-2E63-41A3-8905-D7634EBC6D44}" type="slidenum">
+              <a:rPr lang="en-IN" smtClean="0"/>
+              <a:pPr/>
+              <a:t>45</a:t>
+            </a:fld>
+            <a:endParaRPr lang="en-IN"/>
+          </a:p>
+        </p:txBody>
+      </p:sp>
+      <p:pic>
+        <p:nvPicPr>
+          <p:cNvPr id="4" name="Picture 3">
+            <a:extLst>
+              <a:ext uri="{FF2B5EF4-FFF2-40B4-BE49-F238E27FC236}">
+                <a16:creationId xmlns:a16="http://schemas.microsoft.com/office/drawing/2014/main" id="{F62B02E0-C337-4179-BE7A-83087CCC2494}"/>
+              </a:ext>
+            </a:extLst>
+          </p:cNvPr>
+          <p:cNvPicPr>
+            <a:picLocks noChangeAspect="1"/>
+          </p:cNvPicPr>
+          <p:nvPr/>
+        </p:nvPicPr>
+        <p:blipFill>
+          <a:blip r:embed="rId2"/>
+          <a:stretch>
+            <a:fillRect/>
+          </a:stretch>
+        </p:blipFill>
+        <p:spPr>
+          <a:xfrm>
+            <a:off x="1017587" y="1166812"/>
+            <a:ext cx="10153650" cy="4524375"/>
+          </a:xfrm>
+          <a:prstGeom prst="rect">
+            <a:avLst/>
+          </a:prstGeom>
+        </p:spPr>
+      </p:pic>
+    </p:spTree>
+    <p:extLst>
+      <p:ext uri="{BB962C8B-B14F-4D97-AF65-F5344CB8AC3E}">
+        <p14:creationId xmlns:p14="http://schemas.microsoft.com/office/powerpoint/2010/main" val="1844823746"/>
+      </p:ext>
+    </p:extLst>
+  </p:cSld>
+  <p:clrMapOvr>
+    <a:masterClrMapping/>
+  </p:clrMapOvr>
+  <mc:AlternateContent xmlns:mc="http://schemas.openxmlformats.org/markup-compatibility/2006" xmlns:p14="http://schemas.microsoft.com/office/powerpoint/2010/main">
+    <mc:Choice Requires="p14">
+      <p:transition spd="med" p14:dur="700">
+        <p:fade/>
+      </p:transition>
+    </mc:Choice>
+    <mc:Fallback xmlns="">
+      <p:transition spd="med">
+        <p:fade/>
+      </p:transition>
+    </mc:Fallback>
+  </mc:AlternateContent>
+</p:sld>
+</file>
+
+<file path=ppt/slides/slide46.xml><?xml version="1.0" encoding="utf-8"?>
+<p:sld xmlns:a="http://schemas.openxmlformats.org/drawingml/2006/main" xmlns:r="http://schemas.openxmlformats.org/officeDocument/2006/relationships" xmlns:p="http://schemas.openxmlformats.org/presentationml/2006/main">
+  <p:cSld>
+    <p:spTree>
+      <p:nvGrpSpPr>
+        <p:cNvPr id="1" name=""/>
+        <p:cNvGrpSpPr/>
+        <p:nvPr/>
+      </p:nvGrpSpPr>
+      <p:grpSpPr>
+        <a:xfrm>
+          <a:off x="0" y="0"/>
+          <a:ext cx="0" cy="0"/>
+          <a:chOff x="0" y="0"/>
+          <a:chExt cx="0" cy="0"/>
+        </a:xfrm>
+      </p:grpSpPr>
+      <p:pic>
+        <p:nvPicPr>
+          <p:cNvPr id="4" name="Picture 3" descr="Graphical user interface, text, application, email&#10;&#10;Description automatically generated">
+            <a:extLst>
+              <a:ext uri="{FF2B5EF4-FFF2-40B4-BE49-F238E27FC236}">
+                <a16:creationId xmlns:a16="http://schemas.microsoft.com/office/drawing/2014/main" id="{31A230E8-2D33-4ABF-B663-092BBD48A98F}"/>
+              </a:ext>
+            </a:extLst>
+          </p:cNvPr>
+          <p:cNvPicPr>
+            <a:picLocks noChangeAspect="1"/>
+          </p:cNvPicPr>
+          <p:nvPr/>
+        </p:nvPicPr>
+        <p:blipFill>
+          <a:blip r:embed="rId2"/>
+          <a:stretch>
+            <a:fillRect/>
+          </a:stretch>
+        </p:blipFill>
+        <p:spPr>
+          <a:xfrm>
+            <a:off x="643299" y="1493854"/>
+            <a:ext cx="10902226" cy="3870290"/>
+          </a:xfrm>
+          <a:prstGeom prst="rect">
+            <a:avLst/>
+          </a:prstGeom>
+        </p:spPr>
+      </p:pic>
+      <p:sp>
+        <p:nvSpPr>
+          <p:cNvPr id="2" name="Slide Number Placeholder 1">
+            <a:extLst>
+              <a:ext uri="{FF2B5EF4-FFF2-40B4-BE49-F238E27FC236}">
+                <a16:creationId xmlns:a16="http://schemas.microsoft.com/office/drawing/2014/main" id="{B9EA1C7F-800F-4BD5-AE23-013B8701EE36}"/>
+              </a:ext>
+            </a:extLst>
+          </p:cNvPr>
+          <p:cNvSpPr>
+            <a:spLocks noGrp="1"/>
+          </p:cNvSpPr>
+          <p:nvPr>
+            <p:ph type="sldNum" sz="quarter" idx="12"/>
+          </p:nvPr>
+        </p:nvSpPr>
+        <p:spPr>
+          <a:xfrm>
+            <a:off x="10511272" y="6431916"/>
+            <a:ext cx="953144" cy="365125"/>
+          </a:xfrm>
+        </p:spPr>
+        <p:txBody>
+          <a:bodyPr>
+            <a:normAutofit/>
+          </a:bodyPr>
+          <a:lstStyle/>
+          <a:p>
+            <a:pPr>
+              <a:spcAft>
+                <a:spcPts val="600"/>
+              </a:spcAft>
+            </a:pPr>
+            <a:fld id="{D92B6165-2E63-41A3-8905-D7634EBC6D44}" type="slidenum">
+              <a:rPr lang="en-IN">
+                <a:solidFill>
+                  <a:srgbClr val="000000"/>
+                </a:solidFill>
+              </a:rPr>
+              <a:pPr>
+                <a:spcAft>
+                  <a:spcPts val="600"/>
+                </a:spcAft>
+              </a:pPr>
+              <a:t>46</a:t>
+            </a:fld>
+            <a:endParaRPr lang="en-IN">
+              <a:solidFill>
+                <a:srgbClr val="000000"/>
+              </a:solidFill>
+            </a:endParaRPr>
+          </a:p>
+        </p:txBody>
+      </p:sp>
+    </p:spTree>
+    <p:extLst>
+      <p:ext uri="{BB962C8B-B14F-4D97-AF65-F5344CB8AC3E}">
+        <p14:creationId xmlns:p14="http://schemas.microsoft.com/office/powerpoint/2010/main" val="1295739092"/>
+      </p:ext>
+    </p:extLst>
+  </p:cSld>
+  <p:clrMapOvr>
+    <a:masterClrMapping/>
+  </p:clrMapOvr>
+  <mc:AlternateContent xmlns:mc="http://schemas.openxmlformats.org/markup-compatibility/2006" xmlns:p14="http://schemas.microsoft.com/office/powerpoint/2010/main">
+    <mc:Choice Requires="p14">
+      <p:transition spd="med" p14:dur="700">
+        <p:fade/>
+      </p:transition>
+    </mc:Choice>
+    <mc:Fallback xmlns="">
+      <p:transition spd="med">
+        <p:fade/>
+      </p:transition>
+    </mc:Fallback>
+  </mc:AlternateContent>
+</p:sld>
+</file>
+
+<file path=ppt/slides/slide47.xml><?xml version="1.0" encoding="utf-8"?>
+<p:sld xmlns:a="http://schemas.openxmlformats.org/drawingml/2006/main" xmlns:r="http://schemas.openxmlformats.org/officeDocument/2006/relationships" xmlns:p="http://schemas.openxmlformats.org/presentationml/2006/main">
+  <p:cSld>
+    <p:spTree>
+      <p:nvGrpSpPr>
+        <p:cNvPr id="1" name=""/>
+        <p:cNvGrpSpPr/>
+        <p:nvPr/>
+      </p:nvGrpSpPr>
+      <p:grpSpPr>
+        <a:xfrm>
+          <a:off x="0" y="0"/>
+          <a:ext cx="0" cy="0"/>
+          <a:chOff x="0" y="0"/>
+          <a:chExt cx="0" cy="0"/>
+        </a:xfrm>
+      </p:grpSpPr>
+      <p:sp>
+        <p:nvSpPr>
+          <p:cNvPr id="2" name="Slide Number Placeholder 1">
+            <a:extLst>
+              <a:ext uri="{FF2B5EF4-FFF2-40B4-BE49-F238E27FC236}">
+                <a16:creationId xmlns:a16="http://schemas.microsoft.com/office/drawing/2014/main" id="{3440FDAB-4604-4E5E-9B2B-9B5EBF1594D0}"/>
+              </a:ext>
+            </a:extLst>
+          </p:cNvPr>
+          <p:cNvSpPr>
+            <a:spLocks noGrp="1"/>
+          </p:cNvSpPr>
+          <p:nvPr>
+            <p:ph type="sldNum" sz="quarter" idx="12"/>
+          </p:nvPr>
+        </p:nvSpPr>
+        <p:spPr/>
+        <p:txBody>
+          <a:bodyPr/>
+          <a:lstStyle/>
+          <a:p>
+            <a:fld id="{D92B6165-2E63-41A3-8905-D7634EBC6D44}" type="slidenum">
+              <a:rPr lang="en-IN" smtClean="0"/>
+              <a:pPr/>
+              <a:t>47</a:t>
+            </a:fld>
+            <a:endParaRPr lang="en-IN"/>
+          </a:p>
+        </p:txBody>
+      </p:sp>
+      <p:sp>
+        <p:nvSpPr>
+          <p:cNvPr id="4" name="TextBox 3">
+            <a:extLst>
+              <a:ext uri="{FF2B5EF4-FFF2-40B4-BE49-F238E27FC236}">
+                <a16:creationId xmlns:a16="http://schemas.microsoft.com/office/drawing/2014/main" id="{0789C305-54B6-4E77-9AB8-98E11F371D22}"/>
+              </a:ext>
+            </a:extLst>
+          </p:cNvPr>
+          <p:cNvSpPr txBox="1"/>
+          <p:nvPr/>
+        </p:nvSpPr>
+        <p:spPr>
+          <a:xfrm>
+            <a:off x="2411895" y="2605566"/>
+            <a:ext cx="6096000" cy="1477328"/>
+          </a:xfrm>
+          <a:prstGeom prst="rect">
+            <a:avLst/>
+          </a:prstGeom>
+          <a:noFill/>
+        </p:spPr>
+        <p:txBody>
+          <a:bodyPr wrap="square">
+            <a:spAutoFit/>
+          </a:bodyPr>
+          <a:lstStyle/>
+          <a:p>
+            <a:r>
+              <a:rPr lang="en-US" dirty="0">
+                <a:solidFill>
+                  <a:srgbClr val="0070C0"/>
+                </a:solidFill>
+                <a:hlinkClick r:id="rId2">
+                  <a:extLst>
+                    <a:ext uri="{A12FA001-AC4F-418D-AE19-62706E023703}">
+                      <ahyp:hlinkClr xmlns:ahyp="http://schemas.microsoft.com/office/drawing/2018/hyperlinkcolor" val="tx"/>
+                    </a:ext>
+                  </a:extLst>
+                </a:hlinkClick>
+              </a:rPr>
+              <a:t>Reference</a:t>
+            </a:r>
+            <a:r>
+              <a:rPr lang="en-US" dirty="0">
+                <a:solidFill>
+                  <a:srgbClr val="56BCFE"/>
+                </a:solidFill>
+                <a:hlinkClick r:id="" action="ppaction://noaction">
+                  <a:extLst>
+                    <a:ext uri="{A12FA001-AC4F-418D-AE19-62706E023703}">
+                      <ahyp:hlinkClr xmlns:ahyp="http://schemas.microsoft.com/office/drawing/2018/hyperlinkcolor" val="tx"/>
+                    </a:ext>
+                  </a:extLst>
+                </a:hlinkClick>
+              </a:rPr>
+              <a:t>: </a:t>
+            </a:r>
+          </a:p>
+          <a:p>
+            <a:endParaRPr lang="en-US" dirty="0">
+              <a:solidFill>
+                <a:srgbClr val="56BCFE"/>
+              </a:solidFill>
+              <a:hlinkClick r:id="" action="ppaction://noaction">
+                <a:extLst>
+                  <a:ext uri="{A12FA001-AC4F-418D-AE19-62706E023703}">
+                    <ahyp:hlinkClr xmlns:ahyp="http://schemas.microsoft.com/office/drawing/2018/hyperlinkcolor" val="tx"/>
+                  </a:ext>
+                </a:extLst>
+              </a:hlinkClick>
+            </a:endParaRPr>
+          </a:p>
+          <a:p>
+            <a:r>
+              <a:rPr lang="en-US" dirty="0">
+                <a:hlinkClick r:id="rId2"/>
+              </a:rPr>
+              <a:t>https://www.paloaltonetworks.com/resources/guides/prisma-cloud-enterprise-edition-licensing-guide</a:t>
+            </a:r>
+            <a:r>
+              <a:rPr lang="en-US" dirty="0"/>
+              <a:t>.</a:t>
+            </a:r>
+          </a:p>
+          <a:p>
+            <a:endParaRPr lang="en-US" dirty="0"/>
+          </a:p>
+        </p:txBody>
+      </p:sp>
+    </p:spTree>
+    <p:extLst>
+      <p:ext uri="{BB962C8B-B14F-4D97-AF65-F5344CB8AC3E}">
+        <p14:creationId xmlns:p14="http://schemas.microsoft.com/office/powerpoint/2010/main" val="4053427483"/>
+      </p:ext>
+    </p:extLst>
+  </p:cSld>
+  <p:clrMapOvr>
+    <a:masterClrMapping/>
+  </p:clrMapOvr>
+  <mc:AlternateContent xmlns:mc="http://schemas.openxmlformats.org/markup-compatibility/2006" xmlns:p14="http://schemas.microsoft.com/office/powerpoint/2010/main">
+    <mc:Choice Requires="p14">
+      <p:transition spd="med" p14:dur="700">
+        <p:fade/>
+      </p:transition>
+    </mc:Choice>
+    <mc:Fallback xmlns="">
+      <p:transition spd="med">
+        <p:fade/>
+      </p:transition>
+    </mc:Fallback>
+  </mc:AlternateContent>
+</p:sld>
+</file>
+
+<file path=ppt/slides/slide48.xml><?xml version="1.0" encoding="utf-8"?>
 <p:sld xmlns:a="http://schemas.openxmlformats.org/drawingml/2006/main" xmlns:r="http://schemas.openxmlformats.org/officeDocument/2006/relationships" xmlns:p="http://schemas.openxmlformats.org/presentationml/2006/main">
   <p:cSld>
     <p:bg>

--- a/AWS Guard Duty & Azure Security Center.pptx
+++ b/AWS Guard Duty & Azure Security Center.pptx
@@ -5,10 +5,10 @@
     <p:sldMasterId id="2147483648" r:id="rId1"/>
   </p:sldMasterIdLst>
   <p:notesMasterIdLst>
-    <p:notesMasterId r:id="rId50"/>
+    <p:notesMasterId r:id="rId57"/>
   </p:notesMasterIdLst>
   <p:handoutMasterIdLst>
-    <p:handoutMasterId r:id="rId51"/>
+    <p:handoutMasterId r:id="rId58"/>
   </p:handoutMasterIdLst>
   <p:sldIdLst>
     <p:sldId id="296" r:id="rId2"/>
@@ -57,13 +57,20 @@
     <p:sldId id="339" r:id="rId45"/>
     <p:sldId id="340" r:id="rId46"/>
     <p:sldId id="341" r:id="rId47"/>
-    <p:sldId id="342" r:id="rId48"/>
-    <p:sldId id="266" r:id="rId49"/>
+    <p:sldId id="344" r:id="rId48"/>
+    <p:sldId id="345" r:id="rId49"/>
+    <p:sldId id="346" r:id="rId50"/>
+    <p:sldId id="347" r:id="rId51"/>
+    <p:sldId id="348" r:id="rId52"/>
+    <p:sldId id="349" r:id="rId53"/>
+    <p:sldId id="350" r:id="rId54"/>
+    <p:sldId id="342" r:id="rId55"/>
+    <p:sldId id="266" r:id="rId56"/>
   </p:sldIdLst>
   <p:sldSz cx="12188825" cy="6858000"/>
   <p:notesSz cx="6858000" cy="9144000"/>
   <p:custDataLst>
-    <p:tags r:id="rId52"/>
+    <p:tags r:id="rId59"/>
   </p:custDataLst>
   <p:defaultTextStyle>
     <a:defPPr>
@@ -558,7 +565,7 @@
             <a:fld id="{7724383D-47EA-45CB-930A-8D57FFD0FCC3}" type="datetime2">
               <a:rPr lang="en-US"/>
               <a:pPr/>
-              <a:t>Tuesday, August 10, 2021</a:t>
+              <a:t>Thursday, August 12, 2021</a:t>
             </a:fld>
             <a:endParaRPr/>
           </a:p>
@@ -5112,82 +5119,769 @@
       </p:grpSpPr>
       <p:sp>
         <p:nvSpPr>
-          <p:cNvPr id="2" name="Slide Image Placeholder 1"/>
+          <p:cNvPr id="31746" name="Rectangle 2"/>
           <p:cNvSpPr>
-            <a:spLocks noGrp="1" noRot="1" noChangeAspect="1"/>
+            <a:spLocks noGrp="1" noRot="1" noChangeAspect="1" noChangeArrowheads="1" noTextEdit="1"/>
           </p:cNvSpPr>
           <p:nvPr>
             <p:ph type="sldImg"/>
           </p:nvPr>
         </p:nvSpPr>
-        <p:spPr/>
+        <p:spPr bwMode="auto">
+          <a:noFill/>
+          <a:ln>
+            <a:solidFill>
+              <a:srgbClr val="000000"/>
+            </a:solidFill>
+            <a:miter lim="800000"/>
+            <a:headEnd/>
+            <a:tailEnd/>
+          </a:ln>
+          <a:extLst>
+            <a:ext uri="{909E8E84-426E-40DD-AFC4-6F175D3DCCD1}">
+              <a14:hiddenFill xmlns:a14="http://schemas.microsoft.com/office/drawing/2010/main">
+                <a:solidFill>
+                  <a:srgbClr val="FFFFFF"/>
+                </a:solidFill>
+              </a14:hiddenFill>
+            </a:ext>
+          </a:extLst>
+        </p:spPr>
       </p:sp>
       <p:sp>
         <p:nvSpPr>
-          <p:cNvPr id="3" name="Notes Placeholder 2"/>
+          <p:cNvPr id="31747" name="Rectangle 3"/>
           <p:cNvSpPr>
-            <a:spLocks noGrp="1"/>
+            <a:spLocks noGrp="1" noChangeArrowheads="1"/>
           </p:cNvSpPr>
           <p:nvPr>
             <p:ph type="body" idx="1"/>
           </p:nvPr>
         </p:nvSpPr>
-        <p:spPr/>
+        <p:spPr bwMode="auto">
+          <a:noFill/>
+          <a:extLst>
+            <a:ext uri="{909E8E84-426E-40DD-AFC4-6F175D3DCCD1}">
+              <a14:hiddenFill xmlns:a14="http://schemas.microsoft.com/office/drawing/2010/main">
+                <a:solidFill>
+                  <a:srgbClr val="FFFFFF"/>
+                </a:solidFill>
+              </a14:hiddenFill>
+            </a:ext>
+            <a:ext uri="{91240B29-F687-4F45-9708-019B960494DF}">
+              <a14:hiddenLine xmlns:a14="http://schemas.microsoft.com/office/drawing/2010/main" w="9525">
+                <a:solidFill>
+                  <a:srgbClr val="000000"/>
+                </a:solidFill>
+                <a:miter lim="800000"/>
+                <a:headEnd/>
+                <a:tailEnd/>
+              </a14:hiddenLine>
+            </a:ext>
+          </a:extLst>
+        </p:spPr>
         <p:txBody>
-          <a:bodyPr/>
+          <a:bodyPr wrap="square" numCol="1" anchor="t" anchorCtr="0" compatLnSpc="1">
+            <a:prstTxWarp prst="textNoShape">
+              <a:avLst/>
+            </a:prstTxWarp>
+          </a:bodyPr>
           <a:lstStyle/>
           <a:p>
-            <a:endParaRPr lang="en-US"/>
-          </a:p>
-        </p:txBody>
-      </p:sp>
-      <p:sp>
-        <p:nvSpPr>
-          <p:cNvPr id="4" name="Footer Placeholder 3"/>
-          <p:cNvSpPr>
-            <a:spLocks noGrp="1"/>
-          </p:cNvSpPr>
-          <p:nvPr>
-            <p:ph type="ftr" sz="quarter" idx="10"/>
-          </p:nvPr>
-        </p:nvSpPr>
-        <p:spPr/>
-        <p:txBody>
-          <a:bodyPr/>
-          <a:lstStyle/>
-          <a:p>
-            <a:endParaRPr lang="en-US" dirty="0"/>
-          </a:p>
-        </p:txBody>
-      </p:sp>
-      <p:sp>
-        <p:nvSpPr>
-          <p:cNvPr id="5" name="Slide Number Placeholder 4"/>
-          <p:cNvSpPr>
-            <a:spLocks noGrp="1"/>
-          </p:cNvSpPr>
-          <p:nvPr>
-            <p:ph type="sldNum" sz="quarter" idx="11"/>
-          </p:nvPr>
-        </p:nvSpPr>
-        <p:spPr/>
-        <p:txBody>
-          <a:bodyPr/>
-          <a:lstStyle/>
-          <a:p>
-            <a:fld id="{AA177954-F820-4125-B6DD-F07DB14523EB}" type="slidenum">
-              <a:rPr lang="en-US" smtClean="0"/>
-              <a:pPr/>
-              <a:t>48</a:t>
-            </a:fld>
-            <a:endParaRPr lang="en-US"/>
+            <a:pPr eaLnBrk="1" hangingPunct="1">
+              <a:spcBef>
+                <a:spcPct val="0"/>
+              </a:spcBef>
+            </a:pPr>
+            <a:endParaRPr lang="en-US">
+              <a:latin typeface="Helvetica"/>
+              <a:ea typeface="MS PGothic" pitchFamily="34" charset="-128"/>
+            </a:endParaRPr>
           </a:p>
         </p:txBody>
       </p:sp>
     </p:spTree>
     <p:extLst>
       <p:ext uri="{BB962C8B-B14F-4D97-AF65-F5344CB8AC3E}">
-        <p14:creationId xmlns:p14="http://schemas.microsoft.com/office/powerpoint/2010/main" val="664992865"/>
+        <p14:creationId xmlns:p14="http://schemas.microsoft.com/office/powerpoint/2010/main" val="4153692282"/>
+      </p:ext>
+    </p:extLst>
+  </p:cSld>
+  <p:clrMapOvr>
+    <a:masterClrMapping/>
+  </p:clrMapOvr>
+</p:notes>
+</file>
+
+<file path=ppt/notesSlides/notesSlide44.xml><?xml version="1.0" encoding="utf-8"?>
+<p:notes xmlns:a="http://schemas.openxmlformats.org/drawingml/2006/main" xmlns:r="http://schemas.openxmlformats.org/officeDocument/2006/relationships" xmlns:p="http://schemas.openxmlformats.org/presentationml/2006/main">
+  <p:cSld>
+    <p:spTree>
+      <p:nvGrpSpPr>
+        <p:cNvPr id="1" name=""/>
+        <p:cNvGrpSpPr/>
+        <p:nvPr/>
+      </p:nvGrpSpPr>
+      <p:grpSpPr>
+        <a:xfrm>
+          <a:off x="0" y="0"/>
+          <a:ext cx="0" cy="0"/>
+          <a:chOff x="0" y="0"/>
+          <a:chExt cx="0" cy="0"/>
+        </a:xfrm>
+      </p:grpSpPr>
+      <p:sp>
+        <p:nvSpPr>
+          <p:cNvPr id="31746" name="Rectangle 2"/>
+          <p:cNvSpPr>
+            <a:spLocks noGrp="1" noRot="1" noChangeAspect="1" noChangeArrowheads="1" noTextEdit="1"/>
+          </p:cNvSpPr>
+          <p:nvPr>
+            <p:ph type="sldImg"/>
+          </p:nvPr>
+        </p:nvSpPr>
+        <p:spPr bwMode="auto">
+          <a:noFill/>
+          <a:ln>
+            <a:solidFill>
+              <a:srgbClr val="000000"/>
+            </a:solidFill>
+            <a:miter lim="800000"/>
+            <a:headEnd/>
+            <a:tailEnd/>
+          </a:ln>
+          <a:extLst>
+            <a:ext uri="{909E8E84-426E-40DD-AFC4-6F175D3DCCD1}">
+              <a14:hiddenFill xmlns:a14="http://schemas.microsoft.com/office/drawing/2010/main">
+                <a:solidFill>
+                  <a:srgbClr val="FFFFFF"/>
+                </a:solidFill>
+              </a14:hiddenFill>
+            </a:ext>
+          </a:extLst>
+        </p:spPr>
+      </p:sp>
+      <p:sp>
+        <p:nvSpPr>
+          <p:cNvPr id="31747" name="Rectangle 3"/>
+          <p:cNvSpPr>
+            <a:spLocks noGrp="1" noChangeArrowheads="1"/>
+          </p:cNvSpPr>
+          <p:nvPr>
+            <p:ph type="body" idx="1"/>
+          </p:nvPr>
+        </p:nvSpPr>
+        <p:spPr bwMode="auto">
+          <a:noFill/>
+          <a:extLst>
+            <a:ext uri="{909E8E84-426E-40DD-AFC4-6F175D3DCCD1}">
+              <a14:hiddenFill xmlns:a14="http://schemas.microsoft.com/office/drawing/2010/main">
+                <a:solidFill>
+                  <a:srgbClr val="FFFFFF"/>
+                </a:solidFill>
+              </a14:hiddenFill>
+            </a:ext>
+            <a:ext uri="{91240B29-F687-4F45-9708-019B960494DF}">
+              <a14:hiddenLine xmlns:a14="http://schemas.microsoft.com/office/drawing/2010/main" w="9525">
+                <a:solidFill>
+                  <a:srgbClr val="000000"/>
+                </a:solidFill>
+                <a:miter lim="800000"/>
+                <a:headEnd/>
+                <a:tailEnd/>
+              </a14:hiddenLine>
+            </a:ext>
+          </a:extLst>
+        </p:spPr>
+        <p:txBody>
+          <a:bodyPr wrap="square" numCol="1" anchor="t" anchorCtr="0" compatLnSpc="1">
+            <a:prstTxWarp prst="textNoShape">
+              <a:avLst/>
+            </a:prstTxWarp>
+          </a:bodyPr>
+          <a:lstStyle/>
+          <a:p>
+            <a:pPr eaLnBrk="1" hangingPunct="1">
+              <a:spcBef>
+                <a:spcPct val="0"/>
+              </a:spcBef>
+            </a:pPr>
+            <a:endParaRPr lang="en-US">
+              <a:latin typeface="Helvetica"/>
+              <a:ea typeface="MS PGothic" pitchFamily="34" charset="-128"/>
+            </a:endParaRPr>
+          </a:p>
+        </p:txBody>
+      </p:sp>
+    </p:spTree>
+    <p:extLst>
+      <p:ext uri="{BB962C8B-B14F-4D97-AF65-F5344CB8AC3E}">
+        <p14:creationId xmlns:p14="http://schemas.microsoft.com/office/powerpoint/2010/main" val="3358957628"/>
+      </p:ext>
+    </p:extLst>
+  </p:cSld>
+  <p:clrMapOvr>
+    <a:masterClrMapping/>
+  </p:clrMapOvr>
+</p:notes>
+</file>
+
+<file path=ppt/notesSlides/notesSlide45.xml><?xml version="1.0" encoding="utf-8"?>
+<p:notes xmlns:a="http://schemas.openxmlformats.org/drawingml/2006/main" xmlns:r="http://schemas.openxmlformats.org/officeDocument/2006/relationships" xmlns:p="http://schemas.openxmlformats.org/presentationml/2006/main">
+  <p:cSld>
+    <p:spTree>
+      <p:nvGrpSpPr>
+        <p:cNvPr id="1" name=""/>
+        <p:cNvGrpSpPr/>
+        <p:nvPr/>
+      </p:nvGrpSpPr>
+      <p:grpSpPr>
+        <a:xfrm>
+          <a:off x="0" y="0"/>
+          <a:ext cx="0" cy="0"/>
+          <a:chOff x="0" y="0"/>
+          <a:chExt cx="0" cy="0"/>
+        </a:xfrm>
+      </p:grpSpPr>
+      <p:sp>
+        <p:nvSpPr>
+          <p:cNvPr id="31746" name="Rectangle 2"/>
+          <p:cNvSpPr>
+            <a:spLocks noGrp="1" noRot="1" noChangeAspect="1" noChangeArrowheads="1" noTextEdit="1"/>
+          </p:cNvSpPr>
+          <p:nvPr>
+            <p:ph type="sldImg"/>
+          </p:nvPr>
+        </p:nvSpPr>
+        <p:spPr bwMode="auto">
+          <a:noFill/>
+          <a:ln>
+            <a:solidFill>
+              <a:srgbClr val="000000"/>
+            </a:solidFill>
+            <a:miter lim="800000"/>
+            <a:headEnd/>
+            <a:tailEnd/>
+          </a:ln>
+          <a:extLst>
+            <a:ext uri="{909E8E84-426E-40DD-AFC4-6F175D3DCCD1}">
+              <a14:hiddenFill xmlns:a14="http://schemas.microsoft.com/office/drawing/2010/main">
+                <a:solidFill>
+                  <a:srgbClr val="FFFFFF"/>
+                </a:solidFill>
+              </a14:hiddenFill>
+            </a:ext>
+          </a:extLst>
+        </p:spPr>
+      </p:sp>
+      <p:sp>
+        <p:nvSpPr>
+          <p:cNvPr id="31747" name="Rectangle 3"/>
+          <p:cNvSpPr>
+            <a:spLocks noGrp="1" noChangeArrowheads="1"/>
+          </p:cNvSpPr>
+          <p:nvPr>
+            <p:ph type="body" idx="1"/>
+          </p:nvPr>
+        </p:nvSpPr>
+        <p:spPr bwMode="auto">
+          <a:noFill/>
+          <a:extLst>
+            <a:ext uri="{909E8E84-426E-40DD-AFC4-6F175D3DCCD1}">
+              <a14:hiddenFill xmlns:a14="http://schemas.microsoft.com/office/drawing/2010/main">
+                <a:solidFill>
+                  <a:srgbClr val="FFFFFF"/>
+                </a:solidFill>
+              </a14:hiddenFill>
+            </a:ext>
+            <a:ext uri="{91240B29-F687-4F45-9708-019B960494DF}">
+              <a14:hiddenLine xmlns:a14="http://schemas.microsoft.com/office/drawing/2010/main" w="9525">
+                <a:solidFill>
+                  <a:srgbClr val="000000"/>
+                </a:solidFill>
+                <a:miter lim="800000"/>
+                <a:headEnd/>
+                <a:tailEnd/>
+              </a14:hiddenLine>
+            </a:ext>
+          </a:extLst>
+        </p:spPr>
+        <p:txBody>
+          <a:bodyPr wrap="square" numCol="1" anchor="t" anchorCtr="0" compatLnSpc="1">
+            <a:prstTxWarp prst="textNoShape">
+              <a:avLst/>
+            </a:prstTxWarp>
+          </a:bodyPr>
+          <a:lstStyle/>
+          <a:p>
+            <a:pPr eaLnBrk="1" hangingPunct="1">
+              <a:spcBef>
+                <a:spcPct val="0"/>
+              </a:spcBef>
+            </a:pPr>
+            <a:endParaRPr lang="en-US">
+              <a:latin typeface="Helvetica"/>
+              <a:ea typeface="MS PGothic" pitchFamily="34" charset="-128"/>
+            </a:endParaRPr>
+          </a:p>
+        </p:txBody>
+      </p:sp>
+    </p:spTree>
+    <p:extLst>
+      <p:ext uri="{BB962C8B-B14F-4D97-AF65-F5344CB8AC3E}">
+        <p14:creationId xmlns:p14="http://schemas.microsoft.com/office/powerpoint/2010/main" val="363776712"/>
+      </p:ext>
+    </p:extLst>
+  </p:cSld>
+  <p:clrMapOvr>
+    <a:masterClrMapping/>
+  </p:clrMapOvr>
+</p:notes>
+</file>
+
+<file path=ppt/notesSlides/notesSlide46.xml><?xml version="1.0" encoding="utf-8"?>
+<p:notes xmlns:a="http://schemas.openxmlformats.org/drawingml/2006/main" xmlns:r="http://schemas.openxmlformats.org/officeDocument/2006/relationships" xmlns:p="http://schemas.openxmlformats.org/presentationml/2006/main">
+  <p:cSld>
+    <p:spTree>
+      <p:nvGrpSpPr>
+        <p:cNvPr id="1" name=""/>
+        <p:cNvGrpSpPr/>
+        <p:nvPr/>
+      </p:nvGrpSpPr>
+      <p:grpSpPr>
+        <a:xfrm>
+          <a:off x="0" y="0"/>
+          <a:ext cx="0" cy="0"/>
+          <a:chOff x="0" y="0"/>
+          <a:chExt cx="0" cy="0"/>
+        </a:xfrm>
+      </p:grpSpPr>
+      <p:sp>
+        <p:nvSpPr>
+          <p:cNvPr id="31746" name="Rectangle 2"/>
+          <p:cNvSpPr>
+            <a:spLocks noGrp="1" noRot="1" noChangeAspect="1" noChangeArrowheads="1" noTextEdit="1"/>
+          </p:cNvSpPr>
+          <p:nvPr>
+            <p:ph type="sldImg"/>
+          </p:nvPr>
+        </p:nvSpPr>
+        <p:spPr bwMode="auto">
+          <a:noFill/>
+          <a:ln>
+            <a:solidFill>
+              <a:srgbClr val="000000"/>
+            </a:solidFill>
+            <a:miter lim="800000"/>
+            <a:headEnd/>
+            <a:tailEnd/>
+          </a:ln>
+          <a:extLst>
+            <a:ext uri="{909E8E84-426E-40DD-AFC4-6F175D3DCCD1}">
+              <a14:hiddenFill xmlns:a14="http://schemas.microsoft.com/office/drawing/2010/main">
+                <a:solidFill>
+                  <a:srgbClr val="FFFFFF"/>
+                </a:solidFill>
+              </a14:hiddenFill>
+            </a:ext>
+          </a:extLst>
+        </p:spPr>
+      </p:sp>
+      <p:sp>
+        <p:nvSpPr>
+          <p:cNvPr id="31747" name="Rectangle 3"/>
+          <p:cNvSpPr>
+            <a:spLocks noGrp="1" noChangeArrowheads="1"/>
+          </p:cNvSpPr>
+          <p:nvPr>
+            <p:ph type="body" idx="1"/>
+          </p:nvPr>
+        </p:nvSpPr>
+        <p:spPr bwMode="auto">
+          <a:noFill/>
+          <a:extLst>
+            <a:ext uri="{909E8E84-426E-40DD-AFC4-6F175D3DCCD1}">
+              <a14:hiddenFill xmlns:a14="http://schemas.microsoft.com/office/drawing/2010/main">
+                <a:solidFill>
+                  <a:srgbClr val="FFFFFF"/>
+                </a:solidFill>
+              </a14:hiddenFill>
+            </a:ext>
+            <a:ext uri="{91240B29-F687-4F45-9708-019B960494DF}">
+              <a14:hiddenLine xmlns:a14="http://schemas.microsoft.com/office/drawing/2010/main" w="9525">
+                <a:solidFill>
+                  <a:srgbClr val="000000"/>
+                </a:solidFill>
+                <a:miter lim="800000"/>
+                <a:headEnd/>
+                <a:tailEnd/>
+              </a14:hiddenLine>
+            </a:ext>
+          </a:extLst>
+        </p:spPr>
+        <p:txBody>
+          <a:bodyPr wrap="square" numCol="1" anchor="t" anchorCtr="0" compatLnSpc="1">
+            <a:prstTxWarp prst="textNoShape">
+              <a:avLst/>
+            </a:prstTxWarp>
+          </a:bodyPr>
+          <a:lstStyle/>
+          <a:p>
+            <a:pPr eaLnBrk="1" hangingPunct="1">
+              <a:spcBef>
+                <a:spcPct val="0"/>
+              </a:spcBef>
+            </a:pPr>
+            <a:endParaRPr lang="en-US">
+              <a:latin typeface="Helvetica"/>
+              <a:ea typeface="MS PGothic" pitchFamily="34" charset="-128"/>
+            </a:endParaRPr>
+          </a:p>
+        </p:txBody>
+      </p:sp>
+    </p:spTree>
+    <p:extLst>
+      <p:ext uri="{BB962C8B-B14F-4D97-AF65-F5344CB8AC3E}">
+        <p14:creationId xmlns:p14="http://schemas.microsoft.com/office/powerpoint/2010/main" val="1075318367"/>
+      </p:ext>
+    </p:extLst>
+  </p:cSld>
+  <p:clrMapOvr>
+    <a:masterClrMapping/>
+  </p:clrMapOvr>
+</p:notes>
+</file>
+
+<file path=ppt/notesSlides/notesSlide47.xml><?xml version="1.0" encoding="utf-8"?>
+<p:notes xmlns:a="http://schemas.openxmlformats.org/drawingml/2006/main" xmlns:r="http://schemas.openxmlformats.org/officeDocument/2006/relationships" xmlns:p="http://schemas.openxmlformats.org/presentationml/2006/main">
+  <p:cSld>
+    <p:spTree>
+      <p:nvGrpSpPr>
+        <p:cNvPr id="1" name=""/>
+        <p:cNvGrpSpPr/>
+        <p:nvPr/>
+      </p:nvGrpSpPr>
+      <p:grpSpPr>
+        <a:xfrm>
+          <a:off x="0" y="0"/>
+          <a:ext cx="0" cy="0"/>
+          <a:chOff x="0" y="0"/>
+          <a:chExt cx="0" cy="0"/>
+        </a:xfrm>
+      </p:grpSpPr>
+      <p:sp>
+        <p:nvSpPr>
+          <p:cNvPr id="31746" name="Rectangle 2"/>
+          <p:cNvSpPr>
+            <a:spLocks noGrp="1" noRot="1" noChangeAspect="1" noChangeArrowheads="1" noTextEdit="1"/>
+          </p:cNvSpPr>
+          <p:nvPr>
+            <p:ph type="sldImg"/>
+          </p:nvPr>
+        </p:nvSpPr>
+        <p:spPr bwMode="auto">
+          <a:noFill/>
+          <a:ln>
+            <a:solidFill>
+              <a:srgbClr val="000000"/>
+            </a:solidFill>
+            <a:miter lim="800000"/>
+            <a:headEnd/>
+            <a:tailEnd/>
+          </a:ln>
+          <a:extLst>
+            <a:ext uri="{909E8E84-426E-40DD-AFC4-6F175D3DCCD1}">
+              <a14:hiddenFill xmlns:a14="http://schemas.microsoft.com/office/drawing/2010/main">
+                <a:solidFill>
+                  <a:srgbClr val="FFFFFF"/>
+                </a:solidFill>
+              </a14:hiddenFill>
+            </a:ext>
+          </a:extLst>
+        </p:spPr>
+      </p:sp>
+      <p:sp>
+        <p:nvSpPr>
+          <p:cNvPr id="31747" name="Rectangle 3"/>
+          <p:cNvSpPr>
+            <a:spLocks noGrp="1" noChangeArrowheads="1"/>
+          </p:cNvSpPr>
+          <p:nvPr>
+            <p:ph type="body" idx="1"/>
+          </p:nvPr>
+        </p:nvSpPr>
+        <p:spPr bwMode="auto">
+          <a:noFill/>
+          <a:extLst>
+            <a:ext uri="{909E8E84-426E-40DD-AFC4-6F175D3DCCD1}">
+              <a14:hiddenFill xmlns:a14="http://schemas.microsoft.com/office/drawing/2010/main">
+                <a:solidFill>
+                  <a:srgbClr val="FFFFFF"/>
+                </a:solidFill>
+              </a14:hiddenFill>
+            </a:ext>
+            <a:ext uri="{91240B29-F687-4F45-9708-019B960494DF}">
+              <a14:hiddenLine xmlns:a14="http://schemas.microsoft.com/office/drawing/2010/main" w="9525">
+                <a:solidFill>
+                  <a:srgbClr val="000000"/>
+                </a:solidFill>
+                <a:miter lim="800000"/>
+                <a:headEnd/>
+                <a:tailEnd/>
+              </a14:hiddenLine>
+            </a:ext>
+          </a:extLst>
+        </p:spPr>
+        <p:txBody>
+          <a:bodyPr wrap="square" numCol="1" anchor="t" anchorCtr="0" compatLnSpc="1">
+            <a:prstTxWarp prst="textNoShape">
+              <a:avLst/>
+            </a:prstTxWarp>
+          </a:bodyPr>
+          <a:lstStyle/>
+          <a:p>
+            <a:pPr eaLnBrk="1" hangingPunct="1">
+              <a:spcBef>
+                <a:spcPct val="0"/>
+              </a:spcBef>
+            </a:pPr>
+            <a:endParaRPr lang="en-US">
+              <a:latin typeface="Helvetica"/>
+              <a:ea typeface="MS PGothic" pitchFamily="34" charset="-128"/>
+            </a:endParaRPr>
+          </a:p>
+        </p:txBody>
+      </p:sp>
+    </p:spTree>
+    <p:extLst>
+      <p:ext uri="{BB962C8B-B14F-4D97-AF65-F5344CB8AC3E}">
+        <p14:creationId xmlns:p14="http://schemas.microsoft.com/office/powerpoint/2010/main" val="901597788"/>
+      </p:ext>
+    </p:extLst>
+  </p:cSld>
+  <p:clrMapOvr>
+    <a:masterClrMapping/>
+  </p:clrMapOvr>
+</p:notes>
+</file>
+
+<file path=ppt/notesSlides/notesSlide48.xml><?xml version="1.0" encoding="utf-8"?>
+<p:notes xmlns:a="http://schemas.openxmlformats.org/drawingml/2006/main" xmlns:r="http://schemas.openxmlformats.org/officeDocument/2006/relationships" xmlns:p="http://schemas.openxmlformats.org/presentationml/2006/main">
+  <p:cSld>
+    <p:spTree>
+      <p:nvGrpSpPr>
+        <p:cNvPr id="1" name=""/>
+        <p:cNvGrpSpPr/>
+        <p:nvPr/>
+      </p:nvGrpSpPr>
+      <p:grpSpPr>
+        <a:xfrm>
+          <a:off x="0" y="0"/>
+          <a:ext cx="0" cy="0"/>
+          <a:chOff x="0" y="0"/>
+          <a:chExt cx="0" cy="0"/>
+        </a:xfrm>
+      </p:grpSpPr>
+      <p:sp>
+        <p:nvSpPr>
+          <p:cNvPr id="31746" name="Rectangle 2"/>
+          <p:cNvSpPr>
+            <a:spLocks noGrp="1" noRot="1" noChangeAspect="1" noChangeArrowheads="1" noTextEdit="1"/>
+          </p:cNvSpPr>
+          <p:nvPr>
+            <p:ph type="sldImg"/>
+          </p:nvPr>
+        </p:nvSpPr>
+        <p:spPr bwMode="auto">
+          <a:noFill/>
+          <a:ln>
+            <a:solidFill>
+              <a:srgbClr val="000000"/>
+            </a:solidFill>
+            <a:miter lim="800000"/>
+            <a:headEnd/>
+            <a:tailEnd/>
+          </a:ln>
+          <a:extLst>
+            <a:ext uri="{909E8E84-426E-40DD-AFC4-6F175D3DCCD1}">
+              <a14:hiddenFill xmlns:a14="http://schemas.microsoft.com/office/drawing/2010/main">
+                <a:solidFill>
+                  <a:srgbClr val="FFFFFF"/>
+                </a:solidFill>
+              </a14:hiddenFill>
+            </a:ext>
+          </a:extLst>
+        </p:spPr>
+      </p:sp>
+      <p:sp>
+        <p:nvSpPr>
+          <p:cNvPr id="31747" name="Rectangle 3"/>
+          <p:cNvSpPr>
+            <a:spLocks noGrp="1" noChangeArrowheads="1"/>
+          </p:cNvSpPr>
+          <p:nvPr>
+            <p:ph type="body" idx="1"/>
+          </p:nvPr>
+        </p:nvSpPr>
+        <p:spPr bwMode="auto">
+          <a:noFill/>
+          <a:extLst>
+            <a:ext uri="{909E8E84-426E-40DD-AFC4-6F175D3DCCD1}">
+              <a14:hiddenFill xmlns:a14="http://schemas.microsoft.com/office/drawing/2010/main">
+                <a:solidFill>
+                  <a:srgbClr val="FFFFFF"/>
+                </a:solidFill>
+              </a14:hiddenFill>
+            </a:ext>
+            <a:ext uri="{91240B29-F687-4F45-9708-019B960494DF}">
+              <a14:hiddenLine xmlns:a14="http://schemas.microsoft.com/office/drawing/2010/main" w="9525">
+                <a:solidFill>
+                  <a:srgbClr val="000000"/>
+                </a:solidFill>
+                <a:miter lim="800000"/>
+                <a:headEnd/>
+                <a:tailEnd/>
+              </a14:hiddenLine>
+            </a:ext>
+          </a:extLst>
+        </p:spPr>
+        <p:txBody>
+          <a:bodyPr wrap="square" numCol="1" anchor="t" anchorCtr="0" compatLnSpc="1">
+            <a:prstTxWarp prst="textNoShape">
+              <a:avLst/>
+            </a:prstTxWarp>
+          </a:bodyPr>
+          <a:lstStyle/>
+          <a:p>
+            <a:pPr eaLnBrk="1" hangingPunct="1">
+              <a:spcBef>
+                <a:spcPct val="0"/>
+              </a:spcBef>
+            </a:pPr>
+            <a:endParaRPr lang="en-US">
+              <a:latin typeface="Helvetica"/>
+              <a:ea typeface="MS PGothic" pitchFamily="34" charset="-128"/>
+            </a:endParaRPr>
+          </a:p>
+        </p:txBody>
+      </p:sp>
+    </p:spTree>
+    <p:extLst>
+      <p:ext uri="{BB962C8B-B14F-4D97-AF65-F5344CB8AC3E}">
+        <p14:creationId xmlns:p14="http://schemas.microsoft.com/office/powerpoint/2010/main" val="3206590913"/>
+      </p:ext>
+    </p:extLst>
+  </p:cSld>
+  <p:clrMapOvr>
+    <a:masterClrMapping/>
+  </p:clrMapOvr>
+</p:notes>
+</file>
+
+<file path=ppt/notesSlides/notesSlide49.xml><?xml version="1.0" encoding="utf-8"?>
+<p:notes xmlns:a="http://schemas.openxmlformats.org/drawingml/2006/main" xmlns:r="http://schemas.openxmlformats.org/officeDocument/2006/relationships" xmlns:p="http://schemas.openxmlformats.org/presentationml/2006/main">
+  <p:cSld>
+    <p:spTree>
+      <p:nvGrpSpPr>
+        <p:cNvPr id="1" name=""/>
+        <p:cNvGrpSpPr/>
+        <p:nvPr/>
+      </p:nvGrpSpPr>
+      <p:grpSpPr>
+        <a:xfrm>
+          <a:off x="0" y="0"/>
+          <a:ext cx="0" cy="0"/>
+          <a:chOff x="0" y="0"/>
+          <a:chExt cx="0" cy="0"/>
+        </a:xfrm>
+      </p:grpSpPr>
+      <p:sp>
+        <p:nvSpPr>
+          <p:cNvPr id="31746" name="Rectangle 2"/>
+          <p:cNvSpPr>
+            <a:spLocks noGrp="1" noRot="1" noChangeAspect="1" noChangeArrowheads="1" noTextEdit="1"/>
+          </p:cNvSpPr>
+          <p:nvPr>
+            <p:ph type="sldImg"/>
+          </p:nvPr>
+        </p:nvSpPr>
+        <p:spPr bwMode="auto">
+          <a:noFill/>
+          <a:ln>
+            <a:solidFill>
+              <a:srgbClr val="000000"/>
+            </a:solidFill>
+            <a:miter lim="800000"/>
+            <a:headEnd/>
+            <a:tailEnd/>
+          </a:ln>
+          <a:extLst>
+            <a:ext uri="{909E8E84-426E-40DD-AFC4-6F175D3DCCD1}">
+              <a14:hiddenFill xmlns:a14="http://schemas.microsoft.com/office/drawing/2010/main">
+                <a:solidFill>
+                  <a:srgbClr val="FFFFFF"/>
+                </a:solidFill>
+              </a14:hiddenFill>
+            </a:ext>
+          </a:extLst>
+        </p:spPr>
+      </p:sp>
+      <p:sp>
+        <p:nvSpPr>
+          <p:cNvPr id="31747" name="Rectangle 3"/>
+          <p:cNvSpPr>
+            <a:spLocks noGrp="1" noChangeArrowheads="1"/>
+          </p:cNvSpPr>
+          <p:nvPr>
+            <p:ph type="body" idx="1"/>
+          </p:nvPr>
+        </p:nvSpPr>
+        <p:spPr bwMode="auto">
+          <a:noFill/>
+          <a:extLst>
+            <a:ext uri="{909E8E84-426E-40DD-AFC4-6F175D3DCCD1}">
+              <a14:hiddenFill xmlns:a14="http://schemas.microsoft.com/office/drawing/2010/main">
+                <a:solidFill>
+                  <a:srgbClr val="FFFFFF"/>
+                </a:solidFill>
+              </a14:hiddenFill>
+            </a:ext>
+            <a:ext uri="{91240B29-F687-4F45-9708-019B960494DF}">
+              <a14:hiddenLine xmlns:a14="http://schemas.microsoft.com/office/drawing/2010/main" w="9525">
+                <a:solidFill>
+                  <a:srgbClr val="000000"/>
+                </a:solidFill>
+                <a:miter lim="800000"/>
+                <a:headEnd/>
+                <a:tailEnd/>
+              </a14:hiddenLine>
+            </a:ext>
+          </a:extLst>
+        </p:spPr>
+        <p:txBody>
+          <a:bodyPr wrap="square" numCol="1" anchor="t" anchorCtr="0" compatLnSpc="1">
+            <a:prstTxWarp prst="textNoShape">
+              <a:avLst/>
+            </a:prstTxWarp>
+          </a:bodyPr>
+          <a:lstStyle/>
+          <a:p>
+            <a:pPr eaLnBrk="1" hangingPunct="1">
+              <a:spcBef>
+                <a:spcPct val="0"/>
+              </a:spcBef>
+            </a:pPr>
+            <a:endParaRPr lang="en-US">
+              <a:latin typeface="Helvetica"/>
+              <a:ea typeface="MS PGothic" pitchFamily="34" charset="-128"/>
+            </a:endParaRPr>
+          </a:p>
+        </p:txBody>
+      </p:sp>
+    </p:spTree>
+    <p:extLst>
+      <p:ext uri="{BB962C8B-B14F-4D97-AF65-F5344CB8AC3E}">
+        <p14:creationId xmlns:p14="http://schemas.microsoft.com/office/powerpoint/2010/main" val="190050032"/>
       </p:ext>
     </p:extLst>
   </p:cSld>
@@ -5301,6 +5995,110 @@
     <p:extLst>
       <p:ext uri="{BB962C8B-B14F-4D97-AF65-F5344CB8AC3E}">
         <p14:creationId xmlns:p14="http://schemas.microsoft.com/office/powerpoint/2010/main" val="3886751913"/>
+      </p:ext>
+    </p:extLst>
+  </p:cSld>
+  <p:clrMapOvr>
+    <a:masterClrMapping/>
+  </p:clrMapOvr>
+</p:notes>
+</file>
+
+<file path=ppt/notesSlides/notesSlide50.xml><?xml version="1.0" encoding="utf-8"?>
+<p:notes xmlns:a="http://schemas.openxmlformats.org/drawingml/2006/main" xmlns:r="http://schemas.openxmlformats.org/officeDocument/2006/relationships" xmlns:p="http://schemas.openxmlformats.org/presentationml/2006/main">
+  <p:cSld>
+    <p:spTree>
+      <p:nvGrpSpPr>
+        <p:cNvPr id="1" name=""/>
+        <p:cNvGrpSpPr/>
+        <p:nvPr/>
+      </p:nvGrpSpPr>
+      <p:grpSpPr>
+        <a:xfrm>
+          <a:off x="0" y="0"/>
+          <a:ext cx="0" cy="0"/>
+          <a:chOff x="0" y="0"/>
+          <a:chExt cx="0" cy="0"/>
+        </a:xfrm>
+      </p:grpSpPr>
+      <p:sp>
+        <p:nvSpPr>
+          <p:cNvPr id="2" name="Slide Image Placeholder 1"/>
+          <p:cNvSpPr>
+            <a:spLocks noGrp="1" noRot="1" noChangeAspect="1"/>
+          </p:cNvSpPr>
+          <p:nvPr>
+            <p:ph type="sldImg"/>
+          </p:nvPr>
+        </p:nvSpPr>
+        <p:spPr/>
+      </p:sp>
+      <p:sp>
+        <p:nvSpPr>
+          <p:cNvPr id="3" name="Notes Placeholder 2"/>
+          <p:cNvSpPr>
+            <a:spLocks noGrp="1"/>
+          </p:cNvSpPr>
+          <p:nvPr>
+            <p:ph type="body" idx="1"/>
+          </p:nvPr>
+        </p:nvSpPr>
+        <p:spPr/>
+        <p:txBody>
+          <a:bodyPr/>
+          <a:lstStyle/>
+          <a:p>
+            <a:endParaRPr lang="en-US"/>
+          </a:p>
+        </p:txBody>
+      </p:sp>
+      <p:sp>
+        <p:nvSpPr>
+          <p:cNvPr id="4" name="Footer Placeholder 3"/>
+          <p:cNvSpPr>
+            <a:spLocks noGrp="1"/>
+          </p:cNvSpPr>
+          <p:nvPr>
+            <p:ph type="ftr" sz="quarter" idx="10"/>
+          </p:nvPr>
+        </p:nvSpPr>
+        <p:spPr/>
+        <p:txBody>
+          <a:bodyPr/>
+          <a:lstStyle/>
+          <a:p>
+            <a:endParaRPr lang="en-US" dirty="0"/>
+          </a:p>
+        </p:txBody>
+      </p:sp>
+      <p:sp>
+        <p:nvSpPr>
+          <p:cNvPr id="5" name="Slide Number Placeholder 4"/>
+          <p:cNvSpPr>
+            <a:spLocks noGrp="1"/>
+          </p:cNvSpPr>
+          <p:nvPr>
+            <p:ph type="sldNum" sz="quarter" idx="11"/>
+          </p:nvPr>
+        </p:nvSpPr>
+        <p:spPr/>
+        <p:txBody>
+          <a:bodyPr/>
+          <a:lstStyle/>
+          <a:p>
+            <a:fld id="{AA177954-F820-4125-B6DD-F07DB14523EB}" type="slidenum">
+              <a:rPr lang="en-US" smtClean="0"/>
+              <a:pPr/>
+              <a:t>55</a:t>
+            </a:fld>
+            <a:endParaRPr lang="en-US"/>
+          </a:p>
+        </p:txBody>
+      </p:sp>
+    </p:spTree>
+    <p:extLst>
+      <p:ext uri="{BB962C8B-B14F-4D97-AF65-F5344CB8AC3E}">
+        <p14:creationId xmlns:p14="http://schemas.microsoft.com/office/powerpoint/2010/main" val="664992865"/>
       </p:ext>
     </p:extLst>
   </p:cSld>
@@ -46081,13 +46879,29 @@
       </p:grpSpPr>
       <p:sp>
         <p:nvSpPr>
-          <p:cNvPr id="2" name="Slide Number Placeholder 1">
-            <a:extLst>
-              <a:ext uri="{FF2B5EF4-FFF2-40B4-BE49-F238E27FC236}">
-                <a16:creationId xmlns:a16="http://schemas.microsoft.com/office/drawing/2014/main" id="{3440FDAB-4604-4E5E-9B2B-9B5EBF1594D0}"/>
-              </a:ext>
-            </a:extLst>
-          </p:cNvPr>
+          <p:cNvPr id="17410" name="Rectangle 2"/>
+          <p:cNvSpPr>
+            <a:spLocks noGrp="1" noChangeArrowheads="1"/>
+          </p:cNvSpPr>
+          <p:nvPr>
+            <p:ph type="title"/>
+          </p:nvPr>
+        </p:nvSpPr>
+        <p:spPr/>
+        <p:txBody>
+          <a:bodyPr/>
+          <a:lstStyle/>
+          <a:p>
+            <a:r>
+              <a:rPr lang="en-US" dirty="0"/>
+              <a:t>Prisma- Defender Types</a:t>
+            </a:r>
+          </a:p>
+        </p:txBody>
+      </p:sp>
+      <p:sp>
+        <p:nvSpPr>
+          <p:cNvPr id="4" name="Slide Number Placeholder 3"/>
           <p:cNvSpPr>
             <a:spLocks noGrp="1"/>
           </p:cNvSpPr>
@@ -46101,20 +46915,60 @@
           <a:lstStyle/>
           <a:p>
             <a:fld id="{D92B6165-2E63-41A3-8905-D7634EBC6D44}" type="slidenum">
-              <a:rPr lang="en-IN" smtClean="0"/>
+              <a:rPr lang="en-US" smtClean="0"/>
               <a:pPr/>
               <a:t>47</a:t>
             </a:fld>
-            <a:endParaRPr lang="en-IN"/>
+            <a:endParaRPr lang="en-US"/>
           </a:p>
         </p:txBody>
       </p:sp>
       <p:sp>
         <p:nvSpPr>
-          <p:cNvPr id="4" name="TextBox 3">
+          <p:cNvPr id="2" name="Rectangle 1">
             <a:extLst>
               <a:ext uri="{FF2B5EF4-FFF2-40B4-BE49-F238E27FC236}">
-                <a16:creationId xmlns:a16="http://schemas.microsoft.com/office/drawing/2014/main" id="{0789C305-54B6-4E77-9AB8-98E11F371D22}"/>
+                <a16:creationId xmlns:a16="http://schemas.microsoft.com/office/drawing/2014/main" id="{3B34818F-4EC6-495C-A0E0-30FCB7404BE7}"/>
+              </a:ext>
+            </a:extLst>
+          </p:cNvPr>
+          <p:cNvSpPr/>
+          <p:nvPr/>
+        </p:nvSpPr>
+        <p:spPr>
+          <a:xfrm>
+            <a:off x="329195" y="897873"/>
+            <a:ext cx="10881730" cy="369332"/>
+          </a:xfrm>
+          <a:prstGeom prst="rect">
+            <a:avLst/>
+          </a:prstGeom>
+        </p:spPr>
+        <p:txBody>
+          <a:bodyPr wrap="square">
+            <a:spAutoFit/>
+          </a:bodyPr>
+          <a:lstStyle/>
+          <a:p>
+            <a:r>
+              <a:rPr lang="en-US" dirty="0">
+                <a:solidFill>
+                  <a:srgbClr val="4C4C51"/>
+                </a:solidFill>
+                <a:latin typeface="Segoe UI" panose="020B0502040204020203" pitchFamily="34" charset="0"/>
+              </a:rPr>
+              <a:t>Defender types:</a:t>
+            </a:r>
+            <a:endParaRPr lang="en-US" dirty="0"/>
+          </a:p>
+        </p:txBody>
+      </p:sp>
+      <p:sp>
+        <p:nvSpPr>
+          <p:cNvPr id="6" name="TextBox 5">
+            <a:extLst>
+              <a:ext uri="{FF2B5EF4-FFF2-40B4-BE49-F238E27FC236}">
+                <a16:creationId xmlns:a16="http://schemas.microsoft.com/office/drawing/2014/main" id="{7E149B81-9EAE-4CD0-9E8C-3D85A9FCE9D8}"/>
               </a:ext>
             </a:extLst>
           </p:cNvPr>
@@ -46123,8 +46977,8 @@
         </p:nvSpPr>
         <p:spPr>
           <a:xfrm>
-            <a:off x="2411895" y="2605566"/>
-            <a:ext cx="6096000" cy="1477328"/>
+            <a:off x="318235" y="1649710"/>
+            <a:ext cx="11879380" cy="1754326"/>
           </a:xfrm>
           <a:prstGeom prst="rect">
             <a:avLst/>
@@ -46138,71 +46992,43 @@
           <a:lstStyle/>
           <a:p>
             <a:r>
-              <a:rPr lang="en-US" dirty="0">
-                <a:solidFill>
-                  <a:srgbClr val="0070C0"/>
-                </a:solidFill>
-                <a:hlinkClick r:id="rId2">
-                  <a:extLst>
-                    <a:ext uri="{A12FA001-AC4F-418D-AE19-62706E023703}">
-                      <ahyp:hlinkClr xmlns:ahyp="http://schemas.microsoft.com/office/drawing/2018/hyperlinkcolor" val="tx"/>
-                    </a:ext>
-                  </a:extLst>
-                </a:hlinkClick>
-              </a:rPr>
-              <a:t>Reference</a:t>
+              <a:rPr lang="en-GB" dirty="0"/>
+              <a:t>Container Defender ( Linux , Windows)</a:t>
             </a:r>
+          </a:p>
+          <a:p>
             <a:r>
-              <a:rPr lang="en-US" dirty="0">
-                <a:solidFill>
-                  <a:srgbClr val="56BCFE"/>
-                </a:solidFill>
-                <a:hlinkClick r:id="" action="ppaction://noaction">
-                  <a:extLst>
-                    <a:ext uri="{A12FA001-AC4F-418D-AE19-62706E023703}">
-                      <ahyp:hlinkClr xmlns:ahyp="http://schemas.microsoft.com/office/drawing/2018/hyperlinkcolor" val="tx"/>
-                    </a:ext>
-                  </a:extLst>
-                </a:hlinkClick>
-              </a:rPr>
-              <a:t>: </a:t>
+              <a:rPr lang="en-GB" dirty="0"/>
+              <a:t>Host Defender ( Linux, Windows)</a:t>
             </a:r>
           </a:p>
           <a:p>
-            <a:endParaRPr lang="en-US" dirty="0">
-              <a:solidFill>
-                <a:srgbClr val="56BCFE"/>
-              </a:solidFill>
-              <a:hlinkClick r:id="" action="ppaction://noaction">
-                <a:extLst>
-                  <a:ext uri="{A12FA001-AC4F-418D-AE19-62706E023703}">
-                    <ahyp:hlinkClr xmlns:ahyp="http://schemas.microsoft.com/office/drawing/2018/hyperlinkcolor" val="tx"/>
-                  </a:ext>
-                </a:extLst>
-              </a:hlinkClick>
-            </a:endParaRPr>
-          </a:p>
-          <a:p>
             <a:r>
-              <a:rPr lang="en-US" dirty="0">
-                <a:hlinkClick r:id="rId2"/>
-              </a:rPr>
-              <a:t>https://www.paloaltonetworks.com/resources/guides/prisma-cloud-enterprise-edition-licensing-guide</a:t>
+              <a:rPr lang="en-GB" dirty="0"/>
+              <a:t>Fargate Defender</a:t>
             </a:r>
+          </a:p>
+          <a:p>
             <a:r>
-              <a:rPr lang="en-US" dirty="0"/>
-              <a:t>.</a:t>
+              <a:rPr lang="en-GB" dirty="0"/>
+              <a:t>Serverless Defender ( Embedded inside functions)</a:t>
             </a:r>
           </a:p>
           <a:p>
-            <a:endParaRPr lang="en-US" dirty="0"/>
+            <a:r>
+              <a:rPr lang="en-GB" dirty="0"/>
+              <a:t>App Embedded</a:t>
+            </a:r>
+          </a:p>
+          <a:p>
+            <a:endParaRPr lang="en-IN" dirty="0"/>
           </a:p>
         </p:txBody>
       </p:sp>
     </p:spTree>
     <p:extLst>
       <p:ext uri="{BB962C8B-B14F-4D97-AF65-F5344CB8AC3E}">
-        <p14:creationId xmlns:p14="http://schemas.microsoft.com/office/powerpoint/2010/main" val="4053427483"/>
+        <p14:creationId xmlns:p14="http://schemas.microsoft.com/office/powerpoint/2010/main" val="3408105155"/>
       </p:ext>
     </p:extLst>
   </p:cSld>
@@ -46227,14 +47053,6 @@
 <file path=ppt/slides/slide48.xml><?xml version="1.0" encoding="utf-8"?>
 <p:sld xmlns:a="http://schemas.openxmlformats.org/drawingml/2006/main" xmlns:r="http://schemas.openxmlformats.org/officeDocument/2006/relationships" xmlns:p="http://schemas.openxmlformats.org/presentationml/2006/main">
   <p:cSld>
-    <p:bg>
-      <p:bgPr>
-        <a:solidFill>
-          <a:schemeClr val="accent1"/>
-        </a:solidFill>
-        <a:effectLst/>
-      </p:bgPr>
-    </p:bg>
     <p:spTree>
       <p:nvGrpSpPr>
         <p:cNvPr id="1" name=""/>
@@ -46249,10 +47067,250 @@
           <a:chExt cx="0" cy="0"/>
         </a:xfrm>
       </p:grpSpPr>
+      <p:sp>
+        <p:nvSpPr>
+          <p:cNvPr id="17410" name="Rectangle 2"/>
+          <p:cNvSpPr>
+            <a:spLocks noGrp="1" noChangeArrowheads="1"/>
+          </p:cNvSpPr>
+          <p:nvPr>
+            <p:ph type="title"/>
+          </p:nvPr>
+        </p:nvSpPr>
+        <p:spPr>
+          <a:xfrm>
+            <a:off x="274320" y="178814"/>
+            <a:ext cx="11457432" cy="743899"/>
+          </a:xfrm>
+        </p:spPr>
+        <p:txBody>
+          <a:bodyPr/>
+          <a:lstStyle/>
+          <a:p>
+            <a:r>
+              <a:rPr lang="en-US" dirty="0"/>
+              <a:t>Prisma – Defender Capability</a:t>
+            </a:r>
+          </a:p>
+        </p:txBody>
+      </p:sp>
+      <p:sp>
+        <p:nvSpPr>
+          <p:cNvPr id="4" name="Slide Number Placeholder 3"/>
+          <p:cNvSpPr>
+            <a:spLocks noGrp="1"/>
+          </p:cNvSpPr>
+          <p:nvPr>
+            <p:ph type="sldNum" sz="quarter" idx="12"/>
+          </p:nvPr>
+        </p:nvSpPr>
+        <p:spPr/>
+        <p:txBody>
+          <a:bodyPr/>
+          <a:lstStyle/>
+          <a:p>
+            <a:fld id="{D92B6165-2E63-41A3-8905-D7634EBC6D44}" type="slidenum">
+              <a:rPr lang="en-US" smtClean="0"/>
+              <a:pPr/>
+              <a:t>48</a:t>
+            </a:fld>
+            <a:endParaRPr lang="en-US"/>
+          </a:p>
+        </p:txBody>
+      </p:sp>
+      <p:pic>
+        <p:nvPicPr>
+          <p:cNvPr id="5" name="Content Placeholder 5">
+            <a:extLst>
+              <a:ext uri="{FF2B5EF4-FFF2-40B4-BE49-F238E27FC236}">
+                <a16:creationId xmlns:a16="http://schemas.microsoft.com/office/drawing/2014/main" id="{E6CE567F-2630-4F3A-9090-F3031E613D42}"/>
+              </a:ext>
+            </a:extLst>
+          </p:cNvPr>
+          <p:cNvPicPr>
+            <a:picLocks noChangeAspect="1"/>
+          </p:cNvPicPr>
+          <p:nvPr/>
+        </p:nvPicPr>
+        <p:blipFill>
+          <a:blip r:embed="rId3"/>
+          <a:stretch>
+            <a:fillRect/>
+          </a:stretch>
+        </p:blipFill>
+        <p:spPr>
+          <a:xfrm>
+            <a:off x="357808" y="950421"/>
+            <a:ext cx="11211339" cy="5181601"/>
+          </a:xfrm>
+          <a:prstGeom prst="rect">
+            <a:avLst/>
+          </a:prstGeom>
+        </p:spPr>
+      </p:pic>
     </p:spTree>
     <p:extLst>
       <p:ext uri="{BB962C8B-B14F-4D97-AF65-F5344CB8AC3E}">
-        <p14:creationId xmlns:p14="http://schemas.microsoft.com/office/powerpoint/2010/main" val="4006714961"/>
+        <p14:creationId xmlns:p14="http://schemas.microsoft.com/office/powerpoint/2010/main" val="2701138018"/>
+      </p:ext>
+    </p:extLst>
+  </p:cSld>
+  <p:clrMapOvr>
+    <a:masterClrMapping/>
+  </p:clrMapOvr>
+  <mc:AlternateContent xmlns:mc="http://schemas.openxmlformats.org/markup-compatibility/2006" xmlns:p14="http://schemas.microsoft.com/office/powerpoint/2010/main">
+    <mc:Choice Requires="p14">
+      <p:transition spd="med" p14:dur="700">
+        <p:fade/>
+      </p:transition>
+    </mc:Choice>
+    <mc:Fallback xmlns="">
+      <p:transition spd="med">
+        <p:fade/>
+      </p:transition>
+    </mc:Fallback>
+  </mc:AlternateContent>
+</p:sld>
+</file>
+
+<file path=ppt/slides/slide49.xml><?xml version="1.0" encoding="utf-8"?>
+<p:sld xmlns:a="http://schemas.openxmlformats.org/drawingml/2006/main" xmlns:r="http://schemas.openxmlformats.org/officeDocument/2006/relationships" xmlns:p="http://schemas.openxmlformats.org/presentationml/2006/main">
+  <p:cSld>
+    <p:spTree>
+      <p:nvGrpSpPr>
+        <p:cNvPr id="1" name=""/>
+        <p:cNvGrpSpPr/>
+        <p:nvPr/>
+      </p:nvGrpSpPr>
+      <p:grpSpPr>
+        <a:xfrm>
+          <a:off x="0" y="0"/>
+          <a:ext cx="0" cy="0"/>
+          <a:chOff x="0" y="0"/>
+          <a:chExt cx="0" cy="0"/>
+        </a:xfrm>
+      </p:grpSpPr>
+      <p:sp>
+        <p:nvSpPr>
+          <p:cNvPr id="17410" name="Rectangle 2"/>
+          <p:cNvSpPr>
+            <a:spLocks noGrp="1" noChangeArrowheads="1"/>
+          </p:cNvSpPr>
+          <p:nvPr>
+            <p:ph type="title"/>
+          </p:nvPr>
+        </p:nvSpPr>
+        <p:spPr>
+          <a:xfrm>
+            <a:off x="274320" y="178814"/>
+            <a:ext cx="11457432" cy="743899"/>
+          </a:xfrm>
+        </p:spPr>
+        <p:txBody>
+          <a:bodyPr/>
+          <a:lstStyle/>
+          <a:p>
+            <a:r>
+              <a:rPr lang="en-US" dirty="0"/>
+              <a:t>Prisma – Defender Capability</a:t>
+            </a:r>
+          </a:p>
+        </p:txBody>
+      </p:sp>
+      <p:sp>
+        <p:nvSpPr>
+          <p:cNvPr id="4" name="Slide Number Placeholder 3"/>
+          <p:cNvSpPr>
+            <a:spLocks noGrp="1"/>
+          </p:cNvSpPr>
+          <p:nvPr>
+            <p:ph type="sldNum" sz="quarter" idx="12"/>
+          </p:nvPr>
+        </p:nvSpPr>
+        <p:spPr/>
+        <p:txBody>
+          <a:bodyPr/>
+          <a:lstStyle/>
+          <a:p>
+            <a:fld id="{D92B6165-2E63-41A3-8905-D7634EBC6D44}" type="slidenum">
+              <a:rPr lang="en-US" smtClean="0"/>
+              <a:pPr/>
+              <a:t>49</a:t>
+            </a:fld>
+            <a:endParaRPr lang="en-US"/>
+          </a:p>
+        </p:txBody>
+      </p:sp>
+      <p:pic>
+        <p:nvPicPr>
+          <p:cNvPr id="6" name="Content Placeholder 6">
+            <a:extLst>
+              <a:ext uri="{FF2B5EF4-FFF2-40B4-BE49-F238E27FC236}">
+                <a16:creationId xmlns:a16="http://schemas.microsoft.com/office/drawing/2014/main" id="{CAACA726-03A7-4179-A61F-0F017A485835}"/>
+              </a:ext>
+            </a:extLst>
+          </p:cNvPr>
+          <p:cNvPicPr>
+            <a:picLocks noChangeAspect="1"/>
+          </p:cNvPicPr>
+          <p:nvPr/>
+        </p:nvPicPr>
+        <p:blipFill>
+          <a:blip r:embed="rId3"/>
+          <a:stretch>
+            <a:fillRect/>
+          </a:stretch>
+        </p:blipFill>
+        <p:spPr>
+          <a:xfrm>
+            <a:off x="609600" y="1001486"/>
+            <a:ext cx="9665458" cy="5121017"/>
+          </a:xfrm>
+          <a:prstGeom prst="rect">
+            <a:avLst/>
+          </a:prstGeom>
+        </p:spPr>
+      </p:pic>
+      <p:sp>
+        <p:nvSpPr>
+          <p:cNvPr id="2" name="TextBox 1">
+            <a:extLst>
+              <a:ext uri="{FF2B5EF4-FFF2-40B4-BE49-F238E27FC236}">
+                <a16:creationId xmlns:a16="http://schemas.microsoft.com/office/drawing/2014/main" id="{17B50549-BDD2-440A-B0A0-A2860D4ED17A}"/>
+              </a:ext>
+            </a:extLst>
+          </p:cNvPr>
+          <p:cNvSpPr txBox="1"/>
+          <p:nvPr/>
+        </p:nvSpPr>
+        <p:spPr>
+          <a:xfrm>
+            <a:off x="7568399" y="643920"/>
+            <a:ext cx="2969339" cy="276999"/>
+          </a:xfrm>
+          <a:prstGeom prst="rect">
+            <a:avLst/>
+          </a:prstGeom>
+          <a:noFill/>
+        </p:spPr>
+        <p:txBody>
+          <a:bodyPr wrap="none" rtlCol="0">
+            <a:spAutoFit/>
+          </a:bodyPr>
+          <a:lstStyle/>
+          <a:p>
+            <a:r>
+              <a:rPr lang="en-US" sz="1200" dirty="0"/>
+              <a:t>WAAS: Web Application and API security</a:t>
+            </a:r>
+            <a:endParaRPr lang="en-IN" sz="1200" dirty="0"/>
+          </a:p>
+        </p:txBody>
+      </p:sp>
+    </p:spTree>
+    <p:extLst>
+      <p:ext uri="{BB962C8B-B14F-4D97-AF65-F5344CB8AC3E}">
+        <p14:creationId xmlns:p14="http://schemas.microsoft.com/office/powerpoint/2010/main" val="3633751143"/>
       </p:ext>
     </p:extLst>
   </p:cSld>
@@ -46431,6 +47489,1025 @@
     <p:extLst>
       <p:ext uri="{BB962C8B-B14F-4D97-AF65-F5344CB8AC3E}">
         <p14:creationId xmlns:p14="http://schemas.microsoft.com/office/powerpoint/2010/main" val="3151152752"/>
+      </p:ext>
+    </p:extLst>
+  </p:cSld>
+  <p:clrMapOvr>
+    <a:masterClrMapping/>
+  </p:clrMapOvr>
+  <mc:AlternateContent xmlns:mc="http://schemas.openxmlformats.org/markup-compatibility/2006" xmlns:p14="http://schemas.microsoft.com/office/powerpoint/2010/main">
+    <mc:Choice Requires="p14">
+      <p:transition spd="med" p14:dur="700">
+        <p:fade/>
+      </p:transition>
+    </mc:Choice>
+    <mc:Fallback xmlns="">
+      <p:transition spd="med">
+        <p:fade/>
+      </p:transition>
+    </mc:Fallback>
+  </mc:AlternateContent>
+</p:sld>
+</file>
+
+<file path=ppt/slides/slide50.xml><?xml version="1.0" encoding="utf-8"?>
+<p:sld xmlns:a="http://schemas.openxmlformats.org/drawingml/2006/main" xmlns:r="http://schemas.openxmlformats.org/officeDocument/2006/relationships" xmlns:p="http://schemas.openxmlformats.org/presentationml/2006/main">
+  <p:cSld>
+    <p:spTree>
+      <p:nvGrpSpPr>
+        <p:cNvPr id="1" name=""/>
+        <p:cNvGrpSpPr/>
+        <p:nvPr/>
+      </p:nvGrpSpPr>
+      <p:grpSpPr>
+        <a:xfrm>
+          <a:off x="0" y="0"/>
+          <a:ext cx="0" cy="0"/>
+          <a:chOff x="0" y="0"/>
+          <a:chExt cx="0" cy="0"/>
+        </a:xfrm>
+      </p:grpSpPr>
+      <p:sp>
+        <p:nvSpPr>
+          <p:cNvPr id="17410" name="Rectangle 2"/>
+          <p:cNvSpPr>
+            <a:spLocks noGrp="1" noChangeArrowheads="1"/>
+          </p:cNvSpPr>
+          <p:nvPr>
+            <p:ph type="title"/>
+          </p:nvPr>
+        </p:nvSpPr>
+        <p:spPr/>
+        <p:txBody>
+          <a:bodyPr/>
+          <a:lstStyle/>
+          <a:p>
+            <a:r>
+              <a:rPr lang="en-US" dirty="0"/>
+              <a:t>Prisma- Use Case- AWS Host</a:t>
+            </a:r>
+          </a:p>
+        </p:txBody>
+      </p:sp>
+      <p:sp>
+        <p:nvSpPr>
+          <p:cNvPr id="4" name="Slide Number Placeholder 3"/>
+          <p:cNvSpPr>
+            <a:spLocks noGrp="1"/>
+          </p:cNvSpPr>
+          <p:nvPr>
+            <p:ph type="sldNum" sz="quarter" idx="12"/>
+          </p:nvPr>
+        </p:nvSpPr>
+        <p:spPr/>
+        <p:txBody>
+          <a:bodyPr/>
+          <a:lstStyle/>
+          <a:p>
+            <a:fld id="{D92B6165-2E63-41A3-8905-D7634EBC6D44}" type="slidenum">
+              <a:rPr lang="en-US" smtClean="0"/>
+              <a:pPr/>
+              <a:t>50</a:t>
+            </a:fld>
+            <a:endParaRPr lang="en-US"/>
+          </a:p>
+        </p:txBody>
+      </p:sp>
+      <p:sp>
+        <p:nvSpPr>
+          <p:cNvPr id="6" name="TextBox 5">
+            <a:extLst>
+              <a:ext uri="{FF2B5EF4-FFF2-40B4-BE49-F238E27FC236}">
+                <a16:creationId xmlns:a16="http://schemas.microsoft.com/office/drawing/2014/main" id="{7E149B81-9EAE-4CD0-9E8C-3D85A9FCE9D8}"/>
+              </a:ext>
+            </a:extLst>
+          </p:cNvPr>
+          <p:cNvSpPr txBox="1"/>
+          <p:nvPr/>
+        </p:nvSpPr>
+        <p:spPr>
+          <a:xfrm>
+            <a:off x="318235" y="1649710"/>
+            <a:ext cx="11879380" cy="2246769"/>
+          </a:xfrm>
+          <a:prstGeom prst="rect">
+            <a:avLst/>
+          </a:prstGeom>
+          <a:noFill/>
+        </p:spPr>
+        <p:txBody>
+          <a:bodyPr wrap="square">
+            <a:spAutoFit/>
+          </a:bodyPr>
+          <a:lstStyle/>
+          <a:p>
+            <a:r>
+              <a:rPr lang="en-GB" b="0" i="0" dirty="0">
+                <a:solidFill>
+                  <a:srgbClr val="141414"/>
+                </a:solidFill>
+                <a:effectLst/>
+                <a:latin typeface="HCo Decimal"/>
+              </a:rPr>
+              <a:t>Detection for:</a:t>
+            </a:r>
+          </a:p>
+          <a:p>
+            <a:pPr marL="1657350" lvl="3" indent="-285750">
+              <a:buFont typeface="Arial" panose="020B0604020202020204" pitchFamily="34" charset="0"/>
+              <a:buChar char="•"/>
+            </a:pPr>
+            <a:r>
+              <a:rPr lang="en-GB" dirty="0">
+                <a:solidFill>
+                  <a:srgbClr val="141414"/>
+                </a:solidFill>
+                <a:latin typeface="HCo Decimal"/>
+              </a:rPr>
+              <a:t>M</a:t>
+            </a:r>
+            <a:r>
+              <a:rPr lang="en-GB" b="0" i="0" dirty="0">
+                <a:solidFill>
+                  <a:srgbClr val="141414"/>
+                </a:solidFill>
+                <a:effectLst/>
+                <a:latin typeface="HCo Decimal"/>
+              </a:rPr>
+              <a:t>alware </a:t>
+            </a:r>
+          </a:p>
+          <a:p>
+            <a:pPr marL="1657350" lvl="3" indent="-285750">
+              <a:buFont typeface="Arial" panose="020B0604020202020204" pitchFamily="34" charset="0"/>
+              <a:buChar char="•"/>
+            </a:pPr>
+            <a:r>
+              <a:rPr lang="en-GB" dirty="0">
+                <a:solidFill>
+                  <a:srgbClr val="141414"/>
+                </a:solidFill>
+                <a:latin typeface="HCo Decimal"/>
+              </a:rPr>
+              <a:t>N</a:t>
+            </a:r>
+            <a:r>
+              <a:rPr lang="en-GB" b="0" i="0" dirty="0">
+                <a:solidFill>
+                  <a:srgbClr val="141414"/>
+                </a:solidFill>
+                <a:effectLst/>
+                <a:latin typeface="HCo Decimal"/>
+              </a:rPr>
+              <a:t>etwork</a:t>
+            </a:r>
+          </a:p>
+          <a:p>
+            <a:pPr marL="1657350" lvl="3" indent="-285750">
+              <a:buFont typeface="Arial" panose="020B0604020202020204" pitchFamily="34" charset="0"/>
+              <a:buChar char="•"/>
+            </a:pPr>
+            <a:r>
+              <a:rPr lang="en-GB" dirty="0">
+                <a:solidFill>
+                  <a:srgbClr val="141414"/>
+                </a:solidFill>
+                <a:latin typeface="HCo Decimal"/>
+              </a:rPr>
+              <a:t>L</a:t>
+            </a:r>
+            <a:r>
+              <a:rPr lang="en-GB" b="0" i="0" dirty="0">
+                <a:solidFill>
+                  <a:srgbClr val="141414"/>
+                </a:solidFill>
+                <a:effectLst/>
+                <a:latin typeface="HCo Decimal"/>
+              </a:rPr>
+              <a:t>og inspection</a:t>
+            </a:r>
+          </a:p>
+          <a:p>
+            <a:pPr marL="1657350" lvl="3" indent="-285750">
+              <a:buFont typeface="Arial" panose="020B0604020202020204" pitchFamily="34" charset="0"/>
+              <a:buChar char="•"/>
+            </a:pPr>
+            <a:r>
+              <a:rPr lang="en-GB" dirty="0">
+                <a:solidFill>
+                  <a:srgbClr val="141414"/>
+                </a:solidFill>
+                <a:latin typeface="HCo Decimal"/>
+              </a:rPr>
+              <a:t>F</a:t>
+            </a:r>
+            <a:r>
+              <a:rPr lang="en-GB" b="0" i="0" dirty="0">
+                <a:solidFill>
+                  <a:srgbClr val="141414"/>
+                </a:solidFill>
+                <a:effectLst/>
+                <a:latin typeface="HCo Decimal"/>
+              </a:rPr>
+              <a:t>ile integrity</a:t>
+            </a:r>
+          </a:p>
+          <a:p>
+            <a:pPr marL="1657350" lvl="3" indent="-285750">
+              <a:buFont typeface="Arial" panose="020B0604020202020204" pitchFamily="34" charset="0"/>
+              <a:buChar char="•"/>
+            </a:pPr>
+            <a:r>
+              <a:rPr lang="en-GB" dirty="0">
+                <a:solidFill>
+                  <a:srgbClr val="141414"/>
+                </a:solidFill>
+                <a:latin typeface="HCo Decimal"/>
+              </a:rPr>
+              <a:t>A</a:t>
+            </a:r>
+            <a:r>
+              <a:rPr lang="en-GB" b="0" i="0" dirty="0">
+                <a:solidFill>
+                  <a:srgbClr val="141414"/>
+                </a:solidFill>
+                <a:effectLst/>
+                <a:latin typeface="HCo Decimal"/>
+              </a:rPr>
+              <a:t>ctivities and custom events</a:t>
+            </a:r>
+          </a:p>
+          <a:p>
+            <a:pPr lvl="3"/>
+            <a:r>
+              <a:rPr lang="en-GB" dirty="0">
+                <a:solidFill>
+                  <a:srgbClr val="141414"/>
+                </a:solidFill>
+                <a:latin typeface="HCo Decimal"/>
+              </a:rPr>
+              <a:t>H</a:t>
+            </a:r>
+            <a:r>
+              <a:rPr lang="en-GB" b="0" i="0" dirty="0">
+                <a:solidFill>
+                  <a:srgbClr val="141414"/>
+                </a:solidFill>
+                <a:effectLst/>
+                <a:latin typeface="HCo Decimal"/>
+              </a:rPr>
+              <a:t>ost protection has all capability. This is continuously reporting/ up-to-date context for your hosts.</a:t>
+            </a:r>
+          </a:p>
+          <a:p>
+            <a:r>
+              <a:rPr lang="en-IN" sz="1400" dirty="0">
+                <a:solidFill>
+                  <a:srgbClr val="00B0F0"/>
+                </a:solidFill>
+              </a:rPr>
+              <a:t>https://docs.paloaltonetworks.com/prisma/prisma-cloud/prisma-cloud-admin-compute/runtime_defense/runtime_defense_hosts.html</a:t>
+            </a:r>
+          </a:p>
+        </p:txBody>
+      </p:sp>
+    </p:spTree>
+    <p:extLst>
+      <p:ext uri="{BB962C8B-B14F-4D97-AF65-F5344CB8AC3E}">
+        <p14:creationId xmlns:p14="http://schemas.microsoft.com/office/powerpoint/2010/main" val="405271297"/>
+      </p:ext>
+    </p:extLst>
+  </p:cSld>
+  <p:clrMapOvr>
+    <a:masterClrMapping/>
+  </p:clrMapOvr>
+  <mc:AlternateContent xmlns:mc="http://schemas.openxmlformats.org/markup-compatibility/2006" xmlns:p14="http://schemas.microsoft.com/office/powerpoint/2010/main">
+    <mc:Choice Requires="p14">
+      <p:transition spd="med" p14:dur="700">
+        <p:fade/>
+      </p:transition>
+    </mc:Choice>
+    <mc:Fallback xmlns="">
+      <p:transition spd="med">
+        <p:fade/>
+      </p:transition>
+    </mc:Fallback>
+  </mc:AlternateContent>
+</p:sld>
+</file>
+
+<file path=ppt/slides/slide51.xml><?xml version="1.0" encoding="utf-8"?>
+<p:sld xmlns:a="http://schemas.openxmlformats.org/drawingml/2006/main" xmlns:r="http://schemas.openxmlformats.org/officeDocument/2006/relationships" xmlns:p="http://schemas.openxmlformats.org/presentationml/2006/main">
+  <p:cSld>
+    <p:spTree>
+      <p:nvGrpSpPr>
+        <p:cNvPr id="1" name=""/>
+        <p:cNvGrpSpPr/>
+        <p:nvPr/>
+      </p:nvGrpSpPr>
+      <p:grpSpPr>
+        <a:xfrm>
+          <a:off x="0" y="0"/>
+          <a:ext cx="0" cy="0"/>
+          <a:chOff x="0" y="0"/>
+          <a:chExt cx="0" cy="0"/>
+        </a:xfrm>
+      </p:grpSpPr>
+      <p:sp>
+        <p:nvSpPr>
+          <p:cNvPr id="17410" name="Rectangle 2"/>
+          <p:cNvSpPr>
+            <a:spLocks noGrp="1" noChangeArrowheads="1"/>
+          </p:cNvSpPr>
+          <p:nvPr>
+            <p:ph type="title"/>
+          </p:nvPr>
+        </p:nvSpPr>
+        <p:spPr/>
+        <p:txBody>
+          <a:bodyPr/>
+          <a:lstStyle/>
+          <a:p>
+            <a:r>
+              <a:rPr lang="en-US" dirty="0"/>
+              <a:t>Prisma- Use Case- AWS Fargate</a:t>
+            </a:r>
+          </a:p>
+        </p:txBody>
+      </p:sp>
+      <p:sp>
+        <p:nvSpPr>
+          <p:cNvPr id="4" name="Slide Number Placeholder 3"/>
+          <p:cNvSpPr>
+            <a:spLocks noGrp="1"/>
+          </p:cNvSpPr>
+          <p:nvPr>
+            <p:ph type="sldNum" sz="quarter" idx="12"/>
+          </p:nvPr>
+        </p:nvSpPr>
+        <p:spPr/>
+        <p:txBody>
+          <a:bodyPr/>
+          <a:lstStyle/>
+          <a:p>
+            <a:fld id="{D92B6165-2E63-41A3-8905-D7634EBC6D44}" type="slidenum">
+              <a:rPr lang="en-US" smtClean="0"/>
+              <a:pPr/>
+              <a:t>51</a:t>
+            </a:fld>
+            <a:endParaRPr lang="en-US"/>
+          </a:p>
+        </p:txBody>
+      </p:sp>
+      <p:sp>
+        <p:nvSpPr>
+          <p:cNvPr id="6" name="TextBox 5">
+            <a:extLst>
+              <a:ext uri="{FF2B5EF4-FFF2-40B4-BE49-F238E27FC236}">
+                <a16:creationId xmlns:a16="http://schemas.microsoft.com/office/drawing/2014/main" id="{7E149B81-9EAE-4CD0-9E8C-3D85A9FCE9D8}"/>
+              </a:ext>
+            </a:extLst>
+          </p:cNvPr>
+          <p:cNvSpPr txBox="1"/>
+          <p:nvPr/>
+        </p:nvSpPr>
+        <p:spPr>
+          <a:xfrm>
+            <a:off x="318235" y="1649710"/>
+            <a:ext cx="11879380" cy="646331"/>
+          </a:xfrm>
+          <a:prstGeom prst="rect">
+            <a:avLst/>
+          </a:prstGeom>
+          <a:noFill/>
+        </p:spPr>
+        <p:txBody>
+          <a:bodyPr wrap="square">
+            <a:spAutoFit/>
+          </a:bodyPr>
+          <a:lstStyle/>
+          <a:p>
+            <a:pPr marL="285750" indent="-285750">
+              <a:buFont typeface="Arial" panose="020B0604020202020204" pitchFamily="34" charset="0"/>
+              <a:buChar char="•"/>
+            </a:pPr>
+            <a:r>
+              <a:rPr lang="en-US" b="0" i="0" dirty="0">
+                <a:solidFill>
+                  <a:srgbClr val="141414"/>
+                </a:solidFill>
+                <a:effectLst/>
+                <a:latin typeface="HCo Decimal"/>
+              </a:rPr>
+              <a:t>Verification of launched processes</a:t>
+            </a:r>
+          </a:p>
+          <a:p>
+            <a:pPr marL="285750" indent="-285750">
+              <a:buFont typeface="Arial" panose="020B0604020202020204" pitchFamily="34" charset="0"/>
+              <a:buChar char="•"/>
+            </a:pPr>
+            <a:r>
+              <a:rPr lang="en-US" b="0" i="0" dirty="0">
+                <a:solidFill>
+                  <a:srgbClr val="141414"/>
+                </a:solidFill>
+                <a:effectLst/>
+                <a:latin typeface="HCo Decimal"/>
+              </a:rPr>
+              <a:t>Verification of domain name resolution, and inbound and outbound network connections.</a:t>
+            </a:r>
+            <a:endParaRPr lang="en-IN" sz="1400" dirty="0">
+              <a:solidFill>
+                <a:srgbClr val="00B0F0"/>
+              </a:solidFill>
+            </a:endParaRPr>
+          </a:p>
+        </p:txBody>
+      </p:sp>
+    </p:spTree>
+    <p:extLst>
+      <p:ext uri="{BB962C8B-B14F-4D97-AF65-F5344CB8AC3E}">
+        <p14:creationId xmlns:p14="http://schemas.microsoft.com/office/powerpoint/2010/main" val="3603619952"/>
+      </p:ext>
+    </p:extLst>
+  </p:cSld>
+  <p:clrMapOvr>
+    <a:masterClrMapping/>
+  </p:clrMapOvr>
+  <mc:AlternateContent xmlns:mc="http://schemas.openxmlformats.org/markup-compatibility/2006" xmlns:p14="http://schemas.microsoft.com/office/powerpoint/2010/main">
+    <mc:Choice Requires="p14">
+      <p:transition spd="med" p14:dur="700">
+        <p:fade/>
+      </p:transition>
+    </mc:Choice>
+    <mc:Fallback xmlns="">
+      <p:transition spd="med">
+        <p:fade/>
+      </p:transition>
+    </mc:Fallback>
+  </mc:AlternateContent>
+</p:sld>
+</file>
+
+<file path=ppt/slides/slide52.xml><?xml version="1.0" encoding="utf-8"?>
+<p:sld xmlns:a="http://schemas.openxmlformats.org/drawingml/2006/main" xmlns:r="http://schemas.openxmlformats.org/officeDocument/2006/relationships" xmlns:p="http://schemas.openxmlformats.org/presentationml/2006/main">
+  <p:cSld>
+    <p:spTree>
+      <p:nvGrpSpPr>
+        <p:cNvPr id="1" name=""/>
+        <p:cNvGrpSpPr/>
+        <p:nvPr/>
+      </p:nvGrpSpPr>
+      <p:grpSpPr>
+        <a:xfrm>
+          <a:off x="0" y="0"/>
+          <a:ext cx="0" cy="0"/>
+          <a:chOff x="0" y="0"/>
+          <a:chExt cx="0" cy="0"/>
+        </a:xfrm>
+      </p:grpSpPr>
+      <p:sp>
+        <p:nvSpPr>
+          <p:cNvPr id="17410" name="Rectangle 2"/>
+          <p:cNvSpPr>
+            <a:spLocks noGrp="1" noChangeArrowheads="1"/>
+          </p:cNvSpPr>
+          <p:nvPr>
+            <p:ph type="title"/>
+          </p:nvPr>
+        </p:nvSpPr>
+        <p:spPr/>
+        <p:txBody>
+          <a:bodyPr/>
+          <a:lstStyle/>
+          <a:p>
+            <a:r>
+              <a:rPr lang="en-US" dirty="0"/>
+              <a:t>Prisma- Use Case- AWS Containers</a:t>
+            </a:r>
+          </a:p>
+        </p:txBody>
+      </p:sp>
+      <p:sp>
+        <p:nvSpPr>
+          <p:cNvPr id="4" name="Slide Number Placeholder 3"/>
+          <p:cNvSpPr>
+            <a:spLocks noGrp="1"/>
+          </p:cNvSpPr>
+          <p:nvPr>
+            <p:ph type="sldNum" sz="quarter" idx="12"/>
+          </p:nvPr>
+        </p:nvSpPr>
+        <p:spPr/>
+        <p:txBody>
+          <a:bodyPr/>
+          <a:lstStyle/>
+          <a:p>
+            <a:fld id="{D92B6165-2E63-41A3-8905-D7634EBC6D44}" type="slidenum">
+              <a:rPr lang="en-US" smtClean="0"/>
+              <a:pPr/>
+              <a:t>52</a:t>
+            </a:fld>
+            <a:endParaRPr lang="en-US"/>
+          </a:p>
+        </p:txBody>
+      </p:sp>
+      <p:sp>
+        <p:nvSpPr>
+          <p:cNvPr id="6" name="TextBox 5">
+            <a:extLst>
+              <a:ext uri="{FF2B5EF4-FFF2-40B4-BE49-F238E27FC236}">
+                <a16:creationId xmlns:a16="http://schemas.microsoft.com/office/drawing/2014/main" id="{7E149B81-9EAE-4CD0-9E8C-3D85A9FCE9D8}"/>
+              </a:ext>
+            </a:extLst>
+          </p:cNvPr>
+          <p:cNvSpPr txBox="1"/>
+          <p:nvPr/>
+        </p:nvSpPr>
+        <p:spPr>
+          <a:xfrm>
+            <a:off x="318235" y="1649710"/>
+            <a:ext cx="11879380" cy="1200329"/>
+          </a:xfrm>
+          <a:prstGeom prst="rect">
+            <a:avLst/>
+          </a:prstGeom>
+          <a:noFill/>
+        </p:spPr>
+        <p:txBody>
+          <a:bodyPr wrap="square">
+            <a:spAutoFit/>
+          </a:bodyPr>
+          <a:lstStyle/>
+          <a:p>
+            <a:pPr marL="285750" indent="-285750">
+              <a:buFont typeface="Arial" panose="020B0604020202020204" pitchFamily="34" charset="0"/>
+              <a:buChar char="•"/>
+            </a:pPr>
+            <a:r>
+              <a:rPr lang="en-US" dirty="0">
+                <a:solidFill>
+                  <a:srgbClr val="141414"/>
+                </a:solidFill>
+                <a:latin typeface="HCo Decimal"/>
+              </a:rPr>
+              <a:t>P</a:t>
+            </a:r>
+            <a:r>
+              <a:rPr lang="en-US" b="0" i="0" dirty="0">
+                <a:solidFill>
+                  <a:srgbClr val="141414"/>
+                </a:solidFill>
+                <a:effectLst/>
+                <a:latin typeface="HCo Decimal"/>
+              </a:rPr>
+              <a:t>redictive protection capabilities like determining when a container runs a process not included in the origin image or creates an unexpected network socket. </a:t>
+            </a:r>
+          </a:p>
+          <a:p>
+            <a:pPr marL="285750" indent="-285750">
+              <a:buFont typeface="Arial" panose="020B0604020202020204" pitchFamily="34" charset="0"/>
+              <a:buChar char="•"/>
+            </a:pPr>
+            <a:r>
+              <a:rPr lang="en-US" b="0" i="0" dirty="0">
+                <a:solidFill>
+                  <a:srgbClr val="141414"/>
+                </a:solidFill>
+                <a:effectLst/>
+                <a:latin typeface="HCo Decimal"/>
+              </a:rPr>
+              <a:t>Threat based protection capabilities like detecting when malware is added to a container or when a container connects to a botnet.</a:t>
+            </a:r>
+            <a:endParaRPr lang="en-IN" sz="1400" dirty="0">
+              <a:solidFill>
+                <a:srgbClr val="00B0F0"/>
+              </a:solidFill>
+            </a:endParaRPr>
+          </a:p>
+        </p:txBody>
+      </p:sp>
+    </p:spTree>
+    <p:extLst>
+      <p:ext uri="{BB962C8B-B14F-4D97-AF65-F5344CB8AC3E}">
+        <p14:creationId xmlns:p14="http://schemas.microsoft.com/office/powerpoint/2010/main" val="3187750877"/>
+      </p:ext>
+    </p:extLst>
+  </p:cSld>
+  <p:clrMapOvr>
+    <a:masterClrMapping/>
+  </p:clrMapOvr>
+  <mc:AlternateContent xmlns:mc="http://schemas.openxmlformats.org/markup-compatibility/2006" xmlns:p14="http://schemas.microsoft.com/office/powerpoint/2010/main">
+    <mc:Choice Requires="p14">
+      <p:transition spd="med" p14:dur="700">
+        <p:fade/>
+      </p:transition>
+    </mc:Choice>
+    <mc:Fallback xmlns="">
+      <p:transition spd="med">
+        <p:fade/>
+      </p:transition>
+    </mc:Fallback>
+  </mc:AlternateContent>
+</p:sld>
+</file>
+
+<file path=ppt/slides/slide53.xml><?xml version="1.0" encoding="utf-8"?>
+<p:sld xmlns:a="http://schemas.openxmlformats.org/drawingml/2006/main" xmlns:r="http://schemas.openxmlformats.org/officeDocument/2006/relationships" xmlns:p="http://schemas.openxmlformats.org/presentationml/2006/main">
+  <p:cSld>
+    <p:spTree>
+      <p:nvGrpSpPr>
+        <p:cNvPr id="1" name=""/>
+        <p:cNvGrpSpPr/>
+        <p:nvPr/>
+      </p:nvGrpSpPr>
+      <p:grpSpPr>
+        <a:xfrm>
+          <a:off x="0" y="0"/>
+          <a:ext cx="0" cy="0"/>
+          <a:chOff x="0" y="0"/>
+          <a:chExt cx="0" cy="0"/>
+        </a:xfrm>
+      </p:grpSpPr>
+      <p:sp>
+        <p:nvSpPr>
+          <p:cNvPr id="17410" name="Rectangle 2"/>
+          <p:cNvSpPr>
+            <a:spLocks noGrp="1" noChangeArrowheads="1"/>
+          </p:cNvSpPr>
+          <p:nvPr>
+            <p:ph type="title"/>
+          </p:nvPr>
+        </p:nvSpPr>
+        <p:spPr/>
+        <p:txBody>
+          <a:bodyPr/>
+          <a:lstStyle/>
+          <a:p>
+            <a:r>
+              <a:rPr lang="en-US" dirty="0"/>
+              <a:t>Prisma- Use Case- Data Security</a:t>
+            </a:r>
+          </a:p>
+        </p:txBody>
+      </p:sp>
+      <p:sp>
+        <p:nvSpPr>
+          <p:cNvPr id="4" name="Slide Number Placeholder 3"/>
+          <p:cNvSpPr>
+            <a:spLocks noGrp="1"/>
+          </p:cNvSpPr>
+          <p:nvPr>
+            <p:ph type="sldNum" sz="quarter" idx="12"/>
+          </p:nvPr>
+        </p:nvSpPr>
+        <p:spPr/>
+        <p:txBody>
+          <a:bodyPr/>
+          <a:lstStyle/>
+          <a:p>
+            <a:fld id="{D92B6165-2E63-41A3-8905-D7634EBC6D44}" type="slidenum">
+              <a:rPr lang="en-US" smtClean="0"/>
+              <a:pPr/>
+              <a:t>53</a:t>
+            </a:fld>
+            <a:endParaRPr lang="en-US"/>
+          </a:p>
+        </p:txBody>
+      </p:sp>
+      <p:sp>
+        <p:nvSpPr>
+          <p:cNvPr id="6" name="TextBox 5">
+            <a:extLst>
+              <a:ext uri="{FF2B5EF4-FFF2-40B4-BE49-F238E27FC236}">
+                <a16:creationId xmlns:a16="http://schemas.microsoft.com/office/drawing/2014/main" id="{7E149B81-9EAE-4CD0-9E8C-3D85A9FCE9D8}"/>
+              </a:ext>
+            </a:extLst>
+          </p:cNvPr>
+          <p:cNvSpPr txBox="1"/>
+          <p:nvPr/>
+        </p:nvSpPr>
+        <p:spPr>
+          <a:xfrm>
+            <a:off x="318235" y="1649710"/>
+            <a:ext cx="11879380" cy="1200329"/>
+          </a:xfrm>
+          <a:prstGeom prst="rect">
+            <a:avLst/>
+          </a:prstGeom>
+          <a:noFill/>
+        </p:spPr>
+        <p:txBody>
+          <a:bodyPr wrap="square">
+            <a:spAutoFit/>
+          </a:bodyPr>
+          <a:lstStyle/>
+          <a:p>
+            <a:pPr marL="285750" indent="-285750">
+              <a:buFont typeface="Arial" panose="020B0604020202020204" pitchFamily="34" charset="0"/>
+              <a:buChar char="•"/>
+            </a:pPr>
+            <a:r>
+              <a:rPr lang="en-US" b="0" i="0" dirty="0">
+                <a:solidFill>
+                  <a:srgbClr val="141414"/>
+                </a:solidFill>
+                <a:effectLst/>
+                <a:latin typeface="HCo Decimal"/>
+              </a:rPr>
+              <a:t>Prisma Cloud Data Security </a:t>
+            </a:r>
+          </a:p>
+          <a:p>
+            <a:pPr marL="742950" lvl="1" indent="-285750">
+              <a:buFont typeface="Arial" panose="020B0604020202020204" pitchFamily="34" charset="0"/>
+              <a:buChar char="•"/>
+            </a:pPr>
+            <a:r>
+              <a:rPr lang="en-US" b="0" i="0" dirty="0">
+                <a:solidFill>
+                  <a:srgbClr val="141414"/>
+                </a:solidFill>
+                <a:effectLst/>
+                <a:latin typeface="HCo Decimal"/>
+              </a:rPr>
+              <a:t>Supports Monitor mode only. </a:t>
+            </a:r>
+          </a:p>
+          <a:p>
+            <a:pPr marL="742950" lvl="1" indent="-285750">
+              <a:buFont typeface="Arial" panose="020B0604020202020204" pitchFamily="34" charset="0"/>
+              <a:buChar char="•"/>
+            </a:pPr>
+            <a:r>
+              <a:rPr lang="en-US" dirty="0">
+                <a:solidFill>
+                  <a:srgbClr val="141414"/>
+                </a:solidFill>
+                <a:latin typeface="HCo Decimal"/>
+              </a:rPr>
+              <a:t>D</a:t>
+            </a:r>
+            <a:r>
+              <a:rPr lang="en-US" b="0" i="0" dirty="0">
+                <a:solidFill>
+                  <a:srgbClr val="141414"/>
+                </a:solidFill>
+                <a:effectLst/>
+                <a:latin typeface="HCo Decimal"/>
+              </a:rPr>
+              <a:t>o not support automatic remediation</a:t>
+            </a:r>
+          </a:p>
+          <a:p>
+            <a:pPr marL="742950" lvl="1" indent="-285750">
+              <a:buFont typeface="Arial" panose="020B0604020202020204" pitchFamily="34" charset="0"/>
+              <a:buChar char="•"/>
+            </a:pPr>
+            <a:r>
+              <a:rPr lang="en-US" dirty="0">
+                <a:solidFill>
+                  <a:srgbClr val="141414"/>
+                </a:solidFill>
+                <a:latin typeface="HCo Decimal"/>
+              </a:rPr>
+              <a:t>Y</a:t>
+            </a:r>
+            <a:r>
+              <a:rPr lang="en-US" b="0" i="0" dirty="0">
+                <a:solidFill>
+                  <a:srgbClr val="141414"/>
+                </a:solidFill>
+                <a:effectLst/>
+                <a:latin typeface="HCo Decimal"/>
+              </a:rPr>
+              <a:t>ou must manually fix issues to address alerts generated from Data policies.</a:t>
+            </a:r>
+            <a:endParaRPr lang="en-IN" sz="1400" dirty="0">
+              <a:solidFill>
+                <a:srgbClr val="00B0F0"/>
+              </a:solidFill>
+            </a:endParaRPr>
+          </a:p>
+        </p:txBody>
+      </p:sp>
+    </p:spTree>
+    <p:extLst>
+      <p:ext uri="{BB962C8B-B14F-4D97-AF65-F5344CB8AC3E}">
+        <p14:creationId xmlns:p14="http://schemas.microsoft.com/office/powerpoint/2010/main" val="222447102"/>
+      </p:ext>
+    </p:extLst>
+  </p:cSld>
+  <p:clrMapOvr>
+    <a:masterClrMapping/>
+  </p:clrMapOvr>
+  <mc:AlternateContent xmlns:mc="http://schemas.openxmlformats.org/markup-compatibility/2006" xmlns:p14="http://schemas.microsoft.com/office/powerpoint/2010/main">
+    <mc:Choice Requires="p14">
+      <p:transition spd="med" p14:dur="700">
+        <p:fade/>
+      </p:transition>
+    </mc:Choice>
+    <mc:Fallback xmlns="">
+      <p:transition spd="med">
+        <p:fade/>
+      </p:transition>
+    </mc:Fallback>
+  </mc:AlternateContent>
+</p:sld>
+</file>
+
+<file path=ppt/slides/slide54.xml><?xml version="1.0" encoding="utf-8"?>
+<p:sld xmlns:a="http://schemas.openxmlformats.org/drawingml/2006/main" xmlns:r="http://schemas.openxmlformats.org/officeDocument/2006/relationships" xmlns:p="http://schemas.openxmlformats.org/presentationml/2006/main">
+  <p:cSld>
+    <p:spTree>
+      <p:nvGrpSpPr>
+        <p:cNvPr id="1" name=""/>
+        <p:cNvGrpSpPr/>
+        <p:nvPr/>
+      </p:nvGrpSpPr>
+      <p:grpSpPr>
+        <a:xfrm>
+          <a:off x="0" y="0"/>
+          <a:ext cx="0" cy="0"/>
+          <a:chOff x="0" y="0"/>
+          <a:chExt cx="0" cy="0"/>
+        </a:xfrm>
+      </p:grpSpPr>
+      <p:sp>
+        <p:nvSpPr>
+          <p:cNvPr id="2" name="Slide Number Placeholder 1">
+            <a:extLst>
+              <a:ext uri="{FF2B5EF4-FFF2-40B4-BE49-F238E27FC236}">
+                <a16:creationId xmlns:a16="http://schemas.microsoft.com/office/drawing/2014/main" id="{3440FDAB-4604-4E5E-9B2B-9B5EBF1594D0}"/>
+              </a:ext>
+            </a:extLst>
+          </p:cNvPr>
+          <p:cNvSpPr>
+            <a:spLocks noGrp="1"/>
+          </p:cNvSpPr>
+          <p:nvPr>
+            <p:ph type="sldNum" sz="quarter" idx="12"/>
+          </p:nvPr>
+        </p:nvSpPr>
+        <p:spPr/>
+        <p:txBody>
+          <a:bodyPr/>
+          <a:lstStyle/>
+          <a:p>
+            <a:fld id="{D92B6165-2E63-41A3-8905-D7634EBC6D44}" type="slidenum">
+              <a:rPr lang="en-IN" smtClean="0"/>
+              <a:pPr/>
+              <a:t>54</a:t>
+            </a:fld>
+            <a:endParaRPr lang="en-IN"/>
+          </a:p>
+        </p:txBody>
+      </p:sp>
+      <p:sp>
+        <p:nvSpPr>
+          <p:cNvPr id="4" name="TextBox 3">
+            <a:extLst>
+              <a:ext uri="{FF2B5EF4-FFF2-40B4-BE49-F238E27FC236}">
+                <a16:creationId xmlns:a16="http://schemas.microsoft.com/office/drawing/2014/main" id="{0789C305-54B6-4E77-9AB8-98E11F371D22}"/>
+              </a:ext>
+            </a:extLst>
+          </p:cNvPr>
+          <p:cNvSpPr txBox="1"/>
+          <p:nvPr/>
+        </p:nvSpPr>
+        <p:spPr>
+          <a:xfrm>
+            <a:off x="2411895" y="2605566"/>
+            <a:ext cx="6096000" cy="1477328"/>
+          </a:xfrm>
+          <a:prstGeom prst="rect">
+            <a:avLst/>
+          </a:prstGeom>
+          <a:noFill/>
+        </p:spPr>
+        <p:txBody>
+          <a:bodyPr wrap="square">
+            <a:spAutoFit/>
+          </a:bodyPr>
+          <a:lstStyle/>
+          <a:p>
+            <a:r>
+              <a:rPr lang="en-US" dirty="0">
+                <a:solidFill>
+                  <a:srgbClr val="0070C0"/>
+                </a:solidFill>
+                <a:hlinkClick r:id="rId2">
+                  <a:extLst>
+                    <a:ext uri="{A12FA001-AC4F-418D-AE19-62706E023703}">
+                      <ahyp:hlinkClr xmlns:ahyp="http://schemas.microsoft.com/office/drawing/2018/hyperlinkcolor" val="tx"/>
+                    </a:ext>
+                  </a:extLst>
+                </a:hlinkClick>
+              </a:rPr>
+              <a:t>Reference</a:t>
+            </a:r>
+            <a:r>
+              <a:rPr lang="en-US" dirty="0">
+                <a:solidFill>
+                  <a:srgbClr val="56BCFE"/>
+                </a:solidFill>
+                <a:hlinkClick r:id="" action="ppaction://noaction">
+                  <a:extLst>
+                    <a:ext uri="{A12FA001-AC4F-418D-AE19-62706E023703}">
+                      <ahyp:hlinkClr xmlns:ahyp="http://schemas.microsoft.com/office/drawing/2018/hyperlinkcolor" val="tx"/>
+                    </a:ext>
+                  </a:extLst>
+                </a:hlinkClick>
+              </a:rPr>
+              <a:t>: </a:t>
+            </a:r>
+          </a:p>
+          <a:p>
+            <a:endParaRPr lang="en-US" dirty="0">
+              <a:solidFill>
+                <a:srgbClr val="56BCFE"/>
+              </a:solidFill>
+              <a:hlinkClick r:id="" action="ppaction://noaction">
+                <a:extLst>
+                  <a:ext uri="{A12FA001-AC4F-418D-AE19-62706E023703}">
+                    <ahyp:hlinkClr xmlns:ahyp="http://schemas.microsoft.com/office/drawing/2018/hyperlinkcolor" val="tx"/>
+                  </a:ext>
+                </a:extLst>
+              </a:hlinkClick>
+            </a:endParaRPr>
+          </a:p>
+          <a:p>
+            <a:r>
+              <a:rPr lang="en-US" dirty="0">
+                <a:hlinkClick r:id="rId2"/>
+              </a:rPr>
+              <a:t>https://www.paloaltonetworks.com/resources/guides/prisma-cloud-enterprise-edition-licensing-guide</a:t>
+            </a:r>
+            <a:r>
+              <a:rPr lang="en-US" dirty="0"/>
+              <a:t>.</a:t>
+            </a:r>
+          </a:p>
+          <a:p>
+            <a:endParaRPr lang="en-US" dirty="0"/>
+          </a:p>
+        </p:txBody>
+      </p:sp>
+    </p:spTree>
+    <p:extLst>
+      <p:ext uri="{BB962C8B-B14F-4D97-AF65-F5344CB8AC3E}">
+        <p14:creationId xmlns:p14="http://schemas.microsoft.com/office/powerpoint/2010/main" val="4053427483"/>
+      </p:ext>
+    </p:extLst>
+  </p:cSld>
+  <p:clrMapOvr>
+    <a:masterClrMapping/>
+  </p:clrMapOvr>
+  <mc:AlternateContent xmlns:mc="http://schemas.openxmlformats.org/markup-compatibility/2006" xmlns:p14="http://schemas.microsoft.com/office/powerpoint/2010/main">
+    <mc:Choice Requires="p14">
+      <p:transition spd="med" p14:dur="700">
+        <p:fade/>
+      </p:transition>
+    </mc:Choice>
+    <mc:Fallback xmlns="">
+      <p:transition spd="med">
+        <p:fade/>
+      </p:transition>
+    </mc:Fallback>
+  </mc:AlternateContent>
+</p:sld>
+</file>
+
+<file path=ppt/slides/slide55.xml><?xml version="1.0" encoding="utf-8"?>
+<p:sld xmlns:a="http://schemas.openxmlformats.org/drawingml/2006/main" xmlns:r="http://schemas.openxmlformats.org/officeDocument/2006/relationships" xmlns:p="http://schemas.openxmlformats.org/presentationml/2006/main">
+  <p:cSld>
+    <p:bg>
+      <p:bgPr>
+        <a:solidFill>
+          <a:schemeClr val="accent1"/>
+        </a:solidFill>
+        <a:effectLst/>
+      </p:bgPr>
+    </p:bg>
+    <p:spTree>
+      <p:nvGrpSpPr>
+        <p:cNvPr id="1" name=""/>
+        <p:cNvGrpSpPr/>
+        <p:nvPr/>
+      </p:nvGrpSpPr>
+      <p:grpSpPr>
+        <a:xfrm>
+          <a:off x="0" y="0"/>
+          <a:ext cx="0" cy="0"/>
+          <a:chOff x="0" y="0"/>
+          <a:chExt cx="0" cy="0"/>
+        </a:xfrm>
+      </p:grpSpPr>
+    </p:spTree>
+    <p:extLst>
+      <p:ext uri="{BB962C8B-B14F-4D97-AF65-F5344CB8AC3E}">
+        <p14:creationId xmlns:p14="http://schemas.microsoft.com/office/powerpoint/2010/main" val="4006714961"/>
       </p:ext>
     </p:extLst>
   </p:cSld>

--- a/AWS Guard Duty & Azure Security Center.pptx
+++ b/AWS Guard Duty & Azure Security Center.pptx
@@ -5,10 +5,10 @@
     <p:sldMasterId id="2147483648" r:id="rId1"/>
   </p:sldMasterIdLst>
   <p:notesMasterIdLst>
-    <p:notesMasterId r:id="rId57"/>
+    <p:notesMasterId r:id="rId60"/>
   </p:notesMasterIdLst>
   <p:handoutMasterIdLst>
-    <p:handoutMasterId r:id="rId58"/>
+    <p:handoutMasterId r:id="rId61"/>
   </p:handoutMasterIdLst>
   <p:sldIdLst>
     <p:sldId id="296" r:id="rId2"/>
@@ -64,13 +64,16 @@
     <p:sldId id="348" r:id="rId52"/>
     <p:sldId id="349" r:id="rId53"/>
     <p:sldId id="350" r:id="rId54"/>
-    <p:sldId id="342" r:id="rId55"/>
-    <p:sldId id="266" r:id="rId56"/>
+    <p:sldId id="353" r:id="rId55"/>
+    <p:sldId id="352" r:id="rId56"/>
+    <p:sldId id="355" r:id="rId57"/>
+    <p:sldId id="342" r:id="rId58"/>
+    <p:sldId id="266" r:id="rId59"/>
   </p:sldIdLst>
   <p:sldSz cx="12188825" cy="6858000"/>
   <p:notesSz cx="6858000" cy="9144000"/>
   <p:custDataLst>
-    <p:tags r:id="rId59"/>
+    <p:tags r:id="rId62"/>
   </p:custDataLst>
   <p:defaultTextStyle>
     <a:defPPr>
@@ -565,7 +568,7 @@
             <a:fld id="{7724383D-47EA-45CB-930A-8D57FFD0FCC3}" type="datetime2">
               <a:rPr lang="en-US"/>
               <a:pPr/>
-              <a:t>Thursday, August 12, 2021</a:t>
+              <a:t>Friday, August 13, 2021</a:t>
             </a:fld>
             <a:endParaRPr/>
           </a:p>
@@ -6023,6 +6026,345 @@
       </p:grpSpPr>
       <p:sp>
         <p:nvSpPr>
+          <p:cNvPr id="31746" name="Rectangle 2"/>
+          <p:cNvSpPr>
+            <a:spLocks noGrp="1" noRot="1" noChangeAspect="1" noChangeArrowheads="1" noTextEdit="1"/>
+          </p:cNvSpPr>
+          <p:nvPr>
+            <p:ph type="sldImg"/>
+          </p:nvPr>
+        </p:nvSpPr>
+        <p:spPr bwMode="auto">
+          <a:noFill/>
+          <a:ln>
+            <a:solidFill>
+              <a:srgbClr val="000000"/>
+            </a:solidFill>
+            <a:miter lim="800000"/>
+            <a:headEnd/>
+            <a:tailEnd/>
+          </a:ln>
+          <a:extLst>
+            <a:ext uri="{909E8E84-426E-40DD-AFC4-6F175D3DCCD1}">
+              <a14:hiddenFill xmlns:a14="http://schemas.microsoft.com/office/drawing/2010/main">
+                <a:solidFill>
+                  <a:srgbClr val="FFFFFF"/>
+                </a:solidFill>
+              </a14:hiddenFill>
+            </a:ext>
+          </a:extLst>
+        </p:spPr>
+      </p:sp>
+      <p:sp>
+        <p:nvSpPr>
+          <p:cNvPr id="31747" name="Rectangle 3"/>
+          <p:cNvSpPr>
+            <a:spLocks noGrp="1" noChangeArrowheads="1"/>
+          </p:cNvSpPr>
+          <p:nvPr>
+            <p:ph type="body" idx="1"/>
+          </p:nvPr>
+        </p:nvSpPr>
+        <p:spPr bwMode="auto">
+          <a:noFill/>
+          <a:extLst>
+            <a:ext uri="{909E8E84-426E-40DD-AFC4-6F175D3DCCD1}">
+              <a14:hiddenFill xmlns:a14="http://schemas.microsoft.com/office/drawing/2010/main">
+                <a:solidFill>
+                  <a:srgbClr val="FFFFFF"/>
+                </a:solidFill>
+              </a14:hiddenFill>
+            </a:ext>
+            <a:ext uri="{91240B29-F687-4F45-9708-019B960494DF}">
+              <a14:hiddenLine xmlns:a14="http://schemas.microsoft.com/office/drawing/2010/main" w="9525">
+                <a:solidFill>
+                  <a:srgbClr val="000000"/>
+                </a:solidFill>
+                <a:miter lim="800000"/>
+                <a:headEnd/>
+                <a:tailEnd/>
+              </a14:hiddenLine>
+            </a:ext>
+          </a:extLst>
+        </p:spPr>
+        <p:txBody>
+          <a:bodyPr wrap="square" numCol="1" anchor="t" anchorCtr="0" compatLnSpc="1">
+            <a:prstTxWarp prst="textNoShape">
+              <a:avLst/>
+            </a:prstTxWarp>
+          </a:bodyPr>
+          <a:lstStyle/>
+          <a:p>
+            <a:pPr eaLnBrk="1" hangingPunct="1">
+              <a:spcBef>
+                <a:spcPct val="0"/>
+              </a:spcBef>
+            </a:pPr>
+            <a:endParaRPr lang="en-US">
+              <a:latin typeface="Helvetica"/>
+              <a:ea typeface="MS PGothic" pitchFamily="34" charset="-128"/>
+            </a:endParaRPr>
+          </a:p>
+        </p:txBody>
+      </p:sp>
+    </p:spTree>
+    <p:extLst>
+      <p:ext uri="{BB962C8B-B14F-4D97-AF65-F5344CB8AC3E}">
+        <p14:creationId xmlns:p14="http://schemas.microsoft.com/office/powerpoint/2010/main" val="3206590913"/>
+      </p:ext>
+    </p:extLst>
+  </p:cSld>
+  <p:clrMapOvr>
+    <a:masterClrMapping/>
+  </p:clrMapOvr>
+</p:notes>
+</file>
+
+<file path=ppt/notesSlides/notesSlide51.xml><?xml version="1.0" encoding="utf-8"?>
+<p:notes xmlns:a="http://schemas.openxmlformats.org/drawingml/2006/main" xmlns:r="http://schemas.openxmlformats.org/officeDocument/2006/relationships" xmlns:p="http://schemas.openxmlformats.org/presentationml/2006/main">
+  <p:cSld>
+    <p:spTree>
+      <p:nvGrpSpPr>
+        <p:cNvPr id="1" name=""/>
+        <p:cNvGrpSpPr/>
+        <p:nvPr/>
+      </p:nvGrpSpPr>
+      <p:grpSpPr>
+        <a:xfrm>
+          <a:off x="0" y="0"/>
+          <a:ext cx="0" cy="0"/>
+          <a:chOff x="0" y="0"/>
+          <a:chExt cx="0" cy="0"/>
+        </a:xfrm>
+      </p:grpSpPr>
+      <p:sp>
+        <p:nvSpPr>
+          <p:cNvPr id="31746" name="Rectangle 2"/>
+          <p:cNvSpPr>
+            <a:spLocks noGrp="1" noRot="1" noChangeAspect="1" noChangeArrowheads="1" noTextEdit="1"/>
+          </p:cNvSpPr>
+          <p:nvPr>
+            <p:ph type="sldImg"/>
+          </p:nvPr>
+        </p:nvSpPr>
+        <p:spPr bwMode="auto">
+          <a:noFill/>
+          <a:ln>
+            <a:solidFill>
+              <a:srgbClr val="000000"/>
+            </a:solidFill>
+            <a:miter lim="800000"/>
+            <a:headEnd/>
+            <a:tailEnd/>
+          </a:ln>
+          <a:extLst>
+            <a:ext uri="{909E8E84-426E-40DD-AFC4-6F175D3DCCD1}">
+              <a14:hiddenFill xmlns:a14="http://schemas.microsoft.com/office/drawing/2010/main">
+                <a:solidFill>
+                  <a:srgbClr val="FFFFFF"/>
+                </a:solidFill>
+              </a14:hiddenFill>
+            </a:ext>
+          </a:extLst>
+        </p:spPr>
+      </p:sp>
+      <p:sp>
+        <p:nvSpPr>
+          <p:cNvPr id="31747" name="Rectangle 3"/>
+          <p:cNvSpPr>
+            <a:spLocks noGrp="1" noChangeArrowheads="1"/>
+          </p:cNvSpPr>
+          <p:nvPr>
+            <p:ph type="body" idx="1"/>
+          </p:nvPr>
+        </p:nvSpPr>
+        <p:spPr bwMode="auto">
+          <a:noFill/>
+          <a:extLst>
+            <a:ext uri="{909E8E84-426E-40DD-AFC4-6F175D3DCCD1}">
+              <a14:hiddenFill xmlns:a14="http://schemas.microsoft.com/office/drawing/2010/main">
+                <a:solidFill>
+                  <a:srgbClr val="FFFFFF"/>
+                </a:solidFill>
+              </a14:hiddenFill>
+            </a:ext>
+            <a:ext uri="{91240B29-F687-4F45-9708-019B960494DF}">
+              <a14:hiddenLine xmlns:a14="http://schemas.microsoft.com/office/drawing/2010/main" w="9525">
+                <a:solidFill>
+                  <a:srgbClr val="000000"/>
+                </a:solidFill>
+                <a:miter lim="800000"/>
+                <a:headEnd/>
+                <a:tailEnd/>
+              </a14:hiddenLine>
+            </a:ext>
+          </a:extLst>
+        </p:spPr>
+        <p:txBody>
+          <a:bodyPr wrap="square" numCol="1" anchor="t" anchorCtr="0" compatLnSpc="1">
+            <a:prstTxWarp prst="textNoShape">
+              <a:avLst/>
+            </a:prstTxWarp>
+          </a:bodyPr>
+          <a:lstStyle/>
+          <a:p>
+            <a:pPr eaLnBrk="1" hangingPunct="1">
+              <a:spcBef>
+                <a:spcPct val="0"/>
+              </a:spcBef>
+            </a:pPr>
+            <a:endParaRPr lang="en-US">
+              <a:latin typeface="Helvetica"/>
+              <a:ea typeface="MS PGothic" pitchFamily="34" charset="-128"/>
+            </a:endParaRPr>
+          </a:p>
+        </p:txBody>
+      </p:sp>
+    </p:spTree>
+    <p:extLst>
+      <p:ext uri="{BB962C8B-B14F-4D97-AF65-F5344CB8AC3E}">
+        <p14:creationId xmlns:p14="http://schemas.microsoft.com/office/powerpoint/2010/main" val="969012064"/>
+      </p:ext>
+    </p:extLst>
+  </p:cSld>
+  <p:clrMapOvr>
+    <a:masterClrMapping/>
+  </p:clrMapOvr>
+</p:notes>
+</file>
+
+<file path=ppt/notesSlides/notesSlide52.xml><?xml version="1.0" encoding="utf-8"?>
+<p:notes xmlns:a="http://schemas.openxmlformats.org/drawingml/2006/main" xmlns:r="http://schemas.openxmlformats.org/officeDocument/2006/relationships" xmlns:p="http://schemas.openxmlformats.org/presentationml/2006/main">
+  <p:cSld>
+    <p:spTree>
+      <p:nvGrpSpPr>
+        <p:cNvPr id="1" name=""/>
+        <p:cNvGrpSpPr/>
+        <p:nvPr/>
+      </p:nvGrpSpPr>
+      <p:grpSpPr>
+        <a:xfrm>
+          <a:off x="0" y="0"/>
+          <a:ext cx="0" cy="0"/>
+          <a:chOff x="0" y="0"/>
+          <a:chExt cx="0" cy="0"/>
+        </a:xfrm>
+      </p:grpSpPr>
+      <p:sp>
+        <p:nvSpPr>
+          <p:cNvPr id="31746" name="Rectangle 2"/>
+          <p:cNvSpPr>
+            <a:spLocks noGrp="1" noRot="1" noChangeAspect="1" noChangeArrowheads="1" noTextEdit="1"/>
+          </p:cNvSpPr>
+          <p:nvPr>
+            <p:ph type="sldImg"/>
+          </p:nvPr>
+        </p:nvSpPr>
+        <p:spPr bwMode="auto">
+          <a:noFill/>
+          <a:ln>
+            <a:solidFill>
+              <a:srgbClr val="000000"/>
+            </a:solidFill>
+            <a:miter lim="800000"/>
+            <a:headEnd/>
+            <a:tailEnd/>
+          </a:ln>
+          <a:extLst>
+            <a:ext uri="{909E8E84-426E-40DD-AFC4-6F175D3DCCD1}">
+              <a14:hiddenFill xmlns:a14="http://schemas.microsoft.com/office/drawing/2010/main">
+                <a:solidFill>
+                  <a:srgbClr val="FFFFFF"/>
+                </a:solidFill>
+              </a14:hiddenFill>
+            </a:ext>
+          </a:extLst>
+        </p:spPr>
+      </p:sp>
+      <p:sp>
+        <p:nvSpPr>
+          <p:cNvPr id="31747" name="Rectangle 3"/>
+          <p:cNvSpPr>
+            <a:spLocks noGrp="1" noChangeArrowheads="1"/>
+          </p:cNvSpPr>
+          <p:nvPr>
+            <p:ph type="body" idx="1"/>
+          </p:nvPr>
+        </p:nvSpPr>
+        <p:spPr bwMode="auto">
+          <a:noFill/>
+          <a:extLst>
+            <a:ext uri="{909E8E84-426E-40DD-AFC4-6F175D3DCCD1}">
+              <a14:hiddenFill xmlns:a14="http://schemas.microsoft.com/office/drawing/2010/main">
+                <a:solidFill>
+                  <a:srgbClr val="FFFFFF"/>
+                </a:solidFill>
+              </a14:hiddenFill>
+            </a:ext>
+            <a:ext uri="{91240B29-F687-4F45-9708-019B960494DF}">
+              <a14:hiddenLine xmlns:a14="http://schemas.microsoft.com/office/drawing/2010/main" w="9525">
+                <a:solidFill>
+                  <a:srgbClr val="000000"/>
+                </a:solidFill>
+                <a:miter lim="800000"/>
+                <a:headEnd/>
+                <a:tailEnd/>
+              </a14:hiddenLine>
+            </a:ext>
+          </a:extLst>
+        </p:spPr>
+        <p:txBody>
+          <a:bodyPr wrap="square" numCol="1" anchor="t" anchorCtr="0" compatLnSpc="1">
+            <a:prstTxWarp prst="textNoShape">
+              <a:avLst/>
+            </a:prstTxWarp>
+          </a:bodyPr>
+          <a:lstStyle/>
+          <a:p>
+            <a:pPr eaLnBrk="1" hangingPunct="1">
+              <a:spcBef>
+                <a:spcPct val="0"/>
+              </a:spcBef>
+            </a:pPr>
+            <a:endParaRPr lang="en-US">
+              <a:latin typeface="Helvetica"/>
+              <a:ea typeface="MS PGothic" pitchFamily="34" charset="-128"/>
+            </a:endParaRPr>
+          </a:p>
+        </p:txBody>
+      </p:sp>
+    </p:spTree>
+    <p:extLst>
+      <p:ext uri="{BB962C8B-B14F-4D97-AF65-F5344CB8AC3E}">
+        <p14:creationId xmlns:p14="http://schemas.microsoft.com/office/powerpoint/2010/main" val="2820941517"/>
+      </p:ext>
+    </p:extLst>
+  </p:cSld>
+  <p:clrMapOvr>
+    <a:masterClrMapping/>
+  </p:clrMapOvr>
+</p:notes>
+</file>
+
+<file path=ppt/notesSlides/notesSlide53.xml><?xml version="1.0" encoding="utf-8"?>
+<p:notes xmlns:a="http://schemas.openxmlformats.org/drawingml/2006/main" xmlns:r="http://schemas.openxmlformats.org/officeDocument/2006/relationships" xmlns:p="http://schemas.openxmlformats.org/presentationml/2006/main">
+  <p:cSld>
+    <p:spTree>
+      <p:nvGrpSpPr>
+        <p:cNvPr id="1" name=""/>
+        <p:cNvGrpSpPr/>
+        <p:nvPr/>
+      </p:nvGrpSpPr>
+      <p:grpSpPr>
+        <a:xfrm>
+          <a:off x="0" y="0"/>
+          <a:ext cx="0" cy="0"/>
+          <a:chOff x="0" y="0"/>
+          <a:chExt cx="0" cy="0"/>
+        </a:xfrm>
+      </p:grpSpPr>
+      <p:sp>
+        <p:nvSpPr>
           <p:cNvPr id="2" name="Slide Image Placeholder 1"/>
           <p:cNvSpPr>
             <a:spLocks noGrp="1" noRot="1" noChangeAspect="1"/>
@@ -6089,7 +6431,7 @@
             <a:fld id="{AA177954-F820-4125-B6DD-F07DB14523EB}" type="slidenum">
               <a:rPr lang="en-US" smtClean="0"/>
               <a:pPr/>
-              <a:t>55</a:t>
+              <a:t>58</a:t>
             </a:fld>
             <a:endParaRPr lang="en-US"/>
           </a:p>
@@ -35127,8 +35469,12 @@
           <a:p>
             <a:pPr lvl="2"/>
             <a:r>
+              <a:rPr lang="en-US"/>
+              <a:t>V1.2 </a:t>
+            </a:r>
+            <a:r>
               <a:rPr lang="en-US" dirty="0"/>
-              <a:t>V1.1 Jul-21 </a:t>
+              <a:t>Jul-21 </a:t>
             </a:r>
           </a:p>
         </p:txBody>
@@ -48336,6 +48682,762 @@
       </p:grpSpPr>
       <p:sp>
         <p:nvSpPr>
+          <p:cNvPr id="17410" name="Rectangle 2"/>
+          <p:cNvSpPr>
+            <a:spLocks noGrp="1" noChangeArrowheads="1"/>
+          </p:cNvSpPr>
+          <p:nvPr>
+            <p:ph type="title"/>
+          </p:nvPr>
+        </p:nvSpPr>
+        <p:spPr/>
+        <p:txBody>
+          <a:bodyPr/>
+          <a:lstStyle/>
+          <a:p>
+            <a:r>
+              <a:rPr lang="en-US" dirty="0"/>
+              <a:t>Prisma- Use Case- AWS Containers</a:t>
+            </a:r>
+          </a:p>
+        </p:txBody>
+      </p:sp>
+      <p:sp>
+        <p:nvSpPr>
+          <p:cNvPr id="4" name="Slide Number Placeholder 3"/>
+          <p:cNvSpPr>
+            <a:spLocks noGrp="1"/>
+          </p:cNvSpPr>
+          <p:nvPr>
+            <p:ph type="sldNum" sz="quarter" idx="12"/>
+          </p:nvPr>
+        </p:nvSpPr>
+        <p:spPr/>
+        <p:txBody>
+          <a:bodyPr/>
+          <a:lstStyle/>
+          <a:p>
+            <a:fld id="{D92B6165-2E63-41A3-8905-D7634EBC6D44}" type="slidenum">
+              <a:rPr lang="en-US" smtClean="0"/>
+              <a:pPr/>
+              <a:t>54</a:t>
+            </a:fld>
+            <a:endParaRPr lang="en-US"/>
+          </a:p>
+        </p:txBody>
+      </p:sp>
+      <p:sp>
+        <p:nvSpPr>
+          <p:cNvPr id="6" name="TextBox 5">
+            <a:extLst>
+              <a:ext uri="{FF2B5EF4-FFF2-40B4-BE49-F238E27FC236}">
+                <a16:creationId xmlns:a16="http://schemas.microsoft.com/office/drawing/2014/main" id="{7E149B81-9EAE-4CD0-9E8C-3D85A9FCE9D8}"/>
+              </a:ext>
+            </a:extLst>
+          </p:cNvPr>
+          <p:cNvSpPr txBox="1"/>
+          <p:nvPr/>
+        </p:nvSpPr>
+        <p:spPr>
+          <a:xfrm>
+            <a:off x="318235" y="1649710"/>
+            <a:ext cx="11879380" cy="1200329"/>
+          </a:xfrm>
+          <a:prstGeom prst="rect">
+            <a:avLst/>
+          </a:prstGeom>
+          <a:noFill/>
+        </p:spPr>
+        <p:txBody>
+          <a:bodyPr wrap="square">
+            <a:spAutoFit/>
+          </a:bodyPr>
+          <a:lstStyle/>
+          <a:p>
+            <a:pPr marL="285750" indent="-285750">
+              <a:buFont typeface="Arial" panose="020B0604020202020204" pitchFamily="34" charset="0"/>
+              <a:buChar char="•"/>
+            </a:pPr>
+            <a:r>
+              <a:rPr lang="en-US" dirty="0">
+                <a:solidFill>
+                  <a:srgbClr val="141414"/>
+                </a:solidFill>
+                <a:latin typeface="HCo Decimal"/>
+              </a:rPr>
+              <a:t>P</a:t>
+            </a:r>
+            <a:r>
+              <a:rPr lang="en-US" b="0" i="0" dirty="0">
+                <a:solidFill>
+                  <a:srgbClr val="141414"/>
+                </a:solidFill>
+                <a:effectLst/>
+                <a:latin typeface="HCo Decimal"/>
+              </a:rPr>
+              <a:t>redictive protection capabilities like determining when a container runs a process not included in the origin image or creates an unexpected network socket. </a:t>
+            </a:r>
+          </a:p>
+          <a:p>
+            <a:pPr marL="285750" indent="-285750">
+              <a:buFont typeface="Arial" panose="020B0604020202020204" pitchFamily="34" charset="0"/>
+              <a:buChar char="•"/>
+            </a:pPr>
+            <a:r>
+              <a:rPr lang="en-US" b="0" i="0" dirty="0">
+                <a:solidFill>
+                  <a:srgbClr val="141414"/>
+                </a:solidFill>
+                <a:effectLst/>
+                <a:latin typeface="HCo Decimal"/>
+              </a:rPr>
+              <a:t>Threat based protection capabilities like detecting when malware is added to a container or when a container connects to a botnet.</a:t>
+            </a:r>
+            <a:endParaRPr lang="en-IN" sz="1400" dirty="0">
+              <a:solidFill>
+                <a:srgbClr val="00B0F0"/>
+              </a:solidFill>
+            </a:endParaRPr>
+          </a:p>
+        </p:txBody>
+      </p:sp>
+    </p:spTree>
+    <p:extLst>
+      <p:ext uri="{BB962C8B-B14F-4D97-AF65-F5344CB8AC3E}">
+        <p14:creationId xmlns:p14="http://schemas.microsoft.com/office/powerpoint/2010/main" val="1737551189"/>
+      </p:ext>
+    </p:extLst>
+  </p:cSld>
+  <p:clrMapOvr>
+    <a:masterClrMapping/>
+  </p:clrMapOvr>
+  <mc:AlternateContent xmlns:mc="http://schemas.openxmlformats.org/markup-compatibility/2006" xmlns:p14="http://schemas.microsoft.com/office/powerpoint/2010/main">
+    <mc:Choice Requires="p14">
+      <p:transition spd="med" p14:dur="700">
+        <p:fade/>
+      </p:transition>
+    </mc:Choice>
+    <mc:Fallback xmlns="">
+      <p:transition spd="med">
+        <p:fade/>
+      </p:transition>
+    </mc:Fallback>
+  </mc:AlternateContent>
+</p:sld>
+</file>
+
+<file path=ppt/slides/slide55.xml><?xml version="1.0" encoding="utf-8"?>
+<p:sld xmlns:a="http://schemas.openxmlformats.org/drawingml/2006/main" xmlns:r="http://schemas.openxmlformats.org/officeDocument/2006/relationships" xmlns:p="http://schemas.openxmlformats.org/presentationml/2006/main">
+  <p:cSld>
+    <p:spTree>
+      <p:nvGrpSpPr>
+        <p:cNvPr id="1" name=""/>
+        <p:cNvGrpSpPr/>
+        <p:nvPr/>
+      </p:nvGrpSpPr>
+      <p:grpSpPr>
+        <a:xfrm>
+          <a:off x="0" y="0"/>
+          <a:ext cx="0" cy="0"/>
+          <a:chOff x="0" y="0"/>
+          <a:chExt cx="0" cy="0"/>
+        </a:xfrm>
+      </p:grpSpPr>
+      <p:sp>
+        <p:nvSpPr>
+          <p:cNvPr id="17410" name="Rectangle 2"/>
+          <p:cNvSpPr>
+            <a:spLocks noGrp="1" noChangeArrowheads="1"/>
+          </p:cNvSpPr>
+          <p:nvPr>
+            <p:ph type="title"/>
+          </p:nvPr>
+        </p:nvSpPr>
+        <p:spPr/>
+        <p:txBody>
+          <a:bodyPr/>
+          <a:lstStyle/>
+          <a:p>
+            <a:r>
+              <a:rPr lang="en-US" dirty="0"/>
+              <a:t>Prisma- Use Case- Azure Services (using API)</a:t>
+            </a:r>
+          </a:p>
+        </p:txBody>
+      </p:sp>
+      <p:sp>
+        <p:nvSpPr>
+          <p:cNvPr id="4" name="Slide Number Placeholder 3"/>
+          <p:cNvSpPr>
+            <a:spLocks noGrp="1"/>
+          </p:cNvSpPr>
+          <p:nvPr>
+            <p:ph type="sldNum" sz="quarter" idx="12"/>
+          </p:nvPr>
+        </p:nvSpPr>
+        <p:spPr/>
+        <p:txBody>
+          <a:bodyPr/>
+          <a:lstStyle/>
+          <a:p>
+            <a:fld id="{D92B6165-2E63-41A3-8905-D7634EBC6D44}" type="slidenum">
+              <a:rPr lang="en-US" smtClean="0"/>
+              <a:pPr/>
+              <a:t>55</a:t>
+            </a:fld>
+            <a:endParaRPr lang="en-US"/>
+          </a:p>
+        </p:txBody>
+      </p:sp>
+      <p:sp>
+        <p:nvSpPr>
+          <p:cNvPr id="6" name="TextBox 5">
+            <a:extLst>
+              <a:ext uri="{FF2B5EF4-FFF2-40B4-BE49-F238E27FC236}">
+                <a16:creationId xmlns:a16="http://schemas.microsoft.com/office/drawing/2014/main" id="{7E149B81-9EAE-4CD0-9E8C-3D85A9FCE9D8}"/>
+              </a:ext>
+            </a:extLst>
+          </p:cNvPr>
+          <p:cNvSpPr txBox="1"/>
+          <p:nvPr/>
+        </p:nvSpPr>
+        <p:spPr>
+          <a:xfrm>
+            <a:off x="318235" y="1649710"/>
+            <a:ext cx="11879380" cy="2062103"/>
+          </a:xfrm>
+          <a:prstGeom prst="rect">
+            <a:avLst/>
+          </a:prstGeom>
+          <a:noFill/>
+        </p:spPr>
+        <p:txBody>
+          <a:bodyPr wrap="square">
+            <a:spAutoFit/>
+          </a:bodyPr>
+          <a:lstStyle/>
+          <a:p>
+            <a:pPr marL="285750" indent="-285750">
+              <a:buFont typeface="Arial" panose="020B0604020202020204" pitchFamily="34" charset="0"/>
+              <a:buChar char="•"/>
+            </a:pPr>
+            <a:r>
+              <a:rPr lang="en-IN" sz="1600" dirty="0">
+                <a:hlinkClick r:id="rId3"/>
+              </a:rPr>
+              <a:t>Microsoft Azure APIs Ingested by Prisma Cloud (paloaltonetworks.com)</a:t>
+            </a:r>
+            <a:endParaRPr lang="en-IN" sz="1600" dirty="0"/>
+          </a:p>
+          <a:p>
+            <a:pPr marL="285750" indent="-285750">
+              <a:buFont typeface="Arial" panose="020B0604020202020204" pitchFamily="34" charset="0"/>
+              <a:buChar char="•"/>
+            </a:pPr>
+            <a:r>
+              <a:rPr lang="en-IN" sz="1600" dirty="0"/>
+              <a:t>Services covered by API Ingestion:</a:t>
+            </a:r>
+          </a:p>
+          <a:p>
+            <a:pPr marL="742950" lvl="1" indent="-285750">
+              <a:buFont typeface="Arial" panose="020B0604020202020204" pitchFamily="34" charset="0"/>
+              <a:buChar char="•"/>
+            </a:pPr>
+            <a:r>
+              <a:rPr lang="en-IN" sz="1600" dirty="0">
+                <a:solidFill>
+                  <a:srgbClr val="00B0F0"/>
+                </a:solidFill>
+              </a:rPr>
+              <a:t>Azure Application Gateway, Azure Active Directory,  Azure API Management, Azure Cache, Azure Compute</a:t>
+            </a:r>
+          </a:p>
+          <a:p>
+            <a:pPr marL="742950" lvl="1" indent="-285750">
+              <a:buFont typeface="Arial" panose="020B0604020202020204" pitchFamily="34" charset="0"/>
+              <a:buChar char="•"/>
+            </a:pPr>
+            <a:r>
+              <a:rPr lang="en-IN" sz="1600" dirty="0">
+                <a:solidFill>
+                  <a:srgbClr val="00B0F0"/>
+                </a:solidFill>
+              </a:rPr>
+              <a:t>Azure Cosmos DB, Azure Data Bricks, Azure Database for MySQL, Azure Data Factory, Azure Data Lake Analytics</a:t>
+            </a:r>
+          </a:p>
+          <a:p>
+            <a:pPr marL="742950" lvl="1" indent="-285750">
+              <a:buFont typeface="Arial" panose="020B0604020202020204" pitchFamily="34" charset="0"/>
+              <a:buChar char="•"/>
+            </a:pPr>
+            <a:r>
+              <a:rPr lang="en-IN" sz="1600" dirty="0">
+                <a:solidFill>
+                  <a:srgbClr val="00B0F0"/>
+                </a:solidFill>
+              </a:rPr>
+              <a:t>Azure Data Lake Storage (Gen 1), Azure Event Hubs, Azure Key Vault, Azure Load Balancer, Azure Logic Apps</a:t>
+            </a:r>
+          </a:p>
+          <a:p>
+            <a:pPr marL="742950" lvl="1" indent="-285750">
+              <a:buFont typeface="Arial" panose="020B0604020202020204" pitchFamily="34" charset="0"/>
+              <a:buChar char="•"/>
+            </a:pPr>
+            <a:r>
+              <a:rPr lang="en-IN" sz="1600" dirty="0">
+                <a:solidFill>
+                  <a:srgbClr val="00B0F0"/>
+                </a:solidFill>
+              </a:rPr>
+              <a:t>Azure Resource Group, Azure Resource Manager, Azure Policy, Azure Security </a:t>
+            </a:r>
+            <a:r>
+              <a:rPr lang="en-IN" sz="1600" dirty="0" err="1">
+                <a:solidFill>
+                  <a:srgbClr val="00B0F0"/>
+                </a:solidFill>
+              </a:rPr>
+              <a:t>Center</a:t>
+            </a:r>
+            <a:r>
+              <a:rPr lang="en-IN" sz="1600" dirty="0">
+                <a:solidFill>
+                  <a:srgbClr val="00B0F0"/>
+                </a:solidFill>
+              </a:rPr>
+              <a:t>, Azure Virtual Network</a:t>
+            </a:r>
+          </a:p>
+          <a:p>
+            <a:pPr marL="742950" lvl="1" indent="-285750">
+              <a:buFont typeface="Arial" panose="020B0604020202020204" pitchFamily="34" charset="0"/>
+              <a:buChar char="•"/>
+            </a:pPr>
+            <a:r>
+              <a:rPr lang="en-IN" sz="1600" dirty="0">
+                <a:solidFill>
+                  <a:srgbClr val="00B0F0"/>
+                </a:solidFill>
+              </a:rPr>
+              <a:t>Azure SQL Database, Azure Database for PostgreSQL, Azure Monitor, Azure Network Watcher</a:t>
+            </a:r>
+          </a:p>
+          <a:p>
+            <a:pPr marL="742950" lvl="1" indent="-285750">
+              <a:buFont typeface="Arial" panose="020B0604020202020204" pitchFamily="34" charset="0"/>
+              <a:buChar char="•"/>
+            </a:pPr>
+            <a:r>
+              <a:rPr lang="en-IN" sz="1600" dirty="0">
+                <a:solidFill>
+                  <a:srgbClr val="00B0F0"/>
+                </a:solidFill>
+              </a:rPr>
+              <a:t>Azure Storage, Subnets, Azure Kubernetes Service, App Service, Azure VPN Gateway</a:t>
+            </a:r>
+          </a:p>
+        </p:txBody>
+      </p:sp>
+    </p:spTree>
+    <p:extLst>
+      <p:ext uri="{BB962C8B-B14F-4D97-AF65-F5344CB8AC3E}">
+        <p14:creationId xmlns:p14="http://schemas.microsoft.com/office/powerpoint/2010/main" val="524699846"/>
+      </p:ext>
+    </p:extLst>
+  </p:cSld>
+  <p:clrMapOvr>
+    <a:masterClrMapping/>
+  </p:clrMapOvr>
+  <mc:AlternateContent xmlns:mc="http://schemas.openxmlformats.org/markup-compatibility/2006" xmlns:p14="http://schemas.microsoft.com/office/powerpoint/2010/main">
+    <mc:Choice Requires="p14">
+      <p:transition spd="med" p14:dur="700">
+        <p:fade/>
+      </p:transition>
+    </mc:Choice>
+    <mc:Fallback xmlns="">
+      <p:transition spd="med">
+        <p:fade/>
+      </p:transition>
+    </mc:Fallback>
+  </mc:AlternateContent>
+</p:sld>
+</file>
+
+<file path=ppt/slides/slide56.xml><?xml version="1.0" encoding="utf-8"?>
+<p:sld xmlns:a="http://schemas.openxmlformats.org/drawingml/2006/main" xmlns:r="http://schemas.openxmlformats.org/officeDocument/2006/relationships" xmlns:p="http://schemas.openxmlformats.org/presentationml/2006/main">
+  <p:cSld>
+    <p:spTree>
+      <p:nvGrpSpPr>
+        <p:cNvPr id="1" name=""/>
+        <p:cNvGrpSpPr/>
+        <p:nvPr/>
+      </p:nvGrpSpPr>
+      <p:grpSpPr>
+        <a:xfrm>
+          <a:off x="0" y="0"/>
+          <a:ext cx="0" cy="0"/>
+          <a:chOff x="0" y="0"/>
+          <a:chExt cx="0" cy="0"/>
+        </a:xfrm>
+      </p:grpSpPr>
+      <p:sp>
+        <p:nvSpPr>
+          <p:cNvPr id="17410" name="Rectangle 2"/>
+          <p:cNvSpPr>
+            <a:spLocks noGrp="1" noChangeArrowheads="1"/>
+          </p:cNvSpPr>
+          <p:nvPr>
+            <p:ph type="title"/>
+          </p:nvPr>
+        </p:nvSpPr>
+        <p:spPr/>
+        <p:txBody>
+          <a:bodyPr/>
+          <a:lstStyle/>
+          <a:p>
+            <a:r>
+              <a:rPr lang="en-US" dirty="0"/>
+              <a:t>Prisma- </a:t>
+            </a:r>
+            <a:r>
+              <a:rPr lang="en-US" dirty="0" err="1"/>
+              <a:t>Twistcli</a:t>
+            </a:r>
+            <a:r>
+              <a:rPr lang="en-US" dirty="0"/>
+              <a:t> – Build Process</a:t>
+            </a:r>
+          </a:p>
+        </p:txBody>
+      </p:sp>
+      <p:sp>
+        <p:nvSpPr>
+          <p:cNvPr id="4" name="Slide Number Placeholder 3"/>
+          <p:cNvSpPr>
+            <a:spLocks noGrp="1"/>
+          </p:cNvSpPr>
+          <p:nvPr>
+            <p:ph type="sldNum" sz="quarter" idx="12"/>
+          </p:nvPr>
+        </p:nvSpPr>
+        <p:spPr/>
+        <p:txBody>
+          <a:bodyPr/>
+          <a:lstStyle/>
+          <a:p>
+            <a:fld id="{D92B6165-2E63-41A3-8905-D7634EBC6D44}" type="slidenum">
+              <a:rPr lang="en-US" smtClean="0"/>
+              <a:pPr/>
+              <a:t>56</a:t>
+            </a:fld>
+            <a:endParaRPr lang="en-US"/>
+          </a:p>
+        </p:txBody>
+      </p:sp>
+      <p:sp>
+        <p:nvSpPr>
+          <p:cNvPr id="6" name="TextBox 5">
+            <a:extLst>
+              <a:ext uri="{FF2B5EF4-FFF2-40B4-BE49-F238E27FC236}">
+                <a16:creationId xmlns:a16="http://schemas.microsoft.com/office/drawing/2014/main" id="{7E149B81-9EAE-4CD0-9E8C-3D85A9FCE9D8}"/>
+              </a:ext>
+            </a:extLst>
+          </p:cNvPr>
+          <p:cNvSpPr txBox="1"/>
+          <p:nvPr/>
+        </p:nvSpPr>
+        <p:spPr>
+          <a:xfrm>
+            <a:off x="318235" y="1649710"/>
+            <a:ext cx="11879380" cy="3477875"/>
+          </a:xfrm>
+          <a:prstGeom prst="rect">
+            <a:avLst/>
+          </a:prstGeom>
+          <a:noFill/>
+        </p:spPr>
+        <p:txBody>
+          <a:bodyPr wrap="square">
+            <a:spAutoFit/>
+          </a:bodyPr>
+          <a:lstStyle/>
+          <a:p>
+            <a:pPr marL="342900" indent="-342900" algn="l">
+              <a:buFont typeface="Arial" panose="020B0604020202020204" pitchFamily="34" charset="0"/>
+              <a:buChar char="•"/>
+            </a:pPr>
+            <a:r>
+              <a:rPr lang="en-GB" sz="2000" b="0" i="0" dirty="0" err="1">
+                <a:solidFill>
+                  <a:srgbClr val="000000"/>
+                </a:solidFill>
+                <a:effectLst/>
+                <a:latin typeface="Montserrat"/>
+              </a:rPr>
+              <a:t>Twistlock</a:t>
+            </a:r>
+            <a:r>
+              <a:rPr lang="en-GB" sz="2000" b="0" i="0" dirty="0">
+                <a:solidFill>
+                  <a:srgbClr val="000000"/>
+                </a:solidFill>
+                <a:effectLst/>
+                <a:latin typeface="Montserrat"/>
+              </a:rPr>
+              <a:t>: </a:t>
+            </a:r>
+          </a:p>
+          <a:p>
+            <a:pPr marL="800100" lvl="1" indent="-342900">
+              <a:buFont typeface="Arial" panose="020B0604020202020204" pitchFamily="34" charset="0"/>
+              <a:buChar char="•"/>
+            </a:pPr>
+            <a:r>
+              <a:rPr lang="en-GB" sz="2000" dirty="0">
+                <a:solidFill>
+                  <a:srgbClr val="000000"/>
+                </a:solidFill>
+                <a:latin typeface="Montserrat"/>
+              </a:rPr>
+              <a:t>S</a:t>
+            </a:r>
+            <a:r>
+              <a:rPr lang="en-GB" sz="2000" b="0" i="0" dirty="0">
+                <a:solidFill>
+                  <a:srgbClr val="000000"/>
+                </a:solidFill>
+                <a:effectLst/>
+                <a:latin typeface="Montserrat"/>
+              </a:rPr>
+              <a:t>cans all of the images in the registry, </a:t>
+            </a:r>
+          </a:p>
+          <a:p>
+            <a:pPr marL="800100" lvl="1" indent="-342900">
+              <a:buFont typeface="Arial" panose="020B0604020202020204" pitchFamily="34" charset="0"/>
+              <a:buChar char="•"/>
+            </a:pPr>
+            <a:r>
+              <a:rPr lang="en-GB" sz="2000" dirty="0">
+                <a:solidFill>
+                  <a:srgbClr val="000000"/>
+                </a:solidFill>
+                <a:latin typeface="Montserrat"/>
+              </a:rPr>
+              <a:t>S</a:t>
+            </a:r>
+            <a:r>
+              <a:rPr lang="en-GB" sz="2000" b="0" i="0" dirty="0">
+                <a:solidFill>
+                  <a:srgbClr val="000000"/>
+                </a:solidFill>
+                <a:effectLst/>
+                <a:latin typeface="Montserrat"/>
+              </a:rPr>
+              <a:t>cans images during the build and deploy process, </a:t>
+            </a:r>
+          </a:p>
+          <a:p>
+            <a:pPr marL="800100" lvl="1" indent="-342900">
+              <a:buFont typeface="Arial" panose="020B0604020202020204" pitchFamily="34" charset="0"/>
+              <a:buChar char="•"/>
+            </a:pPr>
+            <a:r>
+              <a:rPr lang="en-GB" sz="2000" dirty="0">
+                <a:solidFill>
+                  <a:srgbClr val="000000"/>
+                </a:solidFill>
+                <a:latin typeface="Montserrat"/>
+              </a:rPr>
+              <a:t>A</a:t>
+            </a:r>
+            <a:r>
+              <a:rPr lang="en-GB" sz="2000" b="0" i="0" dirty="0">
+                <a:solidFill>
+                  <a:srgbClr val="000000"/>
+                </a:solidFill>
+                <a:effectLst/>
+                <a:latin typeface="Montserrat"/>
+              </a:rPr>
+              <a:t>nd also continuously monitors any vulnerability changes in your running containers. </a:t>
+            </a:r>
+          </a:p>
+          <a:p>
+            <a:pPr marL="342900" indent="-342900">
+              <a:buFont typeface="Arial" panose="020B0604020202020204" pitchFamily="34" charset="0"/>
+              <a:buChar char="•"/>
+            </a:pPr>
+            <a:r>
+              <a:rPr lang="en-GB" sz="2000" b="0" i="0" dirty="0" err="1">
+                <a:solidFill>
+                  <a:srgbClr val="000000"/>
+                </a:solidFill>
+                <a:effectLst/>
+                <a:latin typeface="Montserrat"/>
+              </a:rPr>
+              <a:t>Twistlock</a:t>
+            </a:r>
+            <a:r>
+              <a:rPr lang="en-GB" sz="2000" b="0" i="0" dirty="0">
+                <a:solidFill>
+                  <a:srgbClr val="000000"/>
+                </a:solidFill>
+                <a:effectLst/>
+                <a:latin typeface="Montserrat"/>
+              </a:rPr>
+              <a:t> generates a risk score for each of the vulnerabilities it find</a:t>
+            </a:r>
+          </a:p>
+          <a:p>
+            <a:pPr marL="800100" lvl="1" indent="-342900">
+              <a:buFont typeface="Arial" panose="020B0604020202020204" pitchFamily="34" charset="0"/>
+              <a:buChar char="•"/>
+            </a:pPr>
+            <a:r>
+              <a:rPr lang="en-GB" sz="2000" dirty="0">
+                <a:solidFill>
+                  <a:srgbClr val="000000"/>
+                </a:solidFill>
+                <a:latin typeface="Montserrat"/>
+              </a:rPr>
+              <a:t>Use</a:t>
+            </a:r>
+            <a:r>
+              <a:rPr lang="en-GB" sz="2000" b="0" i="0" dirty="0">
+                <a:solidFill>
+                  <a:srgbClr val="000000"/>
+                </a:solidFill>
+                <a:effectLst/>
+                <a:latin typeface="Montserrat"/>
+              </a:rPr>
+              <a:t> risk metrics like CVSS </a:t>
+            </a:r>
+          </a:p>
+          <a:p>
+            <a:pPr marL="800100" lvl="1" indent="-342900">
+              <a:buFont typeface="Arial" panose="020B0604020202020204" pitchFamily="34" charset="0"/>
+              <a:buChar char="•"/>
+            </a:pPr>
+            <a:r>
+              <a:rPr lang="en-GB" sz="2000" dirty="0">
+                <a:solidFill>
+                  <a:srgbClr val="000000"/>
+                </a:solidFill>
+                <a:latin typeface="Montserrat"/>
+              </a:rPr>
+              <a:t>A</a:t>
+            </a:r>
+            <a:r>
+              <a:rPr lang="en-GB" sz="2000" b="0" i="0" dirty="0">
+                <a:solidFill>
+                  <a:srgbClr val="000000"/>
+                </a:solidFill>
+                <a:effectLst/>
+                <a:latin typeface="Montserrat"/>
+              </a:rPr>
+              <a:t>lso a whole host of other metrics as well</a:t>
+            </a:r>
+          </a:p>
+          <a:p>
+            <a:pPr lvl="2">
+              <a:buFont typeface="Arial" panose="020B0604020202020204" pitchFamily="34" charset="0"/>
+              <a:buChar char="•"/>
+            </a:pPr>
+            <a:r>
+              <a:rPr lang="en-GB" sz="2000" b="0" i="0" dirty="0">
+                <a:solidFill>
+                  <a:srgbClr val="000000"/>
+                </a:solidFill>
+                <a:effectLst/>
+                <a:latin typeface="Montserrat"/>
+              </a:rPr>
+              <a:t>Is this container connected to the internet?</a:t>
+            </a:r>
+          </a:p>
+          <a:p>
+            <a:pPr lvl="2">
+              <a:buFont typeface="Arial" panose="020B0604020202020204" pitchFamily="34" charset="0"/>
+              <a:buChar char="•"/>
+            </a:pPr>
+            <a:r>
+              <a:rPr lang="en-GB" sz="2000" b="0" i="0" dirty="0">
+                <a:solidFill>
+                  <a:srgbClr val="000000"/>
+                </a:solidFill>
+                <a:effectLst/>
+                <a:latin typeface="Montserrat"/>
+              </a:rPr>
+              <a:t>Does it have open listening ports?</a:t>
+            </a:r>
+          </a:p>
+          <a:p>
+            <a:pPr lvl="2">
+              <a:buFont typeface="Arial" panose="020B0604020202020204" pitchFamily="34" charset="0"/>
+              <a:buChar char="•"/>
+            </a:pPr>
+            <a:r>
+              <a:rPr lang="en-GB" sz="2000" b="0" i="0" dirty="0">
+                <a:solidFill>
+                  <a:srgbClr val="000000"/>
+                </a:solidFill>
+                <a:effectLst/>
+                <a:latin typeface="Montserrat"/>
+              </a:rPr>
+              <a:t>Does it have a security profile attached</a:t>
+            </a:r>
+          </a:p>
+          <a:p>
+            <a:endParaRPr lang="en-IN" sz="2000" dirty="0"/>
+          </a:p>
+        </p:txBody>
+      </p:sp>
+    </p:spTree>
+    <p:extLst>
+      <p:ext uri="{BB962C8B-B14F-4D97-AF65-F5344CB8AC3E}">
+        <p14:creationId xmlns:p14="http://schemas.microsoft.com/office/powerpoint/2010/main" val="691266842"/>
+      </p:ext>
+    </p:extLst>
+  </p:cSld>
+  <p:clrMapOvr>
+    <a:masterClrMapping/>
+  </p:clrMapOvr>
+  <mc:AlternateContent xmlns:mc="http://schemas.openxmlformats.org/markup-compatibility/2006" xmlns:p14="http://schemas.microsoft.com/office/powerpoint/2010/main">
+    <mc:Choice Requires="p14">
+      <p:transition spd="med" p14:dur="700">
+        <p:fade/>
+      </p:transition>
+    </mc:Choice>
+    <mc:Fallback xmlns="">
+      <p:transition spd="med">
+        <p:fade/>
+      </p:transition>
+    </mc:Fallback>
+  </mc:AlternateContent>
+</p:sld>
+</file>
+
+<file path=ppt/slides/slide57.xml><?xml version="1.0" encoding="utf-8"?>
+<p:sld xmlns:a="http://schemas.openxmlformats.org/drawingml/2006/main" xmlns:r="http://schemas.openxmlformats.org/officeDocument/2006/relationships" xmlns:p="http://schemas.openxmlformats.org/presentationml/2006/main">
+  <p:cSld>
+    <p:spTree>
+      <p:nvGrpSpPr>
+        <p:cNvPr id="1" name=""/>
+        <p:cNvGrpSpPr/>
+        <p:nvPr/>
+      </p:nvGrpSpPr>
+      <p:grpSpPr>
+        <a:xfrm>
+          <a:off x="0" y="0"/>
+          <a:ext cx="0" cy="0"/>
+          <a:chOff x="0" y="0"/>
+          <a:chExt cx="0" cy="0"/>
+        </a:xfrm>
+      </p:grpSpPr>
+      <p:sp>
+        <p:nvSpPr>
           <p:cNvPr id="2" name="Slide Number Placeholder 1">
             <a:extLst>
               <a:ext uri="{FF2B5EF4-FFF2-40B4-BE49-F238E27FC236}">
@@ -48358,7 +49460,7 @@
             <a:fld id="{D92B6165-2E63-41A3-8905-D7634EBC6D44}" type="slidenum">
               <a:rPr lang="en-IN" smtClean="0"/>
               <a:pPr/>
-              <a:t>54</a:t>
+              <a:t>57</a:t>
             </a:fld>
             <a:endParaRPr lang="en-IN"/>
           </a:p>
@@ -48479,7 +49581,7 @@
 </p:sld>
 </file>
 
-<file path=ppt/slides/slide55.xml><?xml version="1.0" encoding="utf-8"?>
+<file path=ppt/slides/slide58.xml><?xml version="1.0" encoding="utf-8"?>
 <p:sld xmlns:a="http://schemas.openxmlformats.org/drawingml/2006/main" xmlns:r="http://schemas.openxmlformats.org/officeDocument/2006/relationships" xmlns:p="http://schemas.openxmlformats.org/presentationml/2006/main">
   <p:cSld>
     <p:bg>

--- a/AWS Guard Duty & Azure Security Center.pptx
+++ b/AWS Guard Duty & Azure Security Center.pptx
@@ -5,10 +5,10 @@
     <p:sldMasterId id="2147483648" r:id="rId1"/>
   </p:sldMasterIdLst>
   <p:notesMasterIdLst>
-    <p:notesMasterId r:id="rId60"/>
+    <p:notesMasterId r:id="rId61"/>
   </p:notesMasterIdLst>
   <p:handoutMasterIdLst>
-    <p:handoutMasterId r:id="rId61"/>
+    <p:handoutMasterId r:id="rId62"/>
   </p:handoutMasterIdLst>
   <p:sldIdLst>
     <p:sldId id="296" r:id="rId2"/>
@@ -28,52 +28,53 @@
     <p:sldId id="324" r:id="rId16"/>
     <p:sldId id="325" r:id="rId17"/>
     <p:sldId id="330" r:id="rId18"/>
-    <p:sldId id="298" r:id="rId19"/>
-    <p:sldId id="315" r:id="rId20"/>
-    <p:sldId id="316" r:id="rId21"/>
-    <p:sldId id="317" r:id="rId22"/>
-    <p:sldId id="318" r:id="rId23"/>
-    <p:sldId id="300" r:id="rId24"/>
-    <p:sldId id="301" r:id="rId25"/>
-    <p:sldId id="302" r:id="rId26"/>
-    <p:sldId id="273" r:id="rId27"/>
-    <p:sldId id="304" r:id="rId28"/>
-    <p:sldId id="319" r:id="rId29"/>
-    <p:sldId id="320" r:id="rId30"/>
-    <p:sldId id="303" r:id="rId31"/>
-    <p:sldId id="305" r:id="rId32"/>
-    <p:sldId id="306" r:id="rId33"/>
-    <p:sldId id="307" r:id="rId34"/>
-    <p:sldId id="308" r:id="rId35"/>
-    <p:sldId id="309" r:id="rId36"/>
-    <p:sldId id="310" r:id="rId37"/>
-    <p:sldId id="311" r:id="rId38"/>
-    <p:sldId id="312" r:id="rId39"/>
-    <p:sldId id="313" r:id="rId40"/>
-    <p:sldId id="314" r:id="rId41"/>
-    <p:sldId id="337" r:id="rId42"/>
-    <p:sldId id="334" r:id="rId43"/>
-    <p:sldId id="343" r:id="rId44"/>
-    <p:sldId id="339" r:id="rId45"/>
-    <p:sldId id="340" r:id="rId46"/>
-    <p:sldId id="341" r:id="rId47"/>
-    <p:sldId id="344" r:id="rId48"/>
-    <p:sldId id="345" r:id="rId49"/>
-    <p:sldId id="346" r:id="rId50"/>
-    <p:sldId id="347" r:id="rId51"/>
-    <p:sldId id="348" r:id="rId52"/>
-    <p:sldId id="349" r:id="rId53"/>
-    <p:sldId id="350" r:id="rId54"/>
-    <p:sldId id="353" r:id="rId55"/>
-    <p:sldId id="352" r:id="rId56"/>
-    <p:sldId id="355" r:id="rId57"/>
-    <p:sldId id="342" r:id="rId58"/>
-    <p:sldId id="266" r:id="rId59"/>
+    <p:sldId id="356" r:id="rId19"/>
+    <p:sldId id="357" r:id="rId20"/>
+    <p:sldId id="298" r:id="rId21"/>
+    <p:sldId id="315" r:id="rId22"/>
+    <p:sldId id="316" r:id="rId23"/>
+    <p:sldId id="317" r:id="rId24"/>
+    <p:sldId id="318" r:id="rId25"/>
+    <p:sldId id="300" r:id="rId26"/>
+    <p:sldId id="301" r:id="rId27"/>
+    <p:sldId id="302" r:id="rId28"/>
+    <p:sldId id="273" r:id="rId29"/>
+    <p:sldId id="304" r:id="rId30"/>
+    <p:sldId id="319" r:id="rId31"/>
+    <p:sldId id="320" r:id="rId32"/>
+    <p:sldId id="303" r:id="rId33"/>
+    <p:sldId id="305" r:id="rId34"/>
+    <p:sldId id="306" r:id="rId35"/>
+    <p:sldId id="307" r:id="rId36"/>
+    <p:sldId id="308" r:id="rId37"/>
+    <p:sldId id="309" r:id="rId38"/>
+    <p:sldId id="310" r:id="rId39"/>
+    <p:sldId id="311" r:id="rId40"/>
+    <p:sldId id="312" r:id="rId41"/>
+    <p:sldId id="313" r:id="rId42"/>
+    <p:sldId id="314" r:id="rId43"/>
+    <p:sldId id="337" r:id="rId44"/>
+    <p:sldId id="334" r:id="rId45"/>
+    <p:sldId id="343" r:id="rId46"/>
+    <p:sldId id="339" r:id="rId47"/>
+    <p:sldId id="340" r:id="rId48"/>
+    <p:sldId id="341" r:id="rId49"/>
+    <p:sldId id="344" r:id="rId50"/>
+    <p:sldId id="345" r:id="rId51"/>
+    <p:sldId id="346" r:id="rId52"/>
+    <p:sldId id="347" r:id="rId53"/>
+    <p:sldId id="348" r:id="rId54"/>
+    <p:sldId id="349" r:id="rId55"/>
+    <p:sldId id="350" r:id="rId56"/>
+    <p:sldId id="352" r:id="rId57"/>
+    <p:sldId id="355" r:id="rId58"/>
+    <p:sldId id="342" r:id="rId59"/>
+    <p:sldId id="266" r:id="rId60"/>
   </p:sldIdLst>
   <p:sldSz cx="12188825" cy="6858000"/>
   <p:notesSz cx="6858000" cy="9144000"/>
   <p:custDataLst>
-    <p:tags r:id="rId62"/>
+    <p:tags r:id="rId63"/>
   </p:custDataLst>
   <p:defaultTextStyle>
     <a:defPPr>
@@ -568,7 +569,7 @@
             <a:fld id="{7724383D-47EA-45CB-930A-8D57FFD0FCC3}" type="datetime2">
               <a:rPr lang="en-US"/>
               <a:pPr/>
-              <a:t>Friday, August 13, 2021</a:t>
+              <a:t>Tuesday, August 17, 2021</a:t>
             </a:fld>
             <a:endParaRPr/>
           </a:p>
@@ -2047,7 +2048,7 @@
     </p:spTree>
     <p:extLst>
       <p:ext uri="{BB962C8B-B14F-4D97-AF65-F5344CB8AC3E}">
-        <p14:creationId xmlns:p14="http://schemas.microsoft.com/office/powerpoint/2010/main" val="1235518293"/>
+        <p14:creationId xmlns:p14="http://schemas.microsoft.com/office/powerpoint/2010/main" val="2447277414"/>
       </p:ext>
     </p:extLst>
   </p:cSld>
@@ -2160,7 +2161,7 @@
     </p:spTree>
     <p:extLst>
       <p:ext uri="{BB962C8B-B14F-4D97-AF65-F5344CB8AC3E}">
-        <p14:creationId xmlns:p14="http://schemas.microsoft.com/office/powerpoint/2010/main" val="628657066"/>
+        <p14:creationId xmlns:p14="http://schemas.microsoft.com/office/powerpoint/2010/main" val="2541831491"/>
       </p:ext>
     </p:extLst>
   </p:cSld>
@@ -2386,7 +2387,7 @@
     </p:spTree>
     <p:extLst>
       <p:ext uri="{BB962C8B-B14F-4D97-AF65-F5344CB8AC3E}">
-        <p14:creationId xmlns:p14="http://schemas.microsoft.com/office/powerpoint/2010/main" val="4238929785"/>
+        <p14:creationId xmlns:p14="http://schemas.microsoft.com/office/powerpoint/2010/main" val="1235518293"/>
       </p:ext>
     </p:extLst>
   </p:cSld>
@@ -2499,7 +2500,7 @@
     </p:spTree>
     <p:extLst>
       <p:ext uri="{BB962C8B-B14F-4D97-AF65-F5344CB8AC3E}">
-        <p14:creationId xmlns:p14="http://schemas.microsoft.com/office/powerpoint/2010/main" val="3206267"/>
+        <p14:creationId xmlns:p14="http://schemas.microsoft.com/office/powerpoint/2010/main" val="628657066"/>
       </p:ext>
     </p:extLst>
   </p:cSld>
@@ -2612,7 +2613,7 @@
     </p:spTree>
     <p:extLst>
       <p:ext uri="{BB962C8B-B14F-4D97-AF65-F5344CB8AC3E}">
-        <p14:creationId xmlns:p14="http://schemas.microsoft.com/office/powerpoint/2010/main" val="2893805767"/>
+        <p14:creationId xmlns:p14="http://schemas.microsoft.com/office/powerpoint/2010/main" val="4238929785"/>
       </p:ext>
     </p:extLst>
   </p:cSld>
@@ -2725,7 +2726,7 @@
     </p:spTree>
     <p:extLst>
       <p:ext uri="{BB962C8B-B14F-4D97-AF65-F5344CB8AC3E}">
-        <p14:creationId xmlns:p14="http://schemas.microsoft.com/office/powerpoint/2010/main" val="3387624565"/>
+        <p14:creationId xmlns:p14="http://schemas.microsoft.com/office/powerpoint/2010/main" val="3206267"/>
       </p:ext>
     </p:extLst>
   </p:cSld>
@@ -2838,7 +2839,7 @@
     </p:spTree>
     <p:extLst>
       <p:ext uri="{BB962C8B-B14F-4D97-AF65-F5344CB8AC3E}">
-        <p14:creationId xmlns:p14="http://schemas.microsoft.com/office/powerpoint/2010/main" val="2417738753"/>
+        <p14:creationId xmlns:p14="http://schemas.microsoft.com/office/powerpoint/2010/main" val="2893805767"/>
       </p:ext>
     </p:extLst>
   </p:cSld>
@@ -2951,7 +2952,7 @@
     </p:spTree>
     <p:extLst>
       <p:ext uri="{BB962C8B-B14F-4D97-AF65-F5344CB8AC3E}">
-        <p14:creationId xmlns:p14="http://schemas.microsoft.com/office/powerpoint/2010/main" val="1905791387"/>
+        <p14:creationId xmlns:p14="http://schemas.microsoft.com/office/powerpoint/2010/main" val="3387624565"/>
       </p:ext>
     </p:extLst>
   </p:cSld>
@@ -3062,6 +3063,11 @@
         </p:txBody>
       </p:sp>
     </p:spTree>
+    <p:extLst>
+      <p:ext uri="{BB962C8B-B14F-4D97-AF65-F5344CB8AC3E}">
+        <p14:creationId xmlns:p14="http://schemas.microsoft.com/office/powerpoint/2010/main" val="2417738753"/>
+      </p:ext>
+    </p:extLst>
   </p:cSld>
   <p:clrMapOvr>
     <a:masterClrMapping/>
@@ -3172,7 +3178,7 @@
     </p:spTree>
     <p:extLst>
       <p:ext uri="{BB962C8B-B14F-4D97-AF65-F5344CB8AC3E}">
-        <p14:creationId xmlns:p14="http://schemas.microsoft.com/office/powerpoint/2010/main" val="771477743"/>
+        <p14:creationId xmlns:p14="http://schemas.microsoft.com/office/powerpoint/2010/main" val="1905791387"/>
       </p:ext>
     </p:extLst>
   </p:cSld>
@@ -3283,11 +3289,6 @@
         </p:txBody>
       </p:sp>
     </p:spTree>
-    <p:extLst>
-      <p:ext uri="{BB962C8B-B14F-4D97-AF65-F5344CB8AC3E}">
-        <p14:creationId xmlns:p14="http://schemas.microsoft.com/office/powerpoint/2010/main" val="3746780126"/>
-      </p:ext>
-    </p:extLst>
   </p:cSld>
   <p:clrMapOvr>
     <a:masterClrMapping/>
@@ -3398,7 +3399,7 @@
     </p:spTree>
     <p:extLst>
       <p:ext uri="{BB962C8B-B14F-4D97-AF65-F5344CB8AC3E}">
-        <p14:creationId xmlns:p14="http://schemas.microsoft.com/office/powerpoint/2010/main" val="3721719894"/>
+        <p14:creationId xmlns:p14="http://schemas.microsoft.com/office/powerpoint/2010/main" val="771477743"/>
       </p:ext>
     </p:extLst>
   </p:cSld>
@@ -3624,7 +3625,7 @@
     </p:spTree>
     <p:extLst>
       <p:ext uri="{BB962C8B-B14F-4D97-AF65-F5344CB8AC3E}">
-        <p14:creationId xmlns:p14="http://schemas.microsoft.com/office/powerpoint/2010/main" val="3547022922"/>
+        <p14:creationId xmlns:p14="http://schemas.microsoft.com/office/powerpoint/2010/main" val="3746780126"/>
       </p:ext>
     </p:extLst>
   </p:cSld>
@@ -3737,7 +3738,7 @@
     </p:spTree>
     <p:extLst>
       <p:ext uri="{BB962C8B-B14F-4D97-AF65-F5344CB8AC3E}">
-        <p14:creationId xmlns:p14="http://schemas.microsoft.com/office/powerpoint/2010/main" val="1623031093"/>
+        <p14:creationId xmlns:p14="http://schemas.microsoft.com/office/powerpoint/2010/main" val="3721719894"/>
       </p:ext>
     </p:extLst>
   </p:cSld>
@@ -3850,7 +3851,7 @@
     </p:spTree>
     <p:extLst>
       <p:ext uri="{BB962C8B-B14F-4D97-AF65-F5344CB8AC3E}">
-        <p14:creationId xmlns:p14="http://schemas.microsoft.com/office/powerpoint/2010/main" val="1465114104"/>
+        <p14:creationId xmlns:p14="http://schemas.microsoft.com/office/powerpoint/2010/main" val="3547022922"/>
       </p:ext>
     </p:extLst>
   </p:cSld>
@@ -3963,7 +3964,7 @@
     </p:spTree>
     <p:extLst>
       <p:ext uri="{BB962C8B-B14F-4D97-AF65-F5344CB8AC3E}">
-        <p14:creationId xmlns:p14="http://schemas.microsoft.com/office/powerpoint/2010/main" val="4258270789"/>
+        <p14:creationId xmlns:p14="http://schemas.microsoft.com/office/powerpoint/2010/main" val="1623031093"/>
       </p:ext>
     </p:extLst>
   </p:cSld>
@@ -4076,7 +4077,7 @@
     </p:spTree>
     <p:extLst>
       <p:ext uri="{BB962C8B-B14F-4D97-AF65-F5344CB8AC3E}">
-        <p14:creationId xmlns:p14="http://schemas.microsoft.com/office/powerpoint/2010/main" val="2500765791"/>
+        <p14:creationId xmlns:p14="http://schemas.microsoft.com/office/powerpoint/2010/main" val="1465114104"/>
       </p:ext>
     </p:extLst>
   </p:cSld>
@@ -4189,7 +4190,7 @@
     </p:spTree>
     <p:extLst>
       <p:ext uri="{BB962C8B-B14F-4D97-AF65-F5344CB8AC3E}">
-        <p14:creationId xmlns:p14="http://schemas.microsoft.com/office/powerpoint/2010/main" val="1385543928"/>
+        <p14:creationId xmlns:p14="http://schemas.microsoft.com/office/powerpoint/2010/main" val="4258270789"/>
       </p:ext>
     </p:extLst>
   </p:cSld>
@@ -4302,7 +4303,7 @@
     </p:spTree>
     <p:extLst>
       <p:ext uri="{BB962C8B-B14F-4D97-AF65-F5344CB8AC3E}">
-        <p14:creationId xmlns:p14="http://schemas.microsoft.com/office/powerpoint/2010/main" val="3807145206"/>
+        <p14:creationId xmlns:p14="http://schemas.microsoft.com/office/powerpoint/2010/main" val="2500765791"/>
       </p:ext>
     </p:extLst>
   </p:cSld>
@@ -4415,7 +4416,7 @@
     </p:spTree>
     <p:extLst>
       <p:ext uri="{BB962C8B-B14F-4D97-AF65-F5344CB8AC3E}">
-        <p14:creationId xmlns:p14="http://schemas.microsoft.com/office/powerpoint/2010/main" val="4065608804"/>
+        <p14:creationId xmlns:p14="http://schemas.microsoft.com/office/powerpoint/2010/main" val="1385543928"/>
       </p:ext>
     </p:extLst>
   </p:cSld>
@@ -4528,7 +4529,7 @@
     </p:spTree>
     <p:extLst>
       <p:ext uri="{BB962C8B-B14F-4D97-AF65-F5344CB8AC3E}">
-        <p14:creationId xmlns:p14="http://schemas.microsoft.com/office/powerpoint/2010/main" val="2364293364"/>
+        <p14:creationId xmlns:p14="http://schemas.microsoft.com/office/powerpoint/2010/main" val="3807145206"/>
       </p:ext>
     </p:extLst>
   </p:cSld>
@@ -4641,7 +4642,7 @@
     </p:spTree>
     <p:extLst>
       <p:ext uri="{BB962C8B-B14F-4D97-AF65-F5344CB8AC3E}">
-        <p14:creationId xmlns:p14="http://schemas.microsoft.com/office/powerpoint/2010/main" val="1071922155"/>
+        <p14:creationId xmlns:p14="http://schemas.microsoft.com/office/powerpoint/2010/main" val="4065608804"/>
       </p:ext>
     </p:extLst>
   </p:cSld>
@@ -4867,7 +4868,7 @@
     </p:spTree>
     <p:extLst>
       <p:ext uri="{BB962C8B-B14F-4D97-AF65-F5344CB8AC3E}">
-        <p14:creationId xmlns:p14="http://schemas.microsoft.com/office/powerpoint/2010/main" val="1194908484"/>
+        <p14:creationId xmlns:p14="http://schemas.microsoft.com/office/powerpoint/2010/main" val="2364293364"/>
       </p:ext>
     </p:extLst>
   </p:cSld>
@@ -4980,7 +4981,7 @@
     </p:spTree>
     <p:extLst>
       <p:ext uri="{BB962C8B-B14F-4D97-AF65-F5344CB8AC3E}">
-        <p14:creationId xmlns:p14="http://schemas.microsoft.com/office/powerpoint/2010/main" val="1626545986"/>
+        <p14:creationId xmlns:p14="http://schemas.microsoft.com/office/powerpoint/2010/main" val="1071922155"/>
       </p:ext>
     </p:extLst>
   </p:cSld>
@@ -5093,7 +5094,7 @@
     </p:spTree>
     <p:extLst>
       <p:ext uri="{BB962C8B-B14F-4D97-AF65-F5344CB8AC3E}">
-        <p14:creationId xmlns:p14="http://schemas.microsoft.com/office/powerpoint/2010/main" val="1164434959"/>
+        <p14:creationId xmlns:p14="http://schemas.microsoft.com/office/powerpoint/2010/main" val="1194908484"/>
       </p:ext>
     </p:extLst>
   </p:cSld>
@@ -5206,7 +5207,7 @@
     </p:spTree>
     <p:extLst>
       <p:ext uri="{BB962C8B-B14F-4D97-AF65-F5344CB8AC3E}">
-        <p14:creationId xmlns:p14="http://schemas.microsoft.com/office/powerpoint/2010/main" val="4153692282"/>
+        <p14:creationId xmlns:p14="http://schemas.microsoft.com/office/powerpoint/2010/main" val="1626545986"/>
       </p:ext>
     </p:extLst>
   </p:cSld>
@@ -5319,7 +5320,7 @@
     </p:spTree>
     <p:extLst>
       <p:ext uri="{BB962C8B-B14F-4D97-AF65-F5344CB8AC3E}">
-        <p14:creationId xmlns:p14="http://schemas.microsoft.com/office/powerpoint/2010/main" val="3358957628"/>
+        <p14:creationId xmlns:p14="http://schemas.microsoft.com/office/powerpoint/2010/main" val="1164434959"/>
       </p:ext>
     </p:extLst>
   </p:cSld>
@@ -5432,7 +5433,7 @@
     </p:spTree>
     <p:extLst>
       <p:ext uri="{BB962C8B-B14F-4D97-AF65-F5344CB8AC3E}">
-        <p14:creationId xmlns:p14="http://schemas.microsoft.com/office/powerpoint/2010/main" val="363776712"/>
+        <p14:creationId xmlns:p14="http://schemas.microsoft.com/office/powerpoint/2010/main" val="4153692282"/>
       </p:ext>
     </p:extLst>
   </p:cSld>
@@ -5545,7 +5546,7 @@
     </p:spTree>
     <p:extLst>
       <p:ext uri="{BB962C8B-B14F-4D97-AF65-F5344CB8AC3E}">
-        <p14:creationId xmlns:p14="http://schemas.microsoft.com/office/powerpoint/2010/main" val="1075318367"/>
+        <p14:creationId xmlns:p14="http://schemas.microsoft.com/office/powerpoint/2010/main" val="3358957628"/>
       </p:ext>
     </p:extLst>
   </p:cSld>
@@ -5658,7 +5659,7 @@
     </p:spTree>
     <p:extLst>
       <p:ext uri="{BB962C8B-B14F-4D97-AF65-F5344CB8AC3E}">
-        <p14:creationId xmlns:p14="http://schemas.microsoft.com/office/powerpoint/2010/main" val="901597788"/>
+        <p14:creationId xmlns:p14="http://schemas.microsoft.com/office/powerpoint/2010/main" val="363776712"/>
       </p:ext>
     </p:extLst>
   </p:cSld>
@@ -5771,7 +5772,7 @@
     </p:spTree>
     <p:extLst>
       <p:ext uri="{BB962C8B-B14F-4D97-AF65-F5344CB8AC3E}">
-        <p14:creationId xmlns:p14="http://schemas.microsoft.com/office/powerpoint/2010/main" val="3206590913"/>
+        <p14:creationId xmlns:p14="http://schemas.microsoft.com/office/powerpoint/2010/main" val="1075318367"/>
       </p:ext>
     </p:extLst>
   </p:cSld>
@@ -5884,7 +5885,7 @@
     </p:spTree>
     <p:extLst>
       <p:ext uri="{BB962C8B-B14F-4D97-AF65-F5344CB8AC3E}">
-        <p14:creationId xmlns:p14="http://schemas.microsoft.com/office/powerpoint/2010/main" val="190050032"/>
+        <p14:creationId xmlns:p14="http://schemas.microsoft.com/office/powerpoint/2010/main" val="901597788"/>
       </p:ext>
     </p:extLst>
   </p:cSld>
@@ -6223,7 +6224,7 @@
     </p:spTree>
     <p:extLst>
       <p:ext uri="{BB962C8B-B14F-4D97-AF65-F5344CB8AC3E}">
-        <p14:creationId xmlns:p14="http://schemas.microsoft.com/office/powerpoint/2010/main" val="969012064"/>
+        <p14:creationId xmlns:p14="http://schemas.microsoft.com/office/powerpoint/2010/main" val="190050032"/>
       </p:ext>
     </p:extLst>
   </p:cSld>
@@ -6336,6 +6337,119 @@
     </p:spTree>
     <p:extLst>
       <p:ext uri="{BB962C8B-B14F-4D97-AF65-F5344CB8AC3E}">
+        <p14:creationId xmlns:p14="http://schemas.microsoft.com/office/powerpoint/2010/main" val="969012064"/>
+      </p:ext>
+    </p:extLst>
+  </p:cSld>
+  <p:clrMapOvr>
+    <a:masterClrMapping/>
+  </p:clrMapOvr>
+</p:notes>
+</file>
+
+<file path=ppt/notesSlides/notesSlide53.xml><?xml version="1.0" encoding="utf-8"?>
+<p:notes xmlns:a="http://schemas.openxmlformats.org/drawingml/2006/main" xmlns:r="http://schemas.openxmlformats.org/officeDocument/2006/relationships" xmlns:p="http://schemas.openxmlformats.org/presentationml/2006/main">
+  <p:cSld>
+    <p:spTree>
+      <p:nvGrpSpPr>
+        <p:cNvPr id="1" name=""/>
+        <p:cNvGrpSpPr/>
+        <p:nvPr/>
+      </p:nvGrpSpPr>
+      <p:grpSpPr>
+        <a:xfrm>
+          <a:off x="0" y="0"/>
+          <a:ext cx="0" cy="0"/>
+          <a:chOff x="0" y="0"/>
+          <a:chExt cx="0" cy="0"/>
+        </a:xfrm>
+      </p:grpSpPr>
+      <p:sp>
+        <p:nvSpPr>
+          <p:cNvPr id="31746" name="Rectangle 2"/>
+          <p:cNvSpPr>
+            <a:spLocks noGrp="1" noRot="1" noChangeAspect="1" noChangeArrowheads="1" noTextEdit="1"/>
+          </p:cNvSpPr>
+          <p:nvPr>
+            <p:ph type="sldImg"/>
+          </p:nvPr>
+        </p:nvSpPr>
+        <p:spPr bwMode="auto">
+          <a:noFill/>
+          <a:ln>
+            <a:solidFill>
+              <a:srgbClr val="000000"/>
+            </a:solidFill>
+            <a:miter lim="800000"/>
+            <a:headEnd/>
+            <a:tailEnd/>
+          </a:ln>
+          <a:extLst>
+            <a:ext uri="{909E8E84-426E-40DD-AFC4-6F175D3DCCD1}">
+              <a14:hiddenFill xmlns:a14="http://schemas.microsoft.com/office/drawing/2010/main">
+                <a:solidFill>
+                  <a:srgbClr val="FFFFFF"/>
+                </a:solidFill>
+              </a14:hiddenFill>
+            </a:ext>
+          </a:extLst>
+        </p:spPr>
+      </p:sp>
+      <p:sp>
+        <p:nvSpPr>
+          <p:cNvPr id="31747" name="Rectangle 3"/>
+          <p:cNvSpPr>
+            <a:spLocks noGrp="1" noChangeArrowheads="1"/>
+          </p:cNvSpPr>
+          <p:nvPr>
+            <p:ph type="body" idx="1"/>
+          </p:nvPr>
+        </p:nvSpPr>
+        <p:spPr bwMode="auto">
+          <a:noFill/>
+          <a:extLst>
+            <a:ext uri="{909E8E84-426E-40DD-AFC4-6F175D3DCCD1}">
+              <a14:hiddenFill xmlns:a14="http://schemas.microsoft.com/office/drawing/2010/main">
+                <a:solidFill>
+                  <a:srgbClr val="FFFFFF"/>
+                </a:solidFill>
+              </a14:hiddenFill>
+            </a:ext>
+            <a:ext uri="{91240B29-F687-4F45-9708-019B960494DF}">
+              <a14:hiddenLine xmlns:a14="http://schemas.microsoft.com/office/drawing/2010/main" w="9525">
+                <a:solidFill>
+                  <a:srgbClr val="000000"/>
+                </a:solidFill>
+                <a:miter lim="800000"/>
+                <a:headEnd/>
+                <a:tailEnd/>
+              </a14:hiddenLine>
+            </a:ext>
+          </a:extLst>
+        </p:spPr>
+        <p:txBody>
+          <a:bodyPr wrap="square" numCol="1" anchor="t" anchorCtr="0" compatLnSpc="1">
+            <a:prstTxWarp prst="textNoShape">
+              <a:avLst/>
+            </a:prstTxWarp>
+          </a:bodyPr>
+          <a:lstStyle/>
+          <a:p>
+            <a:pPr eaLnBrk="1" hangingPunct="1">
+              <a:spcBef>
+                <a:spcPct val="0"/>
+              </a:spcBef>
+            </a:pPr>
+            <a:endParaRPr lang="en-US">
+              <a:latin typeface="Helvetica"/>
+              <a:ea typeface="MS PGothic" pitchFamily="34" charset="-128"/>
+            </a:endParaRPr>
+          </a:p>
+        </p:txBody>
+      </p:sp>
+    </p:spTree>
+    <p:extLst>
+      <p:ext uri="{BB962C8B-B14F-4D97-AF65-F5344CB8AC3E}">
         <p14:creationId xmlns:p14="http://schemas.microsoft.com/office/powerpoint/2010/main" val="2820941517"/>
       </p:ext>
     </p:extLst>
@@ -6346,7 +6460,7 @@
 </p:notes>
 </file>
 
-<file path=ppt/notesSlides/notesSlide53.xml><?xml version="1.0" encoding="utf-8"?>
+<file path=ppt/notesSlides/notesSlide54.xml><?xml version="1.0" encoding="utf-8"?>
 <p:notes xmlns:a="http://schemas.openxmlformats.org/drawingml/2006/main" xmlns:r="http://schemas.openxmlformats.org/officeDocument/2006/relationships" xmlns:p="http://schemas.openxmlformats.org/presentationml/2006/main">
   <p:cSld>
     <p:spTree>
@@ -6431,7 +6545,7 @@
             <a:fld id="{AA177954-F820-4125-B6DD-F07DB14523EB}" type="slidenum">
               <a:rPr lang="en-US" smtClean="0"/>
               <a:pPr/>
-              <a:t>58</a:t>
+              <a:t>59</a:t>
             </a:fld>
             <a:endParaRPr lang="en-US"/>
           </a:p>
@@ -35469,12 +35583,8 @@
           <a:p>
             <a:pPr lvl="2"/>
             <a:r>
-              <a:rPr lang="en-US"/>
-              <a:t>V1.2 </a:t>
-            </a:r>
-            <a:r>
               <a:rPr lang="en-US" dirty="0"/>
-              <a:t>Jul-21 </a:t>
+              <a:t>V1.1 Jul-21 </a:t>
             </a:r>
           </a:p>
         </p:txBody>
@@ -38053,7 +38163,15 @@
           <a:p>
             <a:r>
               <a:rPr lang="en-US" dirty="0"/>
-              <a:t>AWS Guard Duty (cost) </a:t>
+              <a:t>AWS </a:t>
+            </a:r>
+            <a:r>
+              <a:rPr lang="en-US" dirty="0" err="1"/>
+              <a:t>GuardDuty</a:t>
+            </a:r>
+            <a:r>
+              <a:rPr lang="en-US" dirty="0"/>
+              <a:t> – Use case</a:t>
             </a:r>
           </a:p>
         </p:txBody>
@@ -38082,42 +38200,12 @@
           </a:p>
         </p:txBody>
       </p:sp>
-      <p:pic>
-        <p:nvPicPr>
-          <p:cNvPr id="2" name="Picture 1">
+      <p:sp>
+        <p:nvSpPr>
+          <p:cNvPr id="5" name="TextBox 4">
             <a:extLst>
               <a:ext uri="{FF2B5EF4-FFF2-40B4-BE49-F238E27FC236}">
-                <a16:creationId xmlns:a16="http://schemas.microsoft.com/office/drawing/2014/main" id="{C2132AC3-BB53-47BC-84F7-572D04C4EB17}"/>
-              </a:ext>
-            </a:extLst>
-          </p:cNvPr>
-          <p:cNvPicPr>
-            <a:picLocks noChangeAspect="1"/>
-          </p:cNvPicPr>
-          <p:nvPr/>
-        </p:nvPicPr>
-        <p:blipFill>
-          <a:blip r:embed="rId3"/>
-          <a:stretch>
-            <a:fillRect/>
-          </a:stretch>
-        </p:blipFill>
-        <p:spPr>
-          <a:xfrm>
-            <a:off x="552450" y="1665013"/>
-            <a:ext cx="9498778" cy="4553354"/>
-          </a:xfrm>
-          <a:prstGeom prst="rect">
-            <a:avLst/>
-          </a:prstGeom>
-        </p:spPr>
-      </p:pic>
-      <p:sp>
-        <p:nvSpPr>
-          <p:cNvPr id="3" name="TextBox 2">
-            <a:extLst>
-              <a:ext uri="{FF2B5EF4-FFF2-40B4-BE49-F238E27FC236}">
-                <a16:creationId xmlns:a16="http://schemas.microsoft.com/office/drawing/2014/main" id="{0D0C6F2D-210B-4666-8AAD-C9732F521482}"/>
+                <a16:creationId xmlns:a16="http://schemas.microsoft.com/office/drawing/2014/main" id="{062434DD-856A-4124-8A2C-9DA3D3976447}"/>
               </a:ext>
             </a:extLst>
           </p:cNvPr>
@@ -38127,7 +38215,7 @@
         <p:spPr>
           <a:xfrm>
             <a:off x="742950" y="1114425"/>
-            <a:ext cx="4232890" cy="369332"/>
+            <a:ext cx="11260628" cy="4524315"/>
           </a:xfrm>
           <a:prstGeom prst="rect">
             <a:avLst/>
@@ -38135,14 +38223,132 @@
           <a:noFill/>
         </p:spPr>
         <p:txBody>
-          <a:bodyPr wrap="none" rtlCol="0">
+          <a:bodyPr wrap="square" rtlCol="0">
             <a:spAutoFit/>
           </a:bodyPr>
           <a:lstStyle/>
           <a:p>
+            <a:pPr marL="285750" indent="-285750">
+              <a:buFont typeface="Arial" panose="020B0604020202020204" pitchFamily="34" charset="0"/>
+              <a:buChar char="•"/>
+            </a:pPr>
             <a:r>
               <a:rPr lang="en-US" dirty="0"/>
-              <a:t>Price in each region would be different. </a:t>
+              <a:t>Monitor and protect their AWS accounts, workloads, and data stored in Amazon S3</a:t>
+            </a:r>
+          </a:p>
+          <a:p>
+            <a:pPr marL="285750" indent="-285750">
+              <a:buFont typeface="Arial" panose="020B0604020202020204" pitchFamily="34" charset="0"/>
+              <a:buChar char="•"/>
+            </a:pPr>
+            <a:r>
+              <a:rPr lang="en-IN" dirty="0"/>
+              <a:t>AWS CloudTrail Management Events (AWS user and API activity ), AWS CloudTrail S3 Data Events ( S3 activity), Amazon VPC Flow Logs, and DNS Logs.</a:t>
+            </a:r>
+          </a:p>
+          <a:p>
+            <a:pPr marL="285750" indent="-285750">
+              <a:buFont typeface="Arial" panose="020B0604020202020204" pitchFamily="34" charset="0"/>
+              <a:buChar char="•"/>
+            </a:pPr>
+            <a:r>
+              <a:rPr lang="en-IN" dirty="0"/>
+              <a:t>Account compromise. Example include:</a:t>
+            </a:r>
+          </a:p>
+          <a:p>
+            <a:pPr marL="742950" lvl="1" indent="-285750">
+              <a:buFont typeface="Arial" panose="020B0604020202020204" pitchFamily="34" charset="0"/>
+              <a:buChar char="•"/>
+            </a:pPr>
+            <a:r>
+              <a:rPr lang="en-US" dirty="0"/>
+              <a:t>Access of AWS resources from an unusual geo-location at an atypical time of day. </a:t>
+            </a:r>
+          </a:p>
+          <a:p>
+            <a:pPr marL="742950" lvl="1" indent="-285750">
+              <a:buFont typeface="Arial" panose="020B0604020202020204" pitchFamily="34" charset="0"/>
+              <a:buChar char="•"/>
+            </a:pPr>
+            <a:r>
+              <a:rPr lang="en-US" dirty="0"/>
+              <a:t>Checks for unusual API calls, such as attempts to obscure account activity by disabling CloudTrail logging or </a:t>
+            </a:r>
+          </a:p>
+          <a:p>
+            <a:pPr marL="742950" lvl="1" indent="-285750">
+              <a:buFont typeface="Arial" panose="020B0604020202020204" pitchFamily="34" charset="0"/>
+              <a:buChar char="•"/>
+            </a:pPr>
+            <a:r>
+              <a:rPr lang="en-US" dirty="0"/>
+              <a:t>Taking snapshots of a database from a malicious IP address.</a:t>
+            </a:r>
+            <a:r>
+              <a:rPr lang="en-IN" dirty="0"/>
+              <a:t> </a:t>
+            </a:r>
+          </a:p>
+          <a:p>
+            <a:pPr marL="285750" indent="-285750">
+              <a:buFont typeface="Arial" panose="020B0604020202020204" pitchFamily="34" charset="0"/>
+              <a:buChar char="•"/>
+            </a:pPr>
+            <a:r>
+              <a:rPr lang="en-IN" dirty="0"/>
+              <a:t>Instance compromise. Example include:</a:t>
+            </a:r>
+          </a:p>
+          <a:p>
+            <a:pPr marL="742950" lvl="1" indent="-285750">
+              <a:buFont typeface="Arial" panose="020B0604020202020204" pitchFamily="34" charset="0"/>
+              <a:buChar char="•"/>
+            </a:pPr>
+            <a:r>
+              <a:rPr lang="en-US" dirty="0"/>
+              <a:t>Cryptocurrency mining, </a:t>
+            </a:r>
+          </a:p>
+          <a:p>
+            <a:pPr marL="742950" lvl="1" indent="-285750">
+              <a:buFont typeface="Arial" panose="020B0604020202020204" pitchFamily="34" charset="0"/>
+              <a:buChar char="•"/>
+            </a:pPr>
+            <a:r>
+              <a:rPr lang="en-US" dirty="0"/>
+              <a:t>Backdoor command and control (C&amp;C) activity, </a:t>
+            </a:r>
+          </a:p>
+          <a:p>
+            <a:pPr marL="742950" lvl="1" indent="-285750">
+              <a:buFont typeface="Arial" panose="020B0604020202020204" pitchFamily="34" charset="0"/>
+              <a:buChar char="•"/>
+            </a:pPr>
+            <a:r>
+              <a:rPr lang="en-US" dirty="0"/>
+              <a:t>Malware using domain generation algorithms (DGA), </a:t>
+            </a:r>
+          </a:p>
+          <a:p>
+            <a:pPr marL="742950" lvl="1" indent="-285750">
+              <a:buFont typeface="Arial" panose="020B0604020202020204" pitchFamily="34" charset="0"/>
+              <a:buChar char="•"/>
+            </a:pPr>
+            <a:r>
+              <a:rPr lang="en-US" dirty="0"/>
+              <a:t>Outbound denial of service activity, unusually high volume of network traffic, unusual network protocols, outbound instance communication with a known malicious IP, temporary Amazon EC2 credentials used by an external IP address, and </a:t>
+            </a:r>
+          </a:p>
+          <a:p>
+            <a:pPr marL="742950" lvl="1" indent="-285750">
+              <a:buFont typeface="Arial" panose="020B0604020202020204" pitchFamily="34" charset="0"/>
+              <a:buChar char="•"/>
+            </a:pPr>
+            <a:r>
+              <a:rPr lang="en-US" dirty="0"/>
+              <a:t>Data exfiltration using DNS.</a:t>
             </a:r>
             <a:endParaRPr lang="en-IN" dirty="0"/>
           </a:p>
@@ -38151,7 +38357,7 @@
     </p:spTree>
     <p:extLst>
       <p:ext uri="{BB962C8B-B14F-4D97-AF65-F5344CB8AC3E}">
-        <p14:creationId xmlns:p14="http://schemas.microsoft.com/office/powerpoint/2010/main" val="2073121348"/>
+        <p14:creationId xmlns:p14="http://schemas.microsoft.com/office/powerpoint/2010/main" val="2014370893"/>
       </p:ext>
     </p:extLst>
   </p:cSld>
@@ -38207,7 +38413,15 @@
           <a:p>
             <a:r>
               <a:rPr lang="en-US" dirty="0"/>
-              <a:t>AWS CloudWatch (Cost Calculation) – Free Tier </a:t>
+              <a:t>AWS </a:t>
+            </a:r>
+            <a:r>
+              <a:rPr lang="en-US" dirty="0" err="1"/>
+              <a:t>GuardDuty</a:t>
+            </a:r>
+            <a:r>
+              <a:rPr lang="en-US" dirty="0"/>
+              <a:t> – Use case</a:t>
             </a:r>
           </a:p>
         </p:txBody>
@@ -38238,10 +38452,10 @@
       </p:sp>
       <p:sp>
         <p:nvSpPr>
-          <p:cNvPr id="6" name="TextBox 5">
+          <p:cNvPr id="5" name="TextBox 4">
             <a:extLst>
               <a:ext uri="{FF2B5EF4-FFF2-40B4-BE49-F238E27FC236}">
-                <a16:creationId xmlns:a16="http://schemas.microsoft.com/office/drawing/2014/main" id="{909510EF-AA83-42C6-9DCD-6164783CB53C}"/>
+                <a16:creationId xmlns:a16="http://schemas.microsoft.com/office/drawing/2014/main" id="{062434DD-856A-4124-8A2C-9DA3D3976447}"/>
               </a:ext>
             </a:extLst>
           </p:cNvPr>
@@ -38250,8 +38464,8 @@
         </p:nvSpPr>
         <p:spPr>
           <a:xfrm>
-            <a:off x="485775" y="1209675"/>
-            <a:ext cx="8658225" cy="738664"/>
+            <a:off x="742950" y="1114425"/>
+            <a:ext cx="11260628" cy="3693319"/>
           </a:xfrm>
           <a:prstGeom prst="rect">
             <a:avLst/>
@@ -38259,14 +38473,18 @@
           <a:noFill/>
         </p:spPr>
         <p:txBody>
-          <a:bodyPr wrap="square">
+          <a:bodyPr wrap="square" rtlCol="0">
             <a:spAutoFit/>
           </a:bodyPr>
           <a:lstStyle/>
           <a:p>
+            <a:pPr marL="285750" indent="-285750">
+              <a:buFont typeface="Arial" panose="020B0604020202020204" pitchFamily="34" charset="0"/>
+              <a:buChar char="•"/>
+            </a:pPr>
             <a:r>
-              <a:rPr lang="en-IN" sz="2400" dirty="0"/>
-              <a:t>No up front or minimum fee</a:t>
+              <a:rPr lang="en-IN" dirty="0"/>
+              <a:t>Malicious reconnaissance. Example include:</a:t>
             </a:r>
           </a:p>
           <a:p>
@@ -38275,46 +38493,117 @@
               <a:buChar char="•"/>
             </a:pPr>
             <a:r>
+              <a:rPr lang="en-US" dirty="0"/>
+              <a:t>API calls from an unusual geolocation or anonymizing proxy, </a:t>
+            </a:r>
+          </a:p>
+          <a:p>
+            <a:pPr marL="742950" lvl="1" indent="-285750">
+              <a:buFont typeface="Arial" panose="020B0604020202020204" pitchFamily="34" charset="0"/>
+              <a:buChar char="•"/>
+            </a:pPr>
+            <a:r>
+              <a:rPr lang="en-US" dirty="0"/>
+              <a:t>Attempts to disable AWS CloudTrail logging, Changes that weaken the account password policy</a:t>
+            </a:r>
+          </a:p>
+          <a:p>
+            <a:pPr marL="742950" lvl="1" indent="-285750">
+              <a:buFont typeface="Arial" panose="020B0604020202020204" pitchFamily="34" charset="0"/>
+              <a:buChar char="•"/>
+            </a:pPr>
+            <a:r>
+              <a:rPr lang="en-US" dirty="0"/>
+              <a:t>Unusual instance or infrastructure launches, </a:t>
+            </a:r>
+          </a:p>
+          <a:p>
+            <a:pPr marL="742950" lvl="1" indent="-285750">
+              <a:buFont typeface="Arial" panose="020B0604020202020204" pitchFamily="34" charset="0"/>
+              <a:buChar char="•"/>
+            </a:pPr>
+            <a:r>
+              <a:rPr lang="en-US" dirty="0"/>
+              <a:t>Infrastructure deployments in an unusual region, and </a:t>
+            </a:r>
+          </a:p>
+          <a:p>
+            <a:pPr marL="742950" lvl="1" indent="-285750">
+              <a:buFont typeface="Arial" panose="020B0604020202020204" pitchFamily="34" charset="0"/>
+              <a:buChar char="•"/>
+            </a:pPr>
+            <a:r>
+              <a:rPr lang="en-US" dirty="0"/>
+              <a:t>API calls from known malicious IP addresses.</a:t>
+            </a:r>
+            <a:r>
               <a:rPr lang="en-IN" dirty="0"/>
-              <a:t>Pay what you use</a:t>
+              <a:t> </a:t>
             </a:r>
+          </a:p>
+          <a:p>
+            <a:pPr marL="285750" indent="-285750">
+              <a:buFont typeface="Arial" panose="020B0604020202020204" pitchFamily="34" charset="0"/>
+              <a:buChar char="•"/>
+            </a:pPr>
+            <a:r>
+              <a:rPr lang="en-IN" dirty="0"/>
+              <a:t>Bucket compromise. Example include:</a:t>
+            </a:r>
+          </a:p>
+          <a:p>
+            <a:pPr marL="742950" lvl="1" indent="-285750">
+              <a:buFont typeface="Arial" panose="020B0604020202020204" pitchFamily="34" charset="0"/>
+              <a:buChar char="•"/>
+            </a:pPr>
+            <a:r>
+              <a:rPr lang="en-US" dirty="0"/>
+              <a:t>Suspicious data access patterns indicating credential misuse, </a:t>
+            </a:r>
+          </a:p>
+          <a:p>
+            <a:pPr marL="742950" lvl="1" indent="-285750">
+              <a:buFont typeface="Arial" panose="020B0604020202020204" pitchFamily="34" charset="0"/>
+              <a:buChar char="•"/>
+            </a:pPr>
+            <a:r>
+              <a:rPr lang="en-US" dirty="0"/>
+              <a:t>Unusual S3 API activity from a remote host, </a:t>
+            </a:r>
+          </a:p>
+          <a:p>
+            <a:pPr marL="742950" lvl="1" indent="-285750">
+              <a:buFont typeface="Arial" panose="020B0604020202020204" pitchFamily="34" charset="0"/>
+              <a:buChar char="•"/>
+            </a:pPr>
+            <a:r>
+              <a:rPr lang="en-US" dirty="0"/>
+              <a:t>Unauthorized S3 access from known malicious IP addresses, and </a:t>
+            </a:r>
+          </a:p>
+          <a:p>
+            <a:pPr marL="742950" lvl="1" indent="-285750">
+              <a:buFont typeface="Arial" panose="020B0604020202020204" pitchFamily="34" charset="0"/>
+              <a:buChar char="•"/>
+            </a:pPr>
+            <a:r>
+              <a:rPr lang="en-US" dirty="0"/>
+              <a:t>API calls to retrieve data in S3 buckets from user that had no prior history of accessing the bucket or invoked from an unusual location. </a:t>
+            </a:r>
+          </a:p>
+          <a:p>
+            <a:pPr marL="742950" lvl="1" indent="-285750">
+              <a:buFont typeface="Arial" panose="020B0604020202020204" pitchFamily="34" charset="0"/>
+              <a:buChar char="•"/>
+            </a:pPr>
+            <a:endParaRPr lang="en-IN" dirty="0"/>
           </a:p>
         </p:txBody>
       </p:sp>
-      <p:pic>
-        <p:nvPicPr>
-          <p:cNvPr id="3" name="Picture 2" descr="Graphical user interface, text, application, email&#10;&#10;Description automatically generated">
-            <a:extLst>
-              <a:ext uri="{FF2B5EF4-FFF2-40B4-BE49-F238E27FC236}">
-                <a16:creationId xmlns:a16="http://schemas.microsoft.com/office/drawing/2014/main" id="{832507E6-AAF9-4FEB-BB34-BA30EDB3BC51}"/>
-              </a:ext>
-            </a:extLst>
-          </p:cNvPr>
-          <p:cNvPicPr>
-            <a:picLocks noChangeAspect="1"/>
-          </p:cNvPicPr>
-          <p:nvPr/>
-        </p:nvPicPr>
-        <p:blipFill>
-          <a:blip r:embed="rId3"/>
-          <a:stretch>
-            <a:fillRect/>
-          </a:stretch>
-        </p:blipFill>
-        <p:spPr>
-          <a:xfrm>
-            <a:off x="1048183" y="1972581"/>
-            <a:ext cx="10073409" cy="4855936"/>
-          </a:xfrm>
-          <a:prstGeom prst="rect">
-            <a:avLst/>
-          </a:prstGeom>
-        </p:spPr>
-      </p:pic>
     </p:spTree>
     <p:extLst>
       <p:ext uri="{BB962C8B-B14F-4D97-AF65-F5344CB8AC3E}">
-        <p14:creationId xmlns:p14="http://schemas.microsoft.com/office/powerpoint/2010/main" val="454876513"/>
+        <p14:creationId xmlns:p14="http://schemas.microsoft.com/office/powerpoint/2010/main" val="3436016095"/>
       </p:ext>
     </p:extLst>
   </p:cSld>
@@ -38813,7 +39102,7 @@
           <a:p>
             <a:r>
               <a:rPr lang="en-US" dirty="0"/>
-              <a:t>AWS CloudWatch (Cost) – Paid Tier </a:t>
+              <a:t>AWS Guard Duty (cost) </a:t>
             </a:r>
           </a:p>
         </p:txBody>
@@ -38837,6 +39126,323 @@
               <a:rPr lang="en-US" smtClean="0"/>
               <a:pPr/>
               <a:t>20</a:t>
+            </a:fld>
+            <a:endParaRPr lang="en-US"/>
+          </a:p>
+        </p:txBody>
+      </p:sp>
+      <p:pic>
+        <p:nvPicPr>
+          <p:cNvPr id="2" name="Picture 1">
+            <a:extLst>
+              <a:ext uri="{FF2B5EF4-FFF2-40B4-BE49-F238E27FC236}">
+                <a16:creationId xmlns:a16="http://schemas.microsoft.com/office/drawing/2014/main" id="{C2132AC3-BB53-47BC-84F7-572D04C4EB17}"/>
+              </a:ext>
+            </a:extLst>
+          </p:cNvPr>
+          <p:cNvPicPr>
+            <a:picLocks noChangeAspect="1"/>
+          </p:cNvPicPr>
+          <p:nvPr/>
+        </p:nvPicPr>
+        <p:blipFill>
+          <a:blip r:embed="rId3"/>
+          <a:stretch>
+            <a:fillRect/>
+          </a:stretch>
+        </p:blipFill>
+        <p:spPr>
+          <a:xfrm>
+            <a:off x="552450" y="1665013"/>
+            <a:ext cx="9498778" cy="4553354"/>
+          </a:xfrm>
+          <a:prstGeom prst="rect">
+            <a:avLst/>
+          </a:prstGeom>
+        </p:spPr>
+      </p:pic>
+      <p:sp>
+        <p:nvSpPr>
+          <p:cNvPr id="3" name="TextBox 2">
+            <a:extLst>
+              <a:ext uri="{FF2B5EF4-FFF2-40B4-BE49-F238E27FC236}">
+                <a16:creationId xmlns:a16="http://schemas.microsoft.com/office/drawing/2014/main" id="{0D0C6F2D-210B-4666-8AAD-C9732F521482}"/>
+              </a:ext>
+            </a:extLst>
+          </p:cNvPr>
+          <p:cNvSpPr txBox="1"/>
+          <p:nvPr/>
+        </p:nvSpPr>
+        <p:spPr>
+          <a:xfrm>
+            <a:off x="742950" y="1114425"/>
+            <a:ext cx="4232890" cy="369332"/>
+          </a:xfrm>
+          <a:prstGeom prst="rect">
+            <a:avLst/>
+          </a:prstGeom>
+          <a:noFill/>
+        </p:spPr>
+        <p:txBody>
+          <a:bodyPr wrap="none" rtlCol="0">
+            <a:spAutoFit/>
+          </a:bodyPr>
+          <a:lstStyle/>
+          <a:p>
+            <a:r>
+              <a:rPr lang="en-US" dirty="0"/>
+              <a:t>Price in each region would be different. </a:t>
+            </a:r>
+            <a:endParaRPr lang="en-IN" dirty="0"/>
+          </a:p>
+        </p:txBody>
+      </p:sp>
+    </p:spTree>
+    <p:extLst>
+      <p:ext uri="{BB962C8B-B14F-4D97-AF65-F5344CB8AC3E}">
+        <p14:creationId xmlns:p14="http://schemas.microsoft.com/office/powerpoint/2010/main" val="2073121348"/>
+      </p:ext>
+    </p:extLst>
+  </p:cSld>
+  <p:clrMapOvr>
+    <a:masterClrMapping/>
+  </p:clrMapOvr>
+  <mc:AlternateContent xmlns:mc="http://schemas.openxmlformats.org/markup-compatibility/2006" xmlns:p14="http://schemas.microsoft.com/office/powerpoint/2010/main">
+    <mc:Choice Requires="p14">
+      <p:transition spd="med" p14:dur="700">
+        <p:fade/>
+      </p:transition>
+    </mc:Choice>
+    <mc:Fallback xmlns="">
+      <p:transition spd="med">
+        <p:fade/>
+      </p:transition>
+    </mc:Fallback>
+  </mc:AlternateContent>
+</p:sld>
+</file>
+
+<file path=ppt/slides/slide21.xml><?xml version="1.0" encoding="utf-8"?>
+<p:sld xmlns:a="http://schemas.openxmlformats.org/drawingml/2006/main" xmlns:r="http://schemas.openxmlformats.org/officeDocument/2006/relationships" xmlns:p="http://schemas.openxmlformats.org/presentationml/2006/main">
+  <p:cSld>
+    <p:spTree>
+      <p:nvGrpSpPr>
+        <p:cNvPr id="1" name=""/>
+        <p:cNvGrpSpPr/>
+        <p:nvPr/>
+      </p:nvGrpSpPr>
+      <p:grpSpPr>
+        <a:xfrm>
+          <a:off x="0" y="0"/>
+          <a:ext cx="0" cy="0"/>
+          <a:chOff x="0" y="0"/>
+          <a:chExt cx="0" cy="0"/>
+        </a:xfrm>
+      </p:grpSpPr>
+      <p:sp>
+        <p:nvSpPr>
+          <p:cNvPr id="17410" name="Rectangle 2"/>
+          <p:cNvSpPr>
+            <a:spLocks noGrp="1" noChangeArrowheads="1"/>
+          </p:cNvSpPr>
+          <p:nvPr>
+            <p:ph type="title"/>
+          </p:nvPr>
+        </p:nvSpPr>
+        <p:spPr/>
+        <p:txBody>
+          <a:bodyPr/>
+          <a:lstStyle/>
+          <a:p>
+            <a:r>
+              <a:rPr lang="en-US" dirty="0"/>
+              <a:t>AWS CloudWatch (Cost Calculation) – Free Tier </a:t>
+            </a:r>
+          </a:p>
+        </p:txBody>
+      </p:sp>
+      <p:sp>
+        <p:nvSpPr>
+          <p:cNvPr id="4" name="Slide Number Placeholder 3"/>
+          <p:cNvSpPr>
+            <a:spLocks noGrp="1"/>
+          </p:cNvSpPr>
+          <p:nvPr>
+            <p:ph type="sldNum" sz="quarter" idx="12"/>
+          </p:nvPr>
+        </p:nvSpPr>
+        <p:spPr/>
+        <p:txBody>
+          <a:bodyPr/>
+          <a:lstStyle/>
+          <a:p>
+            <a:fld id="{D92B6165-2E63-41A3-8905-D7634EBC6D44}" type="slidenum">
+              <a:rPr lang="en-US" smtClean="0"/>
+              <a:pPr/>
+              <a:t>21</a:t>
+            </a:fld>
+            <a:endParaRPr lang="en-US"/>
+          </a:p>
+        </p:txBody>
+      </p:sp>
+      <p:sp>
+        <p:nvSpPr>
+          <p:cNvPr id="6" name="TextBox 5">
+            <a:extLst>
+              <a:ext uri="{FF2B5EF4-FFF2-40B4-BE49-F238E27FC236}">
+                <a16:creationId xmlns:a16="http://schemas.microsoft.com/office/drawing/2014/main" id="{909510EF-AA83-42C6-9DCD-6164783CB53C}"/>
+              </a:ext>
+            </a:extLst>
+          </p:cNvPr>
+          <p:cNvSpPr txBox="1"/>
+          <p:nvPr/>
+        </p:nvSpPr>
+        <p:spPr>
+          <a:xfrm>
+            <a:off x="485775" y="1209675"/>
+            <a:ext cx="8658225" cy="738664"/>
+          </a:xfrm>
+          <a:prstGeom prst="rect">
+            <a:avLst/>
+          </a:prstGeom>
+          <a:noFill/>
+        </p:spPr>
+        <p:txBody>
+          <a:bodyPr wrap="square">
+            <a:spAutoFit/>
+          </a:bodyPr>
+          <a:lstStyle/>
+          <a:p>
+            <a:r>
+              <a:rPr lang="en-IN" sz="2400" dirty="0"/>
+              <a:t>No up front or minimum fee</a:t>
+            </a:r>
+          </a:p>
+          <a:p>
+            <a:pPr marL="742950" lvl="1" indent="-285750">
+              <a:buFont typeface="Arial" panose="020B0604020202020204" pitchFamily="34" charset="0"/>
+              <a:buChar char="•"/>
+            </a:pPr>
+            <a:r>
+              <a:rPr lang="en-IN" dirty="0"/>
+              <a:t>Pay what you use</a:t>
+            </a:r>
+          </a:p>
+        </p:txBody>
+      </p:sp>
+      <p:pic>
+        <p:nvPicPr>
+          <p:cNvPr id="3" name="Picture 2" descr="Graphical user interface, text, application, email&#10;&#10;Description automatically generated">
+            <a:extLst>
+              <a:ext uri="{FF2B5EF4-FFF2-40B4-BE49-F238E27FC236}">
+                <a16:creationId xmlns:a16="http://schemas.microsoft.com/office/drawing/2014/main" id="{832507E6-AAF9-4FEB-BB34-BA30EDB3BC51}"/>
+              </a:ext>
+            </a:extLst>
+          </p:cNvPr>
+          <p:cNvPicPr>
+            <a:picLocks noChangeAspect="1"/>
+          </p:cNvPicPr>
+          <p:nvPr/>
+        </p:nvPicPr>
+        <p:blipFill>
+          <a:blip r:embed="rId3"/>
+          <a:stretch>
+            <a:fillRect/>
+          </a:stretch>
+        </p:blipFill>
+        <p:spPr>
+          <a:xfrm>
+            <a:off x="1048183" y="1972581"/>
+            <a:ext cx="10073409" cy="4855936"/>
+          </a:xfrm>
+          <a:prstGeom prst="rect">
+            <a:avLst/>
+          </a:prstGeom>
+        </p:spPr>
+      </p:pic>
+    </p:spTree>
+    <p:extLst>
+      <p:ext uri="{BB962C8B-B14F-4D97-AF65-F5344CB8AC3E}">
+        <p14:creationId xmlns:p14="http://schemas.microsoft.com/office/powerpoint/2010/main" val="454876513"/>
+      </p:ext>
+    </p:extLst>
+  </p:cSld>
+  <p:clrMapOvr>
+    <a:masterClrMapping/>
+  </p:clrMapOvr>
+  <mc:AlternateContent xmlns:mc="http://schemas.openxmlformats.org/markup-compatibility/2006" xmlns:p14="http://schemas.microsoft.com/office/powerpoint/2010/main">
+    <mc:Choice Requires="p14">
+      <p:transition spd="med" p14:dur="700">
+        <p:fade/>
+      </p:transition>
+    </mc:Choice>
+    <mc:Fallback xmlns="">
+      <p:transition spd="med">
+        <p:fade/>
+      </p:transition>
+    </mc:Fallback>
+  </mc:AlternateContent>
+</p:sld>
+</file>
+
+<file path=ppt/slides/slide22.xml><?xml version="1.0" encoding="utf-8"?>
+<p:sld xmlns:a="http://schemas.openxmlformats.org/drawingml/2006/main" xmlns:r="http://schemas.openxmlformats.org/officeDocument/2006/relationships" xmlns:p="http://schemas.openxmlformats.org/presentationml/2006/main">
+  <p:cSld>
+    <p:spTree>
+      <p:nvGrpSpPr>
+        <p:cNvPr id="1" name=""/>
+        <p:cNvGrpSpPr/>
+        <p:nvPr/>
+      </p:nvGrpSpPr>
+      <p:grpSpPr>
+        <a:xfrm>
+          <a:off x="0" y="0"/>
+          <a:ext cx="0" cy="0"/>
+          <a:chOff x="0" y="0"/>
+          <a:chExt cx="0" cy="0"/>
+        </a:xfrm>
+      </p:grpSpPr>
+      <p:sp>
+        <p:nvSpPr>
+          <p:cNvPr id="17410" name="Rectangle 2"/>
+          <p:cNvSpPr>
+            <a:spLocks noGrp="1" noChangeArrowheads="1"/>
+          </p:cNvSpPr>
+          <p:nvPr>
+            <p:ph type="title"/>
+          </p:nvPr>
+        </p:nvSpPr>
+        <p:spPr/>
+        <p:txBody>
+          <a:bodyPr/>
+          <a:lstStyle/>
+          <a:p>
+            <a:r>
+              <a:rPr lang="en-US" dirty="0"/>
+              <a:t>AWS CloudWatch (Cost) – Paid Tier </a:t>
+            </a:r>
+          </a:p>
+        </p:txBody>
+      </p:sp>
+      <p:sp>
+        <p:nvSpPr>
+          <p:cNvPr id="4" name="Slide Number Placeholder 3"/>
+          <p:cNvSpPr>
+            <a:spLocks noGrp="1"/>
+          </p:cNvSpPr>
+          <p:nvPr>
+            <p:ph type="sldNum" sz="quarter" idx="12"/>
+          </p:nvPr>
+        </p:nvSpPr>
+        <p:spPr/>
+        <p:txBody>
+          <a:bodyPr/>
+          <a:lstStyle/>
+          <a:p>
+            <a:fld id="{D92B6165-2E63-41A3-8905-D7634EBC6D44}" type="slidenum">
+              <a:rPr lang="en-US" smtClean="0"/>
+              <a:pPr/>
+              <a:t>22</a:t>
             </a:fld>
             <a:endParaRPr lang="en-US"/>
           </a:p>
@@ -40330,182 +40936,6 @@
 </p:sld>
 </file>
 
-<file path=ppt/slides/slide21.xml><?xml version="1.0" encoding="utf-8"?>
-<p:sld xmlns:a="http://schemas.openxmlformats.org/drawingml/2006/main" xmlns:r="http://schemas.openxmlformats.org/officeDocument/2006/relationships" xmlns:p="http://schemas.openxmlformats.org/presentationml/2006/main">
-  <p:cSld>
-    <p:spTree>
-      <p:nvGrpSpPr>
-        <p:cNvPr id="1" name=""/>
-        <p:cNvGrpSpPr/>
-        <p:nvPr/>
-      </p:nvGrpSpPr>
-      <p:grpSpPr>
-        <a:xfrm>
-          <a:off x="0" y="0"/>
-          <a:ext cx="0" cy="0"/>
-          <a:chOff x="0" y="0"/>
-          <a:chExt cx="0" cy="0"/>
-        </a:xfrm>
-      </p:grpSpPr>
-      <p:sp>
-        <p:nvSpPr>
-          <p:cNvPr id="17410" name="Rectangle 2"/>
-          <p:cNvSpPr>
-            <a:spLocks noGrp="1" noChangeArrowheads="1"/>
-          </p:cNvSpPr>
-          <p:nvPr>
-            <p:ph type="title"/>
-          </p:nvPr>
-        </p:nvSpPr>
-        <p:spPr/>
-        <p:txBody>
-          <a:bodyPr/>
-          <a:lstStyle/>
-          <a:p>
-            <a:r>
-              <a:rPr lang="en-US" dirty="0"/>
-              <a:t>AWS CloudTrail (Cost Calculation) – Free Tier </a:t>
-            </a:r>
-          </a:p>
-        </p:txBody>
-      </p:sp>
-      <p:sp>
-        <p:nvSpPr>
-          <p:cNvPr id="4" name="Slide Number Placeholder 3"/>
-          <p:cNvSpPr>
-            <a:spLocks noGrp="1"/>
-          </p:cNvSpPr>
-          <p:nvPr>
-            <p:ph type="sldNum" sz="quarter" idx="12"/>
-          </p:nvPr>
-        </p:nvSpPr>
-        <p:spPr/>
-        <p:txBody>
-          <a:bodyPr/>
-          <a:lstStyle/>
-          <a:p>
-            <a:fld id="{D92B6165-2E63-41A3-8905-D7634EBC6D44}" type="slidenum">
-              <a:rPr lang="en-US" smtClean="0"/>
-              <a:pPr/>
-              <a:t>21</a:t>
-            </a:fld>
-            <a:endParaRPr lang="en-US"/>
-          </a:p>
-        </p:txBody>
-      </p:sp>
-    </p:spTree>
-    <p:extLst>
-      <p:ext uri="{BB962C8B-B14F-4D97-AF65-F5344CB8AC3E}">
-        <p14:creationId xmlns:p14="http://schemas.microsoft.com/office/powerpoint/2010/main" val="500829037"/>
-      </p:ext>
-    </p:extLst>
-  </p:cSld>
-  <p:clrMapOvr>
-    <a:masterClrMapping/>
-  </p:clrMapOvr>
-  <mc:AlternateContent xmlns:mc="http://schemas.openxmlformats.org/markup-compatibility/2006" xmlns:p14="http://schemas.microsoft.com/office/powerpoint/2010/main">
-    <mc:Choice Requires="p14">
-      <p:transition spd="med" p14:dur="700">
-        <p:fade/>
-      </p:transition>
-    </mc:Choice>
-    <mc:Fallback xmlns="">
-      <p:transition spd="med">
-        <p:fade/>
-      </p:transition>
-    </mc:Fallback>
-  </mc:AlternateContent>
-</p:sld>
-</file>
-
-<file path=ppt/slides/slide22.xml><?xml version="1.0" encoding="utf-8"?>
-<p:sld xmlns:a="http://schemas.openxmlformats.org/drawingml/2006/main" xmlns:r="http://schemas.openxmlformats.org/officeDocument/2006/relationships" xmlns:p="http://schemas.openxmlformats.org/presentationml/2006/main">
-  <p:cSld>
-    <p:spTree>
-      <p:nvGrpSpPr>
-        <p:cNvPr id="1" name=""/>
-        <p:cNvGrpSpPr/>
-        <p:nvPr/>
-      </p:nvGrpSpPr>
-      <p:grpSpPr>
-        <a:xfrm>
-          <a:off x="0" y="0"/>
-          <a:ext cx="0" cy="0"/>
-          <a:chOff x="0" y="0"/>
-          <a:chExt cx="0" cy="0"/>
-        </a:xfrm>
-      </p:grpSpPr>
-      <p:sp>
-        <p:nvSpPr>
-          <p:cNvPr id="17410" name="Rectangle 2"/>
-          <p:cNvSpPr>
-            <a:spLocks noGrp="1" noChangeArrowheads="1"/>
-          </p:cNvSpPr>
-          <p:nvPr>
-            <p:ph type="title"/>
-          </p:nvPr>
-        </p:nvSpPr>
-        <p:spPr/>
-        <p:txBody>
-          <a:bodyPr/>
-          <a:lstStyle/>
-          <a:p>
-            <a:r>
-              <a:rPr lang="en-US" dirty="0"/>
-              <a:t>AWS CloudTrail (Cost Calculation) – Paid Tier </a:t>
-            </a:r>
-          </a:p>
-        </p:txBody>
-      </p:sp>
-      <p:sp>
-        <p:nvSpPr>
-          <p:cNvPr id="4" name="Slide Number Placeholder 3"/>
-          <p:cNvSpPr>
-            <a:spLocks noGrp="1"/>
-          </p:cNvSpPr>
-          <p:nvPr>
-            <p:ph type="sldNum" sz="quarter" idx="12"/>
-          </p:nvPr>
-        </p:nvSpPr>
-        <p:spPr/>
-        <p:txBody>
-          <a:bodyPr/>
-          <a:lstStyle/>
-          <a:p>
-            <a:fld id="{D92B6165-2E63-41A3-8905-D7634EBC6D44}" type="slidenum">
-              <a:rPr lang="en-US" smtClean="0"/>
-              <a:pPr/>
-              <a:t>22</a:t>
-            </a:fld>
-            <a:endParaRPr lang="en-US"/>
-          </a:p>
-        </p:txBody>
-      </p:sp>
-    </p:spTree>
-    <p:extLst>
-      <p:ext uri="{BB962C8B-B14F-4D97-AF65-F5344CB8AC3E}">
-        <p14:creationId xmlns:p14="http://schemas.microsoft.com/office/powerpoint/2010/main" val="2043038123"/>
-      </p:ext>
-    </p:extLst>
-  </p:cSld>
-  <p:clrMapOvr>
-    <a:masterClrMapping/>
-  </p:clrMapOvr>
-  <mc:AlternateContent xmlns:mc="http://schemas.openxmlformats.org/markup-compatibility/2006" xmlns:p14="http://schemas.microsoft.com/office/powerpoint/2010/main">
-    <mc:Choice Requires="p14">
-      <p:transition spd="med" p14:dur="700">
-        <p:fade/>
-      </p:transition>
-    </mc:Choice>
-    <mc:Fallback xmlns="">
-      <p:transition spd="med">
-        <p:fade/>
-      </p:transition>
-    </mc:Fallback>
-  </mc:AlternateContent>
-</p:sld>
-</file>
-
 <file path=ppt/slides/slide23.xml><?xml version="1.0" encoding="utf-8"?>
 <p:sld xmlns:a="http://schemas.openxmlformats.org/drawingml/2006/main" xmlns:r="http://schemas.openxmlformats.org/officeDocument/2006/relationships" xmlns:p="http://schemas.openxmlformats.org/presentationml/2006/main">
   <p:cSld>
@@ -40540,7 +40970,7 @@
           <a:p>
             <a:r>
               <a:rPr lang="en-US" dirty="0"/>
-              <a:t>AWS Security Hub (cost) </a:t>
+              <a:t>AWS CloudTrail (Cost Calculation) – Free Tier </a:t>
             </a:r>
           </a:p>
         </p:txBody>
@@ -40564,6 +40994,182 @@
               <a:rPr lang="en-US" smtClean="0"/>
               <a:pPr/>
               <a:t>23</a:t>
+            </a:fld>
+            <a:endParaRPr lang="en-US"/>
+          </a:p>
+        </p:txBody>
+      </p:sp>
+    </p:spTree>
+    <p:extLst>
+      <p:ext uri="{BB962C8B-B14F-4D97-AF65-F5344CB8AC3E}">
+        <p14:creationId xmlns:p14="http://schemas.microsoft.com/office/powerpoint/2010/main" val="500829037"/>
+      </p:ext>
+    </p:extLst>
+  </p:cSld>
+  <p:clrMapOvr>
+    <a:masterClrMapping/>
+  </p:clrMapOvr>
+  <mc:AlternateContent xmlns:mc="http://schemas.openxmlformats.org/markup-compatibility/2006" xmlns:p14="http://schemas.microsoft.com/office/powerpoint/2010/main">
+    <mc:Choice Requires="p14">
+      <p:transition spd="med" p14:dur="700">
+        <p:fade/>
+      </p:transition>
+    </mc:Choice>
+    <mc:Fallback xmlns="">
+      <p:transition spd="med">
+        <p:fade/>
+      </p:transition>
+    </mc:Fallback>
+  </mc:AlternateContent>
+</p:sld>
+</file>
+
+<file path=ppt/slides/slide24.xml><?xml version="1.0" encoding="utf-8"?>
+<p:sld xmlns:a="http://schemas.openxmlformats.org/drawingml/2006/main" xmlns:r="http://schemas.openxmlformats.org/officeDocument/2006/relationships" xmlns:p="http://schemas.openxmlformats.org/presentationml/2006/main">
+  <p:cSld>
+    <p:spTree>
+      <p:nvGrpSpPr>
+        <p:cNvPr id="1" name=""/>
+        <p:cNvGrpSpPr/>
+        <p:nvPr/>
+      </p:nvGrpSpPr>
+      <p:grpSpPr>
+        <a:xfrm>
+          <a:off x="0" y="0"/>
+          <a:ext cx="0" cy="0"/>
+          <a:chOff x="0" y="0"/>
+          <a:chExt cx="0" cy="0"/>
+        </a:xfrm>
+      </p:grpSpPr>
+      <p:sp>
+        <p:nvSpPr>
+          <p:cNvPr id="17410" name="Rectangle 2"/>
+          <p:cNvSpPr>
+            <a:spLocks noGrp="1" noChangeArrowheads="1"/>
+          </p:cNvSpPr>
+          <p:nvPr>
+            <p:ph type="title"/>
+          </p:nvPr>
+        </p:nvSpPr>
+        <p:spPr/>
+        <p:txBody>
+          <a:bodyPr/>
+          <a:lstStyle/>
+          <a:p>
+            <a:r>
+              <a:rPr lang="en-US" dirty="0"/>
+              <a:t>AWS CloudTrail (Cost Calculation) – Paid Tier </a:t>
+            </a:r>
+          </a:p>
+        </p:txBody>
+      </p:sp>
+      <p:sp>
+        <p:nvSpPr>
+          <p:cNvPr id="4" name="Slide Number Placeholder 3"/>
+          <p:cNvSpPr>
+            <a:spLocks noGrp="1"/>
+          </p:cNvSpPr>
+          <p:nvPr>
+            <p:ph type="sldNum" sz="quarter" idx="12"/>
+          </p:nvPr>
+        </p:nvSpPr>
+        <p:spPr/>
+        <p:txBody>
+          <a:bodyPr/>
+          <a:lstStyle/>
+          <a:p>
+            <a:fld id="{D92B6165-2E63-41A3-8905-D7634EBC6D44}" type="slidenum">
+              <a:rPr lang="en-US" smtClean="0"/>
+              <a:pPr/>
+              <a:t>24</a:t>
+            </a:fld>
+            <a:endParaRPr lang="en-US"/>
+          </a:p>
+        </p:txBody>
+      </p:sp>
+    </p:spTree>
+    <p:extLst>
+      <p:ext uri="{BB962C8B-B14F-4D97-AF65-F5344CB8AC3E}">
+        <p14:creationId xmlns:p14="http://schemas.microsoft.com/office/powerpoint/2010/main" val="2043038123"/>
+      </p:ext>
+    </p:extLst>
+  </p:cSld>
+  <p:clrMapOvr>
+    <a:masterClrMapping/>
+  </p:clrMapOvr>
+  <mc:AlternateContent xmlns:mc="http://schemas.openxmlformats.org/markup-compatibility/2006" xmlns:p14="http://schemas.microsoft.com/office/powerpoint/2010/main">
+    <mc:Choice Requires="p14">
+      <p:transition spd="med" p14:dur="700">
+        <p:fade/>
+      </p:transition>
+    </mc:Choice>
+    <mc:Fallback xmlns="">
+      <p:transition spd="med">
+        <p:fade/>
+      </p:transition>
+    </mc:Fallback>
+  </mc:AlternateContent>
+</p:sld>
+</file>
+
+<file path=ppt/slides/slide25.xml><?xml version="1.0" encoding="utf-8"?>
+<p:sld xmlns:a="http://schemas.openxmlformats.org/drawingml/2006/main" xmlns:r="http://schemas.openxmlformats.org/officeDocument/2006/relationships" xmlns:p="http://schemas.openxmlformats.org/presentationml/2006/main">
+  <p:cSld>
+    <p:spTree>
+      <p:nvGrpSpPr>
+        <p:cNvPr id="1" name=""/>
+        <p:cNvGrpSpPr/>
+        <p:nvPr/>
+      </p:nvGrpSpPr>
+      <p:grpSpPr>
+        <a:xfrm>
+          <a:off x="0" y="0"/>
+          <a:ext cx="0" cy="0"/>
+          <a:chOff x="0" y="0"/>
+          <a:chExt cx="0" cy="0"/>
+        </a:xfrm>
+      </p:grpSpPr>
+      <p:sp>
+        <p:nvSpPr>
+          <p:cNvPr id="17410" name="Rectangle 2"/>
+          <p:cNvSpPr>
+            <a:spLocks noGrp="1" noChangeArrowheads="1"/>
+          </p:cNvSpPr>
+          <p:nvPr>
+            <p:ph type="title"/>
+          </p:nvPr>
+        </p:nvSpPr>
+        <p:spPr/>
+        <p:txBody>
+          <a:bodyPr/>
+          <a:lstStyle/>
+          <a:p>
+            <a:r>
+              <a:rPr lang="en-US" dirty="0"/>
+              <a:t>AWS Security Hub (cost) </a:t>
+            </a:r>
+          </a:p>
+        </p:txBody>
+      </p:sp>
+      <p:sp>
+        <p:nvSpPr>
+          <p:cNvPr id="4" name="Slide Number Placeholder 3"/>
+          <p:cNvSpPr>
+            <a:spLocks noGrp="1"/>
+          </p:cNvSpPr>
+          <p:nvPr>
+            <p:ph type="sldNum" sz="quarter" idx="12"/>
+          </p:nvPr>
+        </p:nvSpPr>
+        <p:spPr/>
+        <p:txBody>
+          <a:bodyPr/>
+          <a:lstStyle/>
+          <a:p>
+            <a:fld id="{D92B6165-2E63-41A3-8905-D7634EBC6D44}" type="slidenum">
+              <a:rPr lang="en-US" smtClean="0"/>
+              <a:pPr/>
+              <a:t>25</a:t>
             </a:fld>
             <a:endParaRPr lang="en-US"/>
           </a:p>
@@ -41092,7 +41698,7 @@
 </p:sld>
 </file>
 
-<file path=ppt/slides/slide24.xml><?xml version="1.0" encoding="utf-8"?>
+<file path=ppt/slides/slide26.xml><?xml version="1.0" encoding="utf-8"?>
 <p:sld xmlns:a="http://schemas.openxmlformats.org/drawingml/2006/main" xmlns:r="http://schemas.openxmlformats.org/officeDocument/2006/relationships" xmlns:p="http://schemas.openxmlformats.org/presentationml/2006/main">
   <p:cSld>
     <p:spTree>
@@ -41149,7 +41755,7 @@
             <a:fld id="{D92B6165-2E63-41A3-8905-D7634EBC6D44}" type="slidenum">
               <a:rPr lang="en-US" smtClean="0"/>
               <a:pPr/>
-              <a:t>24</a:t>
+              <a:t>26</a:t>
             </a:fld>
             <a:endParaRPr lang="en-US"/>
           </a:p>
@@ -41248,7 +41854,7 @@
 </p:sld>
 </file>
 
-<file path=ppt/slides/slide25.xml><?xml version="1.0" encoding="utf-8"?>
+<file path=ppt/slides/slide27.xml><?xml version="1.0" encoding="utf-8"?>
 <p:sld xmlns:a="http://schemas.openxmlformats.org/drawingml/2006/main" xmlns:r="http://schemas.openxmlformats.org/officeDocument/2006/relationships" xmlns:p="http://schemas.openxmlformats.org/presentationml/2006/main">
   <p:cSld>
     <p:spTree>
@@ -41305,7 +41911,7 @@
             <a:fld id="{D92B6165-2E63-41A3-8905-D7634EBC6D44}" type="slidenum">
               <a:rPr lang="en-US" smtClean="0"/>
               <a:pPr/>
-              <a:t>25</a:t>
+              <a:t>27</a:t>
             </a:fld>
             <a:endParaRPr lang="en-US"/>
           </a:p>
@@ -41396,7 +42002,7 @@
 </p:sld>
 </file>
 
-<file path=ppt/slides/slide26.xml><?xml version="1.0" encoding="utf-8"?>
+<file path=ppt/slides/slide28.xml><?xml version="1.0" encoding="utf-8"?>
 <p:sld xmlns:a="http://schemas.openxmlformats.org/drawingml/2006/main" xmlns:r="http://schemas.openxmlformats.org/officeDocument/2006/relationships" xmlns:p="http://schemas.openxmlformats.org/presentationml/2006/main">
   <p:cSld>
     <p:spTree>
@@ -41453,7 +42059,7 @@
             <a:fld id="{D92B6165-2E63-41A3-8905-D7634EBC6D44}" type="slidenum">
               <a:rPr lang="en-US" smtClean="0"/>
               <a:pPr/>
-              <a:t>26</a:t>
+              <a:t>28</a:t>
             </a:fld>
             <a:endParaRPr lang="en-US"/>
           </a:p>
@@ -41581,406 +42187,6 @@
 </p:sld>
 </file>
 
-<file path=ppt/slides/slide27.xml><?xml version="1.0" encoding="utf-8"?>
-<p:sld xmlns:a="http://schemas.openxmlformats.org/drawingml/2006/main" xmlns:r="http://schemas.openxmlformats.org/officeDocument/2006/relationships" xmlns:p="http://schemas.openxmlformats.org/presentationml/2006/main">
-  <p:cSld>
-    <p:spTree>
-      <p:nvGrpSpPr>
-        <p:cNvPr id="1" name=""/>
-        <p:cNvGrpSpPr/>
-        <p:nvPr/>
-      </p:nvGrpSpPr>
-      <p:grpSpPr>
-        <a:xfrm>
-          <a:off x="0" y="0"/>
-          <a:ext cx="0" cy="0"/>
-          <a:chOff x="0" y="0"/>
-          <a:chExt cx="0" cy="0"/>
-        </a:xfrm>
-      </p:grpSpPr>
-      <p:sp>
-        <p:nvSpPr>
-          <p:cNvPr id="17410" name="Rectangle 2"/>
-          <p:cNvSpPr>
-            <a:spLocks noGrp="1" noChangeArrowheads="1"/>
-          </p:cNvSpPr>
-          <p:nvPr>
-            <p:ph type="title"/>
-          </p:nvPr>
-        </p:nvSpPr>
-        <p:spPr/>
-        <p:txBody>
-          <a:bodyPr/>
-          <a:lstStyle/>
-          <a:p>
-            <a:r>
-              <a:rPr lang="en-US" dirty="0"/>
-              <a:t>Azure Defender</a:t>
-            </a:r>
-          </a:p>
-        </p:txBody>
-      </p:sp>
-      <p:sp>
-        <p:nvSpPr>
-          <p:cNvPr id="4" name="Slide Number Placeholder 3"/>
-          <p:cNvSpPr>
-            <a:spLocks noGrp="1"/>
-          </p:cNvSpPr>
-          <p:nvPr>
-            <p:ph type="sldNum" sz="quarter" idx="12"/>
-          </p:nvPr>
-        </p:nvSpPr>
-        <p:spPr/>
-        <p:txBody>
-          <a:bodyPr/>
-          <a:lstStyle/>
-          <a:p>
-            <a:fld id="{D92B6165-2E63-41A3-8905-D7634EBC6D44}" type="slidenum">
-              <a:rPr lang="en-US" smtClean="0"/>
-              <a:pPr/>
-              <a:t>27</a:t>
-            </a:fld>
-            <a:endParaRPr lang="en-US"/>
-          </a:p>
-        </p:txBody>
-      </p:sp>
-      <p:sp>
-        <p:nvSpPr>
-          <p:cNvPr id="2" name="Rectangle 1">
-            <a:extLst>
-              <a:ext uri="{FF2B5EF4-FFF2-40B4-BE49-F238E27FC236}">
-                <a16:creationId xmlns:a16="http://schemas.microsoft.com/office/drawing/2014/main" id="{3B34818F-4EC6-495C-A0E0-30FCB7404BE7}"/>
-              </a:ext>
-            </a:extLst>
-          </p:cNvPr>
-          <p:cNvSpPr/>
-          <p:nvPr/>
-        </p:nvSpPr>
-        <p:spPr>
-          <a:xfrm>
-            <a:off x="329195" y="897873"/>
-            <a:ext cx="10881730" cy="1200329"/>
-          </a:xfrm>
-          <a:prstGeom prst="rect">
-            <a:avLst/>
-          </a:prstGeom>
-        </p:spPr>
-        <p:txBody>
-          <a:bodyPr wrap="square">
-            <a:spAutoFit/>
-          </a:bodyPr>
-          <a:lstStyle/>
-          <a:p>
-            <a:r>
-              <a:rPr lang="en-US" dirty="0"/>
-              <a:t> Azure Defender. Is configured to add additional security alerts and advanced threat detection for certain types of resources.</a:t>
-            </a:r>
-          </a:p>
-          <a:p>
-            <a:r>
-              <a:rPr lang="en-US" dirty="0"/>
-              <a:t>	</a:t>
-            </a:r>
-            <a:r>
-              <a:rPr lang="en-US" dirty="0">
-                <a:solidFill>
-                  <a:srgbClr val="333333"/>
-                </a:solidFill>
-                <a:latin typeface="SegoeUI"/>
-              </a:rPr>
-              <a:t>A</a:t>
-            </a:r>
-            <a:r>
-              <a:rPr lang="en-US" b="0" i="0" dirty="0">
-                <a:solidFill>
-                  <a:srgbClr val="333333"/>
-                </a:solidFill>
-                <a:effectLst/>
-                <a:latin typeface="SegoeUI"/>
-              </a:rPr>
-              <a:t>vailable for servers, app service, Storage, SQL, Key Vault, Resource Manager, DNS, Kubernetes and container registries</a:t>
-            </a:r>
-            <a:endParaRPr lang="en-US" dirty="0"/>
-          </a:p>
-        </p:txBody>
-      </p:sp>
-    </p:spTree>
-    <p:extLst>
-      <p:ext uri="{BB962C8B-B14F-4D97-AF65-F5344CB8AC3E}">
-        <p14:creationId xmlns:p14="http://schemas.microsoft.com/office/powerpoint/2010/main" val="422991025"/>
-      </p:ext>
-    </p:extLst>
-  </p:cSld>
-  <p:clrMapOvr>
-    <a:masterClrMapping/>
-  </p:clrMapOvr>
-  <mc:AlternateContent xmlns:mc="http://schemas.openxmlformats.org/markup-compatibility/2006" xmlns:p14="http://schemas.microsoft.com/office/powerpoint/2010/main">
-    <mc:Choice Requires="p14">
-      <p:transition spd="med" p14:dur="700">
-        <p:fade/>
-      </p:transition>
-    </mc:Choice>
-    <mc:Fallback xmlns="">
-      <p:transition spd="med">
-        <p:fade/>
-      </p:transition>
-    </mc:Fallback>
-  </mc:AlternateContent>
-</p:sld>
-</file>
-
-<file path=ppt/slides/slide28.xml><?xml version="1.0" encoding="utf-8"?>
-<p:sld xmlns:a="http://schemas.openxmlformats.org/drawingml/2006/main" xmlns:r="http://schemas.openxmlformats.org/officeDocument/2006/relationships" xmlns:p="http://schemas.openxmlformats.org/presentationml/2006/main">
-  <p:cSld>
-    <p:spTree>
-      <p:nvGrpSpPr>
-        <p:cNvPr id="1" name=""/>
-        <p:cNvGrpSpPr/>
-        <p:nvPr/>
-      </p:nvGrpSpPr>
-      <p:grpSpPr>
-        <a:xfrm>
-          <a:off x="0" y="0"/>
-          <a:ext cx="0" cy="0"/>
-          <a:chOff x="0" y="0"/>
-          <a:chExt cx="0" cy="0"/>
-        </a:xfrm>
-      </p:grpSpPr>
-      <p:sp>
-        <p:nvSpPr>
-          <p:cNvPr id="17410" name="Rectangle 2"/>
-          <p:cNvSpPr>
-            <a:spLocks noGrp="1" noChangeArrowheads="1"/>
-          </p:cNvSpPr>
-          <p:nvPr>
-            <p:ph type="title"/>
-          </p:nvPr>
-        </p:nvSpPr>
-        <p:spPr/>
-        <p:txBody>
-          <a:bodyPr/>
-          <a:lstStyle/>
-          <a:p>
-            <a:r>
-              <a:rPr lang="en-US" dirty="0"/>
-              <a:t>Azure Defender ( Services covered)</a:t>
-            </a:r>
-          </a:p>
-        </p:txBody>
-      </p:sp>
-      <p:sp>
-        <p:nvSpPr>
-          <p:cNvPr id="4" name="Slide Number Placeholder 3"/>
-          <p:cNvSpPr>
-            <a:spLocks noGrp="1"/>
-          </p:cNvSpPr>
-          <p:nvPr>
-            <p:ph type="sldNum" sz="quarter" idx="12"/>
-          </p:nvPr>
-        </p:nvSpPr>
-        <p:spPr/>
-        <p:txBody>
-          <a:bodyPr/>
-          <a:lstStyle/>
-          <a:p>
-            <a:fld id="{D92B6165-2E63-41A3-8905-D7634EBC6D44}" type="slidenum">
-              <a:rPr lang="en-US" smtClean="0"/>
-              <a:pPr/>
-              <a:t>28</a:t>
-            </a:fld>
-            <a:endParaRPr lang="en-US"/>
-          </a:p>
-        </p:txBody>
-      </p:sp>
-      <p:sp>
-        <p:nvSpPr>
-          <p:cNvPr id="2" name="Rectangle 1">
-            <a:extLst>
-              <a:ext uri="{FF2B5EF4-FFF2-40B4-BE49-F238E27FC236}">
-                <a16:creationId xmlns:a16="http://schemas.microsoft.com/office/drawing/2014/main" id="{3B34818F-4EC6-495C-A0E0-30FCB7404BE7}"/>
-              </a:ext>
-            </a:extLst>
-          </p:cNvPr>
-          <p:cNvSpPr/>
-          <p:nvPr/>
-        </p:nvSpPr>
-        <p:spPr>
-          <a:xfrm>
-            <a:off x="329195" y="897873"/>
-            <a:ext cx="10881730" cy="3970318"/>
-          </a:xfrm>
-          <a:prstGeom prst="rect">
-            <a:avLst/>
-          </a:prstGeom>
-        </p:spPr>
-        <p:txBody>
-          <a:bodyPr wrap="square">
-            <a:spAutoFit/>
-          </a:bodyPr>
-          <a:lstStyle/>
-          <a:p>
-            <a:r>
-              <a:rPr lang="en-US" dirty="0"/>
-              <a:t> Services Covered: </a:t>
-            </a:r>
-          </a:p>
-          <a:p>
-            <a:pPr marL="742950" lvl="1" indent="-285750">
-              <a:buFont typeface="Arial" panose="020B0604020202020204" pitchFamily="34" charset="0"/>
-              <a:buChar char="•"/>
-            </a:pPr>
-            <a:r>
-              <a:rPr lang="en-US" dirty="0"/>
-              <a:t>Servers</a:t>
-            </a:r>
-          </a:p>
-          <a:p>
-            <a:pPr marL="742950" lvl="1" indent="-285750">
-              <a:buFont typeface="Arial" panose="020B0604020202020204" pitchFamily="34" charset="0"/>
-              <a:buChar char="•"/>
-            </a:pPr>
-            <a:r>
-              <a:rPr lang="en-US" dirty="0"/>
-              <a:t>App Service	</a:t>
-            </a:r>
-          </a:p>
-          <a:p>
-            <a:pPr marL="742950" lvl="1" indent="-285750">
-              <a:buFont typeface="Arial" panose="020B0604020202020204" pitchFamily="34" charset="0"/>
-              <a:buChar char="•"/>
-            </a:pPr>
-            <a:r>
-              <a:rPr lang="en-US" dirty="0"/>
-              <a:t>SQL on Azure	</a:t>
-            </a:r>
-          </a:p>
-          <a:p>
-            <a:pPr marL="742950" lvl="1" indent="-285750">
-              <a:buFont typeface="Arial" panose="020B0604020202020204" pitchFamily="34" charset="0"/>
-              <a:buChar char="•"/>
-            </a:pPr>
-            <a:r>
-              <a:rPr lang="en-US" dirty="0"/>
-              <a:t>SQL outside Azure	</a:t>
-            </a:r>
-          </a:p>
-          <a:p>
-            <a:pPr marL="742950" lvl="1" indent="-285750">
-              <a:buFont typeface="Arial" panose="020B0604020202020204" pitchFamily="34" charset="0"/>
-              <a:buChar char="•"/>
-            </a:pPr>
-            <a:r>
-              <a:rPr lang="en-US" dirty="0"/>
-              <a:t>MySQL	</a:t>
-            </a:r>
-          </a:p>
-          <a:p>
-            <a:pPr marL="742950" lvl="1" indent="-285750">
-              <a:buFont typeface="Arial" panose="020B0604020202020204" pitchFamily="34" charset="0"/>
-              <a:buChar char="•"/>
-            </a:pPr>
-            <a:r>
-              <a:rPr lang="en-US" dirty="0"/>
-              <a:t>PostgreSQL	</a:t>
-            </a:r>
-          </a:p>
-          <a:p>
-            <a:pPr marL="742950" lvl="1" indent="-285750">
-              <a:buFont typeface="Arial" panose="020B0604020202020204" pitchFamily="34" charset="0"/>
-              <a:buChar char="•"/>
-            </a:pPr>
-            <a:r>
-              <a:rPr lang="en-US" dirty="0"/>
-              <a:t>MariaDB	</a:t>
-            </a:r>
-          </a:p>
-          <a:p>
-            <a:pPr marL="742950" lvl="1" indent="-285750">
-              <a:buFont typeface="Arial" panose="020B0604020202020204" pitchFamily="34" charset="0"/>
-              <a:buChar char="•"/>
-            </a:pPr>
-            <a:r>
-              <a:rPr lang="en-US" dirty="0"/>
-              <a:t>Storage - Protect all storage accounts within a subscription1	10K transactions</a:t>
-            </a:r>
-          </a:p>
-          <a:p>
-            <a:pPr marL="742950" lvl="1" indent="-285750">
-              <a:buFont typeface="Arial" panose="020B0604020202020204" pitchFamily="34" charset="0"/>
-              <a:buChar char="•"/>
-            </a:pPr>
-            <a:r>
-              <a:rPr lang="en-US" dirty="0"/>
-              <a:t>Kubernetes	vCore/hour</a:t>
-            </a:r>
-          </a:p>
-          <a:p>
-            <a:pPr marL="742950" lvl="1" indent="-285750">
-              <a:buFont typeface="Arial" panose="020B0604020202020204" pitchFamily="34" charset="0"/>
-              <a:buChar char="•"/>
-            </a:pPr>
-            <a:r>
-              <a:rPr lang="en-US" dirty="0"/>
-              <a:t>ACR	/image</a:t>
-            </a:r>
-          </a:p>
-          <a:p>
-            <a:pPr marL="742950" lvl="1" indent="-285750">
-              <a:buFont typeface="Arial" panose="020B0604020202020204" pitchFamily="34" charset="0"/>
-              <a:buChar char="•"/>
-            </a:pPr>
-            <a:r>
-              <a:rPr lang="en-US" dirty="0"/>
-              <a:t>Key Vault	/10K transactions</a:t>
-            </a:r>
-          </a:p>
-          <a:p>
-            <a:pPr marL="742950" lvl="1" indent="-285750">
-              <a:buFont typeface="Arial" panose="020B0604020202020204" pitchFamily="34" charset="0"/>
-              <a:buChar char="•"/>
-            </a:pPr>
-            <a:r>
-              <a:rPr lang="en-US" dirty="0"/>
-              <a:t>ARM	/1M API calls</a:t>
-            </a:r>
-          </a:p>
-          <a:p>
-            <a:pPr marL="742950" lvl="1" indent="-285750">
-              <a:buFont typeface="Arial" panose="020B0604020202020204" pitchFamily="34" charset="0"/>
-              <a:buChar char="•"/>
-            </a:pPr>
-            <a:r>
-              <a:rPr lang="en-US" dirty="0"/>
-              <a:t>DNS</a:t>
-            </a:r>
-          </a:p>
-        </p:txBody>
-      </p:sp>
-    </p:spTree>
-    <p:extLst>
-      <p:ext uri="{BB962C8B-B14F-4D97-AF65-F5344CB8AC3E}">
-        <p14:creationId xmlns:p14="http://schemas.microsoft.com/office/powerpoint/2010/main" val="3740162983"/>
-      </p:ext>
-    </p:extLst>
-  </p:cSld>
-  <p:clrMapOvr>
-    <a:masterClrMapping/>
-  </p:clrMapOvr>
-  <mc:AlternateContent xmlns:mc="http://schemas.openxmlformats.org/markup-compatibility/2006" xmlns:p14="http://schemas.microsoft.com/office/powerpoint/2010/main">
-    <mc:Choice Requires="p14">
-      <p:transition spd="med" p14:dur="700">
-        <p:fade/>
-      </p:transition>
-    </mc:Choice>
-    <mc:Fallback xmlns="">
-      <p:transition spd="med">
-        <p:fade/>
-      </p:transition>
-    </mc:Fallback>
-  </mc:AlternateContent>
-</p:sld>
-</file>
-
 <file path=ppt/slides/slide29.xml><?xml version="1.0" encoding="utf-8"?>
 <p:sld xmlns:a="http://schemas.openxmlformats.org/drawingml/2006/main" xmlns:r="http://schemas.openxmlformats.org/officeDocument/2006/relationships" xmlns:p="http://schemas.openxmlformats.org/presentationml/2006/main">
   <p:cSld>
@@ -42015,7 +42221,7 @@
           <a:p>
             <a:r>
               <a:rPr lang="en-US" dirty="0"/>
-              <a:t>Azure Defender ( Services covered)</a:t>
+              <a:t>Azure Defender</a:t>
             </a:r>
           </a:p>
         </p:txBody>
@@ -42059,7 +42265,7 @@
         <p:spPr>
           <a:xfrm>
             <a:off x="329195" y="897873"/>
-            <a:ext cx="10881730" cy="3970318"/>
+            <a:ext cx="10881730" cy="1200329"/>
           </a:xfrm>
           <a:prstGeom prst="rect">
             <a:avLst/>
@@ -42073,145 +42279,41 @@
           <a:p>
             <a:r>
               <a:rPr lang="en-US" dirty="0"/>
-              <a:t> Services Covered: </a:t>
+              <a:t> Azure Defender. Is configured to add additional security alerts and advanced threat detection for certain types of resources.</a:t>
             </a:r>
           </a:p>
           <a:p>
-            <a:pPr marL="742950" lvl="1" indent="-285750">
-              <a:buFont typeface="Arial" panose="020B0604020202020204" pitchFamily="34" charset="0"/>
-              <a:buChar char="•"/>
-            </a:pPr>
             <a:r>
               <a:rPr lang="en-US" dirty="0"/>
-              <a:t>Servers</a:t>
+              <a:t>	</a:t>
             </a:r>
-          </a:p>
-          <a:p>
-            <a:pPr marL="742950" lvl="1" indent="-285750">
-              <a:buFont typeface="Arial" panose="020B0604020202020204" pitchFamily="34" charset="0"/>
-              <a:buChar char="•"/>
-            </a:pPr>
             <a:r>
-              <a:rPr lang="en-US" dirty="0"/>
-              <a:t>App Service	</a:t>
+              <a:rPr lang="en-US" dirty="0">
+                <a:solidFill>
+                  <a:srgbClr val="333333"/>
+                </a:solidFill>
+                <a:latin typeface="SegoeUI"/>
+              </a:rPr>
+              <a:t>A</a:t>
             </a:r>
-          </a:p>
-          <a:p>
-            <a:pPr marL="742950" lvl="1" indent="-285750">
-              <a:buFont typeface="Arial" panose="020B0604020202020204" pitchFamily="34" charset="0"/>
-              <a:buChar char="•"/>
-            </a:pPr>
             <a:r>
-              <a:rPr lang="en-US" dirty="0"/>
-              <a:t>SQL on Azure	</a:t>
+              <a:rPr lang="en-US" b="0" i="0" dirty="0">
+                <a:solidFill>
+                  <a:srgbClr val="333333"/>
+                </a:solidFill>
+                <a:effectLst/>
+                <a:latin typeface="SegoeUI"/>
+              </a:rPr>
+              <a:t>vailable for servers, app service, Storage, SQL, Key Vault, Resource Manager, DNS, Kubernetes and container registries</a:t>
             </a:r>
-          </a:p>
-          <a:p>
-            <a:pPr marL="742950" lvl="1" indent="-285750">
-              <a:buFont typeface="Arial" panose="020B0604020202020204" pitchFamily="34" charset="0"/>
-              <a:buChar char="•"/>
-            </a:pPr>
-            <a:r>
-              <a:rPr lang="en-US" dirty="0"/>
-              <a:t>SQL outside Azure	</a:t>
-            </a:r>
-          </a:p>
-          <a:p>
-            <a:pPr marL="742950" lvl="1" indent="-285750">
-              <a:buFont typeface="Arial" panose="020B0604020202020204" pitchFamily="34" charset="0"/>
-              <a:buChar char="•"/>
-            </a:pPr>
-            <a:r>
-              <a:rPr lang="en-US" dirty="0"/>
-              <a:t>MySQL	</a:t>
-            </a:r>
-          </a:p>
-          <a:p>
-            <a:pPr marL="742950" lvl="1" indent="-285750">
-              <a:buFont typeface="Arial" panose="020B0604020202020204" pitchFamily="34" charset="0"/>
-              <a:buChar char="•"/>
-            </a:pPr>
-            <a:r>
-              <a:rPr lang="en-US" dirty="0"/>
-              <a:t>PostgreSQL	</a:t>
-            </a:r>
-          </a:p>
-          <a:p>
-            <a:pPr marL="742950" lvl="1" indent="-285750">
-              <a:buFont typeface="Arial" panose="020B0604020202020204" pitchFamily="34" charset="0"/>
-              <a:buChar char="•"/>
-            </a:pPr>
-            <a:r>
-              <a:rPr lang="en-US" dirty="0"/>
-              <a:t>MariaDB	</a:t>
-            </a:r>
-          </a:p>
-          <a:p>
-            <a:pPr marL="742950" lvl="1" indent="-285750">
-              <a:buFont typeface="Arial" panose="020B0604020202020204" pitchFamily="34" charset="0"/>
-              <a:buChar char="•"/>
-            </a:pPr>
-            <a:r>
-              <a:rPr lang="en-US" dirty="0"/>
-              <a:t>Storage - Protect all storage accounts within a subscription1	10K transactions</a:t>
-            </a:r>
-          </a:p>
-          <a:p>
-            <a:pPr marL="742950" lvl="1" indent="-285750">
-              <a:buFont typeface="Arial" panose="020B0604020202020204" pitchFamily="34" charset="0"/>
-              <a:buChar char="•"/>
-            </a:pPr>
-            <a:r>
-              <a:rPr lang="en-US" dirty="0"/>
-              <a:t>Kubernetes	vCore/hour</a:t>
-            </a:r>
-          </a:p>
-          <a:p>
-            <a:pPr marL="742950" lvl="1" indent="-285750">
-              <a:buFont typeface="Arial" panose="020B0604020202020204" pitchFamily="34" charset="0"/>
-              <a:buChar char="•"/>
-            </a:pPr>
-            <a:r>
-              <a:rPr lang="en-US" dirty="0"/>
-              <a:t>ACR	/image</a:t>
-            </a:r>
-          </a:p>
-          <a:p>
-            <a:pPr marL="742950" lvl="1" indent="-285750">
-              <a:buFont typeface="Arial" panose="020B0604020202020204" pitchFamily="34" charset="0"/>
-              <a:buChar char="•"/>
-            </a:pPr>
-            <a:r>
-              <a:rPr lang="en-US" dirty="0"/>
-              <a:t>Key Vault	/10K transactions</a:t>
-            </a:r>
-          </a:p>
-          <a:p>
-            <a:pPr marL="742950" lvl="1" indent="-285750">
-              <a:buFont typeface="Arial" panose="020B0604020202020204" pitchFamily="34" charset="0"/>
-              <a:buChar char="•"/>
-            </a:pPr>
-            <a:r>
-              <a:rPr lang="en-US" dirty="0"/>
-              <a:t>ARM	/1M API calls</a:t>
-            </a:r>
-          </a:p>
-          <a:p>
-            <a:pPr marL="742950" lvl="1" indent="-285750">
-              <a:buFont typeface="Arial" panose="020B0604020202020204" pitchFamily="34" charset="0"/>
-              <a:buChar char="•"/>
-            </a:pPr>
-            <a:r>
-              <a:rPr lang="en-US" dirty="0"/>
-              <a:t>DNS</a:t>
-            </a:r>
+            <a:endParaRPr lang="en-US" dirty="0"/>
           </a:p>
         </p:txBody>
       </p:sp>
     </p:spTree>
     <p:extLst>
       <p:ext uri="{BB962C8B-B14F-4D97-AF65-F5344CB8AC3E}">
-        <p14:creationId xmlns:p14="http://schemas.microsoft.com/office/powerpoint/2010/main" val="3918996066"/>
+        <p14:creationId xmlns:p14="http://schemas.microsoft.com/office/powerpoint/2010/main" val="422991025"/>
       </p:ext>
     </p:extLst>
   </p:cSld>
@@ -42436,12 +42538,8 @@
           <a:p>
             <a:r>
               <a:rPr lang="en-US" dirty="0"/>
-              <a:t>Azure Security Center (cost)</a:t>
+              <a:t>Azure Defender ( Services covered)</a:t>
             </a:r>
-            <a:br>
-              <a:rPr lang="en-US" dirty="0"/>
-            </a:br>
-            <a:endParaRPr lang="en-US" dirty="0"/>
           </a:p>
         </p:txBody>
       </p:sp>
@@ -42464,6 +42562,514 @@
               <a:rPr lang="en-US" smtClean="0"/>
               <a:pPr/>
               <a:t>30</a:t>
+            </a:fld>
+            <a:endParaRPr lang="en-US"/>
+          </a:p>
+        </p:txBody>
+      </p:sp>
+      <p:sp>
+        <p:nvSpPr>
+          <p:cNvPr id="2" name="Rectangle 1">
+            <a:extLst>
+              <a:ext uri="{FF2B5EF4-FFF2-40B4-BE49-F238E27FC236}">
+                <a16:creationId xmlns:a16="http://schemas.microsoft.com/office/drawing/2014/main" id="{3B34818F-4EC6-495C-A0E0-30FCB7404BE7}"/>
+              </a:ext>
+            </a:extLst>
+          </p:cNvPr>
+          <p:cNvSpPr/>
+          <p:nvPr/>
+        </p:nvSpPr>
+        <p:spPr>
+          <a:xfrm>
+            <a:off x="329195" y="897873"/>
+            <a:ext cx="10881730" cy="3970318"/>
+          </a:xfrm>
+          <a:prstGeom prst="rect">
+            <a:avLst/>
+          </a:prstGeom>
+        </p:spPr>
+        <p:txBody>
+          <a:bodyPr wrap="square">
+            <a:spAutoFit/>
+          </a:bodyPr>
+          <a:lstStyle/>
+          <a:p>
+            <a:r>
+              <a:rPr lang="en-US" dirty="0"/>
+              <a:t> Services Covered: </a:t>
+            </a:r>
+          </a:p>
+          <a:p>
+            <a:pPr marL="742950" lvl="1" indent="-285750">
+              <a:buFont typeface="Arial" panose="020B0604020202020204" pitchFamily="34" charset="0"/>
+              <a:buChar char="•"/>
+            </a:pPr>
+            <a:r>
+              <a:rPr lang="en-US" dirty="0"/>
+              <a:t>Servers</a:t>
+            </a:r>
+          </a:p>
+          <a:p>
+            <a:pPr marL="742950" lvl="1" indent="-285750">
+              <a:buFont typeface="Arial" panose="020B0604020202020204" pitchFamily="34" charset="0"/>
+              <a:buChar char="•"/>
+            </a:pPr>
+            <a:r>
+              <a:rPr lang="en-US" dirty="0"/>
+              <a:t>App Service	</a:t>
+            </a:r>
+          </a:p>
+          <a:p>
+            <a:pPr marL="742950" lvl="1" indent="-285750">
+              <a:buFont typeface="Arial" panose="020B0604020202020204" pitchFamily="34" charset="0"/>
+              <a:buChar char="•"/>
+            </a:pPr>
+            <a:r>
+              <a:rPr lang="en-US" dirty="0"/>
+              <a:t>SQL on Azure	</a:t>
+            </a:r>
+          </a:p>
+          <a:p>
+            <a:pPr marL="742950" lvl="1" indent="-285750">
+              <a:buFont typeface="Arial" panose="020B0604020202020204" pitchFamily="34" charset="0"/>
+              <a:buChar char="•"/>
+            </a:pPr>
+            <a:r>
+              <a:rPr lang="en-US" dirty="0"/>
+              <a:t>SQL outside Azure	</a:t>
+            </a:r>
+          </a:p>
+          <a:p>
+            <a:pPr marL="742950" lvl="1" indent="-285750">
+              <a:buFont typeface="Arial" panose="020B0604020202020204" pitchFamily="34" charset="0"/>
+              <a:buChar char="•"/>
+            </a:pPr>
+            <a:r>
+              <a:rPr lang="en-US" dirty="0"/>
+              <a:t>MySQL	</a:t>
+            </a:r>
+          </a:p>
+          <a:p>
+            <a:pPr marL="742950" lvl="1" indent="-285750">
+              <a:buFont typeface="Arial" panose="020B0604020202020204" pitchFamily="34" charset="0"/>
+              <a:buChar char="•"/>
+            </a:pPr>
+            <a:r>
+              <a:rPr lang="en-US" dirty="0"/>
+              <a:t>PostgreSQL	</a:t>
+            </a:r>
+          </a:p>
+          <a:p>
+            <a:pPr marL="742950" lvl="1" indent="-285750">
+              <a:buFont typeface="Arial" panose="020B0604020202020204" pitchFamily="34" charset="0"/>
+              <a:buChar char="•"/>
+            </a:pPr>
+            <a:r>
+              <a:rPr lang="en-US" dirty="0"/>
+              <a:t>MariaDB	</a:t>
+            </a:r>
+          </a:p>
+          <a:p>
+            <a:pPr marL="742950" lvl="1" indent="-285750">
+              <a:buFont typeface="Arial" panose="020B0604020202020204" pitchFamily="34" charset="0"/>
+              <a:buChar char="•"/>
+            </a:pPr>
+            <a:r>
+              <a:rPr lang="en-US" dirty="0"/>
+              <a:t>Storage - Protect all storage accounts within a subscription1	10K transactions</a:t>
+            </a:r>
+          </a:p>
+          <a:p>
+            <a:pPr marL="742950" lvl="1" indent="-285750">
+              <a:buFont typeface="Arial" panose="020B0604020202020204" pitchFamily="34" charset="0"/>
+              <a:buChar char="•"/>
+            </a:pPr>
+            <a:r>
+              <a:rPr lang="en-US" dirty="0"/>
+              <a:t>Kubernetes	vCore/hour</a:t>
+            </a:r>
+          </a:p>
+          <a:p>
+            <a:pPr marL="742950" lvl="1" indent="-285750">
+              <a:buFont typeface="Arial" panose="020B0604020202020204" pitchFamily="34" charset="0"/>
+              <a:buChar char="•"/>
+            </a:pPr>
+            <a:r>
+              <a:rPr lang="en-US" dirty="0"/>
+              <a:t>ACR	/image</a:t>
+            </a:r>
+          </a:p>
+          <a:p>
+            <a:pPr marL="742950" lvl="1" indent="-285750">
+              <a:buFont typeface="Arial" panose="020B0604020202020204" pitchFamily="34" charset="0"/>
+              <a:buChar char="•"/>
+            </a:pPr>
+            <a:r>
+              <a:rPr lang="en-US" dirty="0"/>
+              <a:t>Key Vault	/10K transactions</a:t>
+            </a:r>
+          </a:p>
+          <a:p>
+            <a:pPr marL="742950" lvl="1" indent="-285750">
+              <a:buFont typeface="Arial" panose="020B0604020202020204" pitchFamily="34" charset="0"/>
+              <a:buChar char="•"/>
+            </a:pPr>
+            <a:r>
+              <a:rPr lang="en-US" dirty="0"/>
+              <a:t>ARM	/1M API calls</a:t>
+            </a:r>
+          </a:p>
+          <a:p>
+            <a:pPr marL="742950" lvl="1" indent="-285750">
+              <a:buFont typeface="Arial" panose="020B0604020202020204" pitchFamily="34" charset="0"/>
+              <a:buChar char="•"/>
+            </a:pPr>
+            <a:r>
+              <a:rPr lang="en-US" dirty="0"/>
+              <a:t>DNS</a:t>
+            </a:r>
+          </a:p>
+        </p:txBody>
+      </p:sp>
+    </p:spTree>
+    <p:extLst>
+      <p:ext uri="{BB962C8B-B14F-4D97-AF65-F5344CB8AC3E}">
+        <p14:creationId xmlns:p14="http://schemas.microsoft.com/office/powerpoint/2010/main" val="3740162983"/>
+      </p:ext>
+    </p:extLst>
+  </p:cSld>
+  <p:clrMapOvr>
+    <a:masterClrMapping/>
+  </p:clrMapOvr>
+  <mc:AlternateContent xmlns:mc="http://schemas.openxmlformats.org/markup-compatibility/2006" xmlns:p14="http://schemas.microsoft.com/office/powerpoint/2010/main">
+    <mc:Choice Requires="p14">
+      <p:transition spd="med" p14:dur="700">
+        <p:fade/>
+      </p:transition>
+    </mc:Choice>
+    <mc:Fallback xmlns="">
+      <p:transition spd="med">
+        <p:fade/>
+      </p:transition>
+    </mc:Fallback>
+  </mc:AlternateContent>
+</p:sld>
+</file>
+
+<file path=ppt/slides/slide31.xml><?xml version="1.0" encoding="utf-8"?>
+<p:sld xmlns:a="http://schemas.openxmlformats.org/drawingml/2006/main" xmlns:r="http://schemas.openxmlformats.org/officeDocument/2006/relationships" xmlns:p="http://schemas.openxmlformats.org/presentationml/2006/main">
+  <p:cSld>
+    <p:spTree>
+      <p:nvGrpSpPr>
+        <p:cNvPr id="1" name=""/>
+        <p:cNvGrpSpPr/>
+        <p:nvPr/>
+      </p:nvGrpSpPr>
+      <p:grpSpPr>
+        <a:xfrm>
+          <a:off x="0" y="0"/>
+          <a:ext cx="0" cy="0"/>
+          <a:chOff x="0" y="0"/>
+          <a:chExt cx="0" cy="0"/>
+        </a:xfrm>
+      </p:grpSpPr>
+      <p:sp>
+        <p:nvSpPr>
+          <p:cNvPr id="17410" name="Rectangle 2"/>
+          <p:cNvSpPr>
+            <a:spLocks noGrp="1" noChangeArrowheads="1"/>
+          </p:cNvSpPr>
+          <p:nvPr>
+            <p:ph type="title"/>
+          </p:nvPr>
+        </p:nvSpPr>
+        <p:spPr/>
+        <p:txBody>
+          <a:bodyPr/>
+          <a:lstStyle/>
+          <a:p>
+            <a:r>
+              <a:rPr lang="en-US" dirty="0"/>
+              <a:t>Azure Defender ( Services covered)</a:t>
+            </a:r>
+          </a:p>
+        </p:txBody>
+      </p:sp>
+      <p:sp>
+        <p:nvSpPr>
+          <p:cNvPr id="4" name="Slide Number Placeholder 3"/>
+          <p:cNvSpPr>
+            <a:spLocks noGrp="1"/>
+          </p:cNvSpPr>
+          <p:nvPr>
+            <p:ph type="sldNum" sz="quarter" idx="12"/>
+          </p:nvPr>
+        </p:nvSpPr>
+        <p:spPr/>
+        <p:txBody>
+          <a:bodyPr/>
+          <a:lstStyle/>
+          <a:p>
+            <a:fld id="{D92B6165-2E63-41A3-8905-D7634EBC6D44}" type="slidenum">
+              <a:rPr lang="en-US" smtClean="0"/>
+              <a:pPr/>
+              <a:t>31</a:t>
+            </a:fld>
+            <a:endParaRPr lang="en-US"/>
+          </a:p>
+        </p:txBody>
+      </p:sp>
+      <p:sp>
+        <p:nvSpPr>
+          <p:cNvPr id="2" name="Rectangle 1">
+            <a:extLst>
+              <a:ext uri="{FF2B5EF4-FFF2-40B4-BE49-F238E27FC236}">
+                <a16:creationId xmlns:a16="http://schemas.microsoft.com/office/drawing/2014/main" id="{3B34818F-4EC6-495C-A0E0-30FCB7404BE7}"/>
+              </a:ext>
+            </a:extLst>
+          </p:cNvPr>
+          <p:cNvSpPr/>
+          <p:nvPr/>
+        </p:nvSpPr>
+        <p:spPr>
+          <a:xfrm>
+            <a:off x="329195" y="897873"/>
+            <a:ext cx="10881730" cy="3970318"/>
+          </a:xfrm>
+          <a:prstGeom prst="rect">
+            <a:avLst/>
+          </a:prstGeom>
+        </p:spPr>
+        <p:txBody>
+          <a:bodyPr wrap="square">
+            <a:spAutoFit/>
+          </a:bodyPr>
+          <a:lstStyle/>
+          <a:p>
+            <a:r>
+              <a:rPr lang="en-US" dirty="0"/>
+              <a:t> Services Covered: </a:t>
+            </a:r>
+          </a:p>
+          <a:p>
+            <a:pPr marL="742950" lvl="1" indent="-285750">
+              <a:buFont typeface="Arial" panose="020B0604020202020204" pitchFamily="34" charset="0"/>
+              <a:buChar char="•"/>
+            </a:pPr>
+            <a:r>
+              <a:rPr lang="en-US" dirty="0"/>
+              <a:t>Servers</a:t>
+            </a:r>
+          </a:p>
+          <a:p>
+            <a:pPr marL="742950" lvl="1" indent="-285750">
+              <a:buFont typeface="Arial" panose="020B0604020202020204" pitchFamily="34" charset="0"/>
+              <a:buChar char="•"/>
+            </a:pPr>
+            <a:r>
+              <a:rPr lang="en-US" dirty="0"/>
+              <a:t>App Service	</a:t>
+            </a:r>
+          </a:p>
+          <a:p>
+            <a:pPr marL="742950" lvl="1" indent="-285750">
+              <a:buFont typeface="Arial" panose="020B0604020202020204" pitchFamily="34" charset="0"/>
+              <a:buChar char="•"/>
+            </a:pPr>
+            <a:r>
+              <a:rPr lang="en-US" dirty="0"/>
+              <a:t>SQL on Azure	</a:t>
+            </a:r>
+          </a:p>
+          <a:p>
+            <a:pPr marL="742950" lvl="1" indent="-285750">
+              <a:buFont typeface="Arial" panose="020B0604020202020204" pitchFamily="34" charset="0"/>
+              <a:buChar char="•"/>
+            </a:pPr>
+            <a:r>
+              <a:rPr lang="en-US" dirty="0"/>
+              <a:t>SQL outside Azure	</a:t>
+            </a:r>
+          </a:p>
+          <a:p>
+            <a:pPr marL="742950" lvl="1" indent="-285750">
+              <a:buFont typeface="Arial" panose="020B0604020202020204" pitchFamily="34" charset="0"/>
+              <a:buChar char="•"/>
+            </a:pPr>
+            <a:r>
+              <a:rPr lang="en-US" dirty="0"/>
+              <a:t>MySQL	</a:t>
+            </a:r>
+          </a:p>
+          <a:p>
+            <a:pPr marL="742950" lvl="1" indent="-285750">
+              <a:buFont typeface="Arial" panose="020B0604020202020204" pitchFamily="34" charset="0"/>
+              <a:buChar char="•"/>
+            </a:pPr>
+            <a:r>
+              <a:rPr lang="en-US" dirty="0"/>
+              <a:t>PostgreSQL	</a:t>
+            </a:r>
+          </a:p>
+          <a:p>
+            <a:pPr marL="742950" lvl="1" indent="-285750">
+              <a:buFont typeface="Arial" panose="020B0604020202020204" pitchFamily="34" charset="0"/>
+              <a:buChar char="•"/>
+            </a:pPr>
+            <a:r>
+              <a:rPr lang="en-US" dirty="0"/>
+              <a:t>MariaDB	</a:t>
+            </a:r>
+          </a:p>
+          <a:p>
+            <a:pPr marL="742950" lvl="1" indent="-285750">
+              <a:buFont typeface="Arial" panose="020B0604020202020204" pitchFamily="34" charset="0"/>
+              <a:buChar char="•"/>
+            </a:pPr>
+            <a:r>
+              <a:rPr lang="en-US" dirty="0"/>
+              <a:t>Storage - Protect all storage accounts within a subscription1	10K transactions</a:t>
+            </a:r>
+          </a:p>
+          <a:p>
+            <a:pPr marL="742950" lvl="1" indent="-285750">
+              <a:buFont typeface="Arial" panose="020B0604020202020204" pitchFamily="34" charset="0"/>
+              <a:buChar char="•"/>
+            </a:pPr>
+            <a:r>
+              <a:rPr lang="en-US" dirty="0"/>
+              <a:t>Kubernetes	vCore/hour</a:t>
+            </a:r>
+          </a:p>
+          <a:p>
+            <a:pPr marL="742950" lvl="1" indent="-285750">
+              <a:buFont typeface="Arial" panose="020B0604020202020204" pitchFamily="34" charset="0"/>
+              <a:buChar char="•"/>
+            </a:pPr>
+            <a:r>
+              <a:rPr lang="en-US" dirty="0"/>
+              <a:t>ACR	/image</a:t>
+            </a:r>
+          </a:p>
+          <a:p>
+            <a:pPr marL="742950" lvl="1" indent="-285750">
+              <a:buFont typeface="Arial" panose="020B0604020202020204" pitchFamily="34" charset="0"/>
+              <a:buChar char="•"/>
+            </a:pPr>
+            <a:r>
+              <a:rPr lang="en-US" dirty="0"/>
+              <a:t>Key Vault	/10K transactions</a:t>
+            </a:r>
+          </a:p>
+          <a:p>
+            <a:pPr marL="742950" lvl="1" indent="-285750">
+              <a:buFont typeface="Arial" panose="020B0604020202020204" pitchFamily="34" charset="0"/>
+              <a:buChar char="•"/>
+            </a:pPr>
+            <a:r>
+              <a:rPr lang="en-US" dirty="0"/>
+              <a:t>ARM	/1M API calls</a:t>
+            </a:r>
+          </a:p>
+          <a:p>
+            <a:pPr marL="742950" lvl="1" indent="-285750">
+              <a:buFont typeface="Arial" panose="020B0604020202020204" pitchFamily="34" charset="0"/>
+              <a:buChar char="•"/>
+            </a:pPr>
+            <a:r>
+              <a:rPr lang="en-US" dirty="0"/>
+              <a:t>DNS</a:t>
+            </a:r>
+          </a:p>
+        </p:txBody>
+      </p:sp>
+    </p:spTree>
+    <p:extLst>
+      <p:ext uri="{BB962C8B-B14F-4D97-AF65-F5344CB8AC3E}">
+        <p14:creationId xmlns:p14="http://schemas.microsoft.com/office/powerpoint/2010/main" val="3918996066"/>
+      </p:ext>
+    </p:extLst>
+  </p:cSld>
+  <p:clrMapOvr>
+    <a:masterClrMapping/>
+  </p:clrMapOvr>
+  <mc:AlternateContent xmlns:mc="http://schemas.openxmlformats.org/markup-compatibility/2006" xmlns:p14="http://schemas.microsoft.com/office/powerpoint/2010/main">
+    <mc:Choice Requires="p14">
+      <p:transition spd="med" p14:dur="700">
+        <p:fade/>
+      </p:transition>
+    </mc:Choice>
+    <mc:Fallback xmlns="">
+      <p:transition spd="med">
+        <p:fade/>
+      </p:transition>
+    </mc:Fallback>
+  </mc:AlternateContent>
+</p:sld>
+</file>
+
+<file path=ppt/slides/slide32.xml><?xml version="1.0" encoding="utf-8"?>
+<p:sld xmlns:a="http://schemas.openxmlformats.org/drawingml/2006/main" xmlns:r="http://schemas.openxmlformats.org/officeDocument/2006/relationships" xmlns:p="http://schemas.openxmlformats.org/presentationml/2006/main">
+  <p:cSld>
+    <p:spTree>
+      <p:nvGrpSpPr>
+        <p:cNvPr id="1" name=""/>
+        <p:cNvGrpSpPr/>
+        <p:nvPr/>
+      </p:nvGrpSpPr>
+      <p:grpSpPr>
+        <a:xfrm>
+          <a:off x="0" y="0"/>
+          <a:ext cx="0" cy="0"/>
+          <a:chOff x="0" y="0"/>
+          <a:chExt cx="0" cy="0"/>
+        </a:xfrm>
+      </p:grpSpPr>
+      <p:sp>
+        <p:nvSpPr>
+          <p:cNvPr id="17410" name="Rectangle 2"/>
+          <p:cNvSpPr>
+            <a:spLocks noGrp="1" noChangeArrowheads="1"/>
+          </p:cNvSpPr>
+          <p:nvPr>
+            <p:ph type="title"/>
+          </p:nvPr>
+        </p:nvSpPr>
+        <p:spPr/>
+        <p:txBody>
+          <a:bodyPr/>
+          <a:lstStyle/>
+          <a:p>
+            <a:r>
+              <a:rPr lang="en-US" dirty="0"/>
+              <a:t>Azure Security Center (cost)</a:t>
+            </a:r>
+            <a:br>
+              <a:rPr lang="en-US" dirty="0"/>
+            </a:br>
+            <a:endParaRPr lang="en-US" dirty="0"/>
+          </a:p>
+        </p:txBody>
+      </p:sp>
+      <p:sp>
+        <p:nvSpPr>
+          <p:cNvPr id="4" name="Slide Number Placeholder 3"/>
+          <p:cNvSpPr>
+            <a:spLocks noGrp="1"/>
+          </p:cNvSpPr>
+          <p:nvPr>
+            <p:ph type="sldNum" sz="quarter" idx="12"/>
+          </p:nvPr>
+        </p:nvSpPr>
+        <p:spPr/>
+        <p:txBody>
+          <a:bodyPr/>
+          <a:lstStyle/>
+          <a:p>
+            <a:fld id="{D92B6165-2E63-41A3-8905-D7634EBC6D44}" type="slidenum">
+              <a:rPr lang="en-US" smtClean="0"/>
+              <a:pPr/>
+              <a:t>32</a:t>
             </a:fld>
             <a:endParaRPr lang="en-US"/>
           </a:p>
@@ -42796,7 +43402,7 @@
 </p:sld>
 </file>
 
-<file path=ppt/slides/slide31.xml><?xml version="1.0" encoding="utf-8"?>
+<file path=ppt/slides/slide33.xml><?xml version="1.0" encoding="utf-8"?>
 <p:sld xmlns:a="http://schemas.openxmlformats.org/drawingml/2006/main" xmlns:r="http://schemas.openxmlformats.org/officeDocument/2006/relationships" xmlns:p="http://schemas.openxmlformats.org/presentationml/2006/main">
   <p:cSld>
     <p:spTree>
@@ -42853,7 +43459,7 @@
             <a:fld id="{D92B6165-2E63-41A3-8905-D7634EBC6D44}" type="slidenum">
               <a:rPr lang="en-US" smtClean="0"/>
               <a:pPr/>
-              <a:t>31</a:t>
+              <a:t>33</a:t>
             </a:fld>
             <a:endParaRPr lang="en-US"/>
           </a:p>
@@ -43081,7 +43687,7 @@
 </p:sld>
 </file>
 
-<file path=ppt/slides/slide32.xml><?xml version="1.0" encoding="utf-8"?>
+<file path=ppt/slides/slide34.xml><?xml version="1.0" encoding="utf-8"?>
 <p:sld xmlns:a="http://schemas.openxmlformats.org/drawingml/2006/main" xmlns:r="http://schemas.openxmlformats.org/officeDocument/2006/relationships" xmlns:p="http://schemas.openxmlformats.org/presentationml/2006/main">
   <p:cSld>
     <p:spTree>
@@ -43143,7 +43749,7 @@
             <a:fld id="{D92B6165-2E63-41A3-8905-D7634EBC6D44}" type="slidenum">
               <a:rPr lang="en-US" smtClean="0"/>
               <a:pPr/>
-              <a:t>32</a:t>
+              <a:t>34</a:t>
             </a:fld>
             <a:endParaRPr lang="en-US"/>
           </a:p>
@@ -43204,7 +43810,7 @@
 </p:sld>
 </file>
 
-<file path=ppt/slides/slide33.xml><?xml version="1.0" encoding="utf-8"?>
+<file path=ppt/slides/slide35.xml><?xml version="1.0" encoding="utf-8"?>
 <p:sld xmlns:a="http://schemas.openxmlformats.org/drawingml/2006/main" xmlns:r="http://schemas.openxmlformats.org/officeDocument/2006/relationships" xmlns:p="http://schemas.openxmlformats.org/presentationml/2006/main">
   <p:cSld>
     <p:spTree>
@@ -43266,7 +43872,7 @@
             <a:fld id="{D92B6165-2E63-41A3-8905-D7634EBC6D44}" type="slidenum">
               <a:rPr lang="en-US" smtClean="0"/>
               <a:pPr/>
-              <a:t>33</a:t>
+              <a:t>35</a:t>
             </a:fld>
             <a:endParaRPr lang="en-US"/>
           </a:p>
@@ -43357,7 +43963,7 @@
 </p:sld>
 </file>
 
-<file path=ppt/slides/slide34.xml><?xml version="1.0" encoding="utf-8"?>
+<file path=ppt/slides/slide36.xml><?xml version="1.0" encoding="utf-8"?>
 <p:sld xmlns:a="http://schemas.openxmlformats.org/drawingml/2006/main" xmlns:r="http://schemas.openxmlformats.org/officeDocument/2006/relationships" xmlns:p="http://schemas.openxmlformats.org/presentationml/2006/main">
   <p:cSld>
     <p:spTree>
@@ -43419,7 +44025,7 @@
             <a:fld id="{D92B6165-2E63-41A3-8905-D7634EBC6D44}" type="slidenum">
               <a:rPr lang="en-US" smtClean="0"/>
               <a:pPr/>
-              <a:t>34</a:t>
+              <a:t>36</a:t>
             </a:fld>
             <a:endParaRPr lang="en-US"/>
           </a:p>
@@ -43510,7 +44116,7 @@
 </p:sld>
 </file>
 
-<file path=ppt/slides/slide35.xml><?xml version="1.0" encoding="utf-8"?>
+<file path=ppt/slides/slide37.xml><?xml version="1.0" encoding="utf-8"?>
 <p:sld xmlns:a="http://schemas.openxmlformats.org/drawingml/2006/main" xmlns:r="http://schemas.openxmlformats.org/officeDocument/2006/relationships" xmlns:p="http://schemas.openxmlformats.org/presentationml/2006/main">
   <p:cSld>
     <p:spTree>
@@ -43567,7 +44173,7 @@
             <a:fld id="{D92B6165-2E63-41A3-8905-D7634EBC6D44}" type="slidenum">
               <a:rPr lang="en-US" smtClean="0"/>
               <a:pPr/>
-              <a:t>35</a:t>
+              <a:t>37</a:t>
             </a:fld>
             <a:endParaRPr lang="en-US"/>
           </a:p>
@@ -43628,7 +44234,7 @@
 </p:sld>
 </file>
 
-<file path=ppt/slides/slide36.xml><?xml version="1.0" encoding="utf-8"?>
+<file path=ppt/slides/slide38.xml><?xml version="1.0" encoding="utf-8"?>
 <p:sld xmlns:a="http://schemas.openxmlformats.org/drawingml/2006/main" xmlns:r="http://schemas.openxmlformats.org/officeDocument/2006/relationships" xmlns:p="http://schemas.openxmlformats.org/presentationml/2006/main">
   <p:cSld>
     <p:spTree>
@@ -43685,7 +44291,7 @@
             <a:fld id="{D92B6165-2E63-41A3-8905-D7634EBC6D44}" type="slidenum">
               <a:rPr lang="en-US" smtClean="0"/>
               <a:pPr/>
-              <a:t>36</a:t>
+              <a:t>38</a:t>
             </a:fld>
             <a:endParaRPr lang="en-US"/>
           </a:p>
@@ -43746,7 +44352,7 @@
 </p:sld>
 </file>
 
-<file path=ppt/slides/slide37.xml><?xml version="1.0" encoding="utf-8"?>
+<file path=ppt/slides/slide39.xml><?xml version="1.0" encoding="utf-8"?>
 <p:sld xmlns:a="http://schemas.openxmlformats.org/drawingml/2006/main" xmlns:r="http://schemas.openxmlformats.org/officeDocument/2006/relationships" xmlns:p="http://schemas.openxmlformats.org/presentationml/2006/main">
   <p:cSld>
     <p:spTree>
@@ -43803,7 +44409,7 @@
             <a:fld id="{D92B6165-2E63-41A3-8905-D7634EBC6D44}" type="slidenum">
               <a:rPr lang="en-US" smtClean="0"/>
               <a:pPr/>
-              <a:t>37</a:t>
+              <a:t>39</a:t>
             </a:fld>
             <a:endParaRPr lang="en-US"/>
           </a:p>
@@ -43843,242 +44449,6 @@
     <p:extLst>
       <p:ext uri="{BB962C8B-B14F-4D97-AF65-F5344CB8AC3E}">
         <p14:creationId xmlns:p14="http://schemas.microsoft.com/office/powerpoint/2010/main" val="3738608796"/>
-      </p:ext>
-    </p:extLst>
-  </p:cSld>
-  <p:clrMapOvr>
-    <a:masterClrMapping/>
-  </p:clrMapOvr>
-  <mc:AlternateContent xmlns:mc="http://schemas.openxmlformats.org/markup-compatibility/2006" xmlns:p14="http://schemas.microsoft.com/office/powerpoint/2010/main">
-    <mc:Choice Requires="p14">
-      <p:transition spd="med" p14:dur="700">
-        <p:fade/>
-      </p:transition>
-    </mc:Choice>
-    <mc:Fallback xmlns="">
-      <p:transition spd="med">
-        <p:fade/>
-      </p:transition>
-    </mc:Fallback>
-  </mc:AlternateContent>
-</p:sld>
-</file>
-
-<file path=ppt/slides/slide38.xml><?xml version="1.0" encoding="utf-8"?>
-<p:sld xmlns:a="http://schemas.openxmlformats.org/drawingml/2006/main" xmlns:r="http://schemas.openxmlformats.org/officeDocument/2006/relationships" xmlns:p="http://schemas.openxmlformats.org/presentationml/2006/main">
-  <p:cSld>
-    <p:spTree>
-      <p:nvGrpSpPr>
-        <p:cNvPr id="1" name=""/>
-        <p:cNvGrpSpPr/>
-        <p:nvPr/>
-      </p:nvGrpSpPr>
-      <p:grpSpPr>
-        <a:xfrm>
-          <a:off x="0" y="0"/>
-          <a:ext cx="0" cy="0"/>
-          <a:chOff x="0" y="0"/>
-          <a:chExt cx="0" cy="0"/>
-        </a:xfrm>
-      </p:grpSpPr>
-      <p:sp>
-        <p:nvSpPr>
-          <p:cNvPr id="17410" name="Rectangle 2"/>
-          <p:cNvSpPr>
-            <a:spLocks noGrp="1" noChangeArrowheads="1"/>
-          </p:cNvSpPr>
-          <p:nvPr>
-            <p:ph type="title"/>
-          </p:nvPr>
-        </p:nvSpPr>
-        <p:spPr/>
-        <p:txBody>
-          <a:bodyPr/>
-          <a:lstStyle/>
-          <a:p>
-            <a:r>
-              <a:rPr lang="en-US" dirty="0"/>
-              <a:t>Configuration- AWS Security Hub</a:t>
-            </a:r>
-          </a:p>
-        </p:txBody>
-      </p:sp>
-      <p:sp>
-        <p:nvSpPr>
-          <p:cNvPr id="4" name="Slide Number Placeholder 3"/>
-          <p:cNvSpPr>
-            <a:spLocks noGrp="1"/>
-          </p:cNvSpPr>
-          <p:nvPr>
-            <p:ph type="sldNum" sz="quarter" idx="12"/>
-          </p:nvPr>
-        </p:nvSpPr>
-        <p:spPr/>
-        <p:txBody>
-          <a:bodyPr/>
-          <a:lstStyle/>
-          <a:p>
-            <a:fld id="{D92B6165-2E63-41A3-8905-D7634EBC6D44}" type="slidenum">
-              <a:rPr lang="en-US" smtClean="0"/>
-              <a:pPr/>
-              <a:t>38</a:t>
-            </a:fld>
-            <a:endParaRPr lang="en-US"/>
-          </a:p>
-        </p:txBody>
-      </p:sp>
-      <p:pic>
-        <p:nvPicPr>
-          <p:cNvPr id="5" name="Picture 4" descr="Graphical user interface, text, application, email&#10;&#10;Description automatically generated">
-            <a:extLst>
-              <a:ext uri="{FF2B5EF4-FFF2-40B4-BE49-F238E27FC236}">
-                <a16:creationId xmlns:a16="http://schemas.microsoft.com/office/drawing/2014/main" id="{5A348769-6740-4E0E-A43D-64B0670826B4}"/>
-              </a:ext>
-            </a:extLst>
-          </p:cNvPr>
-          <p:cNvPicPr>
-            <a:picLocks noChangeAspect="1"/>
-          </p:cNvPicPr>
-          <p:nvPr/>
-        </p:nvPicPr>
-        <p:blipFill>
-          <a:blip r:embed="rId3"/>
-          <a:stretch>
-            <a:fillRect/>
-          </a:stretch>
-        </p:blipFill>
-        <p:spPr>
-          <a:xfrm>
-            <a:off x="554037" y="1354396"/>
-            <a:ext cx="11080750" cy="4149206"/>
-          </a:xfrm>
-          <a:prstGeom prst="rect">
-            <a:avLst/>
-          </a:prstGeom>
-        </p:spPr>
-      </p:pic>
-    </p:spTree>
-    <p:extLst>
-      <p:ext uri="{BB962C8B-B14F-4D97-AF65-F5344CB8AC3E}">
-        <p14:creationId xmlns:p14="http://schemas.microsoft.com/office/powerpoint/2010/main" val="934263555"/>
-      </p:ext>
-    </p:extLst>
-  </p:cSld>
-  <p:clrMapOvr>
-    <a:masterClrMapping/>
-  </p:clrMapOvr>
-  <mc:AlternateContent xmlns:mc="http://schemas.openxmlformats.org/markup-compatibility/2006" xmlns:p14="http://schemas.microsoft.com/office/powerpoint/2010/main">
-    <mc:Choice Requires="p14">
-      <p:transition spd="med" p14:dur="700">
-        <p:fade/>
-      </p:transition>
-    </mc:Choice>
-    <mc:Fallback xmlns="">
-      <p:transition spd="med">
-        <p:fade/>
-      </p:transition>
-    </mc:Fallback>
-  </mc:AlternateContent>
-</p:sld>
-</file>
-
-<file path=ppt/slides/slide39.xml><?xml version="1.0" encoding="utf-8"?>
-<p:sld xmlns:a="http://schemas.openxmlformats.org/drawingml/2006/main" xmlns:r="http://schemas.openxmlformats.org/officeDocument/2006/relationships" xmlns:p="http://schemas.openxmlformats.org/presentationml/2006/main">
-  <p:cSld>
-    <p:spTree>
-      <p:nvGrpSpPr>
-        <p:cNvPr id="1" name=""/>
-        <p:cNvGrpSpPr/>
-        <p:nvPr/>
-      </p:nvGrpSpPr>
-      <p:grpSpPr>
-        <a:xfrm>
-          <a:off x="0" y="0"/>
-          <a:ext cx="0" cy="0"/>
-          <a:chOff x="0" y="0"/>
-          <a:chExt cx="0" cy="0"/>
-        </a:xfrm>
-      </p:grpSpPr>
-      <p:sp>
-        <p:nvSpPr>
-          <p:cNvPr id="17410" name="Rectangle 2"/>
-          <p:cNvSpPr>
-            <a:spLocks noGrp="1" noChangeArrowheads="1"/>
-          </p:cNvSpPr>
-          <p:nvPr>
-            <p:ph type="title"/>
-          </p:nvPr>
-        </p:nvSpPr>
-        <p:spPr/>
-        <p:txBody>
-          <a:bodyPr/>
-          <a:lstStyle/>
-          <a:p>
-            <a:r>
-              <a:rPr lang="en-US" dirty="0"/>
-              <a:t>Configuration- Azure Security Center</a:t>
-            </a:r>
-          </a:p>
-        </p:txBody>
-      </p:sp>
-      <p:sp>
-        <p:nvSpPr>
-          <p:cNvPr id="4" name="Slide Number Placeholder 3"/>
-          <p:cNvSpPr>
-            <a:spLocks noGrp="1"/>
-          </p:cNvSpPr>
-          <p:nvPr>
-            <p:ph type="sldNum" sz="quarter" idx="12"/>
-          </p:nvPr>
-        </p:nvSpPr>
-        <p:spPr/>
-        <p:txBody>
-          <a:bodyPr/>
-          <a:lstStyle/>
-          <a:p>
-            <a:fld id="{D92B6165-2E63-41A3-8905-D7634EBC6D44}" type="slidenum">
-              <a:rPr lang="en-US" smtClean="0"/>
-              <a:pPr/>
-              <a:t>39</a:t>
-            </a:fld>
-            <a:endParaRPr lang="en-US"/>
-          </a:p>
-        </p:txBody>
-      </p:sp>
-      <p:pic>
-        <p:nvPicPr>
-          <p:cNvPr id="3" name="Picture 2" descr="Graphical user interface, text, application, email&#10;&#10;Description automatically generated">
-            <a:extLst>
-              <a:ext uri="{FF2B5EF4-FFF2-40B4-BE49-F238E27FC236}">
-                <a16:creationId xmlns:a16="http://schemas.microsoft.com/office/drawing/2014/main" id="{29A3372D-89BA-42F5-A197-42068872DA4D}"/>
-              </a:ext>
-            </a:extLst>
-          </p:cNvPr>
-          <p:cNvPicPr>
-            <a:picLocks noChangeAspect="1"/>
-          </p:cNvPicPr>
-          <p:nvPr/>
-        </p:nvPicPr>
-        <p:blipFill>
-          <a:blip r:embed="rId3"/>
-          <a:stretch>
-            <a:fillRect/>
-          </a:stretch>
-        </p:blipFill>
-        <p:spPr>
-          <a:xfrm>
-            <a:off x="554037" y="1153743"/>
-            <a:ext cx="11080750" cy="4569563"/>
-          </a:xfrm>
-          <a:prstGeom prst="rect">
-            <a:avLst/>
-          </a:prstGeom>
-        </p:spPr>
-      </p:pic>
-    </p:spTree>
-    <p:extLst>
-      <p:ext uri="{BB962C8B-B14F-4D97-AF65-F5344CB8AC3E}">
-        <p14:creationId xmlns:p14="http://schemas.microsoft.com/office/powerpoint/2010/main" val="4157699469"/>
       </p:ext>
     </p:extLst>
   </p:cSld>
@@ -44247,7 +44617,7 @@
           <a:p>
             <a:r>
               <a:rPr lang="en-US" dirty="0"/>
-              <a:t>Configuration- Azure Security Centre</a:t>
+              <a:t>Configuration- AWS Security Hub</a:t>
             </a:r>
           </a:p>
         </p:txBody>
@@ -44271,6 +44641,242 @@
               <a:rPr lang="en-US" smtClean="0"/>
               <a:pPr/>
               <a:t>40</a:t>
+            </a:fld>
+            <a:endParaRPr lang="en-US"/>
+          </a:p>
+        </p:txBody>
+      </p:sp>
+      <p:pic>
+        <p:nvPicPr>
+          <p:cNvPr id="5" name="Picture 4" descr="Graphical user interface, text, application, email&#10;&#10;Description automatically generated">
+            <a:extLst>
+              <a:ext uri="{FF2B5EF4-FFF2-40B4-BE49-F238E27FC236}">
+                <a16:creationId xmlns:a16="http://schemas.microsoft.com/office/drawing/2014/main" id="{5A348769-6740-4E0E-A43D-64B0670826B4}"/>
+              </a:ext>
+            </a:extLst>
+          </p:cNvPr>
+          <p:cNvPicPr>
+            <a:picLocks noChangeAspect="1"/>
+          </p:cNvPicPr>
+          <p:nvPr/>
+        </p:nvPicPr>
+        <p:blipFill>
+          <a:blip r:embed="rId3"/>
+          <a:stretch>
+            <a:fillRect/>
+          </a:stretch>
+        </p:blipFill>
+        <p:spPr>
+          <a:xfrm>
+            <a:off x="554037" y="1354396"/>
+            <a:ext cx="11080750" cy="4149206"/>
+          </a:xfrm>
+          <a:prstGeom prst="rect">
+            <a:avLst/>
+          </a:prstGeom>
+        </p:spPr>
+      </p:pic>
+    </p:spTree>
+    <p:extLst>
+      <p:ext uri="{BB962C8B-B14F-4D97-AF65-F5344CB8AC3E}">
+        <p14:creationId xmlns:p14="http://schemas.microsoft.com/office/powerpoint/2010/main" val="934263555"/>
+      </p:ext>
+    </p:extLst>
+  </p:cSld>
+  <p:clrMapOvr>
+    <a:masterClrMapping/>
+  </p:clrMapOvr>
+  <mc:AlternateContent xmlns:mc="http://schemas.openxmlformats.org/markup-compatibility/2006" xmlns:p14="http://schemas.microsoft.com/office/powerpoint/2010/main">
+    <mc:Choice Requires="p14">
+      <p:transition spd="med" p14:dur="700">
+        <p:fade/>
+      </p:transition>
+    </mc:Choice>
+    <mc:Fallback xmlns="">
+      <p:transition spd="med">
+        <p:fade/>
+      </p:transition>
+    </mc:Fallback>
+  </mc:AlternateContent>
+</p:sld>
+</file>
+
+<file path=ppt/slides/slide41.xml><?xml version="1.0" encoding="utf-8"?>
+<p:sld xmlns:a="http://schemas.openxmlformats.org/drawingml/2006/main" xmlns:r="http://schemas.openxmlformats.org/officeDocument/2006/relationships" xmlns:p="http://schemas.openxmlformats.org/presentationml/2006/main">
+  <p:cSld>
+    <p:spTree>
+      <p:nvGrpSpPr>
+        <p:cNvPr id="1" name=""/>
+        <p:cNvGrpSpPr/>
+        <p:nvPr/>
+      </p:nvGrpSpPr>
+      <p:grpSpPr>
+        <a:xfrm>
+          <a:off x="0" y="0"/>
+          <a:ext cx="0" cy="0"/>
+          <a:chOff x="0" y="0"/>
+          <a:chExt cx="0" cy="0"/>
+        </a:xfrm>
+      </p:grpSpPr>
+      <p:sp>
+        <p:nvSpPr>
+          <p:cNvPr id="17410" name="Rectangle 2"/>
+          <p:cNvSpPr>
+            <a:spLocks noGrp="1" noChangeArrowheads="1"/>
+          </p:cNvSpPr>
+          <p:nvPr>
+            <p:ph type="title"/>
+          </p:nvPr>
+        </p:nvSpPr>
+        <p:spPr/>
+        <p:txBody>
+          <a:bodyPr/>
+          <a:lstStyle/>
+          <a:p>
+            <a:r>
+              <a:rPr lang="en-US" dirty="0"/>
+              <a:t>Configuration- Azure Security Center</a:t>
+            </a:r>
+          </a:p>
+        </p:txBody>
+      </p:sp>
+      <p:sp>
+        <p:nvSpPr>
+          <p:cNvPr id="4" name="Slide Number Placeholder 3"/>
+          <p:cNvSpPr>
+            <a:spLocks noGrp="1"/>
+          </p:cNvSpPr>
+          <p:nvPr>
+            <p:ph type="sldNum" sz="quarter" idx="12"/>
+          </p:nvPr>
+        </p:nvSpPr>
+        <p:spPr/>
+        <p:txBody>
+          <a:bodyPr/>
+          <a:lstStyle/>
+          <a:p>
+            <a:fld id="{D92B6165-2E63-41A3-8905-D7634EBC6D44}" type="slidenum">
+              <a:rPr lang="en-US" smtClean="0"/>
+              <a:pPr/>
+              <a:t>41</a:t>
+            </a:fld>
+            <a:endParaRPr lang="en-US"/>
+          </a:p>
+        </p:txBody>
+      </p:sp>
+      <p:pic>
+        <p:nvPicPr>
+          <p:cNvPr id="3" name="Picture 2" descr="Graphical user interface, text, application, email&#10;&#10;Description automatically generated">
+            <a:extLst>
+              <a:ext uri="{FF2B5EF4-FFF2-40B4-BE49-F238E27FC236}">
+                <a16:creationId xmlns:a16="http://schemas.microsoft.com/office/drawing/2014/main" id="{29A3372D-89BA-42F5-A197-42068872DA4D}"/>
+              </a:ext>
+            </a:extLst>
+          </p:cNvPr>
+          <p:cNvPicPr>
+            <a:picLocks noChangeAspect="1"/>
+          </p:cNvPicPr>
+          <p:nvPr/>
+        </p:nvPicPr>
+        <p:blipFill>
+          <a:blip r:embed="rId3"/>
+          <a:stretch>
+            <a:fillRect/>
+          </a:stretch>
+        </p:blipFill>
+        <p:spPr>
+          <a:xfrm>
+            <a:off x="554037" y="1153743"/>
+            <a:ext cx="11080750" cy="4569563"/>
+          </a:xfrm>
+          <a:prstGeom prst="rect">
+            <a:avLst/>
+          </a:prstGeom>
+        </p:spPr>
+      </p:pic>
+    </p:spTree>
+    <p:extLst>
+      <p:ext uri="{BB962C8B-B14F-4D97-AF65-F5344CB8AC3E}">
+        <p14:creationId xmlns:p14="http://schemas.microsoft.com/office/powerpoint/2010/main" val="4157699469"/>
+      </p:ext>
+    </p:extLst>
+  </p:cSld>
+  <p:clrMapOvr>
+    <a:masterClrMapping/>
+  </p:clrMapOvr>
+  <mc:AlternateContent xmlns:mc="http://schemas.openxmlformats.org/markup-compatibility/2006" xmlns:p14="http://schemas.microsoft.com/office/powerpoint/2010/main">
+    <mc:Choice Requires="p14">
+      <p:transition spd="med" p14:dur="700">
+        <p:fade/>
+      </p:transition>
+    </mc:Choice>
+    <mc:Fallback xmlns="">
+      <p:transition spd="med">
+        <p:fade/>
+      </p:transition>
+    </mc:Fallback>
+  </mc:AlternateContent>
+</p:sld>
+</file>
+
+<file path=ppt/slides/slide42.xml><?xml version="1.0" encoding="utf-8"?>
+<p:sld xmlns:a="http://schemas.openxmlformats.org/drawingml/2006/main" xmlns:r="http://schemas.openxmlformats.org/officeDocument/2006/relationships" xmlns:p="http://schemas.openxmlformats.org/presentationml/2006/main">
+  <p:cSld>
+    <p:spTree>
+      <p:nvGrpSpPr>
+        <p:cNvPr id="1" name=""/>
+        <p:cNvGrpSpPr/>
+        <p:nvPr/>
+      </p:nvGrpSpPr>
+      <p:grpSpPr>
+        <a:xfrm>
+          <a:off x="0" y="0"/>
+          <a:ext cx="0" cy="0"/>
+          <a:chOff x="0" y="0"/>
+          <a:chExt cx="0" cy="0"/>
+        </a:xfrm>
+      </p:grpSpPr>
+      <p:sp>
+        <p:nvSpPr>
+          <p:cNvPr id="17410" name="Rectangle 2"/>
+          <p:cNvSpPr>
+            <a:spLocks noGrp="1" noChangeArrowheads="1"/>
+          </p:cNvSpPr>
+          <p:nvPr>
+            <p:ph type="title"/>
+          </p:nvPr>
+        </p:nvSpPr>
+        <p:spPr/>
+        <p:txBody>
+          <a:bodyPr/>
+          <a:lstStyle/>
+          <a:p>
+            <a:r>
+              <a:rPr lang="en-US" dirty="0"/>
+              <a:t>Configuration- Azure Security Centre</a:t>
+            </a:r>
+          </a:p>
+        </p:txBody>
+      </p:sp>
+      <p:sp>
+        <p:nvSpPr>
+          <p:cNvPr id="4" name="Slide Number Placeholder 3"/>
+          <p:cNvSpPr>
+            <a:spLocks noGrp="1"/>
+          </p:cNvSpPr>
+          <p:nvPr>
+            <p:ph type="sldNum" sz="quarter" idx="12"/>
+          </p:nvPr>
+        </p:nvSpPr>
+        <p:spPr/>
+        <p:txBody>
+          <a:bodyPr/>
+          <a:lstStyle/>
+          <a:p>
+            <a:fld id="{D92B6165-2E63-41A3-8905-D7634EBC6D44}" type="slidenum">
+              <a:rPr lang="en-US" smtClean="0"/>
+              <a:pPr/>
+              <a:t>42</a:t>
             </a:fld>
             <a:endParaRPr lang="en-US"/>
           </a:p>
@@ -44331,7 +44937,7 @@
 </p:sld>
 </file>
 
-<file path=ppt/slides/slide41.xml><?xml version="1.0" encoding="utf-8"?>
+<file path=ppt/slides/slide43.xml><?xml version="1.0" encoding="utf-8"?>
 <p:sld xmlns:a="http://schemas.openxmlformats.org/drawingml/2006/main" xmlns:r="http://schemas.openxmlformats.org/officeDocument/2006/relationships" xmlns:p="http://schemas.openxmlformats.org/presentationml/2006/main">
   <p:cSld>
     <p:spTree>
@@ -44393,7 +44999,7 @@
             <a:fld id="{D92B6165-2E63-41A3-8905-D7634EBC6D44}" type="slidenum">
               <a:rPr lang="en-US" smtClean="0"/>
               <a:pPr/>
-              <a:t>41</a:t>
+              <a:t>43</a:t>
             </a:fld>
             <a:endParaRPr lang="en-US"/>
           </a:p>
@@ -44471,7 +45077,7 @@
 </p:sld>
 </file>
 
-<file path=ppt/slides/slide42.xml><?xml version="1.0" encoding="utf-8"?>
+<file path=ppt/slides/slide44.xml><?xml version="1.0" encoding="utf-8"?>
 <p:sld xmlns:a="http://schemas.openxmlformats.org/drawingml/2006/main" xmlns:r="http://schemas.openxmlformats.org/officeDocument/2006/relationships" xmlns:p="http://schemas.openxmlformats.org/presentationml/2006/main">
   <p:cSld>
     <p:spTree>
@@ -44686,7 +45292,7 @@
             <a:fld id="{D92B6165-2E63-41A3-8905-D7634EBC6D44}" type="slidenum">
               <a:rPr lang="en-IN" smtClean="0"/>
               <a:pPr/>
-              <a:t>42</a:t>
+              <a:t>44</a:t>
             </a:fld>
             <a:endParaRPr lang="en-IN"/>
           </a:p>
@@ -46705,7 +47311,7 @@
 </p:sld>
 </file>
 
-<file path=ppt/slides/slide43.xml><?xml version="1.0" encoding="utf-8"?>
+<file path=ppt/slides/slide45.xml><?xml version="1.0" encoding="utf-8"?>
 <p:sld xmlns:a="http://schemas.openxmlformats.org/drawingml/2006/main" xmlns:r="http://schemas.openxmlformats.org/officeDocument/2006/relationships" xmlns:p="http://schemas.openxmlformats.org/presentationml/2006/main">
   <p:cSld>
     <p:spTree>
@@ -46762,7 +47368,7 @@
             <a:fld id="{D92B6165-2E63-41A3-8905-D7634EBC6D44}" type="slidenum">
               <a:rPr lang="en-US" smtClean="0"/>
               <a:pPr/>
-              <a:t>43</a:t>
+              <a:t>45</a:t>
             </a:fld>
             <a:endParaRPr lang="en-US"/>
           </a:p>
@@ -46876,7 +47482,7 @@
 </p:sld>
 </file>
 
-<file path=ppt/slides/slide44.xml><?xml version="1.0" encoding="utf-8"?>
+<file path=ppt/slides/slide46.xml><?xml version="1.0" encoding="utf-8"?>
 <p:sld xmlns:a="http://schemas.openxmlformats.org/drawingml/2006/main" xmlns:r="http://schemas.openxmlformats.org/officeDocument/2006/relationships" xmlns:p="http://schemas.openxmlformats.org/presentationml/2006/main">
   <p:cSld>
     <p:spTree>
@@ -46917,7 +47523,7 @@
             <a:fld id="{D92B6165-2E63-41A3-8905-D7634EBC6D44}" type="slidenum">
               <a:rPr lang="en-IN" smtClean="0"/>
               <a:pPr/>
-              <a:t>44</a:t>
+              <a:t>46</a:t>
             </a:fld>
             <a:endParaRPr lang="en-IN"/>
           </a:p>
@@ -46978,7 +47584,7 @@
 </p:sld>
 </file>
 
-<file path=ppt/slides/slide45.xml><?xml version="1.0" encoding="utf-8"?>
+<file path=ppt/slides/slide47.xml><?xml version="1.0" encoding="utf-8"?>
 <p:sld xmlns:a="http://schemas.openxmlformats.org/drawingml/2006/main" xmlns:r="http://schemas.openxmlformats.org/officeDocument/2006/relationships" xmlns:p="http://schemas.openxmlformats.org/presentationml/2006/main">
   <p:cSld>
     <p:spTree>
@@ -47019,7 +47625,7 @@
             <a:fld id="{D92B6165-2E63-41A3-8905-D7634EBC6D44}" type="slidenum">
               <a:rPr lang="en-IN" smtClean="0"/>
               <a:pPr/>
-              <a:t>45</a:t>
+              <a:t>47</a:t>
             </a:fld>
             <a:endParaRPr lang="en-IN"/>
           </a:p>
@@ -47080,7 +47686,7 @@
 </p:sld>
 </file>
 
-<file path=ppt/slides/slide46.xml><?xml version="1.0" encoding="utf-8"?>
+<file path=ppt/slides/slide48.xml><?xml version="1.0" encoding="utf-8"?>
 <p:sld xmlns:a="http://schemas.openxmlformats.org/drawingml/2006/main" xmlns:r="http://schemas.openxmlformats.org/officeDocument/2006/relationships" xmlns:p="http://schemas.openxmlformats.org/presentationml/2006/main">
   <p:cSld>
     <p:spTree>
@@ -47171,7 +47777,7 @@
                   <a:spcPts val="600"/>
                 </a:spcAft>
               </a:pPr>
-              <a:t>46</a:t>
+              <a:t>48</a:t>
             </a:fld>
             <a:endParaRPr lang="en-IN">
               <a:solidFill>
@@ -47206,7 +47812,7 @@
 </p:sld>
 </file>
 
-<file path=ppt/slides/slide47.xml><?xml version="1.0" encoding="utf-8"?>
+<file path=ppt/slides/slide49.xml><?xml version="1.0" encoding="utf-8"?>
 <p:sld xmlns:a="http://schemas.openxmlformats.org/drawingml/2006/main" xmlns:r="http://schemas.openxmlformats.org/officeDocument/2006/relationships" xmlns:p="http://schemas.openxmlformats.org/presentationml/2006/main">
   <p:cSld>
     <p:spTree>
@@ -47263,7 +47869,7 @@
             <a:fld id="{D92B6165-2E63-41A3-8905-D7634EBC6D44}" type="slidenum">
               <a:rPr lang="en-US" smtClean="0"/>
               <a:pPr/>
-              <a:t>47</a:t>
+              <a:t>49</a:t>
             </a:fld>
             <a:endParaRPr lang="en-US"/>
           </a:p>
@@ -47396,7 +48002,185 @@
 </p:sld>
 </file>
 
-<file path=ppt/slides/slide48.xml><?xml version="1.0" encoding="utf-8"?>
+<file path=ppt/slides/slide5.xml><?xml version="1.0" encoding="utf-8"?>
+<p:sld xmlns:a="http://schemas.openxmlformats.org/drawingml/2006/main" xmlns:r="http://schemas.openxmlformats.org/officeDocument/2006/relationships" xmlns:p="http://schemas.openxmlformats.org/presentationml/2006/main">
+  <p:cSld>
+    <p:spTree>
+      <p:nvGrpSpPr>
+        <p:cNvPr id="1" name=""/>
+        <p:cNvGrpSpPr/>
+        <p:nvPr/>
+      </p:nvGrpSpPr>
+      <p:grpSpPr>
+        <a:xfrm>
+          <a:off x="0" y="0"/>
+          <a:ext cx="0" cy="0"/>
+          <a:chOff x="0" y="0"/>
+          <a:chExt cx="0" cy="0"/>
+        </a:xfrm>
+      </p:grpSpPr>
+      <p:sp>
+        <p:nvSpPr>
+          <p:cNvPr id="17410" name="Rectangle 2"/>
+          <p:cNvSpPr>
+            <a:spLocks noGrp="1" noChangeArrowheads="1"/>
+          </p:cNvSpPr>
+          <p:nvPr>
+            <p:ph type="title"/>
+          </p:nvPr>
+        </p:nvSpPr>
+        <p:spPr/>
+        <p:txBody>
+          <a:bodyPr/>
+          <a:lstStyle/>
+          <a:p>
+            <a:r>
+              <a:rPr lang="en-US" dirty="0"/>
+              <a:t>Cloud Workload</a:t>
+            </a:r>
+          </a:p>
+        </p:txBody>
+      </p:sp>
+      <p:sp>
+        <p:nvSpPr>
+          <p:cNvPr id="4" name="Slide Number Placeholder 3"/>
+          <p:cNvSpPr>
+            <a:spLocks noGrp="1"/>
+          </p:cNvSpPr>
+          <p:nvPr>
+            <p:ph type="sldNum" sz="quarter" idx="12"/>
+          </p:nvPr>
+        </p:nvSpPr>
+        <p:spPr/>
+        <p:txBody>
+          <a:bodyPr/>
+          <a:lstStyle/>
+          <a:p>
+            <a:fld id="{D92B6165-2E63-41A3-8905-D7634EBC6D44}" type="slidenum">
+              <a:rPr lang="en-US" smtClean="0"/>
+              <a:pPr/>
+              <a:t>5</a:t>
+            </a:fld>
+            <a:endParaRPr lang="en-US"/>
+          </a:p>
+        </p:txBody>
+      </p:sp>
+      <p:sp>
+        <p:nvSpPr>
+          <p:cNvPr id="5" name="TextBox 4">
+            <a:extLst>
+              <a:ext uri="{FF2B5EF4-FFF2-40B4-BE49-F238E27FC236}">
+                <a16:creationId xmlns:a16="http://schemas.microsoft.com/office/drawing/2014/main" id="{0EC8F9EE-B5A1-4E73-BCCE-C06078EF4CA4}"/>
+              </a:ext>
+            </a:extLst>
+          </p:cNvPr>
+          <p:cNvSpPr txBox="1"/>
+          <p:nvPr/>
+        </p:nvSpPr>
+        <p:spPr>
+          <a:xfrm>
+            <a:off x="313291" y="866686"/>
+            <a:ext cx="11498742" cy="923330"/>
+          </a:xfrm>
+          <a:prstGeom prst="rect">
+            <a:avLst/>
+          </a:prstGeom>
+          <a:noFill/>
+        </p:spPr>
+        <p:txBody>
+          <a:bodyPr wrap="square">
+            <a:spAutoFit/>
+          </a:bodyPr>
+          <a:lstStyle/>
+          <a:p>
+            <a:pPr marL="285750" indent="-285750">
+              <a:buFont typeface="Arial" panose="020B0604020202020204" pitchFamily="34" charset="0"/>
+              <a:buChar char="•"/>
+            </a:pPr>
+            <a:r>
+              <a:rPr lang="en-US" dirty="0">
+                <a:solidFill>
+                  <a:schemeClr val="accent1"/>
+                </a:solidFill>
+                <a:latin typeface="Decimal-Book"/>
+              </a:rPr>
+              <a:t>Virtual Machines</a:t>
+            </a:r>
+          </a:p>
+          <a:p>
+            <a:pPr marL="285750" indent="-285750">
+              <a:buFont typeface="Arial" panose="020B0604020202020204" pitchFamily="34" charset="0"/>
+              <a:buChar char="•"/>
+            </a:pPr>
+            <a:r>
+              <a:rPr lang="en-US" b="0" i="0" dirty="0">
+                <a:solidFill>
+                  <a:schemeClr val="accent1"/>
+                </a:solidFill>
+                <a:effectLst/>
+                <a:latin typeface="Decimal-Book"/>
+              </a:rPr>
+              <a:t>Containers</a:t>
+            </a:r>
+          </a:p>
+          <a:p>
+            <a:pPr marL="285750" indent="-285750">
+              <a:buFont typeface="Arial" panose="020B0604020202020204" pitchFamily="34" charset="0"/>
+              <a:buChar char="•"/>
+            </a:pPr>
+            <a:r>
+              <a:rPr lang="en-US" dirty="0">
+                <a:solidFill>
+                  <a:schemeClr val="accent1"/>
+                </a:solidFill>
+                <a:latin typeface="Decimal-Book"/>
+              </a:rPr>
+              <a:t>Serverless </a:t>
+            </a:r>
+            <a:r>
+              <a:rPr lang="en-US" b="0" i="0" dirty="0">
+                <a:solidFill>
+                  <a:schemeClr val="accent1"/>
+                </a:solidFill>
+                <a:effectLst/>
+                <a:latin typeface="Decimal-Book"/>
+              </a:rPr>
+              <a:t>. </a:t>
+            </a:r>
+            <a:endParaRPr lang="en-IN" dirty="0">
+              <a:solidFill>
+                <a:schemeClr val="accent1"/>
+              </a:solidFill>
+            </a:endParaRPr>
+          </a:p>
+        </p:txBody>
+      </p:sp>
+    </p:spTree>
+    <p:extLst>
+      <p:ext uri="{BB962C8B-B14F-4D97-AF65-F5344CB8AC3E}">
+        <p14:creationId xmlns:p14="http://schemas.microsoft.com/office/powerpoint/2010/main" val="3151152752"/>
+      </p:ext>
+    </p:extLst>
+  </p:cSld>
+  <p:clrMapOvr>
+    <a:masterClrMapping/>
+  </p:clrMapOvr>
+  <mc:AlternateContent xmlns:mc="http://schemas.openxmlformats.org/markup-compatibility/2006" xmlns:p14="http://schemas.microsoft.com/office/powerpoint/2010/main">
+    <mc:Choice Requires="p14">
+      <p:transition spd="med" p14:dur="700">
+        <p:fade/>
+      </p:transition>
+    </mc:Choice>
+    <mc:Fallback xmlns="">
+      <p:transition spd="med">
+        <p:fade/>
+      </p:transition>
+    </mc:Fallback>
+  </mc:AlternateContent>
+</p:sld>
+</file>
+
+<file path=ppt/slides/slide50.xml><?xml version="1.0" encoding="utf-8"?>
 <p:sld xmlns:a="http://schemas.openxmlformats.org/drawingml/2006/main" xmlns:r="http://schemas.openxmlformats.org/officeDocument/2006/relationships" xmlns:p="http://schemas.openxmlformats.org/presentationml/2006/main">
   <p:cSld>
     <p:spTree>
@@ -47458,7 +48242,7 @@
             <a:fld id="{D92B6165-2E63-41A3-8905-D7634EBC6D44}" type="slidenum">
               <a:rPr lang="en-US" smtClean="0"/>
               <a:pPr/>
-              <a:t>48</a:t>
+              <a:t>50</a:t>
             </a:fld>
             <a:endParaRPr lang="en-US"/>
           </a:p>
@@ -47519,7 +48303,7 @@
 </p:sld>
 </file>
 
-<file path=ppt/slides/slide49.xml><?xml version="1.0" encoding="utf-8"?>
+<file path=ppt/slides/slide51.xml><?xml version="1.0" encoding="utf-8"?>
 <p:sld xmlns:a="http://schemas.openxmlformats.org/drawingml/2006/main" xmlns:r="http://schemas.openxmlformats.org/officeDocument/2006/relationships" xmlns:p="http://schemas.openxmlformats.org/presentationml/2006/main">
   <p:cSld>
     <p:spTree>
@@ -47581,7 +48365,7 @@
             <a:fld id="{D92B6165-2E63-41A3-8905-D7634EBC6D44}" type="slidenum">
               <a:rPr lang="en-US" smtClean="0"/>
               <a:pPr/>
-              <a:t>49</a:t>
+              <a:t>51</a:t>
             </a:fld>
             <a:endParaRPr lang="en-US"/>
           </a:p>
@@ -47678,624 +48462,6 @@
 </p:sld>
 </file>
 
-<file path=ppt/slides/slide5.xml><?xml version="1.0" encoding="utf-8"?>
-<p:sld xmlns:a="http://schemas.openxmlformats.org/drawingml/2006/main" xmlns:r="http://schemas.openxmlformats.org/officeDocument/2006/relationships" xmlns:p="http://schemas.openxmlformats.org/presentationml/2006/main">
-  <p:cSld>
-    <p:spTree>
-      <p:nvGrpSpPr>
-        <p:cNvPr id="1" name=""/>
-        <p:cNvGrpSpPr/>
-        <p:nvPr/>
-      </p:nvGrpSpPr>
-      <p:grpSpPr>
-        <a:xfrm>
-          <a:off x="0" y="0"/>
-          <a:ext cx="0" cy="0"/>
-          <a:chOff x="0" y="0"/>
-          <a:chExt cx="0" cy="0"/>
-        </a:xfrm>
-      </p:grpSpPr>
-      <p:sp>
-        <p:nvSpPr>
-          <p:cNvPr id="17410" name="Rectangle 2"/>
-          <p:cNvSpPr>
-            <a:spLocks noGrp="1" noChangeArrowheads="1"/>
-          </p:cNvSpPr>
-          <p:nvPr>
-            <p:ph type="title"/>
-          </p:nvPr>
-        </p:nvSpPr>
-        <p:spPr/>
-        <p:txBody>
-          <a:bodyPr/>
-          <a:lstStyle/>
-          <a:p>
-            <a:r>
-              <a:rPr lang="en-US" dirty="0"/>
-              <a:t>Cloud Workload</a:t>
-            </a:r>
-          </a:p>
-        </p:txBody>
-      </p:sp>
-      <p:sp>
-        <p:nvSpPr>
-          <p:cNvPr id="4" name="Slide Number Placeholder 3"/>
-          <p:cNvSpPr>
-            <a:spLocks noGrp="1"/>
-          </p:cNvSpPr>
-          <p:nvPr>
-            <p:ph type="sldNum" sz="quarter" idx="12"/>
-          </p:nvPr>
-        </p:nvSpPr>
-        <p:spPr/>
-        <p:txBody>
-          <a:bodyPr/>
-          <a:lstStyle/>
-          <a:p>
-            <a:fld id="{D92B6165-2E63-41A3-8905-D7634EBC6D44}" type="slidenum">
-              <a:rPr lang="en-US" smtClean="0"/>
-              <a:pPr/>
-              <a:t>5</a:t>
-            </a:fld>
-            <a:endParaRPr lang="en-US"/>
-          </a:p>
-        </p:txBody>
-      </p:sp>
-      <p:sp>
-        <p:nvSpPr>
-          <p:cNvPr id="5" name="TextBox 4">
-            <a:extLst>
-              <a:ext uri="{FF2B5EF4-FFF2-40B4-BE49-F238E27FC236}">
-                <a16:creationId xmlns:a16="http://schemas.microsoft.com/office/drawing/2014/main" id="{0EC8F9EE-B5A1-4E73-BCCE-C06078EF4CA4}"/>
-              </a:ext>
-            </a:extLst>
-          </p:cNvPr>
-          <p:cNvSpPr txBox="1"/>
-          <p:nvPr/>
-        </p:nvSpPr>
-        <p:spPr>
-          <a:xfrm>
-            <a:off x="313291" y="866686"/>
-            <a:ext cx="11498742" cy="923330"/>
-          </a:xfrm>
-          <a:prstGeom prst="rect">
-            <a:avLst/>
-          </a:prstGeom>
-          <a:noFill/>
-        </p:spPr>
-        <p:txBody>
-          <a:bodyPr wrap="square">
-            <a:spAutoFit/>
-          </a:bodyPr>
-          <a:lstStyle/>
-          <a:p>
-            <a:pPr marL="285750" indent="-285750">
-              <a:buFont typeface="Arial" panose="020B0604020202020204" pitchFamily="34" charset="0"/>
-              <a:buChar char="•"/>
-            </a:pPr>
-            <a:r>
-              <a:rPr lang="en-US" dirty="0">
-                <a:solidFill>
-                  <a:schemeClr val="accent1"/>
-                </a:solidFill>
-                <a:latin typeface="Decimal-Book"/>
-              </a:rPr>
-              <a:t>Virtual Machines</a:t>
-            </a:r>
-          </a:p>
-          <a:p>
-            <a:pPr marL="285750" indent="-285750">
-              <a:buFont typeface="Arial" panose="020B0604020202020204" pitchFamily="34" charset="0"/>
-              <a:buChar char="•"/>
-            </a:pPr>
-            <a:r>
-              <a:rPr lang="en-US" b="0" i="0" dirty="0">
-                <a:solidFill>
-                  <a:schemeClr val="accent1"/>
-                </a:solidFill>
-                <a:effectLst/>
-                <a:latin typeface="Decimal-Book"/>
-              </a:rPr>
-              <a:t>Containers</a:t>
-            </a:r>
-          </a:p>
-          <a:p>
-            <a:pPr marL="285750" indent="-285750">
-              <a:buFont typeface="Arial" panose="020B0604020202020204" pitchFamily="34" charset="0"/>
-              <a:buChar char="•"/>
-            </a:pPr>
-            <a:r>
-              <a:rPr lang="en-US" dirty="0">
-                <a:solidFill>
-                  <a:schemeClr val="accent1"/>
-                </a:solidFill>
-                <a:latin typeface="Decimal-Book"/>
-              </a:rPr>
-              <a:t>Serverless </a:t>
-            </a:r>
-            <a:r>
-              <a:rPr lang="en-US" b="0" i="0" dirty="0">
-                <a:solidFill>
-                  <a:schemeClr val="accent1"/>
-                </a:solidFill>
-                <a:effectLst/>
-                <a:latin typeface="Decimal-Book"/>
-              </a:rPr>
-              <a:t>. </a:t>
-            </a:r>
-            <a:endParaRPr lang="en-IN" dirty="0">
-              <a:solidFill>
-                <a:schemeClr val="accent1"/>
-              </a:solidFill>
-            </a:endParaRPr>
-          </a:p>
-        </p:txBody>
-      </p:sp>
-    </p:spTree>
-    <p:extLst>
-      <p:ext uri="{BB962C8B-B14F-4D97-AF65-F5344CB8AC3E}">
-        <p14:creationId xmlns:p14="http://schemas.microsoft.com/office/powerpoint/2010/main" val="3151152752"/>
-      </p:ext>
-    </p:extLst>
-  </p:cSld>
-  <p:clrMapOvr>
-    <a:masterClrMapping/>
-  </p:clrMapOvr>
-  <mc:AlternateContent xmlns:mc="http://schemas.openxmlformats.org/markup-compatibility/2006" xmlns:p14="http://schemas.microsoft.com/office/powerpoint/2010/main">
-    <mc:Choice Requires="p14">
-      <p:transition spd="med" p14:dur="700">
-        <p:fade/>
-      </p:transition>
-    </mc:Choice>
-    <mc:Fallback xmlns="">
-      <p:transition spd="med">
-        <p:fade/>
-      </p:transition>
-    </mc:Fallback>
-  </mc:AlternateContent>
-</p:sld>
-</file>
-
-<file path=ppt/slides/slide50.xml><?xml version="1.0" encoding="utf-8"?>
-<p:sld xmlns:a="http://schemas.openxmlformats.org/drawingml/2006/main" xmlns:r="http://schemas.openxmlformats.org/officeDocument/2006/relationships" xmlns:p="http://schemas.openxmlformats.org/presentationml/2006/main">
-  <p:cSld>
-    <p:spTree>
-      <p:nvGrpSpPr>
-        <p:cNvPr id="1" name=""/>
-        <p:cNvGrpSpPr/>
-        <p:nvPr/>
-      </p:nvGrpSpPr>
-      <p:grpSpPr>
-        <a:xfrm>
-          <a:off x="0" y="0"/>
-          <a:ext cx="0" cy="0"/>
-          <a:chOff x="0" y="0"/>
-          <a:chExt cx="0" cy="0"/>
-        </a:xfrm>
-      </p:grpSpPr>
-      <p:sp>
-        <p:nvSpPr>
-          <p:cNvPr id="17410" name="Rectangle 2"/>
-          <p:cNvSpPr>
-            <a:spLocks noGrp="1" noChangeArrowheads="1"/>
-          </p:cNvSpPr>
-          <p:nvPr>
-            <p:ph type="title"/>
-          </p:nvPr>
-        </p:nvSpPr>
-        <p:spPr/>
-        <p:txBody>
-          <a:bodyPr/>
-          <a:lstStyle/>
-          <a:p>
-            <a:r>
-              <a:rPr lang="en-US" dirty="0"/>
-              <a:t>Prisma- Use Case- AWS Host</a:t>
-            </a:r>
-          </a:p>
-        </p:txBody>
-      </p:sp>
-      <p:sp>
-        <p:nvSpPr>
-          <p:cNvPr id="4" name="Slide Number Placeholder 3"/>
-          <p:cNvSpPr>
-            <a:spLocks noGrp="1"/>
-          </p:cNvSpPr>
-          <p:nvPr>
-            <p:ph type="sldNum" sz="quarter" idx="12"/>
-          </p:nvPr>
-        </p:nvSpPr>
-        <p:spPr/>
-        <p:txBody>
-          <a:bodyPr/>
-          <a:lstStyle/>
-          <a:p>
-            <a:fld id="{D92B6165-2E63-41A3-8905-D7634EBC6D44}" type="slidenum">
-              <a:rPr lang="en-US" smtClean="0"/>
-              <a:pPr/>
-              <a:t>50</a:t>
-            </a:fld>
-            <a:endParaRPr lang="en-US"/>
-          </a:p>
-        </p:txBody>
-      </p:sp>
-      <p:sp>
-        <p:nvSpPr>
-          <p:cNvPr id="6" name="TextBox 5">
-            <a:extLst>
-              <a:ext uri="{FF2B5EF4-FFF2-40B4-BE49-F238E27FC236}">
-                <a16:creationId xmlns:a16="http://schemas.microsoft.com/office/drawing/2014/main" id="{7E149B81-9EAE-4CD0-9E8C-3D85A9FCE9D8}"/>
-              </a:ext>
-            </a:extLst>
-          </p:cNvPr>
-          <p:cNvSpPr txBox="1"/>
-          <p:nvPr/>
-        </p:nvSpPr>
-        <p:spPr>
-          <a:xfrm>
-            <a:off x="318235" y="1649710"/>
-            <a:ext cx="11879380" cy="2246769"/>
-          </a:xfrm>
-          <a:prstGeom prst="rect">
-            <a:avLst/>
-          </a:prstGeom>
-          <a:noFill/>
-        </p:spPr>
-        <p:txBody>
-          <a:bodyPr wrap="square">
-            <a:spAutoFit/>
-          </a:bodyPr>
-          <a:lstStyle/>
-          <a:p>
-            <a:r>
-              <a:rPr lang="en-GB" b="0" i="0" dirty="0">
-                <a:solidFill>
-                  <a:srgbClr val="141414"/>
-                </a:solidFill>
-                <a:effectLst/>
-                <a:latin typeface="HCo Decimal"/>
-              </a:rPr>
-              <a:t>Detection for:</a:t>
-            </a:r>
-          </a:p>
-          <a:p>
-            <a:pPr marL="1657350" lvl="3" indent="-285750">
-              <a:buFont typeface="Arial" panose="020B0604020202020204" pitchFamily="34" charset="0"/>
-              <a:buChar char="•"/>
-            </a:pPr>
-            <a:r>
-              <a:rPr lang="en-GB" dirty="0">
-                <a:solidFill>
-                  <a:srgbClr val="141414"/>
-                </a:solidFill>
-                <a:latin typeface="HCo Decimal"/>
-              </a:rPr>
-              <a:t>M</a:t>
-            </a:r>
-            <a:r>
-              <a:rPr lang="en-GB" b="0" i="0" dirty="0">
-                <a:solidFill>
-                  <a:srgbClr val="141414"/>
-                </a:solidFill>
-                <a:effectLst/>
-                <a:latin typeface="HCo Decimal"/>
-              </a:rPr>
-              <a:t>alware </a:t>
-            </a:r>
-          </a:p>
-          <a:p>
-            <a:pPr marL="1657350" lvl="3" indent="-285750">
-              <a:buFont typeface="Arial" panose="020B0604020202020204" pitchFamily="34" charset="0"/>
-              <a:buChar char="•"/>
-            </a:pPr>
-            <a:r>
-              <a:rPr lang="en-GB" dirty="0">
-                <a:solidFill>
-                  <a:srgbClr val="141414"/>
-                </a:solidFill>
-                <a:latin typeface="HCo Decimal"/>
-              </a:rPr>
-              <a:t>N</a:t>
-            </a:r>
-            <a:r>
-              <a:rPr lang="en-GB" b="0" i="0" dirty="0">
-                <a:solidFill>
-                  <a:srgbClr val="141414"/>
-                </a:solidFill>
-                <a:effectLst/>
-                <a:latin typeface="HCo Decimal"/>
-              </a:rPr>
-              <a:t>etwork</a:t>
-            </a:r>
-          </a:p>
-          <a:p>
-            <a:pPr marL="1657350" lvl="3" indent="-285750">
-              <a:buFont typeface="Arial" panose="020B0604020202020204" pitchFamily="34" charset="0"/>
-              <a:buChar char="•"/>
-            </a:pPr>
-            <a:r>
-              <a:rPr lang="en-GB" dirty="0">
-                <a:solidFill>
-                  <a:srgbClr val="141414"/>
-                </a:solidFill>
-                <a:latin typeface="HCo Decimal"/>
-              </a:rPr>
-              <a:t>L</a:t>
-            </a:r>
-            <a:r>
-              <a:rPr lang="en-GB" b="0" i="0" dirty="0">
-                <a:solidFill>
-                  <a:srgbClr val="141414"/>
-                </a:solidFill>
-                <a:effectLst/>
-                <a:latin typeface="HCo Decimal"/>
-              </a:rPr>
-              <a:t>og inspection</a:t>
-            </a:r>
-          </a:p>
-          <a:p>
-            <a:pPr marL="1657350" lvl="3" indent="-285750">
-              <a:buFont typeface="Arial" panose="020B0604020202020204" pitchFamily="34" charset="0"/>
-              <a:buChar char="•"/>
-            </a:pPr>
-            <a:r>
-              <a:rPr lang="en-GB" dirty="0">
-                <a:solidFill>
-                  <a:srgbClr val="141414"/>
-                </a:solidFill>
-                <a:latin typeface="HCo Decimal"/>
-              </a:rPr>
-              <a:t>F</a:t>
-            </a:r>
-            <a:r>
-              <a:rPr lang="en-GB" b="0" i="0" dirty="0">
-                <a:solidFill>
-                  <a:srgbClr val="141414"/>
-                </a:solidFill>
-                <a:effectLst/>
-                <a:latin typeface="HCo Decimal"/>
-              </a:rPr>
-              <a:t>ile integrity</a:t>
-            </a:r>
-          </a:p>
-          <a:p>
-            <a:pPr marL="1657350" lvl="3" indent="-285750">
-              <a:buFont typeface="Arial" panose="020B0604020202020204" pitchFamily="34" charset="0"/>
-              <a:buChar char="•"/>
-            </a:pPr>
-            <a:r>
-              <a:rPr lang="en-GB" dirty="0">
-                <a:solidFill>
-                  <a:srgbClr val="141414"/>
-                </a:solidFill>
-                <a:latin typeface="HCo Decimal"/>
-              </a:rPr>
-              <a:t>A</a:t>
-            </a:r>
-            <a:r>
-              <a:rPr lang="en-GB" b="0" i="0" dirty="0">
-                <a:solidFill>
-                  <a:srgbClr val="141414"/>
-                </a:solidFill>
-                <a:effectLst/>
-                <a:latin typeface="HCo Decimal"/>
-              </a:rPr>
-              <a:t>ctivities and custom events</a:t>
-            </a:r>
-          </a:p>
-          <a:p>
-            <a:pPr lvl="3"/>
-            <a:r>
-              <a:rPr lang="en-GB" dirty="0">
-                <a:solidFill>
-                  <a:srgbClr val="141414"/>
-                </a:solidFill>
-                <a:latin typeface="HCo Decimal"/>
-              </a:rPr>
-              <a:t>H</a:t>
-            </a:r>
-            <a:r>
-              <a:rPr lang="en-GB" b="0" i="0" dirty="0">
-                <a:solidFill>
-                  <a:srgbClr val="141414"/>
-                </a:solidFill>
-                <a:effectLst/>
-                <a:latin typeface="HCo Decimal"/>
-              </a:rPr>
-              <a:t>ost protection has all capability. This is continuously reporting/ up-to-date context for your hosts.</a:t>
-            </a:r>
-          </a:p>
-          <a:p>
-            <a:r>
-              <a:rPr lang="en-IN" sz="1400" dirty="0">
-                <a:solidFill>
-                  <a:srgbClr val="00B0F0"/>
-                </a:solidFill>
-              </a:rPr>
-              <a:t>https://docs.paloaltonetworks.com/prisma/prisma-cloud/prisma-cloud-admin-compute/runtime_defense/runtime_defense_hosts.html</a:t>
-            </a:r>
-          </a:p>
-        </p:txBody>
-      </p:sp>
-    </p:spTree>
-    <p:extLst>
-      <p:ext uri="{BB962C8B-B14F-4D97-AF65-F5344CB8AC3E}">
-        <p14:creationId xmlns:p14="http://schemas.microsoft.com/office/powerpoint/2010/main" val="405271297"/>
-      </p:ext>
-    </p:extLst>
-  </p:cSld>
-  <p:clrMapOvr>
-    <a:masterClrMapping/>
-  </p:clrMapOvr>
-  <mc:AlternateContent xmlns:mc="http://schemas.openxmlformats.org/markup-compatibility/2006" xmlns:p14="http://schemas.microsoft.com/office/powerpoint/2010/main">
-    <mc:Choice Requires="p14">
-      <p:transition spd="med" p14:dur="700">
-        <p:fade/>
-      </p:transition>
-    </mc:Choice>
-    <mc:Fallback xmlns="">
-      <p:transition spd="med">
-        <p:fade/>
-      </p:transition>
-    </mc:Fallback>
-  </mc:AlternateContent>
-</p:sld>
-</file>
-
-<file path=ppt/slides/slide51.xml><?xml version="1.0" encoding="utf-8"?>
-<p:sld xmlns:a="http://schemas.openxmlformats.org/drawingml/2006/main" xmlns:r="http://schemas.openxmlformats.org/officeDocument/2006/relationships" xmlns:p="http://schemas.openxmlformats.org/presentationml/2006/main">
-  <p:cSld>
-    <p:spTree>
-      <p:nvGrpSpPr>
-        <p:cNvPr id="1" name=""/>
-        <p:cNvGrpSpPr/>
-        <p:nvPr/>
-      </p:nvGrpSpPr>
-      <p:grpSpPr>
-        <a:xfrm>
-          <a:off x="0" y="0"/>
-          <a:ext cx="0" cy="0"/>
-          <a:chOff x="0" y="0"/>
-          <a:chExt cx="0" cy="0"/>
-        </a:xfrm>
-      </p:grpSpPr>
-      <p:sp>
-        <p:nvSpPr>
-          <p:cNvPr id="17410" name="Rectangle 2"/>
-          <p:cNvSpPr>
-            <a:spLocks noGrp="1" noChangeArrowheads="1"/>
-          </p:cNvSpPr>
-          <p:nvPr>
-            <p:ph type="title"/>
-          </p:nvPr>
-        </p:nvSpPr>
-        <p:spPr/>
-        <p:txBody>
-          <a:bodyPr/>
-          <a:lstStyle/>
-          <a:p>
-            <a:r>
-              <a:rPr lang="en-US" dirty="0"/>
-              <a:t>Prisma- Use Case- AWS Fargate</a:t>
-            </a:r>
-          </a:p>
-        </p:txBody>
-      </p:sp>
-      <p:sp>
-        <p:nvSpPr>
-          <p:cNvPr id="4" name="Slide Number Placeholder 3"/>
-          <p:cNvSpPr>
-            <a:spLocks noGrp="1"/>
-          </p:cNvSpPr>
-          <p:nvPr>
-            <p:ph type="sldNum" sz="quarter" idx="12"/>
-          </p:nvPr>
-        </p:nvSpPr>
-        <p:spPr/>
-        <p:txBody>
-          <a:bodyPr/>
-          <a:lstStyle/>
-          <a:p>
-            <a:fld id="{D92B6165-2E63-41A3-8905-D7634EBC6D44}" type="slidenum">
-              <a:rPr lang="en-US" smtClean="0"/>
-              <a:pPr/>
-              <a:t>51</a:t>
-            </a:fld>
-            <a:endParaRPr lang="en-US"/>
-          </a:p>
-        </p:txBody>
-      </p:sp>
-      <p:sp>
-        <p:nvSpPr>
-          <p:cNvPr id="6" name="TextBox 5">
-            <a:extLst>
-              <a:ext uri="{FF2B5EF4-FFF2-40B4-BE49-F238E27FC236}">
-                <a16:creationId xmlns:a16="http://schemas.microsoft.com/office/drawing/2014/main" id="{7E149B81-9EAE-4CD0-9E8C-3D85A9FCE9D8}"/>
-              </a:ext>
-            </a:extLst>
-          </p:cNvPr>
-          <p:cNvSpPr txBox="1"/>
-          <p:nvPr/>
-        </p:nvSpPr>
-        <p:spPr>
-          <a:xfrm>
-            <a:off x="318235" y="1649710"/>
-            <a:ext cx="11879380" cy="646331"/>
-          </a:xfrm>
-          <a:prstGeom prst="rect">
-            <a:avLst/>
-          </a:prstGeom>
-          <a:noFill/>
-        </p:spPr>
-        <p:txBody>
-          <a:bodyPr wrap="square">
-            <a:spAutoFit/>
-          </a:bodyPr>
-          <a:lstStyle/>
-          <a:p>
-            <a:pPr marL="285750" indent="-285750">
-              <a:buFont typeface="Arial" panose="020B0604020202020204" pitchFamily="34" charset="0"/>
-              <a:buChar char="•"/>
-            </a:pPr>
-            <a:r>
-              <a:rPr lang="en-US" b="0" i="0" dirty="0">
-                <a:solidFill>
-                  <a:srgbClr val="141414"/>
-                </a:solidFill>
-                <a:effectLst/>
-                <a:latin typeface="HCo Decimal"/>
-              </a:rPr>
-              <a:t>Verification of launched processes</a:t>
-            </a:r>
-          </a:p>
-          <a:p>
-            <a:pPr marL="285750" indent="-285750">
-              <a:buFont typeface="Arial" panose="020B0604020202020204" pitchFamily="34" charset="0"/>
-              <a:buChar char="•"/>
-            </a:pPr>
-            <a:r>
-              <a:rPr lang="en-US" b="0" i="0" dirty="0">
-                <a:solidFill>
-                  <a:srgbClr val="141414"/>
-                </a:solidFill>
-                <a:effectLst/>
-                <a:latin typeface="HCo Decimal"/>
-              </a:rPr>
-              <a:t>Verification of domain name resolution, and inbound and outbound network connections.</a:t>
-            </a:r>
-            <a:endParaRPr lang="en-IN" sz="1400" dirty="0">
-              <a:solidFill>
-                <a:srgbClr val="00B0F0"/>
-              </a:solidFill>
-            </a:endParaRPr>
-          </a:p>
-        </p:txBody>
-      </p:sp>
-    </p:spTree>
-    <p:extLst>
-      <p:ext uri="{BB962C8B-B14F-4D97-AF65-F5344CB8AC3E}">
-        <p14:creationId xmlns:p14="http://schemas.microsoft.com/office/powerpoint/2010/main" val="3603619952"/>
-      </p:ext>
-    </p:extLst>
-  </p:cSld>
-  <p:clrMapOvr>
-    <a:masterClrMapping/>
-  </p:clrMapOvr>
-  <mc:AlternateContent xmlns:mc="http://schemas.openxmlformats.org/markup-compatibility/2006" xmlns:p14="http://schemas.microsoft.com/office/powerpoint/2010/main">
-    <mc:Choice Requires="p14">
-      <p:transition spd="med" p14:dur="700">
-        <p:fade/>
-      </p:transition>
-    </mc:Choice>
-    <mc:Fallback xmlns="">
-      <p:transition spd="med">
-        <p:fade/>
-      </p:transition>
-    </mc:Fallback>
-  </mc:AlternateContent>
-</p:sld>
-</file>
-
 <file path=ppt/slides/slide52.xml><?xml version="1.0" encoding="utf-8"?>
 <p:sld xmlns:a="http://schemas.openxmlformats.org/drawingml/2006/main" xmlns:r="http://schemas.openxmlformats.org/officeDocument/2006/relationships" xmlns:p="http://schemas.openxmlformats.org/presentationml/2006/main">
   <p:cSld>
@@ -48330,7 +48496,7 @@
           <a:p>
             <a:r>
               <a:rPr lang="en-US" dirty="0"/>
-              <a:t>Prisma- Use Case- AWS Containers</a:t>
+              <a:t>Prisma- Use Case- AWS Host</a:t>
             </a:r>
           </a:p>
         </p:txBody>
@@ -48374,7 +48540,7 @@
         <p:spPr>
           <a:xfrm>
             <a:off x="318235" y="1649710"/>
-            <a:ext cx="11879380" cy="1200329"/>
+            <a:ext cx="11879380" cy="2246769"/>
           </a:xfrm>
           <a:prstGeom prst="rect">
             <a:avLst/>
@@ -48387,57 +48553,180 @@
           </a:bodyPr>
           <a:lstStyle/>
           <a:p>
-            <a:pPr marL="285750" indent="-285750">
-              <a:buFont typeface="Arial" panose="020B0604020202020204" pitchFamily="34" charset="0"/>
-              <a:buChar char="•"/>
-            </a:pPr>
             <a:r>
-              <a:rPr lang="en-US" dirty="0">
-                <a:solidFill>
-                  <a:srgbClr val="141414"/>
-                </a:solidFill>
-                <a:latin typeface="HCo Decimal"/>
-              </a:rPr>
-              <a:t>P</a:t>
-            </a:r>
-            <a:r>
-              <a:rPr lang="en-US" b="0" i="0" dirty="0">
+              <a:rPr lang="en-GB" b="0" i="0" dirty="0">
                 <a:solidFill>
                   <a:srgbClr val="141414"/>
                 </a:solidFill>
                 <a:effectLst/>
                 <a:latin typeface="HCo Decimal"/>
               </a:rPr>
-              <a:t>redictive protection capabilities like determining when a container runs a process not included in the origin image or creates an unexpected network socket. </a:t>
+              <a:t>Detection for:</a:t>
             </a:r>
           </a:p>
           <a:p>
-            <a:pPr marL="285750" indent="-285750">
+            <a:pPr marL="1657350" lvl="3" indent="-285750">
               <a:buFont typeface="Arial" panose="020B0604020202020204" pitchFamily="34" charset="0"/>
               <a:buChar char="•"/>
             </a:pPr>
             <a:r>
-              <a:rPr lang="en-US" b="0" i="0" dirty="0">
+              <a:rPr lang="en-GB" dirty="0">
+                <a:solidFill>
+                  <a:srgbClr val="141414"/>
+                </a:solidFill>
+                <a:latin typeface="HCo Decimal"/>
+              </a:rPr>
+              <a:t>M</a:t>
+            </a:r>
+            <a:r>
+              <a:rPr lang="en-GB" b="0" i="0" dirty="0">
                 <a:solidFill>
                   <a:srgbClr val="141414"/>
                 </a:solidFill>
                 <a:effectLst/>
                 <a:latin typeface="HCo Decimal"/>
               </a:rPr>
-              <a:t>Threat based protection capabilities like detecting when malware is added to a container or when a container connects to a botnet.</a:t>
+              <a:t>alware </a:t>
             </a:r>
-            <a:endParaRPr lang="en-IN" sz="1400" dirty="0">
-              <a:solidFill>
-                <a:srgbClr val="00B0F0"/>
-              </a:solidFill>
-            </a:endParaRPr>
+          </a:p>
+          <a:p>
+            <a:pPr marL="1657350" lvl="3" indent="-285750">
+              <a:buFont typeface="Arial" panose="020B0604020202020204" pitchFamily="34" charset="0"/>
+              <a:buChar char="•"/>
+            </a:pPr>
+            <a:r>
+              <a:rPr lang="en-GB" dirty="0">
+                <a:solidFill>
+                  <a:srgbClr val="141414"/>
+                </a:solidFill>
+                <a:latin typeface="HCo Decimal"/>
+              </a:rPr>
+              <a:t>N</a:t>
+            </a:r>
+            <a:r>
+              <a:rPr lang="en-GB" b="0" i="0" dirty="0">
+                <a:solidFill>
+                  <a:srgbClr val="141414"/>
+                </a:solidFill>
+                <a:effectLst/>
+                <a:latin typeface="HCo Decimal"/>
+              </a:rPr>
+              <a:t>etwork</a:t>
+            </a:r>
+          </a:p>
+          <a:p>
+            <a:pPr marL="1657350" lvl="3" indent="-285750">
+              <a:buFont typeface="Arial" panose="020B0604020202020204" pitchFamily="34" charset="0"/>
+              <a:buChar char="•"/>
+            </a:pPr>
+            <a:r>
+              <a:rPr lang="en-GB" dirty="0">
+                <a:solidFill>
+                  <a:srgbClr val="141414"/>
+                </a:solidFill>
+                <a:latin typeface="HCo Decimal"/>
+              </a:rPr>
+              <a:t>L</a:t>
+            </a:r>
+            <a:r>
+              <a:rPr lang="en-GB" b="0" i="0" dirty="0">
+                <a:solidFill>
+                  <a:srgbClr val="141414"/>
+                </a:solidFill>
+                <a:effectLst/>
+                <a:latin typeface="HCo Decimal"/>
+              </a:rPr>
+              <a:t>og inspection</a:t>
+            </a:r>
+          </a:p>
+          <a:p>
+            <a:pPr marL="1657350" lvl="3" indent="-285750">
+              <a:buFont typeface="Arial" panose="020B0604020202020204" pitchFamily="34" charset="0"/>
+              <a:buChar char="•"/>
+            </a:pPr>
+            <a:r>
+              <a:rPr lang="en-GB" dirty="0">
+                <a:solidFill>
+                  <a:srgbClr val="141414"/>
+                </a:solidFill>
+                <a:latin typeface="HCo Decimal"/>
+              </a:rPr>
+              <a:t>F</a:t>
+            </a:r>
+            <a:r>
+              <a:rPr lang="en-GB" b="0" i="0" dirty="0">
+                <a:solidFill>
+                  <a:srgbClr val="141414"/>
+                </a:solidFill>
+                <a:effectLst/>
+                <a:latin typeface="HCo Decimal"/>
+              </a:rPr>
+              <a:t>ile integrity</a:t>
+            </a:r>
+          </a:p>
+          <a:p>
+            <a:pPr marL="1657350" lvl="3" indent="-285750">
+              <a:buFont typeface="Arial" panose="020B0604020202020204" pitchFamily="34" charset="0"/>
+              <a:buChar char="•"/>
+            </a:pPr>
+            <a:r>
+              <a:rPr lang="en-GB" dirty="0">
+                <a:solidFill>
+                  <a:srgbClr val="141414"/>
+                </a:solidFill>
+                <a:latin typeface="HCo Decimal"/>
+              </a:rPr>
+              <a:t>A</a:t>
+            </a:r>
+            <a:r>
+              <a:rPr lang="en-GB" b="0" i="0" dirty="0">
+                <a:solidFill>
+                  <a:srgbClr val="141414"/>
+                </a:solidFill>
+                <a:effectLst/>
+                <a:latin typeface="HCo Decimal"/>
+              </a:rPr>
+              <a:t>ctivities and custom events</a:t>
+            </a:r>
+          </a:p>
+          <a:p>
+            <a:pPr lvl="3"/>
+            <a:r>
+              <a:rPr lang="en-GB" dirty="0">
+                <a:solidFill>
+                  <a:srgbClr val="141414"/>
+                </a:solidFill>
+                <a:latin typeface="HCo Decimal"/>
+              </a:rPr>
+              <a:t>H</a:t>
+            </a:r>
+            <a:r>
+              <a:rPr lang="en-GB" b="0" i="0" dirty="0">
+                <a:solidFill>
+                  <a:srgbClr val="141414"/>
+                </a:solidFill>
+                <a:effectLst/>
+                <a:latin typeface="HCo Decimal"/>
+              </a:rPr>
+              <a:t>ost protection has all capability. This is continuously reporting/ up-to-date context for your hosts.</a:t>
+            </a:r>
+          </a:p>
+          <a:p>
+            <a:r>
+              <a:rPr lang="en-IN" sz="1400" dirty="0">
+                <a:solidFill>
+                  <a:srgbClr val="00B0F0"/>
+                </a:solidFill>
+              </a:rPr>
+              <a:t>https://docs.paloaltonetworks.com/prisma/prisma-cloud/prisma-cloud-admin-compute/runtime_defense/runtime_defense_hosts.html</a:t>
+            </a:r>
           </a:p>
         </p:txBody>
       </p:sp>
     </p:spTree>
     <p:extLst>
       <p:ext uri="{BB962C8B-B14F-4D97-AF65-F5344CB8AC3E}">
-        <p14:creationId xmlns:p14="http://schemas.microsoft.com/office/powerpoint/2010/main" val="3187750877"/>
+        <p14:creationId xmlns:p14="http://schemas.microsoft.com/office/powerpoint/2010/main" val="405271297"/>
       </p:ext>
     </p:extLst>
   </p:cSld>
@@ -48493,7 +48782,7 @@
           <a:p>
             <a:r>
               <a:rPr lang="en-US" dirty="0"/>
-              <a:t>Prisma- Use Case- Data Security</a:t>
+              <a:t>Prisma- Use Case- AWS Fargate</a:t>
             </a:r>
           </a:p>
         </p:txBody>
@@ -48537,7 +48826,7 @@
         <p:spPr>
           <a:xfrm>
             <a:off x="318235" y="1649710"/>
-            <a:ext cx="11879380" cy="1200329"/>
+            <a:ext cx="11879380" cy="646331"/>
           </a:xfrm>
           <a:prstGeom prst="rect">
             <a:avLst/>
@@ -48562,11 +48851,11 @@
                 <a:effectLst/>
                 <a:latin typeface="HCo Decimal"/>
               </a:rPr>
-              <a:t>Prisma Cloud Data Security </a:t>
+              <a:t>Verification of launched processes</a:t>
             </a:r>
           </a:p>
           <a:p>
-            <a:pPr marL="742950" lvl="1" indent="-285750">
+            <a:pPr marL="285750" indent="-285750">
               <a:buFont typeface="Arial" panose="020B0604020202020204" pitchFamily="34" charset="0"/>
               <a:buChar char="•"/>
             </a:pPr>
@@ -48578,57 +48867,7 @@
                 <a:effectLst/>
                 <a:latin typeface="HCo Decimal"/>
               </a:rPr>
-              <a:t>Supports Monitor mode only. </a:t>
-            </a:r>
-          </a:p>
-          <a:p>
-            <a:pPr marL="742950" lvl="1" indent="-285750">
-              <a:buFont typeface="Arial" panose="020B0604020202020204" pitchFamily="34" charset="0"/>
-              <a:buChar char="•"/>
-            </a:pPr>
-            <a:r>
-              <a:rPr lang="en-US" dirty="0">
-                <a:solidFill>
-                  <a:srgbClr val="141414"/>
-                </a:solidFill>
-                <a:latin typeface="HCo Decimal"/>
-              </a:rPr>
-              <a:t>D</a:t>
-            </a:r>
-            <a:r>
-              <a:rPr lang="en-US" b="0" i="0" dirty="0">
-                <a:solidFill>
-                  <a:srgbClr val="141414"/>
-                </a:solidFill>
-                <a:effectLst/>
-                <a:latin typeface="HCo Decimal"/>
-              </a:rPr>
-              <a:t>o not support automatic remediation</a:t>
-            </a:r>
-          </a:p>
-          <a:p>
-            <a:pPr marL="742950" lvl="1" indent="-285750">
-              <a:buFont typeface="Arial" panose="020B0604020202020204" pitchFamily="34" charset="0"/>
-              <a:buChar char="•"/>
-            </a:pPr>
-            <a:r>
-              <a:rPr lang="en-US" dirty="0">
-                <a:solidFill>
-                  <a:srgbClr val="141414"/>
-                </a:solidFill>
-                <a:latin typeface="HCo Decimal"/>
-              </a:rPr>
-              <a:t>Y</a:t>
-            </a:r>
-            <a:r>
-              <a:rPr lang="en-US" b="0" i="0" dirty="0">
-                <a:solidFill>
-                  <a:srgbClr val="141414"/>
-                </a:solidFill>
-                <a:effectLst/>
-                <a:latin typeface="HCo Decimal"/>
-              </a:rPr>
-              <a:t>ou must manually fix issues to address alerts generated from Data policies.</a:t>
+              <a:t>Verification of domain name resolution, and inbound and outbound network connections.</a:t>
             </a:r>
             <a:endParaRPr lang="en-IN" sz="1400" dirty="0">
               <a:solidFill>
@@ -48641,7 +48880,7 @@
     </p:spTree>
     <p:extLst>
       <p:ext uri="{BB962C8B-B14F-4D97-AF65-F5344CB8AC3E}">
-        <p14:creationId xmlns:p14="http://schemas.microsoft.com/office/powerpoint/2010/main" val="222447102"/>
+        <p14:creationId xmlns:p14="http://schemas.microsoft.com/office/powerpoint/2010/main" val="3603619952"/>
       </p:ext>
     </p:extLst>
   </p:cSld>
@@ -48804,7 +49043,7 @@
     </p:spTree>
     <p:extLst>
       <p:ext uri="{BB962C8B-B14F-4D97-AF65-F5344CB8AC3E}">
-        <p14:creationId xmlns:p14="http://schemas.microsoft.com/office/powerpoint/2010/main" val="1737551189"/>
+        <p14:creationId xmlns:p14="http://schemas.microsoft.com/office/powerpoint/2010/main" val="3187750877"/>
       </p:ext>
     </p:extLst>
   </p:cSld>
@@ -48860,7 +49099,7 @@
           <a:p>
             <a:r>
               <a:rPr lang="en-US" dirty="0"/>
-              <a:t>Prisma- Use Case- Azure Services (using API)</a:t>
+              <a:t>Prisma- Use Case- AWS Data Security</a:t>
             </a:r>
           </a:p>
         </p:txBody>
@@ -48904,7 +49143,7 @@
         <p:spPr>
           <a:xfrm>
             <a:off x="318235" y="1649710"/>
-            <a:ext cx="11879380" cy="2062103"/>
+            <a:ext cx="11879380" cy="1200329"/>
           </a:xfrm>
           <a:prstGeom prst="rect">
             <a:avLst/>
@@ -48922,21 +49161,14 @@
               <a:buChar char="•"/>
             </a:pPr>
             <a:r>
-              <a:rPr lang="en-IN" sz="1600" dirty="0">
-                <a:hlinkClick r:id="rId3"/>
+              <a:rPr lang="en-US" b="0" i="0" dirty="0">
+                <a:solidFill>
+                  <a:srgbClr val="141414"/>
+                </a:solidFill>
+                <a:effectLst/>
+                <a:latin typeface="HCo Decimal"/>
               </a:rPr>
-              <a:t>Microsoft Azure APIs Ingested by Prisma Cloud (paloaltonetworks.com)</a:t>
-            </a:r>
-            <a:endParaRPr lang="en-IN" sz="1600" dirty="0"/>
-          </a:p>
-          <a:p>
-            <a:pPr marL="285750" indent="-285750">
-              <a:buFont typeface="Arial" panose="020B0604020202020204" pitchFamily="34" charset="0"/>
-              <a:buChar char="•"/>
-            </a:pPr>
-            <a:r>
-              <a:rPr lang="en-IN" sz="1600" dirty="0"/>
-              <a:t>Services covered by API Ingestion:</a:t>
+              <a:t>Prisma Cloud Data Security </a:t>
             </a:r>
           </a:p>
           <a:p>
@@ -48945,12 +49177,14 @@
               <a:buChar char="•"/>
             </a:pPr>
             <a:r>
-              <a:rPr lang="en-IN" sz="1600" dirty="0">
+              <a:rPr lang="en-US" b="0" i="0" dirty="0">
                 <a:solidFill>
-                  <a:srgbClr val="00B0F0"/>
+                  <a:srgbClr val="141414"/>
                 </a:solidFill>
+                <a:effectLst/>
+                <a:latin typeface="HCo Decimal"/>
               </a:rPr>
-              <a:t>Azure Application Gateway, Azure Active Directory,  Azure API Management, Azure Cache, Azure Compute</a:t>
+              <a:t>Supports Monitor mode only. </a:t>
             </a:r>
           </a:p>
           <a:p>
@@ -48959,12 +49193,23 @@
               <a:buChar char="•"/>
             </a:pPr>
             <a:r>
-              <a:rPr lang="en-IN" sz="1600" dirty="0">
+              <a:rPr lang="en-US" dirty="0">
                 <a:solidFill>
-                  <a:srgbClr val="00B0F0"/>
+                  <a:srgbClr val="141414"/>
                 </a:solidFill>
+                <a:latin typeface="HCo Decimal"/>
               </a:rPr>
-              <a:t>Azure Cosmos DB, Azure Data Bricks, Azure Database for MySQL, Azure Data Factory, Azure Data Lake Analytics</a:t>
+              <a:t>D</a:t>
+            </a:r>
+            <a:r>
+              <a:rPr lang="en-US" b="0" i="0" dirty="0">
+                <a:solidFill>
+                  <a:srgbClr val="141414"/>
+                </a:solidFill>
+                <a:effectLst/>
+                <a:latin typeface="HCo Decimal"/>
+              </a:rPr>
+              <a:t>o not support automatic remediation</a:t>
             </a:r>
           </a:p>
           <a:p>
@@ -48973,78 +49218,36 @@
               <a:buChar char="•"/>
             </a:pPr>
             <a:r>
-              <a:rPr lang="en-IN" sz="1600" dirty="0">
+              <a:rPr lang="en-US" dirty="0">
                 <a:solidFill>
-                  <a:srgbClr val="00B0F0"/>
+                  <a:srgbClr val="141414"/>
                 </a:solidFill>
+                <a:latin typeface="HCo Decimal"/>
               </a:rPr>
-              <a:t>Azure Data Lake Storage (Gen 1), Azure Event Hubs, Azure Key Vault, Azure Load Balancer, Azure Logic Apps</a:t>
-            </a:r>
-          </a:p>
-          <a:p>
-            <a:pPr marL="742950" lvl="1" indent="-285750">
-              <a:buFont typeface="Arial" panose="020B0604020202020204" pitchFamily="34" charset="0"/>
-              <a:buChar char="•"/>
-            </a:pPr>
-            <a:r>
-              <a:rPr lang="en-IN" sz="1600" dirty="0">
-                <a:solidFill>
-                  <a:srgbClr val="00B0F0"/>
-                </a:solidFill>
-              </a:rPr>
-              <a:t>Azure Resource Group, Azure Resource Manager, Azure Policy, Azure Security </a:t>
+              <a:t>Y</a:t>
             </a:r>
             <a:r>
-              <a:rPr lang="en-IN" sz="1600" dirty="0" err="1">
+              <a:rPr lang="en-US" b="0" i="0" dirty="0">
                 <a:solidFill>
-                  <a:srgbClr val="00B0F0"/>
+                  <a:srgbClr val="141414"/>
                 </a:solidFill>
+                <a:effectLst/>
+                <a:latin typeface="HCo Decimal"/>
               </a:rPr>
-              <a:t>Center</a:t>
+              <a:t>ou must manually fix issues to address alerts generated from Data policies.</a:t>
             </a:r>
-            <a:r>
-              <a:rPr lang="en-IN" sz="1600" dirty="0">
-                <a:solidFill>
-                  <a:srgbClr val="00B0F0"/>
-                </a:solidFill>
-              </a:rPr>
-              <a:t>, Azure Virtual Network</a:t>
-            </a:r>
-          </a:p>
-          <a:p>
-            <a:pPr marL="742950" lvl="1" indent="-285750">
-              <a:buFont typeface="Arial" panose="020B0604020202020204" pitchFamily="34" charset="0"/>
-              <a:buChar char="•"/>
-            </a:pPr>
-            <a:r>
-              <a:rPr lang="en-IN" sz="1600" dirty="0">
-                <a:solidFill>
-                  <a:srgbClr val="00B0F0"/>
-                </a:solidFill>
-              </a:rPr>
-              <a:t>Azure SQL Database, Azure Database for PostgreSQL, Azure Monitor, Azure Network Watcher</a:t>
-            </a:r>
-          </a:p>
-          <a:p>
-            <a:pPr marL="742950" lvl="1" indent="-285750">
-              <a:buFont typeface="Arial" panose="020B0604020202020204" pitchFamily="34" charset="0"/>
-              <a:buChar char="•"/>
-            </a:pPr>
-            <a:r>
-              <a:rPr lang="en-IN" sz="1600" dirty="0">
-                <a:solidFill>
-                  <a:srgbClr val="00B0F0"/>
-                </a:solidFill>
-              </a:rPr>
-              <a:t>Azure Storage, Subnets, Azure Kubernetes Service, App Service, Azure VPN Gateway</a:t>
-            </a:r>
+            <a:endParaRPr lang="en-IN" sz="1400" dirty="0">
+              <a:solidFill>
+                <a:srgbClr val="00B0F0"/>
+              </a:solidFill>
+            </a:endParaRPr>
           </a:p>
         </p:txBody>
       </p:sp>
     </p:spTree>
     <p:extLst>
       <p:ext uri="{BB962C8B-B14F-4D97-AF65-F5344CB8AC3E}">
-        <p14:creationId xmlns:p14="http://schemas.microsoft.com/office/powerpoint/2010/main" val="524699846"/>
+        <p14:creationId xmlns:p14="http://schemas.microsoft.com/office/powerpoint/2010/main" val="222447102"/>
       </p:ext>
     </p:extLst>
   </p:cSld>
@@ -49100,15 +49303,7 @@
           <a:p>
             <a:r>
               <a:rPr lang="en-US" dirty="0"/>
-              <a:t>Prisma- </a:t>
-            </a:r>
-            <a:r>
-              <a:rPr lang="en-US" dirty="0" err="1"/>
-              <a:t>Twistcli</a:t>
-            </a:r>
-            <a:r>
-              <a:rPr lang="en-US" dirty="0"/>
-              <a:t> – Build Process</a:t>
+              <a:t>Prisma- Use Case- Azure Services (using API)</a:t>
             </a:r>
           </a:p>
         </p:txBody>
@@ -49152,7 +49347,7 @@
         <p:spPr>
           <a:xfrm>
             <a:off x="318235" y="1649710"/>
-            <a:ext cx="11879380" cy="3477875"/>
+            <a:ext cx="11879380" cy="2062103"/>
           </a:xfrm>
           <a:prstGeom prst="rect">
             <a:avLst/>
@@ -49165,239 +49360,134 @@
           </a:bodyPr>
           <a:lstStyle/>
           <a:p>
-            <a:pPr marL="342900" indent="-342900" algn="l">
+            <a:pPr marL="285750" indent="-285750">
               <a:buFont typeface="Arial" panose="020B0604020202020204" pitchFamily="34" charset="0"/>
               <a:buChar char="•"/>
             </a:pPr>
             <a:r>
-              <a:rPr lang="en-GB" sz="2000" b="0" i="0" dirty="0" err="1">
-                <a:solidFill>
-                  <a:srgbClr val="000000"/>
-                </a:solidFill>
-                <a:effectLst/>
-                <a:latin typeface="Montserrat"/>
+              <a:rPr lang="en-IN" sz="1600" dirty="0">
+                <a:hlinkClick r:id="rId3"/>
               </a:rPr>
-              <a:t>Twistlock</a:t>
+              <a:t>Microsoft Azure APIs Ingested by Prisma Cloud (paloaltonetworks.com)</a:t>
             </a:r>
-            <a:r>
-              <a:rPr lang="en-GB" sz="2000" b="0" i="0" dirty="0">
-                <a:solidFill>
-                  <a:srgbClr val="000000"/>
-                </a:solidFill>
-                <a:effectLst/>
-                <a:latin typeface="Montserrat"/>
-              </a:rPr>
-              <a:t>: </a:t>
-            </a:r>
-          </a:p>
-          <a:p>
-            <a:pPr marL="800100" lvl="1" indent="-342900">
+            <a:endParaRPr lang="en-IN" sz="1600" dirty="0"/>
+          </a:p>
+          <a:p>
+            <a:pPr marL="285750" indent="-285750">
               <a:buFont typeface="Arial" panose="020B0604020202020204" pitchFamily="34" charset="0"/>
               <a:buChar char="•"/>
             </a:pPr>
             <a:r>
-              <a:rPr lang="en-GB" sz="2000" dirty="0">
-                <a:solidFill>
-                  <a:srgbClr val="000000"/>
-                </a:solidFill>
-                <a:latin typeface="Montserrat"/>
-              </a:rPr>
-              <a:t>S</a:t>
+              <a:rPr lang="en-IN" sz="1600" dirty="0"/>
+              <a:t>Services covered by API Ingestion:</a:t>
             </a:r>
-            <a:r>
-              <a:rPr lang="en-GB" sz="2000" b="0" i="0" dirty="0">
-                <a:solidFill>
-                  <a:srgbClr val="000000"/>
-                </a:solidFill>
-                <a:effectLst/>
-                <a:latin typeface="Montserrat"/>
-              </a:rPr>
-              <a:t>cans all of the images in the registry, </a:t>
-            </a:r>
-          </a:p>
-          <a:p>
-            <a:pPr marL="800100" lvl="1" indent="-342900">
+          </a:p>
+          <a:p>
+            <a:pPr marL="742950" lvl="1" indent="-285750">
               <a:buFont typeface="Arial" panose="020B0604020202020204" pitchFamily="34" charset="0"/>
               <a:buChar char="•"/>
             </a:pPr>
             <a:r>
-              <a:rPr lang="en-GB" sz="2000" dirty="0">
+              <a:rPr lang="en-IN" sz="1600" dirty="0">
                 <a:solidFill>
-                  <a:srgbClr val="000000"/>
+                  <a:srgbClr val="00B0F0"/>
                 </a:solidFill>
-                <a:latin typeface="Montserrat"/>
               </a:rPr>
-              <a:t>S</a:t>
+              <a:t>Azure Application Gateway, Azure Active Directory,  Azure API Management, Azure Cache, Azure Compute</a:t>
             </a:r>
-            <a:r>
-              <a:rPr lang="en-GB" sz="2000" b="0" i="0" dirty="0">
-                <a:solidFill>
-                  <a:srgbClr val="000000"/>
-                </a:solidFill>
-                <a:effectLst/>
-                <a:latin typeface="Montserrat"/>
-              </a:rPr>
-              <a:t>cans images during the build and deploy process, </a:t>
-            </a:r>
-          </a:p>
-          <a:p>
-            <a:pPr marL="800100" lvl="1" indent="-342900">
+          </a:p>
+          <a:p>
+            <a:pPr marL="742950" lvl="1" indent="-285750">
               <a:buFont typeface="Arial" panose="020B0604020202020204" pitchFamily="34" charset="0"/>
               <a:buChar char="•"/>
             </a:pPr>
             <a:r>
-              <a:rPr lang="en-GB" sz="2000" dirty="0">
+              <a:rPr lang="en-IN" sz="1600" dirty="0">
                 <a:solidFill>
-                  <a:srgbClr val="000000"/>
+                  <a:srgbClr val="00B0F0"/>
                 </a:solidFill>
-                <a:latin typeface="Montserrat"/>
               </a:rPr>
-              <a:t>A</a:t>
+              <a:t>Azure Cosmos DB, Azure Data Bricks, Azure Database for MySQL, Azure Data Factory, Azure Data Lake Analytics</a:t>
             </a:r>
-            <a:r>
-              <a:rPr lang="en-GB" sz="2000" b="0" i="0" dirty="0">
-                <a:solidFill>
-                  <a:srgbClr val="000000"/>
-                </a:solidFill>
-                <a:effectLst/>
-                <a:latin typeface="Montserrat"/>
-              </a:rPr>
-              <a:t>nd also continuously monitors any vulnerability changes in your running containers. </a:t>
-            </a:r>
-          </a:p>
-          <a:p>
-            <a:pPr marL="342900" indent="-342900">
+          </a:p>
+          <a:p>
+            <a:pPr marL="742950" lvl="1" indent="-285750">
               <a:buFont typeface="Arial" panose="020B0604020202020204" pitchFamily="34" charset="0"/>
               <a:buChar char="•"/>
             </a:pPr>
             <a:r>
-              <a:rPr lang="en-GB" sz="2000" b="0" i="0" dirty="0" err="1">
+              <a:rPr lang="en-IN" sz="1600" dirty="0">
                 <a:solidFill>
-                  <a:srgbClr val="000000"/>
+                  <a:srgbClr val="00B0F0"/>
                 </a:solidFill>
-                <a:effectLst/>
-                <a:latin typeface="Montserrat"/>
               </a:rPr>
-              <a:t>Twistlock</a:t>
+              <a:t>Azure Data Lake Storage (Gen 1), Azure Event Hubs, Azure Key Vault, Azure Load Balancer, Azure Logic Apps</a:t>
             </a:r>
-            <a:r>
-              <a:rPr lang="en-GB" sz="2000" b="0" i="0" dirty="0">
-                <a:solidFill>
-                  <a:srgbClr val="000000"/>
-                </a:solidFill>
-                <a:effectLst/>
-                <a:latin typeface="Montserrat"/>
-              </a:rPr>
-              <a:t> generates a risk score for each of the vulnerabilities it find</a:t>
-            </a:r>
-          </a:p>
-          <a:p>
-            <a:pPr marL="800100" lvl="1" indent="-342900">
+          </a:p>
+          <a:p>
+            <a:pPr marL="742950" lvl="1" indent="-285750">
               <a:buFont typeface="Arial" panose="020B0604020202020204" pitchFamily="34" charset="0"/>
               <a:buChar char="•"/>
             </a:pPr>
             <a:r>
-              <a:rPr lang="en-GB" sz="2000" dirty="0">
+              <a:rPr lang="en-IN" sz="1600" dirty="0">
                 <a:solidFill>
-                  <a:srgbClr val="000000"/>
+                  <a:srgbClr val="00B0F0"/>
                 </a:solidFill>
-                <a:latin typeface="Montserrat"/>
               </a:rPr>
-              <a:t>Use</a:t>
+              <a:t>Azure Resource Group, Azure Resource Manager, Azure Policy, Azure Security </a:t>
             </a:r>
             <a:r>
-              <a:rPr lang="en-GB" sz="2000" b="0" i="0" dirty="0">
+              <a:rPr lang="en-IN" sz="1600" dirty="0" err="1">
                 <a:solidFill>
-                  <a:srgbClr val="000000"/>
+                  <a:srgbClr val="00B0F0"/>
                 </a:solidFill>
-                <a:effectLst/>
-                <a:latin typeface="Montserrat"/>
               </a:rPr>
-              <a:t> risk metrics like CVSS </a:t>
+              <a:t>Center</a:t>
             </a:r>
-          </a:p>
-          <a:p>
-            <a:pPr marL="800100" lvl="1" indent="-342900">
+            <a:r>
+              <a:rPr lang="en-IN" sz="1600" dirty="0">
+                <a:solidFill>
+                  <a:srgbClr val="00B0F0"/>
+                </a:solidFill>
+              </a:rPr>
+              <a:t>, Azure Virtual Network</a:t>
+            </a:r>
+          </a:p>
+          <a:p>
+            <a:pPr marL="742950" lvl="1" indent="-285750">
               <a:buFont typeface="Arial" panose="020B0604020202020204" pitchFamily="34" charset="0"/>
               <a:buChar char="•"/>
             </a:pPr>
             <a:r>
-              <a:rPr lang="en-GB" sz="2000" dirty="0">
+              <a:rPr lang="en-IN" sz="1600" dirty="0">
                 <a:solidFill>
-                  <a:srgbClr val="000000"/>
+                  <a:srgbClr val="00B0F0"/>
                 </a:solidFill>
-                <a:latin typeface="Montserrat"/>
               </a:rPr>
-              <a:t>A</a:t>
+              <a:t>Azure SQL Database, Azure Database for PostgreSQL, Azure Monitor, Azure Network Watcher</a:t>
             </a:r>
-            <a:r>
-              <a:rPr lang="en-GB" sz="2000" b="0" i="0" dirty="0">
-                <a:solidFill>
-                  <a:srgbClr val="000000"/>
-                </a:solidFill>
-                <a:effectLst/>
-                <a:latin typeface="Montserrat"/>
-              </a:rPr>
-              <a:t>lso a whole host of other metrics as well</a:t>
-            </a:r>
-          </a:p>
-          <a:p>
-            <a:pPr lvl="2">
+          </a:p>
+          <a:p>
+            <a:pPr marL="742950" lvl="1" indent="-285750">
               <a:buFont typeface="Arial" panose="020B0604020202020204" pitchFamily="34" charset="0"/>
               <a:buChar char="•"/>
             </a:pPr>
             <a:r>
-              <a:rPr lang="en-GB" sz="2000" b="0" i="0" dirty="0">
+              <a:rPr lang="en-IN" sz="1600" dirty="0">
                 <a:solidFill>
-                  <a:srgbClr val="000000"/>
+                  <a:srgbClr val="00B0F0"/>
                 </a:solidFill>
-                <a:effectLst/>
-                <a:latin typeface="Montserrat"/>
               </a:rPr>
-              <a:t>Is this container connected to the internet?</a:t>
+              <a:t>Azure Storage, Subnets, Azure Kubernetes Service, App Service, Azure VPN Gateway</a:t>
             </a:r>
-          </a:p>
-          <a:p>
-            <a:pPr lvl="2">
-              <a:buFont typeface="Arial" panose="020B0604020202020204" pitchFamily="34" charset="0"/>
-              <a:buChar char="•"/>
-            </a:pPr>
-            <a:r>
-              <a:rPr lang="en-GB" sz="2000" b="0" i="0" dirty="0">
-                <a:solidFill>
-                  <a:srgbClr val="000000"/>
-                </a:solidFill>
-                <a:effectLst/>
-                <a:latin typeface="Montserrat"/>
-              </a:rPr>
-              <a:t>Does it have open listening ports?</a:t>
-            </a:r>
-          </a:p>
-          <a:p>
-            <a:pPr lvl="2">
-              <a:buFont typeface="Arial" panose="020B0604020202020204" pitchFamily="34" charset="0"/>
-              <a:buChar char="•"/>
-            </a:pPr>
-            <a:r>
-              <a:rPr lang="en-GB" sz="2000" b="0" i="0" dirty="0">
-                <a:solidFill>
-                  <a:srgbClr val="000000"/>
-                </a:solidFill>
-                <a:effectLst/>
-                <a:latin typeface="Montserrat"/>
-              </a:rPr>
-              <a:t>Does it have a security profile attached</a:t>
-            </a:r>
-          </a:p>
-          <a:p>
-            <a:endParaRPr lang="en-IN" sz="2000" dirty="0"/>
           </a:p>
         </p:txBody>
       </p:sp>
     </p:spTree>
     <p:extLst>
       <p:ext uri="{BB962C8B-B14F-4D97-AF65-F5344CB8AC3E}">
-        <p14:creationId xmlns:p14="http://schemas.microsoft.com/office/powerpoint/2010/main" val="691266842"/>
+        <p14:creationId xmlns:p14="http://schemas.microsoft.com/office/powerpoint/2010/main" val="524699846"/>
       </p:ext>
     </p:extLst>
   </p:cSld>
@@ -49438,6 +49528,359 @@
       </p:grpSpPr>
       <p:sp>
         <p:nvSpPr>
+          <p:cNvPr id="17410" name="Rectangle 2"/>
+          <p:cNvSpPr>
+            <a:spLocks noGrp="1" noChangeArrowheads="1"/>
+          </p:cNvSpPr>
+          <p:nvPr>
+            <p:ph type="title"/>
+          </p:nvPr>
+        </p:nvSpPr>
+        <p:spPr/>
+        <p:txBody>
+          <a:bodyPr/>
+          <a:lstStyle/>
+          <a:p>
+            <a:r>
+              <a:rPr lang="en-US" dirty="0"/>
+              <a:t>Prisma- </a:t>
+            </a:r>
+            <a:r>
+              <a:rPr lang="en-US" dirty="0" err="1"/>
+              <a:t>Twistcli</a:t>
+            </a:r>
+            <a:r>
+              <a:rPr lang="en-US" dirty="0"/>
+              <a:t> – Build Process</a:t>
+            </a:r>
+          </a:p>
+        </p:txBody>
+      </p:sp>
+      <p:sp>
+        <p:nvSpPr>
+          <p:cNvPr id="4" name="Slide Number Placeholder 3"/>
+          <p:cNvSpPr>
+            <a:spLocks noGrp="1"/>
+          </p:cNvSpPr>
+          <p:nvPr>
+            <p:ph type="sldNum" sz="quarter" idx="12"/>
+          </p:nvPr>
+        </p:nvSpPr>
+        <p:spPr/>
+        <p:txBody>
+          <a:bodyPr/>
+          <a:lstStyle/>
+          <a:p>
+            <a:fld id="{D92B6165-2E63-41A3-8905-D7634EBC6D44}" type="slidenum">
+              <a:rPr lang="en-US" smtClean="0"/>
+              <a:pPr/>
+              <a:t>57</a:t>
+            </a:fld>
+            <a:endParaRPr lang="en-US"/>
+          </a:p>
+        </p:txBody>
+      </p:sp>
+      <p:sp>
+        <p:nvSpPr>
+          <p:cNvPr id="6" name="TextBox 5">
+            <a:extLst>
+              <a:ext uri="{FF2B5EF4-FFF2-40B4-BE49-F238E27FC236}">
+                <a16:creationId xmlns:a16="http://schemas.microsoft.com/office/drawing/2014/main" id="{7E149B81-9EAE-4CD0-9E8C-3D85A9FCE9D8}"/>
+              </a:ext>
+            </a:extLst>
+          </p:cNvPr>
+          <p:cNvSpPr txBox="1"/>
+          <p:nvPr/>
+        </p:nvSpPr>
+        <p:spPr>
+          <a:xfrm>
+            <a:off x="318235" y="1649710"/>
+            <a:ext cx="11879380" cy="3477875"/>
+          </a:xfrm>
+          <a:prstGeom prst="rect">
+            <a:avLst/>
+          </a:prstGeom>
+          <a:noFill/>
+        </p:spPr>
+        <p:txBody>
+          <a:bodyPr wrap="square">
+            <a:spAutoFit/>
+          </a:bodyPr>
+          <a:lstStyle/>
+          <a:p>
+            <a:pPr marL="342900" indent="-342900" algn="l">
+              <a:buFont typeface="Arial" panose="020B0604020202020204" pitchFamily="34" charset="0"/>
+              <a:buChar char="•"/>
+            </a:pPr>
+            <a:r>
+              <a:rPr lang="en-GB" sz="2000" b="0" i="0" dirty="0" err="1">
+                <a:solidFill>
+                  <a:srgbClr val="000000"/>
+                </a:solidFill>
+                <a:effectLst/>
+                <a:latin typeface="Montserrat"/>
+              </a:rPr>
+              <a:t>Twistlock</a:t>
+            </a:r>
+            <a:r>
+              <a:rPr lang="en-GB" sz="2000" b="0" i="0" dirty="0">
+                <a:solidFill>
+                  <a:srgbClr val="000000"/>
+                </a:solidFill>
+                <a:effectLst/>
+                <a:latin typeface="Montserrat"/>
+              </a:rPr>
+              <a:t>: </a:t>
+            </a:r>
+          </a:p>
+          <a:p>
+            <a:pPr marL="800100" lvl="1" indent="-342900">
+              <a:buFont typeface="Arial" panose="020B0604020202020204" pitchFamily="34" charset="0"/>
+              <a:buChar char="•"/>
+            </a:pPr>
+            <a:r>
+              <a:rPr lang="en-GB" sz="2000" dirty="0">
+                <a:solidFill>
+                  <a:srgbClr val="000000"/>
+                </a:solidFill>
+                <a:latin typeface="Montserrat"/>
+              </a:rPr>
+              <a:t>S</a:t>
+            </a:r>
+            <a:r>
+              <a:rPr lang="en-GB" sz="2000" b="0" i="0" dirty="0">
+                <a:solidFill>
+                  <a:srgbClr val="000000"/>
+                </a:solidFill>
+                <a:effectLst/>
+                <a:latin typeface="Montserrat"/>
+              </a:rPr>
+              <a:t>cans all of the images in the registry, </a:t>
+            </a:r>
+          </a:p>
+          <a:p>
+            <a:pPr marL="800100" lvl="1" indent="-342900">
+              <a:buFont typeface="Arial" panose="020B0604020202020204" pitchFamily="34" charset="0"/>
+              <a:buChar char="•"/>
+            </a:pPr>
+            <a:r>
+              <a:rPr lang="en-GB" sz="2000" dirty="0">
+                <a:solidFill>
+                  <a:srgbClr val="000000"/>
+                </a:solidFill>
+                <a:latin typeface="Montserrat"/>
+              </a:rPr>
+              <a:t>S</a:t>
+            </a:r>
+            <a:r>
+              <a:rPr lang="en-GB" sz="2000" b="0" i="0" dirty="0">
+                <a:solidFill>
+                  <a:srgbClr val="000000"/>
+                </a:solidFill>
+                <a:effectLst/>
+                <a:latin typeface="Montserrat"/>
+              </a:rPr>
+              <a:t>cans images during the build and deploy process, </a:t>
+            </a:r>
+          </a:p>
+          <a:p>
+            <a:pPr marL="800100" lvl="1" indent="-342900">
+              <a:buFont typeface="Arial" panose="020B0604020202020204" pitchFamily="34" charset="0"/>
+              <a:buChar char="•"/>
+            </a:pPr>
+            <a:r>
+              <a:rPr lang="en-GB" sz="2000" dirty="0">
+                <a:solidFill>
+                  <a:srgbClr val="000000"/>
+                </a:solidFill>
+                <a:latin typeface="Montserrat"/>
+              </a:rPr>
+              <a:t>A</a:t>
+            </a:r>
+            <a:r>
+              <a:rPr lang="en-GB" sz="2000" b="0" i="0" dirty="0">
+                <a:solidFill>
+                  <a:srgbClr val="000000"/>
+                </a:solidFill>
+                <a:effectLst/>
+                <a:latin typeface="Montserrat"/>
+              </a:rPr>
+              <a:t>nd also continuously monitors any vulnerability changes in your running containers. </a:t>
+            </a:r>
+          </a:p>
+          <a:p>
+            <a:pPr marL="342900" indent="-342900">
+              <a:buFont typeface="Arial" panose="020B0604020202020204" pitchFamily="34" charset="0"/>
+              <a:buChar char="•"/>
+            </a:pPr>
+            <a:r>
+              <a:rPr lang="en-GB" sz="2000" b="0" i="0" dirty="0" err="1">
+                <a:solidFill>
+                  <a:srgbClr val="000000"/>
+                </a:solidFill>
+                <a:effectLst/>
+                <a:latin typeface="Montserrat"/>
+              </a:rPr>
+              <a:t>Twistlock</a:t>
+            </a:r>
+            <a:r>
+              <a:rPr lang="en-GB" sz="2000" b="0" i="0" dirty="0">
+                <a:solidFill>
+                  <a:srgbClr val="000000"/>
+                </a:solidFill>
+                <a:effectLst/>
+                <a:latin typeface="Montserrat"/>
+              </a:rPr>
+              <a:t> generates a risk score for each of the vulnerabilities it find</a:t>
+            </a:r>
+          </a:p>
+          <a:p>
+            <a:pPr marL="800100" lvl="1" indent="-342900">
+              <a:buFont typeface="Arial" panose="020B0604020202020204" pitchFamily="34" charset="0"/>
+              <a:buChar char="•"/>
+            </a:pPr>
+            <a:r>
+              <a:rPr lang="en-GB" sz="2000" dirty="0">
+                <a:solidFill>
+                  <a:srgbClr val="000000"/>
+                </a:solidFill>
+                <a:latin typeface="Montserrat"/>
+              </a:rPr>
+              <a:t>Use</a:t>
+            </a:r>
+            <a:r>
+              <a:rPr lang="en-GB" sz="2000" b="0" i="0" dirty="0">
+                <a:solidFill>
+                  <a:srgbClr val="000000"/>
+                </a:solidFill>
+                <a:effectLst/>
+                <a:latin typeface="Montserrat"/>
+              </a:rPr>
+              <a:t> risk metrics like CVSS </a:t>
+            </a:r>
+          </a:p>
+          <a:p>
+            <a:pPr marL="800100" lvl="1" indent="-342900">
+              <a:buFont typeface="Arial" panose="020B0604020202020204" pitchFamily="34" charset="0"/>
+              <a:buChar char="•"/>
+            </a:pPr>
+            <a:r>
+              <a:rPr lang="en-GB" sz="2000" dirty="0">
+                <a:solidFill>
+                  <a:srgbClr val="000000"/>
+                </a:solidFill>
+                <a:latin typeface="Montserrat"/>
+              </a:rPr>
+              <a:t>A</a:t>
+            </a:r>
+            <a:r>
+              <a:rPr lang="en-GB" sz="2000" b="0" i="0" dirty="0">
+                <a:solidFill>
+                  <a:srgbClr val="000000"/>
+                </a:solidFill>
+                <a:effectLst/>
+                <a:latin typeface="Montserrat"/>
+              </a:rPr>
+              <a:t>lso a whole host of other metrics as well</a:t>
+            </a:r>
+          </a:p>
+          <a:p>
+            <a:pPr lvl="2">
+              <a:buFont typeface="Arial" panose="020B0604020202020204" pitchFamily="34" charset="0"/>
+              <a:buChar char="•"/>
+            </a:pPr>
+            <a:r>
+              <a:rPr lang="en-GB" sz="2000" b="0" i="0" dirty="0">
+                <a:solidFill>
+                  <a:srgbClr val="000000"/>
+                </a:solidFill>
+                <a:effectLst/>
+                <a:latin typeface="Montserrat"/>
+              </a:rPr>
+              <a:t>Is this container connected to the internet?</a:t>
+            </a:r>
+          </a:p>
+          <a:p>
+            <a:pPr lvl="2">
+              <a:buFont typeface="Arial" panose="020B0604020202020204" pitchFamily="34" charset="0"/>
+              <a:buChar char="•"/>
+            </a:pPr>
+            <a:r>
+              <a:rPr lang="en-GB" sz="2000" b="0" i="0" dirty="0">
+                <a:solidFill>
+                  <a:srgbClr val="000000"/>
+                </a:solidFill>
+                <a:effectLst/>
+                <a:latin typeface="Montserrat"/>
+              </a:rPr>
+              <a:t>Does it have open listening ports?</a:t>
+            </a:r>
+          </a:p>
+          <a:p>
+            <a:pPr lvl="2">
+              <a:buFont typeface="Arial" panose="020B0604020202020204" pitchFamily="34" charset="0"/>
+              <a:buChar char="•"/>
+            </a:pPr>
+            <a:r>
+              <a:rPr lang="en-GB" sz="2000" b="0" i="0" dirty="0">
+                <a:solidFill>
+                  <a:srgbClr val="000000"/>
+                </a:solidFill>
+                <a:effectLst/>
+                <a:latin typeface="Montserrat"/>
+              </a:rPr>
+              <a:t>Does it have a security profile attached</a:t>
+            </a:r>
+          </a:p>
+          <a:p>
+            <a:endParaRPr lang="en-IN" sz="2000" dirty="0"/>
+          </a:p>
+        </p:txBody>
+      </p:sp>
+    </p:spTree>
+    <p:extLst>
+      <p:ext uri="{BB962C8B-B14F-4D97-AF65-F5344CB8AC3E}">
+        <p14:creationId xmlns:p14="http://schemas.microsoft.com/office/powerpoint/2010/main" val="691266842"/>
+      </p:ext>
+    </p:extLst>
+  </p:cSld>
+  <p:clrMapOvr>
+    <a:masterClrMapping/>
+  </p:clrMapOvr>
+  <mc:AlternateContent xmlns:mc="http://schemas.openxmlformats.org/markup-compatibility/2006" xmlns:p14="http://schemas.microsoft.com/office/powerpoint/2010/main">
+    <mc:Choice Requires="p14">
+      <p:transition spd="med" p14:dur="700">
+        <p:fade/>
+      </p:transition>
+    </mc:Choice>
+    <mc:Fallback xmlns="">
+      <p:transition spd="med">
+        <p:fade/>
+      </p:transition>
+    </mc:Fallback>
+  </mc:AlternateContent>
+</p:sld>
+</file>
+
+<file path=ppt/slides/slide58.xml><?xml version="1.0" encoding="utf-8"?>
+<p:sld xmlns:a="http://schemas.openxmlformats.org/drawingml/2006/main" xmlns:r="http://schemas.openxmlformats.org/officeDocument/2006/relationships" xmlns:p="http://schemas.openxmlformats.org/presentationml/2006/main">
+  <p:cSld>
+    <p:spTree>
+      <p:nvGrpSpPr>
+        <p:cNvPr id="1" name=""/>
+        <p:cNvGrpSpPr/>
+        <p:nvPr/>
+      </p:nvGrpSpPr>
+      <p:grpSpPr>
+        <a:xfrm>
+          <a:off x="0" y="0"/>
+          <a:ext cx="0" cy="0"/>
+          <a:chOff x="0" y="0"/>
+          <a:chExt cx="0" cy="0"/>
+        </a:xfrm>
+      </p:grpSpPr>
+      <p:sp>
+        <p:nvSpPr>
           <p:cNvPr id="2" name="Slide Number Placeholder 1">
             <a:extLst>
               <a:ext uri="{FF2B5EF4-FFF2-40B4-BE49-F238E27FC236}">
@@ -49460,7 +49903,7 @@
             <a:fld id="{D92B6165-2E63-41A3-8905-D7634EBC6D44}" type="slidenum">
               <a:rPr lang="en-IN" smtClean="0"/>
               <a:pPr/>
-              <a:t>57</a:t>
+              <a:t>58</a:t>
             </a:fld>
             <a:endParaRPr lang="en-IN"/>
           </a:p>
@@ -49581,7 +50024,7 @@
 </p:sld>
 </file>
 
-<file path=ppt/slides/slide58.xml><?xml version="1.0" encoding="utf-8"?>
+<file path=ppt/slides/slide59.xml><?xml version="1.0" encoding="utf-8"?>
 <p:sld xmlns:a="http://schemas.openxmlformats.org/drawingml/2006/main" xmlns:r="http://schemas.openxmlformats.org/officeDocument/2006/relationships" xmlns:p="http://schemas.openxmlformats.org/presentationml/2006/main">
   <p:cSld>
     <p:bg>

--- a/AWS Guard Duty & Azure Security Center.pptx
+++ b/AWS Guard Duty & Azure Security Center.pptx
@@ -5,10 +5,10 @@
     <p:sldMasterId id="2147483648" r:id="rId1"/>
   </p:sldMasterIdLst>
   <p:notesMasterIdLst>
-    <p:notesMasterId r:id="rId61"/>
+    <p:notesMasterId r:id="rId63"/>
   </p:notesMasterIdLst>
   <p:handoutMasterIdLst>
-    <p:handoutMasterId r:id="rId62"/>
+    <p:handoutMasterId r:id="rId64"/>
   </p:handoutMasterIdLst>
   <p:sldIdLst>
     <p:sldId id="296" r:id="rId2"/>
@@ -28,53 +28,55 @@
     <p:sldId id="324" r:id="rId16"/>
     <p:sldId id="325" r:id="rId17"/>
     <p:sldId id="330" r:id="rId18"/>
-    <p:sldId id="356" r:id="rId19"/>
-    <p:sldId id="357" r:id="rId20"/>
-    <p:sldId id="298" r:id="rId21"/>
-    <p:sldId id="315" r:id="rId22"/>
-    <p:sldId id="316" r:id="rId23"/>
-    <p:sldId id="317" r:id="rId24"/>
-    <p:sldId id="318" r:id="rId25"/>
-    <p:sldId id="300" r:id="rId26"/>
-    <p:sldId id="301" r:id="rId27"/>
-    <p:sldId id="302" r:id="rId28"/>
-    <p:sldId id="273" r:id="rId29"/>
-    <p:sldId id="304" r:id="rId30"/>
-    <p:sldId id="319" r:id="rId31"/>
-    <p:sldId id="320" r:id="rId32"/>
-    <p:sldId id="303" r:id="rId33"/>
-    <p:sldId id="305" r:id="rId34"/>
-    <p:sldId id="306" r:id="rId35"/>
-    <p:sldId id="307" r:id="rId36"/>
-    <p:sldId id="308" r:id="rId37"/>
-    <p:sldId id="309" r:id="rId38"/>
-    <p:sldId id="310" r:id="rId39"/>
-    <p:sldId id="311" r:id="rId40"/>
-    <p:sldId id="312" r:id="rId41"/>
-    <p:sldId id="313" r:id="rId42"/>
-    <p:sldId id="314" r:id="rId43"/>
-    <p:sldId id="337" r:id="rId44"/>
-    <p:sldId id="334" r:id="rId45"/>
-    <p:sldId id="343" r:id="rId46"/>
-    <p:sldId id="339" r:id="rId47"/>
-    <p:sldId id="340" r:id="rId48"/>
-    <p:sldId id="341" r:id="rId49"/>
-    <p:sldId id="344" r:id="rId50"/>
-    <p:sldId id="345" r:id="rId51"/>
-    <p:sldId id="346" r:id="rId52"/>
-    <p:sldId id="347" r:id="rId53"/>
-    <p:sldId id="348" r:id="rId54"/>
-    <p:sldId id="349" r:id="rId55"/>
-    <p:sldId id="350" r:id="rId56"/>
-    <p:sldId id="352" r:id="rId57"/>
-    <p:sldId id="355" r:id="rId58"/>
-    <p:sldId id="342" r:id="rId59"/>
-    <p:sldId id="266" r:id="rId60"/>
+    <p:sldId id="359" r:id="rId19"/>
+    <p:sldId id="356" r:id="rId20"/>
+    <p:sldId id="357" r:id="rId21"/>
+    <p:sldId id="298" r:id="rId22"/>
+    <p:sldId id="315" r:id="rId23"/>
+    <p:sldId id="316" r:id="rId24"/>
+    <p:sldId id="317" r:id="rId25"/>
+    <p:sldId id="318" r:id="rId26"/>
+    <p:sldId id="300" r:id="rId27"/>
+    <p:sldId id="301" r:id="rId28"/>
+    <p:sldId id="302" r:id="rId29"/>
+    <p:sldId id="273" r:id="rId30"/>
+    <p:sldId id="358" r:id="rId31"/>
+    <p:sldId id="304" r:id="rId32"/>
+    <p:sldId id="319" r:id="rId33"/>
+    <p:sldId id="320" r:id="rId34"/>
+    <p:sldId id="303" r:id="rId35"/>
+    <p:sldId id="305" r:id="rId36"/>
+    <p:sldId id="306" r:id="rId37"/>
+    <p:sldId id="307" r:id="rId38"/>
+    <p:sldId id="308" r:id="rId39"/>
+    <p:sldId id="309" r:id="rId40"/>
+    <p:sldId id="310" r:id="rId41"/>
+    <p:sldId id="311" r:id="rId42"/>
+    <p:sldId id="312" r:id="rId43"/>
+    <p:sldId id="313" r:id="rId44"/>
+    <p:sldId id="314" r:id="rId45"/>
+    <p:sldId id="337" r:id="rId46"/>
+    <p:sldId id="334" r:id="rId47"/>
+    <p:sldId id="343" r:id="rId48"/>
+    <p:sldId id="339" r:id="rId49"/>
+    <p:sldId id="340" r:id="rId50"/>
+    <p:sldId id="341" r:id="rId51"/>
+    <p:sldId id="344" r:id="rId52"/>
+    <p:sldId id="345" r:id="rId53"/>
+    <p:sldId id="346" r:id="rId54"/>
+    <p:sldId id="347" r:id="rId55"/>
+    <p:sldId id="348" r:id="rId56"/>
+    <p:sldId id="349" r:id="rId57"/>
+    <p:sldId id="350" r:id="rId58"/>
+    <p:sldId id="352" r:id="rId59"/>
+    <p:sldId id="355" r:id="rId60"/>
+    <p:sldId id="342" r:id="rId61"/>
+    <p:sldId id="266" r:id="rId62"/>
   </p:sldIdLst>
   <p:sldSz cx="12188825" cy="6858000"/>
   <p:notesSz cx="6858000" cy="9144000"/>
   <p:custDataLst>
-    <p:tags r:id="rId63"/>
+    <p:tags r:id="rId65"/>
   </p:custDataLst>
   <p:defaultTextStyle>
     <a:defPPr>
@@ -569,7 +571,7 @@
             <a:fld id="{7724383D-47EA-45CB-930A-8D57FFD0FCC3}" type="datetime2">
               <a:rPr lang="en-US"/>
               <a:pPr/>
-              <a:t>Tuesday, August 17, 2021</a:t>
+              <a:t>Wednesday, August 18, 2021</a:t>
             </a:fld>
             <a:endParaRPr/>
           </a:p>
@@ -2048,7 +2050,7 @@
     </p:spTree>
     <p:extLst>
       <p:ext uri="{BB962C8B-B14F-4D97-AF65-F5344CB8AC3E}">
-        <p14:creationId xmlns:p14="http://schemas.microsoft.com/office/powerpoint/2010/main" val="2447277414"/>
+        <p14:creationId xmlns:p14="http://schemas.microsoft.com/office/powerpoint/2010/main" val="959935065"/>
       </p:ext>
     </p:extLst>
   </p:cSld>
@@ -2161,7 +2163,7 @@
     </p:spTree>
     <p:extLst>
       <p:ext uri="{BB962C8B-B14F-4D97-AF65-F5344CB8AC3E}">
-        <p14:creationId xmlns:p14="http://schemas.microsoft.com/office/powerpoint/2010/main" val="2541831491"/>
+        <p14:creationId xmlns:p14="http://schemas.microsoft.com/office/powerpoint/2010/main" val="2447277414"/>
       </p:ext>
     </p:extLst>
   </p:cSld>
@@ -2387,7 +2389,7 @@
     </p:spTree>
     <p:extLst>
       <p:ext uri="{BB962C8B-B14F-4D97-AF65-F5344CB8AC3E}">
-        <p14:creationId xmlns:p14="http://schemas.microsoft.com/office/powerpoint/2010/main" val="1235518293"/>
+        <p14:creationId xmlns:p14="http://schemas.microsoft.com/office/powerpoint/2010/main" val="2541831491"/>
       </p:ext>
     </p:extLst>
   </p:cSld>
@@ -2500,7 +2502,7 @@
     </p:spTree>
     <p:extLst>
       <p:ext uri="{BB962C8B-B14F-4D97-AF65-F5344CB8AC3E}">
-        <p14:creationId xmlns:p14="http://schemas.microsoft.com/office/powerpoint/2010/main" val="628657066"/>
+        <p14:creationId xmlns:p14="http://schemas.microsoft.com/office/powerpoint/2010/main" val="1235518293"/>
       </p:ext>
     </p:extLst>
   </p:cSld>
@@ -2613,7 +2615,7 @@
     </p:spTree>
     <p:extLst>
       <p:ext uri="{BB962C8B-B14F-4D97-AF65-F5344CB8AC3E}">
-        <p14:creationId xmlns:p14="http://schemas.microsoft.com/office/powerpoint/2010/main" val="4238929785"/>
+        <p14:creationId xmlns:p14="http://schemas.microsoft.com/office/powerpoint/2010/main" val="628657066"/>
       </p:ext>
     </p:extLst>
   </p:cSld>
@@ -2726,7 +2728,7 @@
     </p:spTree>
     <p:extLst>
       <p:ext uri="{BB962C8B-B14F-4D97-AF65-F5344CB8AC3E}">
-        <p14:creationId xmlns:p14="http://schemas.microsoft.com/office/powerpoint/2010/main" val="3206267"/>
+        <p14:creationId xmlns:p14="http://schemas.microsoft.com/office/powerpoint/2010/main" val="4238929785"/>
       </p:ext>
     </p:extLst>
   </p:cSld>
@@ -2839,7 +2841,7 @@
     </p:spTree>
     <p:extLst>
       <p:ext uri="{BB962C8B-B14F-4D97-AF65-F5344CB8AC3E}">
-        <p14:creationId xmlns:p14="http://schemas.microsoft.com/office/powerpoint/2010/main" val="2893805767"/>
+        <p14:creationId xmlns:p14="http://schemas.microsoft.com/office/powerpoint/2010/main" val="3206267"/>
       </p:ext>
     </p:extLst>
   </p:cSld>
@@ -2952,7 +2954,7 @@
     </p:spTree>
     <p:extLst>
       <p:ext uri="{BB962C8B-B14F-4D97-AF65-F5344CB8AC3E}">
-        <p14:creationId xmlns:p14="http://schemas.microsoft.com/office/powerpoint/2010/main" val="3387624565"/>
+        <p14:creationId xmlns:p14="http://schemas.microsoft.com/office/powerpoint/2010/main" val="2893805767"/>
       </p:ext>
     </p:extLst>
   </p:cSld>
@@ -3065,7 +3067,7 @@
     </p:spTree>
     <p:extLst>
       <p:ext uri="{BB962C8B-B14F-4D97-AF65-F5344CB8AC3E}">
-        <p14:creationId xmlns:p14="http://schemas.microsoft.com/office/powerpoint/2010/main" val="2417738753"/>
+        <p14:creationId xmlns:p14="http://schemas.microsoft.com/office/powerpoint/2010/main" val="3387624565"/>
       </p:ext>
     </p:extLst>
   </p:cSld>
@@ -3178,7 +3180,7 @@
     </p:spTree>
     <p:extLst>
       <p:ext uri="{BB962C8B-B14F-4D97-AF65-F5344CB8AC3E}">
-        <p14:creationId xmlns:p14="http://schemas.microsoft.com/office/powerpoint/2010/main" val="1905791387"/>
+        <p14:creationId xmlns:p14="http://schemas.microsoft.com/office/powerpoint/2010/main" val="2417738753"/>
       </p:ext>
     </p:extLst>
   </p:cSld>
@@ -3289,6 +3291,11 @@
         </p:txBody>
       </p:sp>
     </p:spTree>
+    <p:extLst>
+      <p:ext uri="{BB962C8B-B14F-4D97-AF65-F5344CB8AC3E}">
+        <p14:creationId xmlns:p14="http://schemas.microsoft.com/office/powerpoint/2010/main" val="1905791387"/>
+      </p:ext>
+    </p:extLst>
   </p:cSld>
   <p:clrMapOvr>
     <a:masterClrMapping/>
@@ -3397,11 +3404,6 @@
         </p:txBody>
       </p:sp>
     </p:spTree>
-    <p:extLst>
-      <p:ext uri="{BB962C8B-B14F-4D97-AF65-F5344CB8AC3E}">
-        <p14:creationId xmlns:p14="http://schemas.microsoft.com/office/powerpoint/2010/main" val="771477743"/>
-      </p:ext>
-    </p:extLst>
   </p:cSld>
   <p:clrMapOvr>
     <a:masterClrMapping/>
@@ -3625,7 +3627,7 @@
     </p:spTree>
     <p:extLst>
       <p:ext uri="{BB962C8B-B14F-4D97-AF65-F5344CB8AC3E}">
-        <p14:creationId xmlns:p14="http://schemas.microsoft.com/office/powerpoint/2010/main" val="3746780126"/>
+        <p14:creationId xmlns:p14="http://schemas.microsoft.com/office/powerpoint/2010/main" val="535934517"/>
       </p:ext>
     </p:extLst>
   </p:cSld>
@@ -3738,7 +3740,7 @@
     </p:spTree>
     <p:extLst>
       <p:ext uri="{BB962C8B-B14F-4D97-AF65-F5344CB8AC3E}">
-        <p14:creationId xmlns:p14="http://schemas.microsoft.com/office/powerpoint/2010/main" val="3721719894"/>
+        <p14:creationId xmlns:p14="http://schemas.microsoft.com/office/powerpoint/2010/main" val="771477743"/>
       </p:ext>
     </p:extLst>
   </p:cSld>
@@ -3851,7 +3853,7 @@
     </p:spTree>
     <p:extLst>
       <p:ext uri="{BB962C8B-B14F-4D97-AF65-F5344CB8AC3E}">
-        <p14:creationId xmlns:p14="http://schemas.microsoft.com/office/powerpoint/2010/main" val="3547022922"/>
+        <p14:creationId xmlns:p14="http://schemas.microsoft.com/office/powerpoint/2010/main" val="3746780126"/>
       </p:ext>
     </p:extLst>
   </p:cSld>
@@ -3964,7 +3966,7 @@
     </p:spTree>
     <p:extLst>
       <p:ext uri="{BB962C8B-B14F-4D97-AF65-F5344CB8AC3E}">
-        <p14:creationId xmlns:p14="http://schemas.microsoft.com/office/powerpoint/2010/main" val="1623031093"/>
+        <p14:creationId xmlns:p14="http://schemas.microsoft.com/office/powerpoint/2010/main" val="3721719894"/>
       </p:ext>
     </p:extLst>
   </p:cSld>
@@ -4077,7 +4079,7 @@
     </p:spTree>
     <p:extLst>
       <p:ext uri="{BB962C8B-B14F-4D97-AF65-F5344CB8AC3E}">
-        <p14:creationId xmlns:p14="http://schemas.microsoft.com/office/powerpoint/2010/main" val="1465114104"/>
+        <p14:creationId xmlns:p14="http://schemas.microsoft.com/office/powerpoint/2010/main" val="3547022922"/>
       </p:ext>
     </p:extLst>
   </p:cSld>
@@ -4190,7 +4192,7 @@
     </p:spTree>
     <p:extLst>
       <p:ext uri="{BB962C8B-B14F-4D97-AF65-F5344CB8AC3E}">
-        <p14:creationId xmlns:p14="http://schemas.microsoft.com/office/powerpoint/2010/main" val="4258270789"/>
+        <p14:creationId xmlns:p14="http://schemas.microsoft.com/office/powerpoint/2010/main" val="1623031093"/>
       </p:ext>
     </p:extLst>
   </p:cSld>
@@ -4303,7 +4305,7 @@
     </p:spTree>
     <p:extLst>
       <p:ext uri="{BB962C8B-B14F-4D97-AF65-F5344CB8AC3E}">
-        <p14:creationId xmlns:p14="http://schemas.microsoft.com/office/powerpoint/2010/main" val="2500765791"/>
+        <p14:creationId xmlns:p14="http://schemas.microsoft.com/office/powerpoint/2010/main" val="1465114104"/>
       </p:ext>
     </p:extLst>
   </p:cSld>
@@ -4416,7 +4418,7 @@
     </p:spTree>
     <p:extLst>
       <p:ext uri="{BB962C8B-B14F-4D97-AF65-F5344CB8AC3E}">
-        <p14:creationId xmlns:p14="http://schemas.microsoft.com/office/powerpoint/2010/main" val="1385543928"/>
+        <p14:creationId xmlns:p14="http://schemas.microsoft.com/office/powerpoint/2010/main" val="4258270789"/>
       </p:ext>
     </p:extLst>
   </p:cSld>
@@ -4529,7 +4531,7 @@
     </p:spTree>
     <p:extLst>
       <p:ext uri="{BB962C8B-B14F-4D97-AF65-F5344CB8AC3E}">
-        <p14:creationId xmlns:p14="http://schemas.microsoft.com/office/powerpoint/2010/main" val="3807145206"/>
+        <p14:creationId xmlns:p14="http://schemas.microsoft.com/office/powerpoint/2010/main" val="2500765791"/>
       </p:ext>
     </p:extLst>
   </p:cSld>
@@ -4642,7 +4644,7 @@
     </p:spTree>
     <p:extLst>
       <p:ext uri="{BB962C8B-B14F-4D97-AF65-F5344CB8AC3E}">
-        <p14:creationId xmlns:p14="http://schemas.microsoft.com/office/powerpoint/2010/main" val="4065608804"/>
+        <p14:creationId xmlns:p14="http://schemas.microsoft.com/office/powerpoint/2010/main" val="1385543928"/>
       </p:ext>
     </p:extLst>
   </p:cSld>
@@ -4868,7 +4870,7 @@
     </p:spTree>
     <p:extLst>
       <p:ext uri="{BB962C8B-B14F-4D97-AF65-F5344CB8AC3E}">
-        <p14:creationId xmlns:p14="http://schemas.microsoft.com/office/powerpoint/2010/main" val="2364293364"/>
+        <p14:creationId xmlns:p14="http://schemas.microsoft.com/office/powerpoint/2010/main" val="3807145206"/>
       </p:ext>
     </p:extLst>
   </p:cSld>
@@ -4981,7 +4983,7 @@
     </p:spTree>
     <p:extLst>
       <p:ext uri="{BB962C8B-B14F-4D97-AF65-F5344CB8AC3E}">
-        <p14:creationId xmlns:p14="http://schemas.microsoft.com/office/powerpoint/2010/main" val="1071922155"/>
+        <p14:creationId xmlns:p14="http://schemas.microsoft.com/office/powerpoint/2010/main" val="4065608804"/>
       </p:ext>
     </p:extLst>
   </p:cSld>
@@ -5094,7 +5096,7 @@
     </p:spTree>
     <p:extLst>
       <p:ext uri="{BB962C8B-B14F-4D97-AF65-F5344CB8AC3E}">
-        <p14:creationId xmlns:p14="http://schemas.microsoft.com/office/powerpoint/2010/main" val="1194908484"/>
+        <p14:creationId xmlns:p14="http://schemas.microsoft.com/office/powerpoint/2010/main" val="2364293364"/>
       </p:ext>
     </p:extLst>
   </p:cSld>
@@ -5207,7 +5209,7 @@
     </p:spTree>
     <p:extLst>
       <p:ext uri="{BB962C8B-B14F-4D97-AF65-F5344CB8AC3E}">
-        <p14:creationId xmlns:p14="http://schemas.microsoft.com/office/powerpoint/2010/main" val="1626545986"/>
+        <p14:creationId xmlns:p14="http://schemas.microsoft.com/office/powerpoint/2010/main" val="1071922155"/>
       </p:ext>
     </p:extLst>
   </p:cSld>
@@ -5320,7 +5322,7 @@
     </p:spTree>
     <p:extLst>
       <p:ext uri="{BB962C8B-B14F-4D97-AF65-F5344CB8AC3E}">
-        <p14:creationId xmlns:p14="http://schemas.microsoft.com/office/powerpoint/2010/main" val="1164434959"/>
+        <p14:creationId xmlns:p14="http://schemas.microsoft.com/office/powerpoint/2010/main" val="1194908484"/>
       </p:ext>
     </p:extLst>
   </p:cSld>
@@ -5433,7 +5435,7 @@
     </p:spTree>
     <p:extLst>
       <p:ext uri="{BB962C8B-B14F-4D97-AF65-F5344CB8AC3E}">
-        <p14:creationId xmlns:p14="http://schemas.microsoft.com/office/powerpoint/2010/main" val="4153692282"/>
+        <p14:creationId xmlns:p14="http://schemas.microsoft.com/office/powerpoint/2010/main" val="1626545986"/>
       </p:ext>
     </p:extLst>
   </p:cSld>
@@ -5546,7 +5548,7 @@
     </p:spTree>
     <p:extLst>
       <p:ext uri="{BB962C8B-B14F-4D97-AF65-F5344CB8AC3E}">
-        <p14:creationId xmlns:p14="http://schemas.microsoft.com/office/powerpoint/2010/main" val="3358957628"/>
+        <p14:creationId xmlns:p14="http://schemas.microsoft.com/office/powerpoint/2010/main" val="1164434959"/>
       </p:ext>
     </p:extLst>
   </p:cSld>
@@ -5659,7 +5661,7 @@
     </p:spTree>
     <p:extLst>
       <p:ext uri="{BB962C8B-B14F-4D97-AF65-F5344CB8AC3E}">
-        <p14:creationId xmlns:p14="http://schemas.microsoft.com/office/powerpoint/2010/main" val="363776712"/>
+        <p14:creationId xmlns:p14="http://schemas.microsoft.com/office/powerpoint/2010/main" val="4153692282"/>
       </p:ext>
     </p:extLst>
   </p:cSld>
@@ -5772,7 +5774,7 @@
     </p:spTree>
     <p:extLst>
       <p:ext uri="{BB962C8B-B14F-4D97-AF65-F5344CB8AC3E}">
-        <p14:creationId xmlns:p14="http://schemas.microsoft.com/office/powerpoint/2010/main" val="1075318367"/>
+        <p14:creationId xmlns:p14="http://schemas.microsoft.com/office/powerpoint/2010/main" val="3358957628"/>
       </p:ext>
     </p:extLst>
   </p:cSld>
@@ -5885,7 +5887,7 @@
     </p:spTree>
     <p:extLst>
       <p:ext uri="{BB962C8B-B14F-4D97-AF65-F5344CB8AC3E}">
-        <p14:creationId xmlns:p14="http://schemas.microsoft.com/office/powerpoint/2010/main" val="901597788"/>
+        <p14:creationId xmlns:p14="http://schemas.microsoft.com/office/powerpoint/2010/main" val="363776712"/>
       </p:ext>
     </p:extLst>
   </p:cSld>
@@ -6111,7 +6113,7 @@
     </p:spTree>
     <p:extLst>
       <p:ext uri="{BB962C8B-B14F-4D97-AF65-F5344CB8AC3E}">
-        <p14:creationId xmlns:p14="http://schemas.microsoft.com/office/powerpoint/2010/main" val="3206590913"/>
+        <p14:creationId xmlns:p14="http://schemas.microsoft.com/office/powerpoint/2010/main" val="1075318367"/>
       </p:ext>
     </p:extLst>
   </p:cSld>
@@ -6224,7 +6226,7 @@
     </p:spTree>
     <p:extLst>
       <p:ext uri="{BB962C8B-B14F-4D97-AF65-F5344CB8AC3E}">
-        <p14:creationId xmlns:p14="http://schemas.microsoft.com/office/powerpoint/2010/main" val="190050032"/>
+        <p14:creationId xmlns:p14="http://schemas.microsoft.com/office/powerpoint/2010/main" val="901597788"/>
       </p:ext>
     </p:extLst>
   </p:cSld>
@@ -6337,7 +6339,7 @@
     </p:spTree>
     <p:extLst>
       <p:ext uri="{BB962C8B-B14F-4D97-AF65-F5344CB8AC3E}">
-        <p14:creationId xmlns:p14="http://schemas.microsoft.com/office/powerpoint/2010/main" val="969012064"/>
+        <p14:creationId xmlns:p14="http://schemas.microsoft.com/office/powerpoint/2010/main" val="3206590913"/>
       </p:ext>
     </p:extLst>
   </p:cSld>
@@ -6450,6 +6452,232 @@
     </p:spTree>
     <p:extLst>
       <p:ext uri="{BB962C8B-B14F-4D97-AF65-F5344CB8AC3E}">
+        <p14:creationId xmlns:p14="http://schemas.microsoft.com/office/powerpoint/2010/main" val="190050032"/>
+      </p:ext>
+    </p:extLst>
+  </p:cSld>
+  <p:clrMapOvr>
+    <a:masterClrMapping/>
+  </p:clrMapOvr>
+</p:notes>
+</file>
+
+<file path=ppt/notesSlides/notesSlide54.xml><?xml version="1.0" encoding="utf-8"?>
+<p:notes xmlns:a="http://schemas.openxmlformats.org/drawingml/2006/main" xmlns:r="http://schemas.openxmlformats.org/officeDocument/2006/relationships" xmlns:p="http://schemas.openxmlformats.org/presentationml/2006/main">
+  <p:cSld>
+    <p:spTree>
+      <p:nvGrpSpPr>
+        <p:cNvPr id="1" name=""/>
+        <p:cNvGrpSpPr/>
+        <p:nvPr/>
+      </p:nvGrpSpPr>
+      <p:grpSpPr>
+        <a:xfrm>
+          <a:off x="0" y="0"/>
+          <a:ext cx="0" cy="0"/>
+          <a:chOff x="0" y="0"/>
+          <a:chExt cx="0" cy="0"/>
+        </a:xfrm>
+      </p:grpSpPr>
+      <p:sp>
+        <p:nvSpPr>
+          <p:cNvPr id="31746" name="Rectangle 2"/>
+          <p:cNvSpPr>
+            <a:spLocks noGrp="1" noRot="1" noChangeAspect="1" noChangeArrowheads="1" noTextEdit="1"/>
+          </p:cNvSpPr>
+          <p:nvPr>
+            <p:ph type="sldImg"/>
+          </p:nvPr>
+        </p:nvSpPr>
+        <p:spPr bwMode="auto">
+          <a:noFill/>
+          <a:ln>
+            <a:solidFill>
+              <a:srgbClr val="000000"/>
+            </a:solidFill>
+            <a:miter lim="800000"/>
+            <a:headEnd/>
+            <a:tailEnd/>
+          </a:ln>
+          <a:extLst>
+            <a:ext uri="{909E8E84-426E-40DD-AFC4-6F175D3DCCD1}">
+              <a14:hiddenFill xmlns:a14="http://schemas.microsoft.com/office/drawing/2010/main">
+                <a:solidFill>
+                  <a:srgbClr val="FFFFFF"/>
+                </a:solidFill>
+              </a14:hiddenFill>
+            </a:ext>
+          </a:extLst>
+        </p:spPr>
+      </p:sp>
+      <p:sp>
+        <p:nvSpPr>
+          <p:cNvPr id="31747" name="Rectangle 3"/>
+          <p:cNvSpPr>
+            <a:spLocks noGrp="1" noChangeArrowheads="1"/>
+          </p:cNvSpPr>
+          <p:nvPr>
+            <p:ph type="body" idx="1"/>
+          </p:nvPr>
+        </p:nvSpPr>
+        <p:spPr bwMode="auto">
+          <a:noFill/>
+          <a:extLst>
+            <a:ext uri="{909E8E84-426E-40DD-AFC4-6F175D3DCCD1}">
+              <a14:hiddenFill xmlns:a14="http://schemas.microsoft.com/office/drawing/2010/main">
+                <a:solidFill>
+                  <a:srgbClr val="FFFFFF"/>
+                </a:solidFill>
+              </a14:hiddenFill>
+            </a:ext>
+            <a:ext uri="{91240B29-F687-4F45-9708-019B960494DF}">
+              <a14:hiddenLine xmlns:a14="http://schemas.microsoft.com/office/drawing/2010/main" w="9525">
+                <a:solidFill>
+                  <a:srgbClr val="000000"/>
+                </a:solidFill>
+                <a:miter lim="800000"/>
+                <a:headEnd/>
+                <a:tailEnd/>
+              </a14:hiddenLine>
+            </a:ext>
+          </a:extLst>
+        </p:spPr>
+        <p:txBody>
+          <a:bodyPr wrap="square" numCol="1" anchor="t" anchorCtr="0" compatLnSpc="1">
+            <a:prstTxWarp prst="textNoShape">
+              <a:avLst/>
+            </a:prstTxWarp>
+          </a:bodyPr>
+          <a:lstStyle/>
+          <a:p>
+            <a:pPr eaLnBrk="1" hangingPunct="1">
+              <a:spcBef>
+                <a:spcPct val="0"/>
+              </a:spcBef>
+            </a:pPr>
+            <a:endParaRPr lang="en-US">
+              <a:latin typeface="Helvetica"/>
+              <a:ea typeface="MS PGothic" pitchFamily="34" charset="-128"/>
+            </a:endParaRPr>
+          </a:p>
+        </p:txBody>
+      </p:sp>
+    </p:spTree>
+    <p:extLst>
+      <p:ext uri="{BB962C8B-B14F-4D97-AF65-F5344CB8AC3E}">
+        <p14:creationId xmlns:p14="http://schemas.microsoft.com/office/powerpoint/2010/main" val="969012064"/>
+      </p:ext>
+    </p:extLst>
+  </p:cSld>
+  <p:clrMapOvr>
+    <a:masterClrMapping/>
+  </p:clrMapOvr>
+</p:notes>
+</file>
+
+<file path=ppt/notesSlides/notesSlide55.xml><?xml version="1.0" encoding="utf-8"?>
+<p:notes xmlns:a="http://schemas.openxmlformats.org/drawingml/2006/main" xmlns:r="http://schemas.openxmlformats.org/officeDocument/2006/relationships" xmlns:p="http://schemas.openxmlformats.org/presentationml/2006/main">
+  <p:cSld>
+    <p:spTree>
+      <p:nvGrpSpPr>
+        <p:cNvPr id="1" name=""/>
+        <p:cNvGrpSpPr/>
+        <p:nvPr/>
+      </p:nvGrpSpPr>
+      <p:grpSpPr>
+        <a:xfrm>
+          <a:off x="0" y="0"/>
+          <a:ext cx="0" cy="0"/>
+          <a:chOff x="0" y="0"/>
+          <a:chExt cx="0" cy="0"/>
+        </a:xfrm>
+      </p:grpSpPr>
+      <p:sp>
+        <p:nvSpPr>
+          <p:cNvPr id="31746" name="Rectangle 2"/>
+          <p:cNvSpPr>
+            <a:spLocks noGrp="1" noRot="1" noChangeAspect="1" noChangeArrowheads="1" noTextEdit="1"/>
+          </p:cNvSpPr>
+          <p:nvPr>
+            <p:ph type="sldImg"/>
+          </p:nvPr>
+        </p:nvSpPr>
+        <p:spPr bwMode="auto">
+          <a:noFill/>
+          <a:ln>
+            <a:solidFill>
+              <a:srgbClr val="000000"/>
+            </a:solidFill>
+            <a:miter lim="800000"/>
+            <a:headEnd/>
+            <a:tailEnd/>
+          </a:ln>
+          <a:extLst>
+            <a:ext uri="{909E8E84-426E-40DD-AFC4-6F175D3DCCD1}">
+              <a14:hiddenFill xmlns:a14="http://schemas.microsoft.com/office/drawing/2010/main">
+                <a:solidFill>
+                  <a:srgbClr val="FFFFFF"/>
+                </a:solidFill>
+              </a14:hiddenFill>
+            </a:ext>
+          </a:extLst>
+        </p:spPr>
+      </p:sp>
+      <p:sp>
+        <p:nvSpPr>
+          <p:cNvPr id="31747" name="Rectangle 3"/>
+          <p:cNvSpPr>
+            <a:spLocks noGrp="1" noChangeArrowheads="1"/>
+          </p:cNvSpPr>
+          <p:nvPr>
+            <p:ph type="body" idx="1"/>
+          </p:nvPr>
+        </p:nvSpPr>
+        <p:spPr bwMode="auto">
+          <a:noFill/>
+          <a:extLst>
+            <a:ext uri="{909E8E84-426E-40DD-AFC4-6F175D3DCCD1}">
+              <a14:hiddenFill xmlns:a14="http://schemas.microsoft.com/office/drawing/2010/main">
+                <a:solidFill>
+                  <a:srgbClr val="FFFFFF"/>
+                </a:solidFill>
+              </a14:hiddenFill>
+            </a:ext>
+            <a:ext uri="{91240B29-F687-4F45-9708-019B960494DF}">
+              <a14:hiddenLine xmlns:a14="http://schemas.microsoft.com/office/drawing/2010/main" w="9525">
+                <a:solidFill>
+                  <a:srgbClr val="000000"/>
+                </a:solidFill>
+                <a:miter lim="800000"/>
+                <a:headEnd/>
+                <a:tailEnd/>
+              </a14:hiddenLine>
+            </a:ext>
+          </a:extLst>
+        </p:spPr>
+        <p:txBody>
+          <a:bodyPr wrap="square" numCol="1" anchor="t" anchorCtr="0" compatLnSpc="1">
+            <a:prstTxWarp prst="textNoShape">
+              <a:avLst/>
+            </a:prstTxWarp>
+          </a:bodyPr>
+          <a:lstStyle/>
+          <a:p>
+            <a:pPr eaLnBrk="1" hangingPunct="1">
+              <a:spcBef>
+                <a:spcPct val="0"/>
+              </a:spcBef>
+            </a:pPr>
+            <a:endParaRPr lang="en-US">
+              <a:latin typeface="Helvetica"/>
+              <a:ea typeface="MS PGothic" pitchFamily="34" charset="-128"/>
+            </a:endParaRPr>
+          </a:p>
+        </p:txBody>
+      </p:sp>
+    </p:spTree>
+    <p:extLst>
+      <p:ext uri="{BB962C8B-B14F-4D97-AF65-F5344CB8AC3E}">
         <p14:creationId xmlns:p14="http://schemas.microsoft.com/office/powerpoint/2010/main" val="2820941517"/>
       </p:ext>
     </p:extLst>
@@ -6460,7 +6688,7 @@
 </p:notes>
 </file>
 
-<file path=ppt/notesSlides/notesSlide54.xml><?xml version="1.0" encoding="utf-8"?>
+<file path=ppt/notesSlides/notesSlide56.xml><?xml version="1.0" encoding="utf-8"?>
 <p:notes xmlns:a="http://schemas.openxmlformats.org/drawingml/2006/main" xmlns:r="http://schemas.openxmlformats.org/officeDocument/2006/relationships" xmlns:p="http://schemas.openxmlformats.org/presentationml/2006/main">
   <p:cSld>
     <p:spTree>
@@ -6545,7 +6773,7 @@
             <a:fld id="{AA177954-F820-4125-B6DD-F07DB14523EB}" type="slidenum">
               <a:rPr lang="en-US" smtClean="0"/>
               <a:pPr/>
-              <a:t>59</a:t>
+              <a:t>61</a:t>
             </a:fld>
             <a:endParaRPr lang="en-US"/>
           </a:p>
@@ -38163,15 +38391,7 @@
           <a:p>
             <a:r>
               <a:rPr lang="en-US" dirty="0"/>
-              <a:t>AWS </a:t>
-            </a:r>
-            <a:r>
-              <a:rPr lang="en-US" dirty="0" err="1"/>
-              <a:t>GuardDuty</a:t>
-            </a:r>
-            <a:r>
-              <a:rPr lang="en-US" dirty="0"/>
-              <a:t> – Use case</a:t>
+              <a:t>AWS Security Hub –Use cases</a:t>
             </a:r>
           </a:p>
         </p:txBody>
@@ -38215,7 +38435,7 @@
         <p:spPr>
           <a:xfrm>
             <a:off x="742950" y="1114425"/>
-            <a:ext cx="11260628" cy="4524315"/>
+            <a:ext cx="11260628" cy="1754326"/>
           </a:xfrm>
           <a:prstGeom prst="rect">
             <a:avLst/>
@@ -38234,8 +38454,17 @@
             </a:pPr>
             <a:r>
               <a:rPr lang="en-US" dirty="0"/>
-              <a:t>Monitor and protect their AWS accounts, workloads, and data stored in Amazon S3</a:t>
+              <a:t>Amazon </a:t>
             </a:r>
+            <a:r>
+              <a:rPr lang="en-US" dirty="0" err="1"/>
+              <a:t>GuardDuty</a:t>
+            </a:r>
+            <a:r>
+              <a:rPr lang="en-US"/>
+              <a:t> Integrations</a:t>
+            </a:r>
+            <a:endParaRPr lang="en-US" dirty="0"/>
           </a:p>
           <a:p>
             <a:pPr marL="285750" indent="-285750">
@@ -38243,8 +38472,8 @@
               <a:buChar char="•"/>
             </a:pPr>
             <a:r>
-              <a:rPr lang="en-IN" dirty="0"/>
-              <a:t>AWS CloudTrail Management Events (AWS user and API activity ), AWS CloudTrail S3 Data Events ( S3 activity), Amazon VPC Flow Logs, and DNS Logs.</a:t>
+              <a:rPr lang="en-US" dirty="0"/>
+              <a:t>Amazon Inspector for out bound integration, </a:t>
             </a:r>
           </a:p>
           <a:p>
@@ -38253,102 +38482,38 @@
               <a:buChar char="•"/>
             </a:pPr>
             <a:r>
-              <a:rPr lang="en-IN" dirty="0"/>
-              <a:t>Account compromise. Example include:</a:t>
+              <a:rPr lang="en-US" dirty="0"/>
+              <a:t>Amazon Macie In bound Integration</a:t>
             </a:r>
           </a:p>
           <a:p>
-            <a:pPr marL="742950" lvl="1" indent="-285750">
+            <a:pPr marL="285750" indent="-285750">
               <a:buFont typeface="Arial" panose="020B0604020202020204" pitchFamily="34" charset="0"/>
               <a:buChar char="•"/>
             </a:pPr>
             <a:r>
               <a:rPr lang="en-US" dirty="0"/>
-              <a:t>Access of AWS resources from an unusual geo-location at an atypical time of day. </a:t>
+              <a:t> AWS Identity and Access Management (IAM) Access Analyzer Inbound Integration</a:t>
             </a:r>
           </a:p>
           <a:p>
-            <a:pPr marL="742950" lvl="1" indent="-285750">
+            <a:pPr marL="285750" indent="-285750">
               <a:buFont typeface="Arial" panose="020B0604020202020204" pitchFamily="34" charset="0"/>
               <a:buChar char="•"/>
             </a:pPr>
             <a:r>
               <a:rPr lang="en-US" dirty="0"/>
-              <a:t>Checks for unusual API calls, such as attempts to obscure account activity by disabling CloudTrail logging or </a:t>
+              <a:t>AWS Systems Manager integration, </a:t>
             </a:r>
           </a:p>
           <a:p>
-            <a:pPr marL="742950" lvl="1" indent="-285750">
+            <a:pPr marL="285750" indent="-285750">
               <a:buFont typeface="Arial" panose="020B0604020202020204" pitchFamily="34" charset="0"/>
               <a:buChar char="•"/>
             </a:pPr>
             <a:r>
               <a:rPr lang="en-US" dirty="0"/>
-              <a:t>Taking snapshots of a database from a malicious IP address.</a:t>
-            </a:r>
-            <a:r>
-              <a:rPr lang="en-IN" dirty="0"/>
-              <a:t> </a:t>
-            </a:r>
-          </a:p>
-          <a:p>
-            <a:pPr marL="285750" indent="-285750">
-              <a:buFont typeface="Arial" panose="020B0604020202020204" pitchFamily="34" charset="0"/>
-              <a:buChar char="•"/>
-            </a:pPr>
-            <a:r>
-              <a:rPr lang="en-IN" dirty="0"/>
-              <a:t>Instance compromise. Example include:</a:t>
-            </a:r>
-          </a:p>
-          <a:p>
-            <a:pPr marL="742950" lvl="1" indent="-285750">
-              <a:buFont typeface="Arial" panose="020B0604020202020204" pitchFamily="34" charset="0"/>
-              <a:buChar char="•"/>
-            </a:pPr>
-            <a:r>
-              <a:rPr lang="en-US" dirty="0"/>
-              <a:t>Cryptocurrency mining, </a:t>
-            </a:r>
-          </a:p>
-          <a:p>
-            <a:pPr marL="742950" lvl="1" indent="-285750">
-              <a:buFont typeface="Arial" panose="020B0604020202020204" pitchFamily="34" charset="0"/>
-              <a:buChar char="•"/>
-            </a:pPr>
-            <a:r>
-              <a:rPr lang="en-US" dirty="0"/>
-              <a:t>Backdoor command and control (C&amp;C) activity, </a:t>
-            </a:r>
-          </a:p>
-          <a:p>
-            <a:pPr marL="742950" lvl="1" indent="-285750">
-              <a:buFont typeface="Arial" panose="020B0604020202020204" pitchFamily="34" charset="0"/>
-              <a:buChar char="•"/>
-            </a:pPr>
-            <a:r>
-              <a:rPr lang="en-US" dirty="0"/>
-              <a:t>Malware using domain generation algorithms (DGA), </a:t>
-            </a:r>
-          </a:p>
-          <a:p>
-            <a:pPr marL="742950" lvl="1" indent="-285750">
-              <a:buFont typeface="Arial" panose="020B0604020202020204" pitchFamily="34" charset="0"/>
-              <a:buChar char="•"/>
-            </a:pPr>
-            <a:r>
-              <a:rPr lang="en-US" dirty="0"/>
-              <a:t>Outbound denial of service activity, unusually high volume of network traffic, unusual network protocols, outbound instance communication with a known malicious IP, temporary Amazon EC2 credentials used by an external IP address, and </a:t>
-            </a:r>
-          </a:p>
-          <a:p>
-            <a:pPr marL="742950" lvl="1" indent="-285750">
-              <a:buFont typeface="Arial" panose="020B0604020202020204" pitchFamily="34" charset="0"/>
-              <a:buChar char="•"/>
-            </a:pPr>
-            <a:r>
-              <a:rPr lang="en-US" dirty="0"/>
-              <a:t>Data exfiltration using DNS.</a:t>
+              <a:t>AWS Firewall Manager integration</a:t>
             </a:r>
             <a:endParaRPr lang="en-IN" dirty="0"/>
           </a:p>
@@ -38357,7 +38522,7 @@
     </p:spTree>
     <p:extLst>
       <p:ext uri="{BB962C8B-B14F-4D97-AF65-F5344CB8AC3E}">
-        <p14:creationId xmlns:p14="http://schemas.microsoft.com/office/powerpoint/2010/main" val="2014370893"/>
+        <p14:creationId xmlns:p14="http://schemas.microsoft.com/office/powerpoint/2010/main" val="1319802403"/>
       </p:ext>
     </p:extLst>
   </p:cSld>
@@ -38465,7 +38630,7 @@
         <p:spPr>
           <a:xfrm>
             <a:off x="742950" y="1114425"/>
-            <a:ext cx="11260628" cy="3693319"/>
+            <a:ext cx="11260628" cy="4524315"/>
           </a:xfrm>
           <a:prstGeom prst="rect">
             <a:avLst/>
@@ -38483,8 +38648,28 @@
               <a:buChar char="•"/>
             </a:pPr>
             <a:r>
+              <a:rPr lang="en-US" dirty="0"/>
+              <a:t>Monitor and protect their AWS accounts, workloads, and data stored in Amazon S3</a:t>
+            </a:r>
+          </a:p>
+          <a:p>
+            <a:pPr marL="285750" indent="-285750">
+              <a:buFont typeface="Arial" panose="020B0604020202020204" pitchFamily="34" charset="0"/>
+              <a:buChar char="•"/>
+            </a:pPr>
+            <a:r>
               <a:rPr lang="en-IN" dirty="0"/>
-              <a:t>Malicious reconnaissance. Example include:</a:t>
+              <a:t>AWS CloudTrail Management Events (AWS user and API activity ), AWS CloudTrail S3 Data Events ( S3 activity), Amazon VPC Flow Logs, and DNS Logs.</a:t>
+            </a:r>
+          </a:p>
+          <a:p>
+            <a:pPr marL="285750" indent="-285750">
+              <a:buFont typeface="Arial" panose="020B0604020202020204" pitchFamily="34" charset="0"/>
+              <a:buChar char="•"/>
+            </a:pPr>
+            <a:r>
+              <a:rPr lang="en-IN" dirty="0"/>
+              <a:t>Account compromise. Example include:</a:t>
             </a:r>
           </a:p>
           <a:p>
@@ -38494,7 +38679,7 @@
             </a:pPr>
             <a:r>
               <a:rPr lang="en-US" dirty="0"/>
-              <a:t>API calls from an unusual geolocation or anonymizing proxy, </a:t>
+              <a:t>Access of AWS resources from an unusual geo-location at an atypical time of day. </a:t>
             </a:r>
           </a:p>
           <a:p>
@@ -38504,7 +38689,7 @@
             </a:pPr>
             <a:r>
               <a:rPr lang="en-US" dirty="0"/>
-              <a:t>Attempts to disable AWS CloudTrail logging, Changes that weaken the account password policy</a:t>
+              <a:t>Checks for unusual API calls, such as attempts to obscure account activity by disabling CloudTrail logging or </a:t>
             </a:r>
           </a:p>
           <a:p>
@@ -38514,7 +38699,21 @@
             </a:pPr>
             <a:r>
               <a:rPr lang="en-US" dirty="0"/>
-              <a:t>Unusual instance or infrastructure launches, </a:t>
+              <a:t>Taking snapshots of a database from a malicious IP address.</a:t>
+            </a:r>
+            <a:r>
+              <a:rPr lang="en-IN" dirty="0"/>
+              <a:t> </a:t>
+            </a:r>
+          </a:p>
+          <a:p>
+            <a:pPr marL="285750" indent="-285750">
+              <a:buFont typeface="Arial" panose="020B0604020202020204" pitchFamily="34" charset="0"/>
+              <a:buChar char="•"/>
+            </a:pPr>
+            <a:r>
+              <a:rPr lang="en-IN" dirty="0"/>
+              <a:t>Instance compromise. Example include:</a:t>
             </a:r>
           </a:p>
           <a:p>
@@ -38524,7 +38723,7 @@
             </a:pPr>
             <a:r>
               <a:rPr lang="en-US" dirty="0"/>
-              <a:t>Infrastructure deployments in an unusual region, and </a:t>
+              <a:t>Cryptocurrency mining, </a:t>
             </a:r>
           </a:p>
           <a:p>
@@ -38534,21 +38733,7 @@
             </a:pPr>
             <a:r>
               <a:rPr lang="en-US" dirty="0"/>
-              <a:t>API calls from known malicious IP addresses.</a:t>
-            </a:r>
-            <a:r>
-              <a:rPr lang="en-IN" dirty="0"/>
-              <a:t> </a:t>
-            </a:r>
-          </a:p>
-          <a:p>
-            <a:pPr marL="285750" indent="-285750">
-              <a:buFont typeface="Arial" panose="020B0604020202020204" pitchFamily="34" charset="0"/>
-              <a:buChar char="•"/>
-            </a:pPr>
-            <a:r>
-              <a:rPr lang="en-IN" dirty="0"/>
-              <a:t>Bucket compromise. Example include:</a:t>
+              <a:t>Backdoor command and control (C&amp;C) activity, </a:t>
             </a:r>
           </a:p>
           <a:p>
@@ -38558,7 +38743,7 @@
             </a:pPr>
             <a:r>
               <a:rPr lang="en-US" dirty="0"/>
-              <a:t>Suspicious data access patterns indicating credential misuse, </a:t>
+              <a:t>Malware using domain generation algorithms (DGA), </a:t>
             </a:r>
           </a:p>
           <a:p>
@@ -38568,7 +38753,7 @@
             </a:pPr>
             <a:r>
               <a:rPr lang="en-US" dirty="0"/>
-              <a:t>Unusual S3 API activity from a remote host, </a:t>
+              <a:t>Outbound denial of service activity, unusually high volume of network traffic, unusual network protocols, outbound instance communication with a known malicious IP, temporary Amazon EC2 credentials used by an external IP address, and </a:t>
             </a:r>
           </a:p>
           <a:p>
@@ -38578,24 +38763,8 @@
             </a:pPr>
             <a:r>
               <a:rPr lang="en-US" dirty="0"/>
-              <a:t>Unauthorized S3 access from known malicious IP addresses, and </a:t>
+              <a:t>Data exfiltration using DNS.</a:t>
             </a:r>
-          </a:p>
-          <a:p>
-            <a:pPr marL="742950" lvl="1" indent="-285750">
-              <a:buFont typeface="Arial" panose="020B0604020202020204" pitchFamily="34" charset="0"/>
-              <a:buChar char="•"/>
-            </a:pPr>
-            <a:r>
-              <a:rPr lang="en-US" dirty="0"/>
-              <a:t>API calls to retrieve data in S3 buckets from user that had no prior history of accessing the bucket or invoked from an unusual location. </a:t>
-            </a:r>
-          </a:p>
-          <a:p>
-            <a:pPr marL="742950" lvl="1" indent="-285750">
-              <a:buFont typeface="Arial" panose="020B0604020202020204" pitchFamily="34" charset="0"/>
-              <a:buChar char="•"/>
-            </a:pPr>
             <a:endParaRPr lang="en-IN" dirty="0"/>
           </a:p>
         </p:txBody>
@@ -38603,7 +38772,7 @@
     </p:spTree>
     <p:extLst>
       <p:ext uri="{BB962C8B-B14F-4D97-AF65-F5344CB8AC3E}">
-        <p14:creationId xmlns:p14="http://schemas.microsoft.com/office/powerpoint/2010/main" val="3436016095"/>
+        <p14:creationId xmlns:p14="http://schemas.microsoft.com/office/powerpoint/2010/main" val="2014370893"/>
       </p:ext>
     </p:extLst>
   </p:cSld>
@@ -39102,7 +39271,15 @@
           <a:p>
             <a:r>
               <a:rPr lang="en-US" dirty="0"/>
-              <a:t>AWS Guard Duty (cost) </a:t>
+              <a:t>AWS </a:t>
+            </a:r>
+            <a:r>
+              <a:rPr lang="en-US" dirty="0" err="1"/>
+              <a:t>GuardDuty</a:t>
+            </a:r>
+            <a:r>
+              <a:rPr lang="en-US" dirty="0"/>
+              <a:t> – Use case</a:t>
             </a:r>
           </a:p>
         </p:txBody>
@@ -39126,6 +39303,244 @@
               <a:rPr lang="en-US" smtClean="0"/>
               <a:pPr/>
               <a:t>20</a:t>
+            </a:fld>
+            <a:endParaRPr lang="en-US"/>
+          </a:p>
+        </p:txBody>
+      </p:sp>
+      <p:sp>
+        <p:nvSpPr>
+          <p:cNvPr id="5" name="TextBox 4">
+            <a:extLst>
+              <a:ext uri="{FF2B5EF4-FFF2-40B4-BE49-F238E27FC236}">
+                <a16:creationId xmlns:a16="http://schemas.microsoft.com/office/drawing/2014/main" id="{062434DD-856A-4124-8A2C-9DA3D3976447}"/>
+              </a:ext>
+            </a:extLst>
+          </p:cNvPr>
+          <p:cNvSpPr txBox="1"/>
+          <p:nvPr/>
+        </p:nvSpPr>
+        <p:spPr>
+          <a:xfrm>
+            <a:off x="742950" y="1114425"/>
+            <a:ext cx="11260628" cy="3693319"/>
+          </a:xfrm>
+          <a:prstGeom prst="rect">
+            <a:avLst/>
+          </a:prstGeom>
+          <a:noFill/>
+        </p:spPr>
+        <p:txBody>
+          <a:bodyPr wrap="square" rtlCol="0">
+            <a:spAutoFit/>
+          </a:bodyPr>
+          <a:lstStyle/>
+          <a:p>
+            <a:pPr marL="285750" indent="-285750">
+              <a:buFont typeface="Arial" panose="020B0604020202020204" pitchFamily="34" charset="0"/>
+              <a:buChar char="•"/>
+            </a:pPr>
+            <a:r>
+              <a:rPr lang="en-IN" dirty="0"/>
+              <a:t>Malicious reconnaissance. Example include:</a:t>
+            </a:r>
+          </a:p>
+          <a:p>
+            <a:pPr marL="742950" lvl="1" indent="-285750">
+              <a:buFont typeface="Arial" panose="020B0604020202020204" pitchFamily="34" charset="0"/>
+              <a:buChar char="•"/>
+            </a:pPr>
+            <a:r>
+              <a:rPr lang="en-US" dirty="0"/>
+              <a:t>API calls from an unusual geolocation or anonymizing proxy, </a:t>
+            </a:r>
+          </a:p>
+          <a:p>
+            <a:pPr marL="742950" lvl="1" indent="-285750">
+              <a:buFont typeface="Arial" panose="020B0604020202020204" pitchFamily="34" charset="0"/>
+              <a:buChar char="•"/>
+            </a:pPr>
+            <a:r>
+              <a:rPr lang="en-US" dirty="0"/>
+              <a:t>Attempts to disable AWS CloudTrail logging, Changes that weaken the account password policy</a:t>
+            </a:r>
+          </a:p>
+          <a:p>
+            <a:pPr marL="742950" lvl="1" indent="-285750">
+              <a:buFont typeface="Arial" panose="020B0604020202020204" pitchFamily="34" charset="0"/>
+              <a:buChar char="•"/>
+            </a:pPr>
+            <a:r>
+              <a:rPr lang="en-US" dirty="0"/>
+              <a:t>Unusual instance or infrastructure launches, </a:t>
+            </a:r>
+          </a:p>
+          <a:p>
+            <a:pPr marL="742950" lvl="1" indent="-285750">
+              <a:buFont typeface="Arial" panose="020B0604020202020204" pitchFamily="34" charset="0"/>
+              <a:buChar char="•"/>
+            </a:pPr>
+            <a:r>
+              <a:rPr lang="en-US" dirty="0"/>
+              <a:t>Infrastructure deployments in an unusual region, and </a:t>
+            </a:r>
+          </a:p>
+          <a:p>
+            <a:pPr marL="742950" lvl="1" indent="-285750">
+              <a:buFont typeface="Arial" panose="020B0604020202020204" pitchFamily="34" charset="0"/>
+              <a:buChar char="•"/>
+            </a:pPr>
+            <a:r>
+              <a:rPr lang="en-US" dirty="0"/>
+              <a:t>API calls from known malicious IP addresses.</a:t>
+            </a:r>
+            <a:r>
+              <a:rPr lang="en-IN" dirty="0"/>
+              <a:t> </a:t>
+            </a:r>
+          </a:p>
+          <a:p>
+            <a:pPr marL="285750" indent="-285750">
+              <a:buFont typeface="Arial" panose="020B0604020202020204" pitchFamily="34" charset="0"/>
+              <a:buChar char="•"/>
+            </a:pPr>
+            <a:r>
+              <a:rPr lang="en-IN" dirty="0"/>
+              <a:t>Bucket compromise. Example include:</a:t>
+            </a:r>
+          </a:p>
+          <a:p>
+            <a:pPr marL="742950" lvl="1" indent="-285750">
+              <a:buFont typeface="Arial" panose="020B0604020202020204" pitchFamily="34" charset="0"/>
+              <a:buChar char="•"/>
+            </a:pPr>
+            <a:r>
+              <a:rPr lang="en-US" dirty="0"/>
+              <a:t>Suspicious data access patterns indicating credential misuse, </a:t>
+            </a:r>
+          </a:p>
+          <a:p>
+            <a:pPr marL="742950" lvl="1" indent="-285750">
+              <a:buFont typeface="Arial" panose="020B0604020202020204" pitchFamily="34" charset="0"/>
+              <a:buChar char="•"/>
+            </a:pPr>
+            <a:r>
+              <a:rPr lang="en-US" dirty="0"/>
+              <a:t>Unusual S3 API activity from a remote host, </a:t>
+            </a:r>
+          </a:p>
+          <a:p>
+            <a:pPr marL="742950" lvl="1" indent="-285750">
+              <a:buFont typeface="Arial" panose="020B0604020202020204" pitchFamily="34" charset="0"/>
+              <a:buChar char="•"/>
+            </a:pPr>
+            <a:r>
+              <a:rPr lang="en-US" dirty="0"/>
+              <a:t>Unauthorized S3 access from known malicious IP addresses, and </a:t>
+            </a:r>
+          </a:p>
+          <a:p>
+            <a:pPr marL="742950" lvl="1" indent="-285750">
+              <a:buFont typeface="Arial" panose="020B0604020202020204" pitchFamily="34" charset="0"/>
+              <a:buChar char="•"/>
+            </a:pPr>
+            <a:r>
+              <a:rPr lang="en-US" dirty="0"/>
+              <a:t>API calls to retrieve data in S3 buckets from user that had no prior history of accessing the bucket or invoked from an unusual location. </a:t>
+            </a:r>
+          </a:p>
+          <a:p>
+            <a:pPr marL="742950" lvl="1" indent="-285750">
+              <a:buFont typeface="Arial" panose="020B0604020202020204" pitchFamily="34" charset="0"/>
+              <a:buChar char="•"/>
+            </a:pPr>
+            <a:endParaRPr lang="en-IN" dirty="0"/>
+          </a:p>
+        </p:txBody>
+      </p:sp>
+    </p:spTree>
+    <p:extLst>
+      <p:ext uri="{BB962C8B-B14F-4D97-AF65-F5344CB8AC3E}">
+        <p14:creationId xmlns:p14="http://schemas.microsoft.com/office/powerpoint/2010/main" val="3436016095"/>
+      </p:ext>
+    </p:extLst>
+  </p:cSld>
+  <p:clrMapOvr>
+    <a:masterClrMapping/>
+  </p:clrMapOvr>
+  <mc:AlternateContent xmlns:mc="http://schemas.openxmlformats.org/markup-compatibility/2006" xmlns:p14="http://schemas.microsoft.com/office/powerpoint/2010/main">
+    <mc:Choice Requires="p14">
+      <p:transition spd="med" p14:dur="700">
+        <p:fade/>
+      </p:transition>
+    </mc:Choice>
+    <mc:Fallback xmlns="">
+      <p:transition spd="med">
+        <p:fade/>
+      </p:transition>
+    </mc:Fallback>
+  </mc:AlternateContent>
+</p:sld>
+</file>
+
+<file path=ppt/slides/slide21.xml><?xml version="1.0" encoding="utf-8"?>
+<p:sld xmlns:a="http://schemas.openxmlformats.org/drawingml/2006/main" xmlns:r="http://schemas.openxmlformats.org/officeDocument/2006/relationships" xmlns:p="http://schemas.openxmlformats.org/presentationml/2006/main">
+  <p:cSld>
+    <p:spTree>
+      <p:nvGrpSpPr>
+        <p:cNvPr id="1" name=""/>
+        <p:cNvGrpSpPr/>
+        <p:nvPr/>
+      </p:nvGrpSpPr>
+      <p:grpSpPr>
+        <a:xfrm>
+          <a:off x="0" y="0"/>
+          <a:ext cx="0" cy="0"/>
+          <a:chOff x="0" y="0"/>
+          <a:chExt cx="0" cy="0"/>
+        </a:xfrm>
+      </p:grpSpPr>
+      <p:sp>
+        <p:nvSpPr>
+          <p:cNvPr id="17410" name="Rectangle 2"/>
+          <p:cNvSpPr>
+            <a:spLocks noGrp="1" noChangeArrowheads="1"/>
+          </p:cNvSpPr>
+          <p:nvPr>
+            <p:ph type="title"/>
+          </p:nvPr>
+        </p:nvSpPr>
+        <p:spPr/>
+        <p:txBody>
+          <a:bodyPr/>
+          <a:lstStyle/>
+          <a:p>
+            <a:r>
+              <a:rPr lang="en-US" dirty="0"/>
+              <a:t>AWS Guard Duty (cost) </a:t>
+            </a:r>
+          </a:p>
+        </p:txBody>
+      </p:sp>
+      <p:sp>
+        <p:nvSpPr>
+          <p:cNvPr id="4" name="Slide Number Placeholder 3"/>
+          <p:cNvSpPr>
+            <a:spLocks noGrp="1"/>
+          </p:cNvSpPr>
+          <p:nvPr>
+            <p:ph type="sldNum" sz="quarter" idx="12"/>
+          </p:nvPr>
+        </p:nvSpPr>
+        <p:spPr/>
+        <p:txBody>
+          <a:bodyPr/>
+          <a:lstStyle/>
+          <a:p>
+            <a:fld id="{D92B6165-2E63-41A3-8905-D7634EBC6D44}" type="slidenum">
+              <a:rPr lang="en-US" smtClean="0"/>
+              <a:pPr/>
+              <a:t>21</a:t>
             </a:fld>
             <a:endParaRPr lang="en-US"/>
           </a:p>
@@ -39222,7 +39637,7 @@
 </p:sld>
 </file>
 
-<file path=ppt/slides/slide21.xml><?xml version="1.0" encoding="utf-8"?>
+<file path=ppt/slides/slide22.xml><?xml version="1.0" encoding="utf-8"?>
 <p:sld xmlns:a="http://schemas.openxmlformats.org/drawingml/2006/main" xmlns:r="http://schemas.openxmlformats.org/officeDocument/2006/relationships" xmlns:p="http://schemas.openxmlformats.org/presentationml/2006/main">
   <p:cSld>
     <p:spTree>
@@ -39279,7 +39694,7 @@
             <a:fld id="{D92B6165-2E63-41A3-8905-D7634EBC6D44}" type="slidenum">
               <a:rPr lang="en-US" smtClean="0"/>
               <a:pPr/>
-              <a:t>21</a:t>
+              <a:t>22</a:t>
             </a:fld>
             <a:endParaRPr lang="en-US"/>
           </a:p>
@@ -39385,7 +39800,7 @@
 </p:sld>
 </file>
 
-<file path=ppt/slides/slide22.xml><?xml version="1.0" encoding="utf-8"?>
+<file path=ppt/slides/slide23.xml><?xml version="1.0" encoding="utf-8"?>
 <p:sld xmlns:a="http://schemas.openxmlformats.org/drawingml/2006/main" xmlns:r="http://schemas.openxmlformats.org/officeDocument/2006/relationships" xmlns:p="http://schemas.openxmlformats.org/presentationml/2006/main">
   <p:cSld>
     <p:spTree>
@@ -39442,7 +39857,7 @@
             <a:fld id="{D92B6165-2E63-41A3-8905-D7634EBC6D44}" type="slidenum">
               <a:rPr lang="en-US" smtClean="0"/>
               <a:pPr/>
-              <a:t>22</a:t>
+              <a:t>23</a:t>
             </a:fld>
             <a:endParaRPr lang="en-US"/>
           </a:p>
@@ -40936,94 +41351,6 @@
 </p:sld>
 </file>
 
-<file path=ppt/slides/slide23.xml><?xml version="1.0" encoding="utf-8"?>
-<p:sld xmlns:a="http://schemas.openxmlformats.org/drawingml/2006/main" xmlns:r="http://schemas.openxmlformats.org/officeDocument/2006/relationships" xmlns:p="http://schemas.openxmlformats.org/presentationml/2006/main">
-  <p:cSld>
-    <p:spTree>
-      <p:nvGrpSpPr>
-        <p:cNvPr id="1" name=""/>
-        <p:cNvGrpSpPr/>
-        <p:nvPr/>
-      </p:nvGrpSpPr>
-      <p:grpSpPr>
-        <a:xfrm>
-          <a:off x="0" y="0"/>
-          <a:ext cx="0" cy="0"/>
-          <a:chOff x="0" y="0"/>
-          <a:chExt cx="0" cy="0"/>
-        </a:xfrm>
-      </p:grpSpPr>
-      <p:sp>
-        <p:nvSpPr>
-          <p:cNvPr id="17410" name="Rectangle 2"/>
-          <p:cNvSpPr>
-            <a:spLocks noGrp="1" noChangeArrowheads="1"/>
-          </p:cNvSpPr>
-          <p:nvPr>
-            <p:ph type="title"/>
-          </p:nvPr>
-        </p:nvSpPr>
-        <p:spPr/>
-        <p:txBody>
-          <a:bodyPr/>
-          <a:lstStyle/>
-          <a:p>
-            <a:r>
-              <a:rPr lang="en-US" dirty="0"/>
-              <a:t>AWS CloudTrail (Cost Calculation) – Free Tier </a:t>
-            </a:r>
-          </a:p>
-        </p:txBody>
-      </p:sp>
-      <p:sp>
-        <p:nvSpPr>
-          <p:cNvPr id="4" name="Slide Number Placeholder 3"/>
-          <p:cNvSpPr>
-            <a:spLocks noGrp="1"/>
-          </p:cNvSpPr>
-          <p:nvPr>
-            <p:ph type="sldNum" sz="quarter" idx="12"/>
-          </p:nvPr>
-        </p:nvSpPr>
-        <p:spPr/>
-        <p:txBody>
-          <a:bodyPr/>
-          <a:lstStyle/>
-          <a:p>
-            <a:fld id="{D92B6165-2E63-41A3-8905-D7634EBC6D44}" type="slidenum">
-              <a:rPr lang="en-US" smtClean="0"/>
-              <a:pPr/>
-              <a:t>23</a:t>
-            </a:fld>
-            <a:endParaRPr lang="en-US"/>
-          </a:p>
-        </p:txBody>
-      </p:sp>
-    </p:spTree>
-    <p:extLst>
-      <p:ext uri="{BB962C8B-B14F-4D97-AF65-F5344CB8AC3E}">
-        <p14:creationId xmlns:p14="http://schemas.microsoft.com/office/powerpoint/2010/main" val="500829037"/>
-      </p:ext>
-    </p:extLst>
-  </p:cSld>
-  <p:clrMapOvr>
-    <a:masterClrMapping/>
-  </p:clrMapOvr>
-  <mc:AlternateContent xmlns:mc="http://schemas.openxmlformats.org/markup-compatibility/2006" xmlns:p14="http://schemas.microsoft.com/office/powerpoint/2010/main">
-    <mc:Choice Requires="p14">
-      <p:transition spd="med" p14:dur="700">
-        <p:fade/>
-      </p:transition>
-    </mc:Choice>
-    <mc:Fallback xmlns="">
-      <p:transition spd="med">
-        <p:fade/>
-      </p:transition>
-    </mc:Fallback>
-  </mc:AlternateContent>
-</p:sld>
-</file>
-
 <file path=ppt/slides/slide24.xml><?xml version="1.0" encoding="utf-8"?>
 <p:sld xmlns:a="http://schemas.openxmlformats.org/drawingml/2006/main" xmlns:r="http://schemas.openxmlformats.org/officeDocument/2006/relationships" xmlns:p="http://schemas.openxmlformats.org/presentationml/2006/main">
   <p:cSld>
@@ -41058,7 +41385,7 @@
           <a:p>
             <a:r>
               <a:rPr lang="en-US" dirty="0"/>
-              <a:t>AWS CloudTrail (Cost Calculation) – Paid Tier </a:t>
+              <a:t>AWS CloudTrail (Cost Calculation) – Free Tier </a:t>
             </a:r>
           </a:p>
         </p:txBody>
@@ -41090,7 +41417,7 @@
     </p:spTree>
     <p:extLst>
       <p:ext uri="{BB962C8B-B14F-4D97-AF65-F5344CB8AC3E}">
-        <p14:creationId xmlns:p14="http://schemas.microsoft.com/office/powerpoint/2010/main" val="2043038123"/>
+        <p14:creationId xmlns:p14="http://schemas.microsoft.com/office/powerpoint/2010/main" val="500829037"/>
       </p:ext>
     </p:extLst>
   </p:cSld>
@@ -41146,7 +41473,7 @@
           <a:p>
             <a:r>
               <a:rPr lang="en-US" dirty="0"/>
-              <a:t>AWS Security Hub (cost) </a:t>
+              <a:t>AWS CloudTrail (Cost Calculation) – Paid Tier </a:t>
             </a:r>
           </a:p>
         </p:txBody>
@@ -41170,6 +41497,94 @@
               <a:rPr lang="en-US" smtClean="0"/>
               <a:pPr/>
               <a:t>25</a:t>
+            </a:fld>
+            <a:endParaRPr lang="en-US"/>
+          </a:p>
+        </p:txBody>
+      </p:sp>
+    </p:spTree>
+    <p:extLst>
+      <p:ext uri="{BB962C8B-B14F-4D97-AF65-F5344CB8AC3E}">
+        <p14:creationId xmlns:p14="http://schemas.microsoft.com/office/powerpoint/2010/main" val="2043038123"/>
+      </p:ext>
+    </p:extLst>
+  </p:cSld>
+  <p:clrMapOvr>
+    <a:masterClrMapping/>
+  </p:clrMapOvr>
+  <mc:AlternateContent xmlns:mc="http://schemas.openxmlformats.org/markup-compatibility/2006" xmlns:p14="http://schemas.microsoft.com/office/powerpoint/2010/main">
+    <mc:Choice Requires="p14">
+      <p:transition spd="med" p14:dur="700">
+        <p:fade/>
+      </p:transition>
+    </mc:Choice>
+    <mc:Fallback xmlns="">
+      <p:transition spd="med">
+        <p:fade/>
+      </p:transition>
+    </mc:Fallback>
+  </mc:AlternateContent>
+</p:sld>
+</file>
+
+<file path=ppt/slides/slide26.xml><?xml version="1.0" encoding="utf-8"?>
+<p:sld xmlns:a="http://schemas.openxmlformats.org/drawingml/2006/main" xmlns:r="http://schemas.openxmlformats.org/officeDocument/2006/relationships" xmlns:p="http://schemas.openxmlformats.org/presentationml/2006/main">
+  <p:cSld>
+    <p:spTree>
+      <p:nvGrpSpPr>
+        <p:cNvPr id="1" name=""/>
+        <p:cNvGrpSpPr/>
+        <p:nvPr/>
+      </p:nvGrpSpPr>
+      <p:grpSpPr>
+        <a:xfrm>
+          <a:off x="0" y="0"/>
+          <a:ext cx="0" cy="0"/>
+          <a:chOff x="0" y="0"/>
+          <a:chExt cx="0" cy="0"/>
+        </a:xfrm>
+      </p:grpSpPr>
+      <p:sp>
+        <p:nvSpPr>
+          <p:cNvPr id="17410" name="Rectangle 2"/>
+          <p:cNvSpPr>
+            <a:spLocks noGrp="1" noChangeArrowheads="1"/>
+          </p:cNvSpPr>
+          <p:nvPr>
+            <p:ph type="title"/>
+          </p:nvPr>
+        </p:nvSpPr>
+        <p:spPr/>
+        <p:txBody>
+          <a:bodyPr/>
+          <a:lstStyle/>
+          <a:p>
+            <a:r>
+              <a:rPr lang="en-US" dirty="0"/>
+              <a:t>AWS Security Hub (cost) </a:t>
+            </a:r>
+          </a:p>
+        </p:txBody>
+      </p:sp>
+      <p:sp>
+        <p:nvSpPr>
+          <p:cNvPr id="4" name="Slide Number Placeholder 3"/>
+          <p:cNvSpPr>
+            <a:spLocks noGrp="1"/>
+          </p:cNvSpPr>
+          <p:nvPr>
+            <p:ph type="sldNum" sz="quarter" idx="12"/>
+          </p:nvPr>
+        </p:nvSpPr>
+        <p:spPr/>
+        <p:txBody>
+          <a:bodyPr/>
+          <a:lstStyle/>
+          <a:p>
+            <a:fld id="{D92B6165-2E63-41A3-8905-D7634EBC6D44}" type="slidenum">
+              <a:rPr lang="en-US" smtClean="0"/>
+              <a:pPr/>
+              <a:t>26</a:t>
             </a:fld>
             <a:endParaRPr lang="en-US"/>
           </a:p>
@@ -41698,7 +42113,7 @@
 </p:sld>
 </file>
 
-<file path=ppt/slides/slide26.xml><?xml version="1.0" encoding="utf-8"?>
+<file path=ppt/slides/slide27.xml><?xml version="1.0" encoding="utf-8"?>
 <p:sld xmlns:a="http://schemas.openxmlformats.org/drawingml/2006/main" xmlns:r="http://schemas.openxmlformats.org/officeDocument/2006/relationships" xmlns:p="http://schemas.openxmlformats.org/presentationml/2006/main">
   <p:cSld>
     <p:spTree>
@@ -41755,7 +42170,7 @@
             <a:fld id="{D92B6165-2E63-41A3-8905-D7634EBC6D44}" type="slidenum">
               <a:rPr lang="en-US" smtClean="0"/>
               <a:pPr/>
-              <a:t>26</a:t>
+              <a:t>27</a:t>
             </a:fld>
             <a:endParaRPr lang="en-US"/>
           </a:p>
@@ -41854,7 +42269,7 @@
 </p:sld>
 </file>
 
-<file path=ppt/slides/slide27.xml><?xml version="1.0" encoding="utf-8"?>
+<file path=ppt/slides/slide28.xml><?xml version="1.0" encoding="utf-8"?>
 <p:sld xmlns:a="http://schemas.openxmlformats.org/drawingml/2006/main" xmlns:r="http://schemas.openxmlformats.org/officeDocument/2006/relationships" xmlns:p="http://schemas.openxmlformats.org/presentationml/2006/main">
   <p:cSld>
     <p:spTree>
@@ -41911,7 +42326,7 @@
             <a:fld id="{D92B6165-2E63-41A3-8905-D7634EBC6D44}" type="slidenum">
               <a:rPr lang="en-US" smtClean="0"/>
               <a:pPr/>
-              <a:t>27</a:t>
+              <a:t>28</a:t>
             </a:fld>
             <a:endParaRPr lang="en-US"/>
           </a:p>
@@ -42002,7 +42417,7 @@
 </p:sld>
 </file>
 
-<file path=ppt/slides/slide28.xml><?xml version="1.0" encoding="utf-8"?>
+<file path=ppt/slides/slide29.xml><?xml version="1.0" encoding="utf-8"?>
 <p:sld xmlns:a="http://schemas.openxmlformats.org/drawingml/2006/main" xmlns:r="http://schemas.openxmlformats.org/officeDocument/2006/relationships" xmlns:p="http://schemas.openxmlformats.org/presentationml/2006/main">
   <p:cSld>
     <p:spTree>
@@ -42059,7 +42474,7 @@
             <a:fld id="{D92B6165-2E63-41A3-8905-D7634EBC6D44}" type="slidenum">
               <a:rPr lang="en-US" smtClean="0"/>
               <a:pPr/>
-              <a:t>28</a:t>
+              <a:t>29</a:t>
             </a:fld>
             <a:endParaRPr lang="en-US"/>
           </a:p>
@@ -42187,154 +42602,6 @@
 </p:sld>
 </file>
 
-<file path=ppt/slides/slide29.xml><?xml version="1.0" encoding="utf-8"?>
-<p:sld xmlns:a="http://schemas.openxmlformats.org/drawingml/2006/main" xmlns:r="http://schemas.openxmlformats.org/officeDocument/2006/relationships" xmlns:p="http://schemas.openxmlformats.org/presentationml/2006/main">
-  <p:cSld>
-    <p:spTree>
-      <p:nvGrpSpPr>
-        <p:cNvPr id="1" name=""/>
-        <p:cNvGrpSpPr/>
-        <p:nvPr/>
-      </p:nvGrpSpPr>
-      <p:grpSpPr>
-        <a:xfrm>
-          <a:off x="0" y="0"/>
-          <a:ext cx="0" cy="0"/>
-          <a:chOff x="0" y="0"/>
-          <a:chExt cx="0" cy="0"/>
-        </a:xfrm>
-      </p:grpSpPr>
-      <p:sp>
-        <p:nvSpPr>
-          <p:cNvPr id="17410" name="Rectangle 2"/>
-          <p:cNvSpPr>
-            <a:spLocks noGrp="1" noChangeArrowheads="1"/>
-          </p:cNvSpPr>
-          <p:nvPr>
-            <p:ph type="title"/>
-          </p:nvPr>
-        </p:nvSpPr>
-        <p:spPr/>
-        <p:txBody>
-          <a:bodyPr/>
-          <a:lstStyle/>
-          <a:p>
-            <a:r>
-              <a:rPr lang="en-US" dirty="0"/>
-              <a:t>Azure Defender</a:t>
-            </a:r>
-          </a:p>
-        </p:txBody>
-      </p:sp>
-      <p:sp>
-        <p:nvSpPr>
-          <p:cNvPr id="4" name="Slide Number Placeholder 3"/>
-          <p:cNvSpPr>
-            <a:spLocks noGrp="1"/>
-          </p:cNvSpPr>
-          <p:nvPr>
-            <p:ph type="sldNum" sz="quarter" idx="12"/>
-          </p:nvPr>
-        </p:nvSpPr>
-        <p:spPr/>
-        <p:txBody>
-          <a:bodyPr/>
-          <a:lstStyle/>
-          <a:p>
-            <a:fld id="{D92B6165-2E63-41A3-8905-D7634EBC6D44}" type="slidenum">
-              <a:rPr lang="en-US" smtClean="0"/>
-              <a:pPr/>
-              <a:t>29</a:t>
-            </a:fld>
-            <a:endParaRPr lang="en-US"/>
-          </a:p>
-        </p:txBody>
-      </p:sp>
-      <p:sp>
-        <p:nvSpPr>
-          <p:cNvPr id="2" name="Rectangle 1">
-            <a:extLst>
-              <a:ext uri="{FF2B5EF4-FFF2-40B4-BE49-F238E27FC236}">
-                <a16:creationId xmlns:a16="http://schemas.microsoft.com/office/drawing/2014/main" id="{3B34818F-4EC6-495C-A0E0-30FCB7404BE7}"/>
-              </a:ext>
-            </a:extLst>
-          </p:cNvPr>
-          <p:cNvSpPr/>
-          <p:nvPr/>
-        </p:nvSpPr>
-        <p:spPr>
-          <a:xfrm>
-            <a:off x="329195" y="897873"/>
-            <a:ext cx="10881730" cy="1200329"/>
-          </a:xfrm>
-          <a:prstGeom prst="rect">
-            <a:avLst/>
-          </a:prstGeom>
-        </p:spPr>
-        <p:txBody>
-          <a:bodyPr wrap="square">
-            <a:spAutoFit/>
-          </a:bodyPr>
-          <a:lstStyle/>
-          <a:p>
-            <a:r>
-              <a:rPr lang="en-US" dirty="0"/>
-              <a:t> Azure Defender. Is configured to add additional security alerts and advanced threat detection for certain types of resources.</a:t>
-            </a:r>
-          </a:p>
-          <a:p>
-            <a:r>
-              <a:rPr lang="en-US" dirty="0"/>
-              <a:t>	</a:t>
-            </a:r>
-            <a:r>
-              <a:rPr lang="en-US" dirty="0">
-                <a:solidFill>
-                  <a:srgbClr val="333333"/>
-                </a:solidFill>
-                <a:latin typeface="SegoeUI"/>
-              </a:rPr>
-              <a:t>A</a:t>
-            </a:r>
-            <a:r>
-              <a:rPr lang="en-US" b="0" i="0" dirty="0">
-                <a:solidFill>
-                  <a:srgbClr val="333333"/>
-                </a:solidFill>
-                <a:effectLst/>
-                <a:latin typeface="SegoeUI"/>
-              </a:rPr>
-              <a:t>vailable for servers, app service, Storage, SQL, Key Vault, Resource Manager, DNS, Kubernetes and container registries</a:t>
-            </a:r>
-            <a:endParaRPr lang="en-US" dirty="0"/>
-          </a:p>
-        </p:txBody>
-      </p:sp>
-    </p:spTree>
-    <p:extLst>
-      <p:ext uri="{BB962C8B-B14F-4D97-AF65-F5344CB8AC3E}">
-        <p14:creationId xmlns:p14="http://schemas.microsoft.com/office/powerpoint/2010/main" val="422991025"/>
-      </p:ext>
-    </p:extLst>
-  </p:cSld>
-  <p:clrMapOvr>
-    <a:masterClrMapping/>
-  </p:clrMapOvr>
-  <mc:AlternateContent xmlns:mc="http://schemas.openxmlformats.org/markup-compatibility/2006" xmlns:p14="http://schemas.microsoft.com/office/powerpoint/2010/main">
-    <mc:Choice Requires="p14">
-      <p:transition spd="med" p14:dur="700">
-        <p:fade/>
-      </p:transition>
-    </mc:Choice>
-    <mc:Fallback xmlns="">
-      <p:transition spd="med">
-        <p:fade/>
-      </p:transition>
-    </mc:Fallback>
-  </mc:AlternateContent>
-</p:sld>
-</file>
-
 <file path=ppt/slides/slide3.xml><?xml version="1.0" encoding="utf-8"?>
 <p:sld xmlns:a="http://schemas.openxmlformats.org/drawingml/2006/main" xmlns:r="http://schemas.openxmlformats.org/officeDocument/2006/relationships" xmlns:p="http://schemas.openxmlformats.org/presentationml/2006/main">
   <p:cSld>
@@ -42538,7 +42805,7 @@
           <a:p>
             <a:r>
               <a:rPr lang="en-US" dirty="0"/>
-              <a:t>Azure Defender ( Services covered)</a:t>
+              <a:t>Azure Security Center – Use Case</a:t>
             </a:r>
           </a:p>
         </p:txBody>
@@ -42582,7 +42849,7 @@
         <p:spPr>
           <a:xfrm>
             <a:off x="329195" y="897873"/>
-            <a:ext cx="10881730" cy="3970318"/>
+            <a:ext cx="10881730" cy="2031325"/>
           </a:xfrm>
           <a:prstGeom prst="rect">
             <a:avLst/>
@@ -42594,9 +42861,13 @@
           </a:bodyPr>
           <a:lstStyle/>
           <a:p>
+            <a:pPr marL="285750" indent="-285750">
+              <a:buFont typeface="Arial" panose="020B0604020202020204" pitchFamily="34" charset="0"/>
+              <a:buChar char="•"/>
+            </a:pPr>
             <a:r>
               <a:rPr lang="en-US" dirty="0"/>
-              <a:t> Services Covered: </a:t>
+              <a:t>Strengthen security posture: </a:t>
             </a:r>
           </a:p>
           <a:p>
@@ -42606,7 +42877,17 @@
             </a:pPr>
             <a:r>
               <a:rPr lang="en-US" dirty="0"/>
-              <a:t>Servers</a:t>
+              <a:t>Security Center assesses environment and enables to understand the status of resources(whether they are secure)</a:t>
+            </a:r>
+          </a:p>
+          <a:p>
+            <a:pPr marL="285750" indent="-285750">
+              <a:buFont typeface="Arial" panose="020B0604020202020204" pitchFamily="34" charset="0"/>
+              <a:buChar char="•"/>
+            </a:pPr>
+            <a:r>
+              <a:rPr lang="en-US" dirty="0"/>
+              <a:t>Protect against threats</a:t>
             </a:r>
           </a:p>
           <a:p>
@@ -42616,117 +42897,17 @@
             </a:pPr>
             <a:r>
               <a:rPr lang="en-US" dirty="0"/>
-              <a:t>App Service	</a:t>
+              <a:t>Security Center assesses workloads and raises threat prevention recommendations and security alerts</a:t>
             </a:r>
           </a:p>
           <a:p>
-            <a:pPr marL="742950" lvl="1" indent="-285750">
+            <a:pPr marL="285750" indent="-285750">
               <a:buFont typeface="Arial" panose="020B0604020202020204" pitchFamily="34" charset="0"/>
               <a:buChar char="•"/>
             </a:pPr>
             <a:r>
               <a:rPr lang="en-US" dirty="0"/>
-              <a:t>SQL on Azure	</a:t>
-            </a:r>
-          </a:p>
-          <a:p>
-            <a:pPr marL="742950" lvl="1" indent="-285750">
-              <a:buFont typeface="Arial" panose="020B0604020202020204" pitchFamily="34" charset="0"/>
-              <a:buChar char="•"/>
-            </a:pPr>
-            <a:r>
-              <a:rPr lang="en-US" dirty="0"/>
-              <a:t>SQL outside Azure	</a:t>
-            </a:r>
-          </a:p>
-          <a:p>
-            <a:pPr marL="742950" lvl="1" indent="-285750">
-              <a:buFont typeface="Arial" panose="020B0604020202020204" pitchFamily="34" charset="0"/>
-              <a:buChar char="•"/>
-            </a:pPr>
-            <a:r>
-              <a:rPr lang="en-US" dirty="0"/>
-              <a:t>MySQL	</a:t>
-            </a:r>
-          </a:p>
-          <a:p>
-            <a:pPr marL="742950" lvl="1" indent="-285750">
-              <a:buFont typeface="Arial" panose="020B0604020202020204" pitchFamily="34" charset="0"/>
-              <a:buChar char="•"/>
-            </a:pPr>
-            <a:r>
-              <a:rPr lang="en-US" dirty="0"/>
-              <a:t>PostgreSQL	</a:t>
-            </a:r>
-          </a:p>
-          <a:p>
-            <a:pPr marL="742950" lvl="1" indent="-285750">
-              <a:buFont typeface="Arial" panose="020B0604020202020204" pitchFamily="34" charset="0"/>
-              <a:buChar char="•"/>
-            </a:pPr>
-            <a:r>
-              <a:rPr lang="en-US" dirty="0"/>
-              <a:t>MariaDB	</a:t>
-            </a:r>
-          </a:p>
-          <a:p>
-            <a:pPr marL="742950" lvl="1" indent="-285750">
-              <a:buFont typeface="Arial" panose="020B0604020202020204" pitchFamily="34" charset="0"/>
-              <a:buChar char="•"/>
-            </a:pPr>
-            <a:r>
-              <a:rPr lang="en-US" dirty="0"/>
-              <a:t>Storage - Protect all storage accounts within a subscription1	10K transactions</a:t>
-            </a:r>
-          </a:p>
-          <a:p>
-            <a:pPr marL="742950" lvl="1" indent="-285750">
-              <a:buFont typeface="Arial" panose="020B0604020202020204" pitchFamily="34" charset="0"/>
-              <a:buChar char="•"/>
-            </a:pPr>
-            <a:r>
-              <a:rPr lang="en-US" dirty="0"/>
-              <a:t>Kubernetes	vCore/hour</a:t>
-            </a:r>
-          </a:p>
-          <a:p>
-            <a:pPr marL="742950" lvl="1" indent="-285750">
-              <a:buFont typeface="Arial" panose="020B0604020202020204" pitchFamily="34" charset="0"/>
-              <a:buChar char="•"/>
-            </a:pPr>
-            <a:r>
-              <a:rPr lang="en-US" dirty="0"/>
-              <a:t>ACR	/image</a:t>
-            </a:r>
-          </a:p>
-          <a:p>
-            <a:pPr marL="742950" lvl="1" indent="-285750">
-              <a:buFont typeface="Arial" panose="020B0604020202020204" pitchFamily="34" charset="0"/>
-              <a:buChar char="•"/>
-            </a:pPr>
-            <a:r>
-              <a:rPr lang="en-US" dirty="0"/>
-              <a:t>Key Vault	/10K transactions</a:t>
-            </a:r>
-          </a:p>
-          <a:p>
-            <a:pPr marL="742950" lvl="1" indent="-285750">
-              <a:buFont typeface="Arial" panose="020B0604020202020204" pitchFamily="34" charset="0"/>
-              <a:buChar char="•"/>
-            </a:pPr>
-            <a:r>
-              <a:rPr lang="en-US" dirty="0"/>
-              <a:t>ARM	/1M API calls</a:t>
-            </a:r>
-          </a:p>
-          <a:p>
-            <a:pPr marL="742950" lvl="1" indent="-285750">
-              <a:buFont typeface="Arial" panose="020B0604020202020204" pitchFamily="34" charset="0"/>
-              <a:buChar char="•"/>
-            </a:pPr>
-            <a:r>
-              <a:rPr lang="en-US" dirty="0"/>
-              <a:t>DNS</a:t>
+              <a:t>Cloud workload protection (CWP) </a:t>
             </a:r>
           </a:p>
         </p:txBody>
@@ -42734,7 +42915,7 @@
     </p:spTree>
     <p:extLst>
       <p:ext uri="{BB962C8B-B14F-4D97-AF65-F5344CB8AC3E}">
-        <p14:creationId xmlns:p14="http://schemas.microsoft.com/office/powerpoint/2010/main" val="3740162983"/>
+        <p14:creationId xmlns:p14="http://schemas.microsoft.com/office/powerpoint/2010/main" val="3399247397"/>
       </p:ext>
     </p:extLst>
   </p:cSld>
@@ -42790,7 +42971,7 @@
           <a:p>
             <a:r>
               <a:rPr lang="en-US" dirty="0"/>
-              <a:t>Azure Defender ( Services covered)</a:t>
+              <a:t>Azure Defender</a:t>
             </a:r>
           </a:p>
         </p:txBody>
@@ -42834,7 +43015,7 @@
         <p:spPr>
           <a:xfrm>
             <a:off x="329195" y="897873"/>
-            <a:ext cx="10881730" cy="3970318"/>
+            <a:ext cx="10881730" cy="1200329"/>
           </a:xfrm>
           <a:prstGeom prst="rect">
             <a:avLst/>
@@ -42848,145 +43029,41 @@
           <a:p>
             <a:r>
               <a:rPr lang="en-US" dirty="0"/>
-              <a:t> Services Covered: </a:t>
+              <a:t> Azure Defender. Is configured to add additional security alerts and advanced threat detection for certain types of resources.</a:t>
             </a:r>
           </a:p>
           <a:p>
-            <a:pPr marL="742950" lvl="1" indent="-285750">
-              <a:buFont typeface="Arial" panose="020B0604020202020204" pitchFamily="34" charset="0"/>
-              <a:buChar char="•"/>
-            </a:pPr>
             <a:r>
               <a:rPr lang="en-US" dirty="0"/>
-              <a:t>Servers</a:t>
+              <a:t>	</a:t>
             </a:r>
-          </a:p>
-          <a:p>
-            <a:pPr marL="742950" lvl="1" indent="-285750">
-              <a:buFont typeface="Arial" panose="020B0604020202020204" pitchFamily="34" charset="0"/>
-              <a:buChar char="•"/>
-            </a:pPr>
             <a:r>
-              <a:rPr lang="en-US" dirty="0"/>
-              <a:t>App Service	</a:t>
+              <a:rPr lang="en-US" dirty="0">
+                <a:solidFill>
+                  <a:srgbClr val="333333"/>
+                </a:solidFill>
+                <a:latin typeface="SegoeUI"/>
+              </a:rPr>
+              <a:t>A</a:t>
             </a:r>
-          </a:p>
-          <a:p>
-            <a:pPr marL="742950" lvl="1" indent="-285750">
-              <a:buFont typeface="Arial" panose="020B0604020202020204" pitchFamily="34" charset="0"/>
-              <a:buChar char="•"/>
-            </a:pPr>
             <a:r>
-              <a:rPr lang="en-US" dirty="0"/>
-              <a:t>SQL on Azure	</a:t>
+              <a:rPr lang="en-US" b="0" i="0" dirty="0">
+                <a:solidFill>
+                  <a:srgbClr val="333333"/>
+                </a:solidFill>
+                <a:effectLst/>
+                <a:latin typeface="SegoeUI"/>
+              </a:rPr>
+              <a:t>vailable for servers, app service, Storage, SQL, Key Vault, Resource Manager, DNS, Kubernetes and container registries</a:t>
             </a:r>
-          </a:p>
-          <a:p>
-            <a:pPr marL="742950" lvl="1" indent="-285750">
-              <a:buFont typeface="Arial" panose="020B0604020202020204" pitchFamily="34" charset="0"/>
-              <a:buChar char="•"/>
-            </a:pPr>
-            <a:r>
-              <a:rPr lang="en-US" dirty="0"/>
-              <a:t>SQL outside Azure	</a:t>
-            </a:r>
-          </a:p>
-          <a:p>
-            <a:pPr marL="742950" lvl="1" indent="-285750">
-              <a:buFont typeface="Arial" panose="020B0604020202020204" pitchFamily="34" charset="0"/>
-              <a:buChar char="•"/>
-            </a:pPr>
-            <a:r>
-              <a:rPr lang="en-US" dirty="0"/>
-              <a:t>MySQL	</a:t>
-            </a:r>
-          </a:p>
-          <a:p>
-            <a:pPr marL="742950" lvl="1" indent="-285750">
-              <a:buFont typeface="Arial" panose="020B0604020202020204" pitchFamily="34" charset="0"/>
-              <a:buChar char="•"/>
-            </a:pPr>
-            <a:r>
-              <a:rPr lang="en-US" dirty="0"/>
-              <a:t>PostgreSQL	</a:t>
-            </a:r>
-          </a:p>
-          <a:p>
-            <a:pPr marL="742950" lvl="1" indent="-285750">
-              <a:buFont typeface="Arial" panose="020B0604020202020204" pitchFamily="34" charset="0"/>
-              <a:buChar char="•"/>
-            </a:pPr>
-            <a:r>
-              <a:rPr lang="en-US" dirty="0"/>
-              <a:t>MariaDB	</a:t>
-            </a:r>
-          </a:p>
-          <a:p>
-            <a:pPr marL="742950" lvl="1" indent="-285750">
-              <a:buFont typeface="Arial" panose="020B0604020202020204" pitchFamily="34" charset="0"/>
-              <a:buChar char="•"/>
-            </a:pPr>
-            <a:r>
-              <a:rPr lang="en-US" dirty="0"/>
-              <a:t>Storage - Protect all storage accounts within a subscription1	10K transactions</a:t>
-            </a:r>
-          </a:p>
-          <a:p>
-            <a:pPr marL="742950" lvl="1" indent="-285750">
-              <a:buFont typeface="Arial" panose="020B0604020202020204" pitchFamily="34" charset="0"/>
-              <a:buChar char="•"/>
-            </a:pPr>
-            <a:r>
-              <a:rPr lang="en-US" dirty="0"/>
-              <a:t>Kubernetes	vCore/hour</a:t>
-            </a:r>
-          </a:p>
-          <a:p>
-            <a:pPr marL="742950" lvl="1" indent="-285750">
-              <a:buFont typeface="Arial" panose="020B0604020202020204" pitchFamily="34" charset="0"/>
-              <a:buChar char="•"/>
-            </a:pPr>
-            <a:r>
-              <a:rPr lang="en-US" dirty="0"/>
-              <a:t>ACR	/image</a:t>
-            </a:r>
-          </a:p>
-          <a:p>
-            <a:pPr marL="742950" lvl="1" indent="-285750">
-              <a:buFont typeface="Arial" panose="020B0604020202020204" pitchFamily="34" charset="0"/>
-              <a:buChar char="•"/>
-            </a:pPr>
-            <a:r>
-              <a:rPr lang="en-US" dirty="0"/>
-              <a:t>Key Vault	/10K transactions</a:t>
-            </a:r>
-          </a:p>
-          <a:p>
-            <a:pPr marL="742950" lvl="1" indent="-285750">
-              <a:buFont typeface="Arial" panose="020B0604020202020204" pitchFamily="34" charset="0"/>
-              <a:buChar char="•"/>
-            </a:pPr>
-            <a:r>
-              <a:rPr lang="en-US" dirty="0"/>
-              <a:t>ARM	/1M API calls</a:t>
-            </a:r>
-          </a:p>
-          <a:p>
-            <a:pPr marL="742950" lvl="1" indent="-285750">
-              <a:buFont typeface="Arial" panose="020B0604020202020204" pitchFamily="34" charset="0"/>
-              <a:buChar char="•"/>
-            </a:pPr>
-            <a:r>
-              <a:rPr lang="en-US" dirty="0"/>
-              <a:t>DNS</a:t>
-            </a:r>
+            <a:endParaRPr lang="en-US" dirty="0"/>
           </a:p>
         </p:txBody>
       </p:sp>
     </p:spTree>
     <p:extLst>
       <p:ext uri="{BB962C8B-B14F-4D97-AF65-F5344CB8AC3E}">
-        <p14:creationId xmlns:p14="http://schemas.microsoft.com/office/powerpoint/2010/main" val="3918996066"/>
+        <p14:creationId xmlns:p14="http://schemas.microsoft.com/office/powerpoint/2010/main" val="422991025"/>
       </p:ext>
     </p:extLst>
   </p:cSld>
@@ -43042,12 +43119,8 @@
           <a:p>
             <a:r>
               <a:rPr lang="en-US" dirty="0"/>
-              <a:t>Azure Security Center (cost)</a:t>
+              <a:t>Azure Defender ( Services covered)</a:t>
             </a:r>
-            <a:br>
-              <a:rPr lang="en-US" dirty="0"/>
-            </a:br>
-            <a:endParaRPr lang="en-US" dirty="0"/>
           </a:p>
         </p:txBody>
       </p:sp>
@@ -43070,6 +43143,514 @@
               <a:rPr lang="en-US" smtClean="0"/>
               <a:pPr/>
               <a:t>32</a:t>
+            </a:fld>
+            <a:endParaRPr lang="en-US"/>
+          </a:p>
+        </p:txBody>
+      </p:sp>
+      <p:sp>
+        <p:nvSpPr>
+          <p:cNvPr id="2" name="Rectangle 1">
+            <a:extLst>
+              <a:ext uri="{FF2B5EF4-FFF2-40B4-BE49-F238E27FC236}">
+                <a16:creationId xmlns:a16="http://schemas.microsoft.com/office/drawing/2014/main" id="{3B34818F-4EC6-495C-A0E0-30FCB7404BE7}"/>
+              </a:ext>
+            </a:extLst>
+          </p:cNvPr>
+          <p:cNvSpPr/>
+          <p:nvPr/>
+        </p:nvSpPr>
+        <p:spPr>
+          <a:xfrm>
+            <a:off x="329195" y="897873"/>
+            <a:ext cx="10881730" cy="3970318"/>
+          </a:xfrm>
+          <a:prstGeom prst="rect">
+            <a:avLst/>
+          </a:prstGeom>
+        </p:spPr>
+        <p:txBody>
+          <a:bodyPr wrap="square">
+            <a:spAutoFit/>
+          </a:bodyPr>
+          <a:lstStyle/>
+          <a:p>
+            <a:r>
+              <a:rPr lang="en-US" dirty="0"/>
+              <a:t> Services Covered: </a:t>
+            </a:r>
+          </a:p>
+          <a:p>
+            <a:pPr marL="742950" lvl="1" indent="-285750">
+              <a:buFont typeface="Arial" panose="020B0604020202020204" pitchFamily="34" charset="0"/>
+              <a:buChar char="•"/>
+            </a:pPr>
+            <a:r>
+              <a:rPr lang="en-US" dirty="0"/>
+              <a:t>Servers</a:t>
+            </a:r>
+          </a:p>
+          <a:p>
+            <a:pPr marL="742950" lvl="1" indent="-285750">
+              <a:buFont typeface="Arial" panose="020B0604020202020204" pitchFamily="34" charset="0"/>
+              <a:buChar char="•"/>
+            </a:pPr>
+            <a:r>
+              <a:rPr lang="en-US" dirty="0"/>
+              <a:t>App Service	</a:t>
+            </a:r>
+          </a:p>
+          <a:p>
+            <a:pPr marL="742950" lvl="1" indent="-285750">
+              <a:buFont typeface="Arial" panose="020B0604020202020204" pitchFamily="34" charset="0"/>
+              <a:buChar char="•"/>
+            </a:pPr>
+            <a:r>
+              <a:rPr lang="en-US" dirty="0"/>
+              <a:t>SQL on Azure	</a:t>
+            </a:r>
+          </a:p>
+          <a:p>
+            <a:pPr marL="742950" lvl="1" indent="-285750">
+              <a:buFont typeface="Arial" panose="020B0604020202020204" pitchFamily="34" charset="0"/>
+              <a:buChar char="•"/>
+            </a:pPr>
+            <a:r>
+              <a:rPr lang="en-US" dirty="0"/>
+              <a:t>SQL outside Azure	</a:t>
+            </a:r>
+          </a:p>
+          <a:p>
+            <a:pPr marL="742950" lvl="1" indent="-285750">
+              <a:buFont typeface="Arial" panose="020B0604020202020204" pitchFamily="34" charset="0"/>
+              <a:buChar char="•"/>
+            </a:pPr>
+            <a:r>
+              <a:rPr lang="en-US" dirty="0"/>
+              <a:t>MySQL	</a:t>
+            </a:r>
+          </a:p>
+          <a:p>
+            <a:pPr marL="742950" lvl="1" indent="-285750">
+              <a:buFont typeface="Arial" panose="020B0604020202020204" pitchFamily="34" charset="0"/>
+              <a:buChar char="•"/>
+            </a:pPr>
+            <a:r>
+              <a:rPr lang="en-US" dirty="0"/>
+              <a:t>PostgreSQL	</a:t>
+            </a:r>
+          </a:p>
+          <a:p>
+            <a:pPr marL="742950" lvl="1" indent="-285750">
+              <a:buFont typeface="Arial" panose="020B0604020202020204" pitchFamily="34" charset="0"/>
+              <a:buChar char="•"/>
+            </a:pPr>
+            <a:r>
+              <a:rPr lang="en-US" dirty="0"/>
+              <a:t>MariaDB	</a:t>
+            </a:r>
+          </a:p>
+          <a:p>
+            <a:pPr marL="742950" lvl="1" indent="-285750">
+              <a:buFont typeface="Arial" panose="020B0604020202020204" pitchFamily="34" charset="0"/>
+              <a:buChar char="•"/>
+            </a:pPr>
+            <a:r>
+              <a:rPr lang="en-US" dirty="0"/>
+              <a:t>Storage - Protect all storage accounts within a subscription1	10K transactions</a:t>
+            </a:r>
+          </a:p>
+          <a:p>
+            <a:pPr marL="742950" lvl="1" indent="-285750">
+              <a:buFont typeface="Arial" panose="020B0604020202020204" pitchFamily="34" charset="0"/>
+              <a:buChar char="•"/>
+            </a:pPr>
+            <a:r>
+              <a:rPr lang="en-US" dirty="0"/>
+              <a:t>Kubernetes	vCore/hour</a:t>
+            </a:r>
+          </a:p>
+          <a:p>
+            <a:pPr marL="742950" lvl="1" indent="-285750">
+              <a:buFont typeface="Arial" panose="020B0604020202020204" pitchFamily="34" charset="0"/>
+              <a:buChar char="•"/>
+            </a:pPr>
+            <a:r>
+              <a:rPr lang="en-US" dirty="0"/>
+              <a:t>ACR	/image</a:t>
+            </a:r>
+          </a:p>
+          <a:p>
+            <a:pPr marL="742950" lvl="1" indent="-285750">
+              <a:buFont typeface="Arial" panose="020B0604020202020204" pitchFamily="34" charset="0"/>
+              <a:buChar char="•"/>
+            </a:pPr>
+            <a:r>
+              <a:rPr lang="en-US" dirty="0"/>
+              <a:t>Key Vault	/10K transactions</a:t>
+            </a:r>
+          </a:p>
+          <a:p>
+            <a:pPr marL="742950" lvl="1" indent="-285750">
+              <a:buFont typeface="Arial" panose="020B0604020202020204" pitchFamily="34" charset="0"/>
+              <a:buChar char="•"/>
+            </a:pPr>
+            <a:r>
+              <a:rPr lang="en-US" dirty="0"/>
+              <a:t>ARM	/1M API calls</a:t>
+            </a:r>
+          </a:p>
+          <a:p>
+            <a:pPr marL="742950" lvl="1" indent="-285750">
+              <a:buFont typeface="Arial" panose="020B0604020202020204" pitchFamily="34" charset="0"/>
+              <a:buChar char="•"/>
+            </a:pPr>
+            <a:r>
+              <a:rPr lang="en-US" dirty="0"/>
+              <a:t>DNS</a:t>
+            </a:r>
+          </a:p>
+        </p:txBody>
+      </p:sp>
+    </p:spTree>
+    <p:extLst>
+      <p:ext uri="{BB962C8B-B14F-4D97-AF65-F5344CB8AC3E}">
+        <p14:creationId xmlns:p14="http://schemas.microsoft.com/office/powerpoint/2010/main" val="3740162983"/>
+      </p:ext>
+    </p:extLst>
+  </p:cSld>
+  <p:clrMapOvr>
+    <a:masterClrMapping/>
+  </p:clrMapOvr>
+  <mc:AlternateContent xmlns:mc="http://schemas.openxmlformats.org/markup-compatibility/2006" xmlns:p14="http://schemas.microsoft.com/office/powerpoint/2010/main">
+    <mc:Choice Requires="p14">
+      <p:transition spd="med" p14:dur="700">
+        <p:fade/>
+      </p:transition>
+    </mc:Choice>
+    <mc:Fallback xmlns="">
+      <p:transition spd="med">
+        <p:fade/>
+      </p:transition>
+    </mc:Fallback>
+  </mc:AlternateContent>
+</p:sld>
+</file>
+
+<file path=ppt/slides/slide33.xml><?xml version="1.0" encoding="utf-8"?>
+<p:sld xmlns:a="http://schemas.openxmlformats.org/drawingml/2006/main" xmlns:r="http://schemas.openxmlformats.org/officeDocument/2006/relationships" xmlns:p="http://schemas.openxmlformats.org/presentationml/2006/main">
+  <p:cSld>
+    <p:spTree>
+      <p:nvGrpSpPr>
+        <p:cNvPr id="1" name=""/>
+        <p:cNvGrpSpPr/>
+        <p:nvPr/>
+      </p:nvGrpSpPr>
+      <p:grpSpPr>
+        <a:xfrm>
+          <a:off x="0" y="0"/>
+          <a:ext cx="0" cy="0"/>
+          <a:chOff x="0" y="0"/>
+          <a:chExt cx="0" cy="0"/>
+        </a:xfrm>
+      </p:grpSpPr>
+      <p:sp>
+        <p:nvSpPr>
+          <p:cNvPr id="17410" name="Rectangle 2"/>
+          <p:cNvSpPr>
+            <a:spLocks noGrp="1" noChangeArrowheads="1"/>
+          </p:cNvSpPr>
+          <p:nvPr>
+            <p:ph type="title"/>
+          </p:nvPr>
+        </p:nvSpPr>
+        <p:spPr/>
+        <p:txBody>
+          <a:bodyPr/>
+          <a:lstStyle/>
+          <a:p>
+            <a:r>
+              <a:rPr lang="en-US" dirty="0"/>
+              <a:t>Azure Defender ( Services covered)</a:t>
+            </a:r>
+          </a:p>
+        </p:txBody>
+      </p:sp>
+      <p:sp>
+        <p:nvSpPr>
+          <p:cNvPr id="4" name="Slide Number Placeholder 3"/>
+          <p:cNvSpPr>
+            <a:spLocks noGrp="1"/>
+          </p:cNvSpPr>
+          <p:nvPr>
+            <p:ph type="sldNum" sz="quarter" idx="12"/>
+          </p:nvPr>
+        </p:nvSpPr>
+        <p:spPr/>
+        <p:txBody>
+          <a:bodyPr/>
+          <a:lstStyle/>
+          <a:p>
+            <a:fld id="{D92B6165-2E63-41A3-8905-D7634EBC6D44}" type="slidenum">
+              <a:rPr lang="en-US" smtClean="0"/>
+              <a:pPr/>
+              <a:t>33</a:t>
+            </a:fld>
+            <a:endParaRPr lang="en-US"/>
+          </a:p>
+        </p:txBody>
+      </p:sp>
+      <p:sp>
+        <p:nvSpPr>
+          <p:cNvPr id="2" name="Rectangle 1">
+            <a:extLst>
+              <a:ext uri="{FF2B5EF4-FFF2-40B4-BE49-F238E27FC236}">
+                <a16:creationId xmlns:a16="http://schemas.microsoft.com/office/drawing/2014/main" id="{3B34818F-4EC6-495C-A0E0-30FCB7404BE7}"/>
+              </a:ext>
+            </a:extLst>
+          </p:cNvPr>
+          <p:cNvSpPr/>
+          <p:nvPr/>
+        </p:nvSpPr>
+        <p:spPr>
+          <a:xfrm>
+            <a:off x="329195" y="897873"/>
+            <a:ext cx="10881730" cy="3970318"/>
+          </a:xfrm>
+          <a:prstGeom prst="rect">
+            <a:avLst/>
+          </a:prstGeom>
+        </p:spPr>
+        <p:txBody>
+          <a:bodyPr wrap="square">
+            <a:spAutoFit/>
+          </a:bodyPr>
+          <a:lstStyle/>
+          <a:p>
+            <a:r>
+              <a:rPr lang="en-US" dirty="0"/>
+              <a:t> Services Covered: </a:t>
+            </a:r>
+          </a:p>
+          <a:p>
+            <a:pPr marL="742950" lvl="1" indent="-285750">
+              <a:buFont typeface="Arial" panose="020B0604020202020204" pitchFamily="34" charset="0"/>
+              <a:buChar char="•"/>
+            </a:pPr>
+            <a:r>
+              <a:rPr lang="en-US" dirty="0"/>
+              <a:t>Servers</a:t>
+            </a:r>
+          </a:p>
+          <a:p>
+            <a:pPr marL="742950" lvl="1" indent="-285750">
+              <a:buFont typeface="Arial" panose="020B0604020202020204" pitchFamily="34" charset="0"/>
+              <a:buChar char="•"/>
+            </a:pPr>
+            <a:r>
+              <a:rPr lang="en-US" dirty="0"/>
+              <a:t>App Service	</a:t>
+            </a:r>
+          </a:p>
+          <a:p>
+            <a:pPr marL="742950" lvl="1" indent="-285750">
+              <a:buFont typeface="Arial" panose="020B0604020202020204" pitchFamily="34" charset="0"/>
+              <a:buChar char="•"/>
+            </a:pPr>
+            <a:r>
+              <a:rPr lang="en-US" dirty="0"/>
+              <a:t>SQL on Azure	</a:t>
+            </a:r>
+          </a:p>
+          <a:p>
+            <a:pPr marL="742950" lvl="1" indent="-285750">
+              <a:buFont typeface="Arial" panose="020B0604020202020204" pitchFamily="34" charset="0"/>
+              <a:buChar char="•"/>
+            </a:pPr>
+            <a:r>
+              <a:rPr lang="en-US" dirty="0"/>
+              <a:t>SQL outside Azure	</a:t>
+            </a:r>
+          </a:p>
+          <a:p>
+            <a:pPr marL="742950" lvl="1" indent="-285750">
+              <a:buFont typeface="Arial" panose="020B0604020202020204" pitchFamily="34" charset="0"/>
+              <a:buChar char="•"/>
+            </a:pPr>
+            <a:r>
+              <a:rPr lang="en-US" dirty="0"/>
+              <a:t>MySQL	</a:t>
+            </a:r>
+          </a:p>
+          <a:p>
+            <a:pPr marL="742950" lvl="1" indent="-285750">
+              <a:buFont typeface="Arial" panose="020B0604020202020204" pitchFamily="34" charset="0"/>
+              <a:buChar char="•"/>
+            </a:pPr>
+            <a:r>
+              <a:rPr lang="en-US" dirty="0"/>
+              <a:t>PostgreSQL	</a:t>
+            </a:r>
+          </a:p>
+          <a:p>
+            <a:pPr marL="742950" lvl="1" indent="-285750">
+              <a:buFont typeface="Arial" panose="020B0604020202020204" pitchFamily="34" charset="0"/>
+              <a:buChar char="•"/>
+            </a:pPr>
+            <a:r>
+              <a:rPr lang="en-US" dirty="0"/>
+              <a:t>MariaDB	</a:t>
+            </a:r>
+          </a:p>
+          <a:p>
+            <a:pPr marL="742950" lvl="1" indent="-285750">
+              <a:buFont typeface="Arial" panose="020B0604020202020204" pitchFamily="34" charset="0"/>
+              <a:buChar char="•"/>
+            </a:pPr>
+            <a:r>
+              <a:rPr lang="en-US" dirty="0"/>
+              <a:t>Storage - Protect all storage accounts within a subscription1	10K transactions</a:t>
+            </a:r>
+          </a:p>
+          <a:p>
+            <a:pPr marL="742950" lvl="1" indent="-285750">
+              <a:buFont typeface="Arial" panose="020B0604020202020204" pitchFamily="34" charset="0"/>
+              <a:buChar char="•"/>
+            </a:pPr>
+            <a:r>
+              <a:rPr lang="en-US" dirty="0"/>
+              <a:t>Kubernetes	vCore/hour</a:t>
+            </a:r>
+          </a:p>
+          <a:p>
+            <a:pPr marL="742950" lvl="1" indent="-285750">
+              <a:buFont typeface="Arial" panose="020B0604020202020204" pitchFamily="34" charset="0"/>
+              <a:buChar char="•"/>
+            </a:pPr>
+            <a:r>
+              <a:rPr lang="en-US" dirty="0"/>
+              <a:t>ACR	/image</a:t>
+            </a:r>
+          </a:p>
+          <a:p>
+            <a:pPr marL="742950" lvl="1" indent="-285750">
+              <a:buFont typeface="Arial" panose="020B0604020202020204" pitchFamily="34" charset="0"/>
+              <a:buChar char="•"/>
+            </a:pPr>
+            <a:r>
+              <a:rPr lang="en-US" dirty="0"/>
+              <a:t>Key Vault	/10K transactions</a:t>
+            </a:r>
+          </a:p>
+          <a:p>
+            <a:pPr marL="742950" lvl="1" indent="-285750">
+              <a:buFont typeface="Arial" panose="020B0604020202020204" pitchFamily="34" charset="0"/>
+              <a:buChar char="•"/>
+            </a:pPr>
+            <a:r>
+              <a:rPr lang="en-US" dirty="0"/>
+              <a:t>ARM	/1M API calls</a:t>
+            </a:r>
+          </a:p>
+          <a:p>
+            <a:pPr marL="742950" lvl="1" indent="-285750">
+              <a:buFont typeface="Arial" panose="020B0604020202020204" pitchFamily="34" charset="0"/>
+              <a:buChar char="•"/>
+            </a:pPr>
+            <a:r>
+              <a:rPr lang="en-US" dirty="0"/>
+              <a:t>DNS</a:t>
+            </a:r>
+          </a:p>
+        </p:txBody>
+      </p:sp>
+    </p:spTree>
+    <p:extLst>
+      <p:ext uri="{BB962C8B-B14F-4D97-AF65-F5344CB8AC3E}">
+        <p14:creationId xmlns:p14="http://schemas.microsoft.com/office/powerpoint/2010/main" val="3918996066"/>
+      </p:ext>
+    </p:extLst>
+  </p:cSld>
+  <p:clrMapOvr>
+    <a:masterClrMapping/>
+  </p:clrMapOvr>
+  <mc:AlternateContent xmlns:mc="http://schemas.openxmlformats.org/markup-compatibility/2006" xmlns:p14="http://schemas.microsoft.com/office/powerpoint/2010/main">
+    <mc:Choice Requires="p14">
+      <p:transition spd="med" p14:dur="700">
+        <p:fade/>
+      </p:transition>
+    </mc:Choice>
+    <mc:Fallback xmlns="">
+      <p:transition spd="med">
+        <p:fade/>
+      </p:transition>
+    </mc:Fallback>
+  </mc:AlternateContent>
+</p:sld>
+</file>
+
+<file path=ppt/slides/slide34.xml><?xml version="1.0" encoding="utf-8"?>
+<p:sld xmlns:a="http://schemas.openxmlformats.org/drawingml/2006/main" xmlns:r="http://schemas.openxmlformats.org/officeDocument/2006/relationships" xmlns:p="http://schemas.openxmlformats.org/presentationml/2006/main">
+  <p:cSld>
+    <p:spTree>
+      <p:nvGrpSpPr>
+        <p:cNvPr id="1" name=""/>
+        <p:cNvGrpSpPr/>
+        <p:nvPr/>
+      </p:nvGrpSpPr>
+      <p:grpSpPr>
+        <a:xfrm>
+          <a:off x="0" y="0"/>
+          <a:ext cx="0" cy="0"/>
+          <a:chOff x="0" y="0"/>
+          <a:chExt cx="0" cy="0"/>
+        </a:xfrm>
+      </p:grpSpPr>
+      <p:sp>
+        <p:nvSpPr>
+          <p:cNvPr id="17410" name="Rectangle 2"/>
+          <p:cNvSpPr>
+            <a:spLocks noGrp="1" noChangeArrowheads="1"/>
+          </p:cNvSpPr>
+          <p:nvPr>
+            <p:ph type="title"/>
+          </p:nvPr>
+        </p:nvSpPr>
+        <p:spPr/>
+        <p:txBody>
+          <a:bodyPr/>
+          <a:lstStyle/>
+          <a:p>
+            <a:r>
+              <a:rPr lang="en-US" dirty="0"/>
+              <a:t>Azure Security Center (cost)</a:t>
+            </a:r>
+            <a:br>
+              <a:rPr lang="en-US" dirty="0"/>
+            </a:br>
+            <a:endParaRPr lang="en-US" dirty="0"/>
+          </a:p>
+        </p:txBody>
+      </p:sp>
+      <p:sp>
+        <p:nvSpPr>
+          <p:cNvPr id="4" name="Slide Number Placeholder 3"/>
+          <p:cNvSpPr>
+            <a:spLocks noGrp="1"/>
+          </p:cNvSpPr>
+          <p:nvPr>
+            <p:ph type="sldNum" sz="quarter" idx="12"/>
+          </p:nvPr>
+        </p:nvSpPr>
+        <p:spPr/>
+        <p:txBody>
+          <a:bodyPr/>
+          <a:lstStyle/>
+          <a:p>
+            <a:fld id="{D92B6165-2E63-41A3-8905-D7634EBC6D44}" type="slidenum">
+              <a:rPr lang="en-US" smtClean="0"/>
+              <a:pPr/>
+              <a:t>34</a:t>
             </a:fld>
             <a:endParaRPr lang="en-US"/>
           </a:p>
@@ -43402,7 +43983,7 @@
 </p:sld>
 </file>
 
-<file path=ppt/slides/slide33.xml><?xml version="1.0" encoding="utf-8"?>
+<file path=ppt/slides/slide35.xml><?xml version="1.0" encoding="utf-8"?>
 <p:sld xmlns:a="http://schemas.openxmlformats.org/drawingml/2006/main" xmlns:r="http://schemas.openxmlformats.org/officeDocument/2006/relationships" xmlns:p="http://schemas.openxmlformats.org/presentationml/2006/main">
   <p:cSld>
     <p:spTree>
@@ -43459,7 +44040,7 @@
             <a:fld id="{D92B6165-2E63-41A3-8905-D7634EBC6D44}" type="slidenum">
               <a:rPr lang="en-US" smtClean="0"/>
               <a:pPr/>
-              <a:t>33</a:t>
+              <a:t>35</a:t>
             </a:fld>
             <a:endParaRPr lang="en-US"/>
           </a:p>
@@ -43687,7 +44268,7 @@
 </p:sld>
 </file>
 
-<file path=ppt/slides/slide34.xml><?xml version="1.0" encoding="utf-8"?>
+<file path=ppt/slides/slide36.xml><?xml version="1.0" encoding="utf-8"?>
 <p:sld xmlns:a="http://schemas.openxmlformats.org/drawingml/2006/main" xmlns:r="http://schemas.openxmlformats.org/officeDocument/2006/relationships" xmlns:p="http://schemas.openxmlformats.org/presentationml/2006/main">
   <p:cSld>
     <p:spTree>
@@ -43749,7 +44330,7 @@
             <a:fld id="{D92B6165-2E63-41A3-8905-D7634EBC6D44}" type="slidenum">
               <a:rPr lang="en-US" smtClean="0"/>
               <a:pPr/>
-              <a:t>34</a:t>
+              <a:t>36</a:t>
             </a:fld>
             <a:endParaRPr lang="en-US"/>
           </a:p>
@@ -43810,7 +44391,7 @@
 </p:sld>
 </file>
 
-<file path=ppt/slides/slide35.xml><?xml version="1.0" encoding="utf-8"?>
+<file path=ppt/slides/slide37.xml><?xml version="1.0" encoding="utf-8"?>
 <p:sld xmlns:a="http://schemas.openxmlformats.org/drawingml/2006/main" xmlns:r="http://schemas.openxmlformats.org/officeDocument/2006/relationships" xmlns:p="http://schemas.openxmlformats.org/presentationml/2006/main">
   <p:cSld>
     <p:spTree>
@@ -43872,7 +44453,7 @@
             <a:fld id="{D92B6165-2E63-41A3-8905-D7634EBC6D44}" type="slidenum">
               <a:rPr lang="en-US" smtClean="0"/>
               <a:pPr/>
-              <a:t>35</a:t>
+              <a:t>37</a:t>
             </a:fld>
             <a:endParaRPr lang="en-US"/>
           </a:p>
@@ -43963,7 +44544,7 @@
 </p:sld>
 </file>
 
-<file path=ppt/slides/slide36.xml><?xml version="1.0" encoding="utf-8"?>
+<file path=ppt/slides/slide38.xml><?xml version="1.0" encoding="utf-8"?>
 <p:sld xmlns:a="http://schemas.openxmlformats.org/drawingml/2006/main" xmlns:r="http://schemas.openxmlformats.org/officeDocument/2006/relationships" xmlns:p="http://schemas.openxmlformats.org/presentationml/2006/main">
   <p:cSld>
     <p:spTree>
@@ -44025,7 +44606,7 @@
             <a:fld id="{D92B6165-2E63-41A3-8905-D7634EBC6D44}" type="slidenum">
               <a:rPr lang="en-US" smtClean="0"/>
               <a:pPr/>
-              <a:t>36</a:t>
+              <a:t>38</a:t>
             </a:fld>
             <a:endParaRPr lang="en-US"/>
           </a:p>
@@ -44116,7 +44697,7 @@
 </p:sld>
 </file>
 
-<file path=ppt/slides/slide37.xml><?xml version="1.0" encoding="utf-8"?>
+<file path=ppt/slides/slide39.xml><?xml version="1.0" encoding="utf-8"?>
 <p:sld xmlns:a="http://schemas.openxmlformats.org/drawingml/2006/main" xmlns:r="http://schemas.openxmlformats.org/officeDocument/2006/relationships" xmlns:p="http://schemas.openxmlformats.org/presentationml/2006/main">
   <p:cSld>
     <p:spTree>
@@ -44173,7 +44754,7 @@
             <a:fld id="{D92B6165-2E63-41A3-8905-D7634EBC6D44}" type="slidenum">
               <a:rPr lang="en-US" smtClean="0"/>
               <a:pPr/>
-              <a:t>37</a:t>
+              <a:t>39</a:t>
             </a:fld>
             <a:endParaRPr lang="en-US"/>
           </a:p>
@@ -44213,242 +44794,6 @@
     <p:extLst>
       <p:ext uri="{BB962C8B-B14F-4D97-AF65-F5344CB8AC3E}">
         <p14:creationId xmlns:p14="http://schemas.microsoft.com/office/powerpoint/2010/main" val="433657226"/>
-      </p:ext>
-    </p:extLst>
-  </p:cSld>
-  <p:clrMapOvr>
-    <a:masterClrMapping/>
-  </p:clrMapOvr>
-  <mc:AlternateContent xmlns:mc="http://schemas.openxmlformats.org/markup-compatibility/2006" xmlns:p14="http://schemas.microsoft.com/office/powerpoint/2010/main">
-    <mc:Choice Requires="p14">
-      <p:transition spd="med" p14:dur="700">
-        <p:fade/>
-      </p:transition>
-    </mc:Choice>
-    <mc:Fallback xmlns="">
-      <p:transition spd="med">
-        <p:fade/>
-      </p:transition>
-    </mc:Fallback>
-  </mc:AlternateContent>
-</p:sld>
-</file>
-
-<file path=ppt/slides/slide38.xml><?xml version="1.0" encoding="utf-8"?>
-<p:sld xmlns:a="http://schemas.openxmlformats.org/drawingml/2006/main" xmlns:r="http://schemas.openxmlformats.org/officeDocument/2006/relationships" xmlns:p="http://schemas.openxmlformats.org/presentationml/2006/main">
-  <p:cSld>
-    <p:spTree>
-      <p:nvGrpSpPr>
-        <p:cNvPr id="1" name=""/>
-        <p:cNvGrpSpPr/>
-        <p:nvPr/>
-      </p:nvGrpSpPr>
-      <p:grpSpPr>
-        <a:xfrm>
-          <a:off x="0" y="0"/>
-          <a:ext cx="0" cy="0"/>
-          <a:chOff x="0" y="0"/>
-          <a:chExt cx="0" cy="0"/>
-        </a:xfrm>
-      </p:grpSpPr>
-      <p:sp>
-        <p:nvSpPr>
-          <p:cNvPr id="17410" name="Rectangle 2"/>
-          <p:cNvSpPr>
-            <a:spLocks noGrp="1" noChangeArrowheads="1"/>
-          </p:cNvSpPr>
-          <p:nvPr>
-            <p:ph type="title"/>
-          </p:nvPr>
-        </p:nvSpPr>
-        <p:spPr/>
-        <p:txBody>
-          <a:bodyPr/>
-          <a:lstStyle/>
-          <a:p>
-            <a:r>
-              <a:rPr lang="en-US" dirty="0"/>
-              <a:t>Configuration- AWS Shield</a:t>
-            </a:r>
-          </a:p>
-        </p:txBody>
-      </p:sp>
-      <p:sp>
-        <p:nvSpPr>
-          <p:cNvPr id="4" name="Slide Number Placeholder 3"/>
-          <p:cNvSpPr>
-            <a:spLocks noGrp="1"/>
-          </p:cNvSpPr>
-          <p:nvPr>
-            <p:ph type="sldNum" sz="quarter" idx="12"/>
-          </p:nvPr>
-        </p:nvSpPr>
-        <p:spPr/>
-        <p:txBody>
-          <a:bodyPr/>
-          <a:lstStyle/>
-          <a:p>
-            <a:fld id="{D92B6165-2E63-41A3-8905-D7634EBC6D44}" type="slidenum">
-              <a:rPr lang="en-US" smtClean="0"/>
-              <a:pPr/>
-              <a:t>38</a:t>
-            </a:fld>
-            <a:endParaRPr lang="en-US"/>
-          </a:p>
-        </p:txBody>
-      </p:sp>
-      <p:pic>
-        <p:nvPicPr>
-          <p:cNvPr id="5" name="Picture 4" descr="Graphical user interface, application&#10;&#10;Description automatically generated">
-            <a:extLst>
-              <a:ext uri="{FF2B5EF4-FFF2-40B4-BE49-F238E27FC236}">
-                <a16:creationId xmlns:a16="http://schemas.microsoft.com/office/drawing/2014/main" id="{949FEF7B-850A-41A8-80BB-3DCE5C25B7A7}"/>
-              </a:ext>
-            </a:extLst>
-          </p:cNvPr>
-          <p:cNvPicPr>
-            <a:picLocks noChangeAspect="1"/>
-          </p:cNvPicPr>
-          <p:nvPr/>
-        </p:nvPicPr>
-        <p:blipFill>
-          <a:blip r:embed="rId3"/>
-          <a:stretch>
-            <a:fillRect/>
-          </a:stretch>
-        </p:blipFill>
-        <p:spPr>
-          <a:xfrm>
-            <a:off x="544512" y="1658741"/>
-            <a:ext cx="11080750" cy="3102369"/>
-          </a:xfrm>
-          <a:prstGeom prst="rect">
-            <a:avLst/>
-          </a:prstGeom>
-        </p:spPr>
-      </p:pic>
-    </p:spTree>
-    <p:extLst>
-      <p:ext uri="{BB962C8B-B14F-4D97-AF65-F5344CB8AC3E}">
-        <p14:creationId xmlns:p14="http://schemas.microsoft.com/office/powerpoint/2010/main" val="431766392"/>
-      </p:ext>
-    </p:extLst>
-  </p:cSld>
-  <p:clrMapOvr>
-    <a:masterClrMapping/>
-  </p:clrMapOvr>
-  <mc:AlternateContent xmlns:mc="http://schemas.openxmlformats.org/markup-compatibility/2006" xmlns:p14="http://schemas.microsoft.com/office/powerpoint/2010/main">
-    <mc:Choice Requires="p14">
-      <p:transition spd="med" p14:dur="700">
-        <p:fade/>
-      </p:transition>
-    </mc:Choice>
-    <mc:Fallback xmlns="">
-      <p:transition spd="med">
-        <p:fade/>
-      </p:transition>
-    </mc:Fallback>
-  </mc:AlternateContent>
-</p:sld>
-</file>
-
-<file path=ppt/slides/slide39.xml><?xml version="1.0" encoding="utf-8"?>
-<p:sld xmlns:a="http://schemas.openxmlformats.org/drawingml/2006/main" xmlns:r="http://schemas.openxmlformats.org/officeDocument/2006/relationships" xmlns:p="http://schemas.openxmlformats.org/presentationml/2006/main">
-  <p:cSld>
-    <p:spTree>
-      <p:nvGrpSpPr>
-        <p:cNvPr id="1" name=""/>
-        <p:cNvGrpSpPr/>
-        <p:nvPr/>
-      </p:nvGrpSpPr>
-      <p:grpSpPr>
-        <a:xfrm>
-          <a:off x="0" y="0"/>
-          <a:ext cx="0" cy="0"/>
-          <a:chOff x="0" y="0"/>
-          <a:chExt cx="0" cy="0"/>
-        </a:xfrm>
-      </p:grpSpPr>
-      <p:sp>
-        <p:nvSpPr>
-          <p:cNvPr id="17410" name="Rectangle 2"/>
-          <p:cNvSpPr>
-            <a:spLocks noGrp="1" noChangeArrowheads="1"/>
-          </p:cNvSpPr>
-          <p:nvPr>
-            <p:ph type="title"/>
-          </p:nvPr>
-        </p:nvSpPr>
-        <p:spPr/>
-        <p:txBody>
-          <a:bodyPr/>
-          <a:lstStyle/>
-          <a:p>
-            <a:r>
-              <a:rPr lang="en-US" dirty="0"/>
-              <a:t>Configuration- AWS Security Hub</a:t>
-            </a:r>
-          </a:p>
-        </p:txBody>
-      </p:sp>
-      <p:sp>
-        <p:nvSpPr>
-          <p:cNvPr id="4" name="Slide Number Placeholder 3"/>
-          <p:cNvSpPr>
-            <a:spLocks noGrp="1"/>
-          </p:cNvSpPr>
-          <p:nvPr>
-            <p:ph type="sldNum" sz="quarter" idx="12"/>
-          </p:nvPr>
-        </p:nvSpPr>
-        <p:spPr/>
-        <p:txBody>
-          <a:bodyPr/>
-          <a:lstStyle/>
-          <a:p>
-            <a:fld id="{D92B6165-2E63-41A3-8905-D7634EBC6D44}" type="slidenum">
-              <a:rPr lang="en-US" smtClean="0"/>
-              <a:pPr/>
-              <a:t>39</a:t>
-            </a:fld>
-            <a:endParaRPr lang="en-US"/>
-          </a:p>
-        </p:txBody>
-      </p:sp>
-      <p:pic>
-        <p:nvPicPr>
-          <p:cNvPr id="3" name="Picture 2" descr="Graphical user interface, text, application, email, Teams&#10;&#10;Description automatically generated">
-            <a:extLst>
-              <a:ext uri="{FF2B5EF4-FFF2-40B4-BE49-F238E27FC236}">
-                <a16:creationId xmlns:a16="http://schemas.microsoft.com/office/drawing/2014/main" id="{64EFC96A-4969-4C06-A7A0-4A40CBB69994}"/>
-              </a:ext>
-            </a:extLst>
-          </p:cNvPr>
-          <p:cNvPicPr>
-            <a:picLocks noChangeAspect="1"/>
-          </p:cNvPicPr>
-          <p:nvPr/>
-        </p:nvPicPr>
-        <p:blipFill>
-          <a:blip r:embed="rId3"/>
-          <a:stretch>
-            <a:fillRect/>
-          </a:stretch>
-        </p:blipFill>
-        <p:spPr>
-          <a:xfrm>
-            <a:off x="941387" y="819150"/>
-            <a:ext cx="10306050" cy="5219700"/>
-          </a:xfrm>
-          <a:prstGeom prst="rect">
-            <a:avLst/>
-          </a:prstGeom>
-        </p:spPr>
-      </p:pic>
-    </p:spTree>
-    <p:extLst>
-      <p:ext uri="{BB962C8B-B14F-4D97-AF65-F5344CB8AC3E}">
-        <p14:creationId xmlns:p14="http://schemas.microsoft.com/office/powerpoint/2010/main" val="3738608796"/>
       </p:ext>
     </p:extLst>
   </p:cSld>
@@ -44617,7 +44962,7 @@
           <a:p>
             <a:r>
               <a:rPr lang="en-US" dirty="0"/>
-              <a:t>Configuration- AWS Security Hub</a:t>
+              <a:t>Configuration- AWS Shield</a:t>
             </a:r>
           </a:p>
         </p:txBody>
@@ -44641,6 +44986,242 @@
               <a:rPr lang="en-US" smtClean="0"/>
               <a:pPr/>
               <a:t>40</a:t>
+            </a:fld>
+            <a:endParaRPr lang="en-US"/>
+          </a:p>
+        </p:txBody>
+      </p:sp>
+      <p:pic>
+        <p:nvPicPr>
+          <p:cNvPr id="5" name="Picture 4" descr="Graphical user interface, application&#10;&#10;Description automatically generated">
+            <a:extLst>
+              <a:ext uri="{FF2B5EF4-FFF2-40B4-BE49-F238E27FC236}">
+                <a16:creationId xmlns:a16="http://schemas.microsoft.com/office/drawing/2014/main" id="{949FEF7B-850A-41A8-80BB-3DCE5C25B7A7}"/>
+              </a:ext>
+            </a:extLst>
+          </p:cNvPr>
+          <p:cNvPicPr>
+            <a:picLocks noChangeAspect="1"/>
+          </p:cNvPicPr>
+          <p:nvPr/>
+        </p:nvPicPr>
+        <p:blipFill>
+          <a:blip r:embed="rId3"/>
+          <a:stretch>
+            <a:fillRect/>
+          </a:stretch>
+        </p:blipFill>
+        <p:spPr>
+          <a:xfrm>
+            <a:off x="544512" y="1658741"/>
+            <a:ext cx="11080750" cy="3102369"/>
+          </a:xfrm>
+          <a:prstGeom prst="rect">
+            <a:avLst/>
+          </a:prstGeom>
+        </p:spPr>
+      </p:pic>
+    </p:spTree>
+    <p:extLst>
+      <p:ext uri="{BB962C8B-B14F-4D97-AF65-F5344CB8AC3E}">
+        <p14:creationId xmlns:p14="http://schemas.microsoft.com/office/powerpoint/2010/main" val="431766392"/>
+      </p:ext>
+    </p:extLst>
+  </p:cSld>
+  <p:clrMapOvr>
+    <a:masterClrMapping/>
+  </p:clrMapOvr>
+  <mc:AlternateContent xmlns:mc="http://schemas.openxmlformats.org/markup-compatibility/2006" xmlns:p14="http://schemas.microsoft.com/office/powerpoint/2010/main">
+    <mc:Choice Requires="p14">
+      <p:transition spd="med" p14:dur="700">
+        <p:fade/>
+      </p:transition>
+    </mc:Choice>
+    <mc:Fallback xmlns="">
+      <p:transition spd="med">
+        <p:fade/>
+      </p:transition>
+    </mc:Fallback>
+  </mc:AlternateContent>
+</p:sld>
+</file>
+
+<file path=ppt/slides/slide41.xml><?xml version="1.0" encoding="utf-8"?>
+<p:sld xmlns:a="http://schemas.openxmlformats.org/drawingml/2006/main" xmlns:r="http://schemas.openxmlformats.org/officeDocument/2006/relationships" xmlns:p="http://schemas.openxmlformats.org/presentationml/2006/main">
+  <p:cSld>
+    <p:spTree>
+      <p:nvGrpSpPr>
+        <p:cNvPr id="1" name=""/>
+        <p:cNvGrpSpPr/>
+        <p:nvPr/>
+      </p:nvGrpSpPr>
+      <p:grpSpPr>
+        <a:xfrm>
+          <a:off x="0" y="0"/>
+          <a:ext cx="0" cy="0"/>
+          <a:chOff x="0" y="0"/>
+          <a:chExt cx="0" cy="0"/>
+        </a:xfrm>
+      </p:grpSpPr>
+      <p:sp>
+        <p:nvSpPr>
+          <p:cNvPr id="17410" name="Rectangle 2"/>
+          <p:cNvSpPr>
+            <a:spLocks noGrp="1" noChangeArrowheads="1"/>
+          </p:cNvSpPr>
+          <p:nvPr>
+            <p:ph type="title"/>
+          </p:nvPr>
+        </p:nvSpPr>
+        <p:spPr/>
+        <p:txBody>
+          <a:bodyPr/>
+          <a:lstStyle/>
+          <a:p>
+            <a:r>
+              <a:rPr lang="en-US" dirty="0"/>
+              <a:t>Configuration- AWS Security Hub</a:t>
+            </a:r>
+          </a:p>
+        </p:txBody>
+      </p:sp>
+      <p:sp>
+        <p:nvSpPr>
+          <p:cNvPr id="4" name="Slide Number Placeholder 3"/>
+          <p:cNvSpPr>
+            <a:spLocks noGrp="1"/>
+          </p:cNvSpPr>
+          <p:nvPr>
+            <p:ph type="sldNum" sz="quarter" idx="12"/>
+          </p:nvPr>
+        </p:nvSpPr>
+        <p:spPr/>
+        <p:txBody>
+          <a:bodyPr/>
+          <a:lstStyle/>
+          <a:p>
+            <a:fld id="{D92B6165-2E63-41A3-8905-D7634EBC6D44}" type="slidenum">
+              <a:rPr lang="en-US" smtClean="0"/>
+              <a:pPr/>
+              <a:t>41</a:t>
+            </a:fld>
+            <a:endParaRPr lang="en-US"/>
+          </a:p>
+        </p:txBody>
+      </p:sp>
+      <p:pic>
+        <p:nvPicPr>
+          <p:cNvPr id="3" name="Picture 2" descr="Graphical user interface, text, application, email, Teams&#10;&#10;Description automatically generated">
+            <a:extLst>
+              <a:ext uri="{FF2B5EF4-FFF2-40B4-BE49-F238E27FC236}">
+                <a16:creationId xmlns:a16="http://schemas.microsoft.com/office/drawing/2014/main" id="{64EFC96A-4969-4C06-A7A0-4A40CBB69994}"/>
+              </a:ext>
+            </a:extLst>
+          </p:cNvPr>
+          <p:cNvPicPr>
+            <a:picLocks noChangeAspect="1"/>
+          </p:cNvPicPr>
+          <p:nvPr/>
+        </p:nvPicPr>
+        <p:blipFill>
+          <a:blip r:embed="rId3"/>
+          <a:stretch>
+            <a:fillRect/>
+          </a:stretch>
+        </p:blipFill>
+        <p:spPr>
+          <a:xfrm>
+            <a:off x="941387" y="819150"/>
+            <a:ext cx="10306050" cy="5219700"/>
+          </a:xfrm>
+          <a:prstGeom prst="rect">
+            <a:avLst/>
+          </a:prstGeom>
+        </p:spPr>
+      </p:pic>
+    </p:spTree>
+    <p:extLst>
+      <p:ext uri="{BB962C8B-B14F-4D97-AF65-F5344CB8AC3E}">
+        <p14:creationId xmlns:p14="http://schemas.microsoft.com/office/powerpoint/2010/main" val="3738608796"/>
+      </p:ext>
+    </p:extLst>
+  </p:cSld>
+  <p:clrMapOvr>
+    <a:masterClrMapping/>
+  </p:clrMapOvr>
+  <mc:AlternateContent xmlns:mc="http://schemas.openxmlformats.org/markup-compatibility/2006" xmlns:p14="http://schemas.microsoft.com/office/powerpoint/2010/main">
+    <mc:Choice Requires="p14">
+      <p:transition spd="med" p14:dur="700">
+        <p:fade/>
+      </p:transition>
+    </mc:Choice>
+    <mc:Fallback xmlns="">
+      <p:transition spd="med">
+        <p:fade/>
+      </p:transition>
+    </mc:Fallback>
+  </mc:AlternateContent>
+</p:sld>
+</file>
+
+<file path=ppt/slides/slide42.xml><?xml version="1.0" encoding="utf-8"?>
+<p:sld xmlns:a="http://schemas.openxmlformats.org/drawingml/2006/main" xmlns:r="http://schemas.openxmlformats.org/officeDocument/2006/relationships" xmlns:p="http://schemas.openxmlformats.org/presentationml/2006/main">
+  <p:cSld>
+    <p:spTree>
+      <p:nvGrpSpPr>
+        <p:cNvPr id="1" name=""/>
+        <p:cNvGrpSpPr/>
+        <p:nvPr/>
+      </p:nvGrpSpPr>
+      <p:grpSpPr>
+        <a:xfrm>
+          <a:off x="0" y="0"/>
+          <a:ext cx="0" cy="0"/>
+          <a:chOff x="0" y="0"/>
+          <a:chExt cx="0" cy="0"/>
+        </a:xfrm>
+      </p:grpSpPr>
+      <p:sp>
+        <p:nvSpPr>
+          <p:cNvPr id="17410" name="Rectangle 2"/>
+          <p:cNvSpPr>
+            <a:spLocks noGrp="1" noChangeArrowheads="1"/>
+          </p:cNvSpPr>
+          <p:nvPr>
+            <p:ph type="title"/>
+          </p:nvPr>
+        </p:nvSpPr>
+        <p:spPr/>
+        <p:txBody>
+          <a:bodyPr/>
+          <a:lstStyle/>
+          <a:p>
+            <a:r>
+              <a:rPr lang="en-US" dirty="0"/>
+              <a:t>Configuration- AWS Security Hub</a:t>
+            </a:r>
+          </a:p>
+        </p:txBody>
+      </p:sp>
+      <p:sp>
+        <p:nvSpPr>
+          <p:cNvPr id="4" name="Slide Number Placeholder 3"/>
+          <p:cNvSpPr>
+            <a:spLocks noGrp="1"/>
+          </p:cNvSpPr>
+          <p:nvPr>
+            <p:ph type="sldNum" sz="quarter" idx="12"/>
+          </p:nvPr>
+        </p:nvSpPr>
+        <p:spPr/>
+        <p:txBody>
+          <a:bodyPr/>
+          <a:lstStyle/>
+          <a:p>
+            <a:fld id="{D92B6165-2E63-41A3-8905-D7634EBC6D44}" type="slidenum">
+              <a:rPr lang="en-US" smtClean="0"/>
+              <a:pPr/>
+              <a:t>42</a:t>
             </a:fld>
             <a:endParaRPr lang="en-US"/>
           </a:p>
@@ -44701,7 +45282,7 @@
 </p:sld>
 </file>
 
-<file path=ppt/slides/slide41.xml><?xml version="1.0" encoding="utf-8"?>
+<file path=ppt/slides/slide43.xml><?xml version="1.0" encoding="utf-8"?>
 <p:sld xmlns:a="http://schemas.openxmlformats.org/drawingml/2006/main" xmlns:r="http://schemas.openxmlformats.org/officeDocument/2006/relationships" xmlns:p="http://schemas.openxmlformats.org/presentationml/2006/main">
   <p:cSld>
     <p:spTree>
@@ -44758,7 +45339,7 @@
             <a:fld id="{D92B6165-2E63-41A3-8905-D7634EBC6D44}" type="slidenum">
               <a:rPr lang="en-US" smtClean="0"/>
               <a:pPr/>
-              <a:t>41</a:t>
+              <a:t>43</a:t>
             </a:fld>
             <a:endParaRPr lang="en-US"/>
           </a:p>
@@ -44819,7 +45400,7 @@
 </p:sld>
 </file>
 
-<file path=ppt/slides/slide42.xml><?xml version="1.0" encoding="utf-8"?>
+<file path=ppt/slides/slide44.xml><?xml version="1.0" encoding="utf-8"?>
 <p:sld xmlns:a="http://schemas.openxmlformats.org/drawingml/2006/main" xmlns:r="http://schemas.openxmlformats.org/officeDocument/2006/relationships" xmlns:p="http://schemas.openxmlformats.org/presentationml/2006/main">
   <p:cSld>
     <p:spTree>
@@ -44876,7 +45457,7 @@
             <a:fld id="{D92B6165-2E63-41A3-8905-D7634EBC6D44}" type="slidenum">
               <a:rPr lang="en-US" smtClean="0"/>
               <a:pPr/>
-              <a:t>42</a:t>
+              <a:t>44</a:t>
             </a:fld>
             <a:endParaRPr lang="en-US"/>
           </a:p>
@@ -44937,7 +45518,7 @@
 </p:sld>
 </file>
 
-<file path=ppt/slides/slide43.xml><?xml version="1.0" encoding="utf-8"?>
+<file path=ppt/slides/slide45.xml><?xml version="1.0" encoding="utf-8"?>
 <p:sld xmlns:a="http://schemas.openxmlformats.org/drawingml/2006/main" xmlns:r="http://schemas.openxmlformats.org/officeDocument/2006/relationships" xmlns:p="http://schemas.openxmlformats.org/presentationml/2006/main">
   <p:cSld>
     <p:spTree>
@@ -44999,7 +45580,7 @@
             <a:fld id="{D92B6165-2E63-41A3-8905-D7634EBC6D44}" type="slidenum">
               <a:rPr lang="en-US" smtClean="0"/>
               <a:pPr/>
-              <a:t>43</a:t>
+              <a:t>45</a:t>
             </a:fld>
             <a:endParaRPr lang="en-US"/>
           </a:p>
@@ -45077,7 +45658,7 @@
 </p:sld>
 </file>
 
-<file path=ppt/slides/slide44.xml><?xml version="1.0" encoding="utf-8"?>
+<file path=ppt/slides/slide46.xml><?xml version="1.0" encoding="utf-8"?>
 <p:sld xmlns:a="http://schemas.openxmlformats.org/drawingml/2006/main" xmlns:r="http://schemas.openxmlformats.org/officeDocument/2006/relationships" xmlns:p="http://schemas.openxmlformats.org/presentationml/2006/main">
   <p:cSld>
     <p:spTree>
@@ -45292,7 +45873,7 @@
             <a:fld id="{D92B6165-2E63-41A3-8905-D7634EBC6D44}" type="slidenum">
               <a:rPr lang="en-IN" smtClean="0"/>
               <a:pPr/>
-              <a:t>44</a:t>
+              <a:t>46</a:t>
             </a:fld>
             <a:endParaRPr lang="en-IN"/>
           </a:p>
@@ -47311,7 +47892,7 @@
 </p:sld>
 </file>
 
-<file path=ppt/slides/slide45.xml><?xml version="1.0" encoding="utf-8"?>
+<file path=ppt/slides/slide47.xml><?xml version="1.0" encoding="utf-8"?>
 <p:sld xmlns:a="http://schemas.openxmlformats.org/drawingml/2006/main" xmlns:r="http://schemas.openxmlformats.org/officeDocument/2006/relationships" xmlns:p="http://schemas.openxmlformats.org/presentationml/2006/main">
   <p:cSld>
     <p:spTree>
@@ -47368,7 +47949,7 @@
             <a:fld id="{D92B6165-2E63-41A3-8905-D7634EBC6D44}" type="slidenum">
               <a:rPr lang="en-US" smtClean="0"/>
               <a:pPr/>
-              <a:t>45</a:t>
+              <a:t>47</a:t>
             </a:fld>
             <a:endParaRPr lang="en-US"/>
           </a:p>
@@ -47482,7 +48063,7 @@
 </p:sld>
 </file>
 
-<file path=ppt/slides/slide46.xml><?xml version="1.0" encoding="utf-8"?>
+<file path=ppt/slides/slide48.xml><?xml version="1.0" encoding="utf-8"?>
 <p:sld xmlns:a="http://schemas.openxmlformats.org/drawingml/2006/main" xmlns:r="http://schemas.openxmlformats.org/officeDocument/2006/relationships" xmlns:p="http://schemas.openxmlformats.org/presentationml/2006/main">
   <p:cSld>
     <p:spTree>
@@ -47523,7 +48104,7 @@
             <a:fld id="{D92B6165-2E63-41A3-8905-D7634EBC6D44}" type="slidenum">
               <a:rPr lang="en-IN" smtClean="0"/>
               <a:pPr/>
-              <a:t>46</a:t>
+              <a:t>48</a:t>
             </a:fld>
             <a:endParaRPr lang="en-IN"/>
           </a:p>
@@ -47584,7 +48165,7 @@
 </p:sld>
 </file>
 
-<file path=ppt/slides/slide47.xml><?xml version="1.0" encoding="utf-8"?>
+<file path=ppt/slides/slide49.xml><?xml version="1.0" encoding="utf-8"?>
 <p:sld xmlns:a="http://schemas.openxmlformats.org/drawingml/2006/main" xmlns:r="http://schemas.openxmlformats.org/officeDocument/2006/relationships" xmlns:p="http://schemas.openxmlformats.org/presentationml/2006/main">
   <p:cSld>
     <p:spTree>
@@ -47625,7 +48206,7 @@
             <a:fld id="{D92B6165-2E63-41A3-8905-D7634EBC6D44}" type="slidenum">
               <a:rPr lang="en-IN" smtClean="0"/>
               <a:pPr/>
-              <a:t>47</a:t>
+              <a:t>49</a:t>
             </a:fld>
             <a:endParaRPr lang="en-IN"/>
           </a:p>
@@ -47686,7 +48267,185 @@
 </p:sld>
 </file>
 
-<file path=ppt/slides/slide48.xml><?xml version="1.0" encoding="utf-8"?>
+<file path=ppt/slides/slide5.xml><?xml version="1.0" encoding="utf-8"?>
+<p:sld xmlns:a="http://schemas.openxmlformats.org/drawingml/2006/main" xmlns:r="http://schemas.openxmlformats.org/officeDocument/2006/relationships" xmlns:p="http://schemas.openxmlformats.org/presentationml/2006/main">
+  <p:cSld>
+    <p:spTree>
+      <p:nvGrpSpPr>
+        <p:cNvPr id="1" name=""/>
+        <p:cNvGrpSpPr/>
+        <p:nvPr/>
+      </p:nvGrpSpPr>
+      <p:grpSpPr>
+        <a:xfrm>
+          <a:off x="0" y="0"/>
+          <a:ext cx="0" cy="0"/>
+          <a:chOff x="0" y="0"/>
+          <a:chExt cx="0" cy="0"/>
+        </a:xfrm>
+      </p:grpSpPr>
+      <p:sp>
+        <p:nvSpPr>
+          <p:cNvPr id="17410" name="Rectangle 2"/>
+          <p:cNvSpPr>
+            <a:spLocks noGrp="1" noChangeArrowheads="1"/>
+          </p:cNvSpPr>
+          <p:nvPr>
+            <p:ph type="title"/>
+          </p:nvPr>
+        </p:nvSpPr>
+        <p:spPr/>
+        <p:txBody>
+          <a:bodyPr/>
+          <a:lstStyle/>
+          <a:p>
+            <a:r>
+              <a:rPr lang="en-US" dirty="0"/>
+              <a:t>Cloud Workload</a:t>
+            </a:r>
+          </a:p>
+        </p:txBody>
+      </p:sp>
+      <p:sp>
+        <p:nvSpPr>
+          <p:cNvPr id="4" name="Slide Number Placeholder 3"/>
+          <p:cNvSpPr>
+            <a:spLocks noGrp="1"/>
+          </p:cNvSpPr>
+          <p:nvPr>
+            <p:ph type="sldNum" sz="quarter" idx="12"/>
+          </p:nvPr>
+        </p:nvSpPr>
+        <p:spPr/>
+        <p:txBody>
+          <a:bodyPr/>
+          <a:lstStyle/>
+          <a:p>
+            <a:fld id="{D92B6165-2E63-41A3-8905-D7634EBC6D44}" type="slidenum">
+              <a:rPr lang="en-US" smtClean="0"/>
+              <a:pPr/>
+              <a:t>5</a:t>
+            </a:fld>
+            <a:endParaRPr lang="en-US"/>
+          </a:p>
+        </p:txBody>
+      </p:sp>
+      <p:sp>
+        <p:nvSpPr>
+          <p:cNvPr id="5" name="TextBox 4">
+            <a:extLst>
+              <a:ext uri="{FF2B5EF4-FFF2-40B4-BE49-F238E27FC236}">
+                <a16:creationId xmlns:a16="http://schemas.microsoft.com/office/drawing/2014/main" id="{0EC8F9EE-B5A1-4E73-BCCE-C06078EF4CA4}"/>
+              </a:ext>
+            </a:extLst>
+          </p:cNvPr>
+          <p:cNvSpPr txBox="1"/>
+          <p:nvPr/>
+        </p:nvSpPr>
+        <p:spPr>
+          <a:xfrm>
+            <a:off x="313291" y="866686"/>
+            <a:ext cx="11498742" cy="923330"/>
+          </a:xfrm>
+          <a:prstGeom prst="rect">
+            <a:avLst/>
+          </a:prstGeom>
+          <a:noFill/>
+        </p:spPr>
+        <p:txBody>
+          <a:bodyPr wrap="square">
+            <a:spAutoFit/>
+          </a:bodyPr>
+          <a:lstStyle/>
+          <a:p>
+            <a:pPr marL="285750" indent="-285750">
+              <a:buFont typeface="Arial" panose="020B0604020202020204" pitchFamily="34" charset="0"/>
+              <a:buChar char="•"/>
+            </a:pPr>
+            <a:r>
+              <a:rPr lang="en-US" dirty="0">
+                <a:solidFill>
+                  <a:schemeClr val="accent1"/>
+                </a:solidFill>
+                <a:latin typeface="Decimal-Book"/>
+              </a:rPr>
+              <a:t>Virtual Machines</a:t>
+            </a:r>
+          </a:p>
+          <a:p>
+            <a:pPr marL="285750" indent="-285750">
+              <a:buFont typeface="Arial" panose="020B0604020202020204" pitchFamily="34" charset="0"/>
+              <a:buChar char="•"/>
+            </a:pPr>
+            <a:r>
+              <a:rPr lang="en-US" b="0" i="0" dirty="0">
+                <a:solidFill>
+                  <a:schemeClr val="accent1"/>
+                </a:solidFill>
+                <a:effectLst/>
+                <a:latin typeface="Decimal-Book"/>
+              </a:rPr>
+              <a:t>Containers</a:t>
+            </a:r>
+          </a:p>
+          <a:p>
+            <a:pPr marL="285750" indent="-285750">
+              <a:buFont typeface="Arial" panose="020B0604020202020204" pitchFamily="34" charset="0"/>
+              <a:buChar char="•"/>
+            </a:pPr>
+            <a:r>
+              <a:rPr lang="en-US" dirty="0">
+                <a:solidFill>
+                  <a:schemeClr val="accent1"/>
+                </a:solidFill>
+                <a:latin typeface="Decimal-Book"/>
+              </a:rPr>
+              <a:t>Serverless </a:t>
+            </a:r>
+            <a:r>
+              <a:rPr lang="en-US" b="0" i="0" dirty="0">
+                <a:solidFill>
+                  <a:schemeClr val="accent1"/>
+                </a:solidFill>
+                <a:effectLst/>
+                <a:latin typeface="Decimal-Book"/>
+              </a:rPr>
+              <a:t>. </a:t>
+            </a:r>
+            <a:endParaRPr lang="en-IN" dirty="0">
+              <a:solidFill>
+                <a:schemeClr val="accent1"/>
+              </a:solidFill>
+            </a:endParaRPr>
+          </a:p>
+        </p:txBody>
+      </p:sp>
+    </p:spTree>
+    <p:extLst>
+      <p:ext uri="{BB962C8B-B14F-4D97-AF65-F5344CB8AC3E}">
+        <p14:creationId xmlns:p14="http://schemas.microsoft.com/office/powerpoint/2010/main" val="3151152752"/>
+      </p:ext>
+    </p:extLst>
+  </p:cSld>
+  <p:clrMapOvr>
+    <a:masterClrMapping/>
+  </p:clrMapOvr>
+  <mc:AlternateContent xmlns:mc="http://schemas.openxmlformats.org/markup-compatibility/2006" xmlns:p14="http://schemas.microsoft.com/office/powerpoint/2010/main">
+    <mc:Choice Requires="p14">
+      <p:transition spd="med" p14:dur="700">
+        <p:fade/>
+      </p:transition>
+    </mc:Choice>
+    <mc:Fallback xmlns="">
+      <p:transition spd="med">
+        <p:fade/>
+      </p:transition>
+    </mc:Fallback>
+  </mc:AlternateContent>
+</p:sld>
+</file>
+
+<file path=ppt/slides/slide50.xml><?xml version="1.0" encoding="utf-8"?>
 <p:sld xmlns:a="http://schemas.openxmlformats.org/drawingml/2006/main" xmlns:r="http://schemas.openxmlformats.org/officeDocument/2006/relationships" xmlns:p="http://schemas.openxmlformats.org/presentationml/2006/main">
   <p:cSld>
     <p:spTree>
@@ -47777,7 +48536,7 @@
                   <a:spcPts val="600"/>
                 </a:spcAft>
               </a:pPr>
-              <a:t>48</a:t>
+              <a:t>50</a:t>
             </a:fld>
             <a:endParaRPr lang="en-IN">
               <a:solidFill>
@@ -47812,7 +48571,7 @@
 </p:sld>
 </file>
 
-<file path=ppt/slides/slide49.xml><?xml version="1.0" encoding="utf-8"?>
+<file path=ppt/slides/slide51.xml><?xml version="1.0" encoding="utf-8"?>
 <p:sld xmlns:a="http://schemas.openxmlformats.org/drawingml/2006/main" xmlns:r="http://schemas.openxmlformats.org/officeDocument/2006/relationships" xmlns:p="http://schemas.openxmlformats.org/presentationml/2006/main">
   <p:cSld>
     <p:spTree>
@@ -47869,7 +48628,7 @@
             <a:fld id="{D92B6165-2E63-41A3-8905-D7634EBC6D44}" type="slidenum">
               <a:rPr lang="en-US" smtClean="0"/>
               <a:pPr/>
-              <a:t>49</a:t>
+              <a:t>51</a:t>
             </a:fld>
             <a:endParaRPr lang="en-US"/>
           </a:p>
@@ -48002,185 +48761,7 @@
 </p:sld>
 </file>
 
-<file path=ppt/slides/slide5.xml><?xml version="1.0" encoding="utf-8"?>
-<p:sld xmlns:a="http://schemas.openxmlformats.org/drawingml/2006/main" xmlns:r="http://schemas.openxmlformats.org/officeDocument/2006/relationships" xmlns:p="http://schemas.openxmlformats.org/presentationml/2006/main">
-  <p:cSld>
-    <p:spTree>
-      <p:nvGrpSpPr>
-        <p:cNvPr id="1" name=""/>
-        <p:cNvGrpSpPr/>
-        <p:nvPr/>
-      </p:nvGrpSpPr>
-      <p:grpSpPr>
-        <a:xfrm>
-          <a:off x="0" y="0"/>
-          <a:ext cx="0" cy="0"/>
-          <a:chOff x="0" y="0"/>
-          <a:chExt cx="0" cy="0"/>
-        </a:xfrm>
-      </p:grpSpPr>
-      <p:sp>
-        <p:nvSpPr>
-          <p:cNvPr id="17410" name="Rectangle 2"/>
-          <p:cNvSpPr>
-            <a:spLocks noGrp="1" noChangeArrowheads="1"/>
-          </p:cNvSpPr>
-          <p:nvPr>
-            <p:ph type="title"/>
-          </p:nvPr>
-        </p:nvSpPr>
-        <p:spPr/>
-        <p:txBody>
-          <a:bodyPr/>
-          <a:lstStyle/>
-          <a:p>
-            <a:r>
-              <a:rPr lang="en-US" dirty="0"/>
-              <a:t>Cloud Workload</a:t>
-            </a:r>
-          </a:p>
-        </p:txBody>
-      </p:sp>
-      <p:sp>
-        <p:nvSpPr>
-          <p:cNvPr id="4" name="Slide Number Placeholder 3"/>
-          <p:cNvSpPr>
-            <a:spLocks noGrp="1"/>
-          </p:cNvSpPr>
-          <p:nvPr>
-            <p:ph type="sldNum" sz="quarter" idx="12"/>
-          </p:nvPr>
-        </p:nvSpPr>
-        <p:spPr/>
-        <p:txBody>
-          <a:bodyPr/>
-          <a:lstStyle/>
-          <a:p>
-            <a:fld id="{D92B6165-2E63-41A3-8905-D7634EBC6D44}" type="slidenum">
-              <a:rPr lang="en-US" smtClean="0"/>
-              <a:pPr/>
-              <a:t>5</a:t>
-            </a:fld>
-            <a:endParaRPr lang="en-US"/>
-          </a:p>
-        </p:txBody>
-      </p:sp>
-      <p:sp>
-        <p:nvSpPr>
-          <p:cNvPr id="5" name="TextBox 4">
-            <a:extLst>
-              <a:ext uri="{FF2B5EF4-FFF2-40B4-BE49-F238E27FC236}">
-                <a16:creationId xmlns:a16="http://schemas.microsoft.com/office/drawing/2014/main" id="{0EC8F9EE-B5A1-4E73-BCCE-C06078EF4CA4}"/>
-              </a:ext>
-            </a:extLst>
-          </p:cNvPr>
-          <p:cNvSpPr txBox="1"/>
-          <p:nvPr/>
-        </p:nvSpPr>
-        <p:spPr>
-          <a:xfrm>
-            <a:off x="313291" y="866686"/>
-            <a:ext cx="11498742" cy="923330"/>
-          </a:xfrm>
-          <a:prstGeom prst="rect">
-            <a:avLst/>
-          </a:prstGeom>
-          <a:noFill/>
-        </p:spPr>
-        <p:txBody>
-          <a:bodyPr wrap="square">
-            <a:spAutoFit/>
-          </a:bodyPr>
-          <a:lstStyle/>
-          <a:p>
-            <a:pPr marL="285750" indent="-285750">
-              <a:buFont typeface="Arial" panose="020B0604020202020204" pitchFamily="34" charset="0"/>
-              <a:buChar char="•"/>
-            </a:pPr>
-            <a:r>
-              <a:rPr lang="en-US" dirty="0">
-                <a:solidFill>
-                  <a:schemeClr val="accent1"/>
-                </a:solidFill>
-                <a:latin typeface="Decimal-Book"/>
-              </a:rPr>
-              <a:t>Virtual Machines</a:t>
-            </a:r>
-          </a:p>
-          <a:p>
-            <a:pPr marL="285750" indent="-285750">
-              <a:buFont typeface="Arial" panose="020B0604020202020204" pitchFamily="34" charset="0"/>
-              <a:buChar char="•"/>
-            </a:pPr>
-            <a:r>
-              <a:rPr lang="en-US" b="0" i="0" dirty="0">
-                <a:solidFill>
-                  <a:schemeClr val="accent1"/>
-                </a:solidFill>
-                <a:effectLst/>
-                <a:latin typeface="Decimal-Book"/>
-              </a:rPr>
-              <a:t>Containers</a:t>
-            </a:r>
-          </a:p>
-          <a:p>
-            <a:pPr marL="285750" indent="-285750">
-              <a:buFont typeface="Arial" panose="020B0604020202020204" pitchFamily="34" charset="0"/>
-              <a:buChar char="•"/>
-            </a:pPr>
-            <a:r>
-              <a:rPr lang="en-US" dirty="0">
-                <a:solidFill>
-                  <a:schemeClr val="accent1"/>
-                </a:solidFill>
-                <a:latin typeface="Decimal-Book"/>
-              </a:rPr>
-              <a:t>Serverless </a:t>
-            </a:r>
-            <a:r>
-              <a:rPr lang="en-US" b="0" i="0" dirty="0">
-                <a:solidFill>
-                  <a:schemeClr val="accent1"/>
-                </a:solidFill>
-                <a:effectLst/>
-                <a:latin typeface="Decimal-Book"/>
-              </a:rPr>
-              <a:t>. </a:t>
-            </a:r>
-            <a:endParaRPr lang="en-IN" dirty="0">
-              <a:solidFill>
-                <a:schemeClr val="accent1"/>
-              </a:solidFill>
-            </a:endParaRPr>
-          </a:p>
-        </p:txBody>
-      </p:sp>
-    </p:spTree>
-    <p:extLst>
-      <p:ext uri="{BB962C8B-B14F-4D97-AF65-F5344CB8AC3E}">
-        <p14:creationId xmlns:p14="http://schemas.microsoft.com/office/powerpoint/2010/main" val="3151152752"/>
-      </p:ext>
-    </p:extLst>
-  </p:cSld>
-  <p:clrMapOvr>
-    <a:masterClrMapping/>
-  </p:clrMapOvr>
-  <mc:AlternateContent xmlns:mc="http://schemas.openxmlformats.org/markup-compatibility/2006" xmlns:p14="http://schemas.microsoft.com/office/powerpoint/2010/main">
-    <mc:Choice Requires="p14">
-      <p:transition spd="med" p14:dur="700">
-        <p:fade/>
-      </p:transition>
-    </mc:Choice>
-    <mc:Fallback xmlns="">
-      <p:transition spd="med">
-        <p:fade/>
-      </p:transition>
-    </mc:Fallback>
-  </mc:AlternateContent>
-</p:sld>
-</file>
-
-<file path=ppt/slides/slide50.xml><?xml version="1.0" encoding="utf-8"?>
+<file path=ppt/slides/slide52.xml><?xml version="1.0" encoding="utf-8"?>
 <p:sld xmlns:a="http://schemas.openxmlformats.org/drawingml/2006/main" xmlns:r="http://schemas.openxmlformats.org/officeDocument/2006/relationships" xmlns:p="http://schemas.openxmlformats.org/presentationml/2006/main">
   <p:cSld>
     <p:spTree>
@@ -48242,7 +48823,7 @@
             <a:fld id="{D92B6165-2E63-41A3-8905-D7634EBC6D44}" type="slidenum">
               <a:rPr lang="en-US" smtClean="0"/>
               <a:pPr/>
-              <a:t>50</a:t>
+              <a:t>52</a:t>
             </a:fld>
             <a:endParaRPr lang="en-US"/>
           </a:p>
@@ -48303,7 +48884,7 @@
 </p:sld>
 </file>
 
-<file path=ppt/slides/slide51.xml><?xml version="1.0" encoding="utf-8"?>
+<file path=ppt/slides/slide53.xml><?xml version="1.0" encoding="utf-8"?>
 <p:sld xmlns:a="http://schemas.openxmlformats.org/drawingml/2006/main" xmlns:r="http://schemas.openxmlformats.org/officeDocument/2006/relationships" xmlns:p="http://schemas.openxmlformats.org/presentationml/2006/main">
   <p:cSld>
     <p:spTree>
@@ -48365,7 +48946,7 @@
             <a:fld id="{D92B6165-2E63-41A3-8905-D7634EBC6D44}" type="slidenum">
               <a:rPr lang="en-US" smtClean="0"/>
               <a:pPr/>
-              <a:t>51</a:t>
+              <a:t>53</a:t>
             </a:fld>
             <a:endParaRPr lang="en-US"/>
           </a:p>
@@ -48462,446 +49043,6 @@
 </p:sld>
 </file>
 
-<file path=ppt/slides/slide52.xml><?xml version="1.0" encoding="utf-8"?>
-<p:sld xmlns:a="http://schemas.openxmlformats.org/drawingml/2006/main" xmlns:r="http://schemas.openxmlformats.org/officeDocument/2006/relationships" xmlns:p="http://schemas.openxmlformats.org/presentationml/2006/main">
-  <p:cSld>
-    <p:spTree>
-      <p:nvGrpSpPr>
-        <p:cNvPr id="1" name=""/>
-        <p:cNvGrpSpPr/>
-        <p:nvPr/>
-      </p:nvGrpSpPr>
-      <p:grpSpPr>
-        <a:xfrm>
-          <a:off x="0" y="0"/>
-          <a:ext cx="0" cy="0"/>
-          <a:chOff x="0" y="0"/>
-          <a:chExt cx="0" cy="0"/>
-        </a:xfrm>
-      </p:grpSpPr>
-      <p:sp>
-        <p:nvSpPr>
-          <p:cNvPr id="17410" name="Rectangle 2"/>
-          <p:cNvSpPr>
-            <a:spLocks noGrp="1" noChangeArrowheads="1"/>
-          </p:cNvSpPr>
-          <p:nvPr>
-            <p:ph type="title"/>
-          </p:nvPr>
-        </p:nvSpPr>
-        <p:spPr/>
-        <p:txBody>
-          <a:bodyPr/>
-          <a:lstStyle/>
-          <a:p>
-            <a:r>
-              <a:rPr lang="en-US" dirty="0"/>
-              <a:t>Prisma- Use Case- AWS Host</a:t>
-            </a:r>
-          </a:p>
-        </p:txBody>
-      </p:sp>
-      <p:sp>
-        <p:nvSpPr>
-          <p:cNvPr id="4" name="Slide Number Placeholder 3"/>
-          <p:cNvSpPr>
-            <a:spLocks noGrp="1"/>
-          </p:cNvSpPr>
-          <p:nvPr>
-            <p:ph type="sldNum" sz="quarter" idx="12"/>
-          </p:nvPr>
-        </p:nvSpPr>
-        <p:spPr/>
-        <p:txBody>
-          <a:bodyPr/>
-          <a:lstStyle/>
-          <a:p>
-            <a:fld id="{D92B6165-2E63-41A3-8905-D7634EBC6D44}" type="slidenum">
-              <a:rPr lang="en-US" smtClean="0"/>
-              <a:pPr/>
-              <a:t>52</a:t>
-            </a:fld>
-            <a:endParaRPr lang="en-US"/>
-          </a:p>
-        </p:txBody>
-      </p:sp>
-      <p:sp>
-        <p:nvSpPr>
-          <p:cNvPr id="6" name="TextBox 5">
-            <a:extLst>
-              <a:ext uri="{FF2B5EF4-FFF2-40B4-BE49-F238E27FC236}">
-                <a16:creationId xmlns:a16="http://schemas.microsoft.com/office/drawing/2014/main" id="{7E149B81-9EAE-4CD0-9E8C-3D85A9FCE9D8}"/>
-              </a:ext>
-            </a:extLst>
-          </p:cNvPr>
-          <p:cNvSpPr txBox="1"/>
-          <p:nvPr/>
-        </p:nvSpPr>
-        <p:spPr>
-          <a:xfrm>
-            <a:off x="318235" y="1649710"/>
-            <a:ext cx="11879380" cy="2246769"/>
-          </a:xfrm>
-          <a:prstGeom prst="rect">
-            <a:avLst/>
-          </a:prstGeom>
-          <a:noFill/>
-        </p:spPr>
-        <p:txBody>
-          <a:bodyPr wrap="square">
-            <a:spAutoFit/>
-          </a:bodyPr>
-          <a:lstStyle/>
-          <a:p>
-            <a:r>
-              <a:rPr lang="en-GB" b="0" i="0" dirty="0">
-                <a:solidFill>
-                  <a:srgbClr val="141414"/>
-                </a:solidFill>
-                <a:effectLst/>
-                <a:latin typeface="HCo Decimal"/>
-              </a:rPr>
-              <a:t>Detection for:</a:t>
-            </a:r>
-          </a:p>
-          <a:p>
-            <a:pPr marL="1657350" lvl="3" indent="-285750">
-              <a:buFont typeface="Arial" panose="020B0604020202020204" pitchFamily="34" charset="0"/>
-              <a:buChar char="•"/>
-            </a:pPr>
-            <a:r>
-              <a:rPr lang="en-GB" dirty="0">
-                <a:solidFill>
-                  <a:srgbClr val="141414"/>
-                </a:solidFill>
-                <a:latin typeface="HCo Decimal"/>
-              </a:rPr>
-              <a:t>M</a:t>
-            </a:r>
-            <a:r>
-              <a:rPr lang="en-GB" b="0" i="0" dirty="0">
-                <a:solidFill>
-                  <a:srgbClr val="141414"/>
-                </a:solidFill>
-                <a:effectLst/>
-                <a:latin typeface="HCo Decimal"/>
-              </a:rPr>
-              <a:t>alware </a:t>
-            </a:r>
-          </a:p>
-          <a:p>
-            <a:pPr marL="1657350" lvl="3" indent="-285750">
-              <a:buFont typeface="Arial" panose="020B0604020202020204" pitchFamily="34" charset="0"/>
-              <a:buChar char="•"/>
-            </a:pPr>
-            <a:r>
-              <a:rPr lang="en-GB" dirty="0">
-                <a:solidFill>
-                  <a:srgbClr val="141414"/>
-                </a:solidFill>
-                <a:latin typeface="HCo Decimal"/>
-              </a:rPr>
-              <a:t>N</a:t>
-            </a:r>
-            <a:r>
-              <a:rPr lang="en-GB" b="0" i="0" dirty="0">
-                <a:solidFill>
-                  <a:srgbClr val="141414"/>
-                </a:solidFill>
-                <a:effectLst/>
-                <a:latin typeface="HCo Decimal"/>
-              </a:rPr>
-              <a:t>etwork</a:t>
-            </a:r>
-          </a:p>
-          <a:p>
-            <a:pPr marL="1657350" lvl="3" indent="-285750">
-              <a:buFont typeface="Arial" panose="020B0604020202020204" pitchFamily="34" charset="0"/>
-              <a:buChar char="•"/>
-            </a:pPr>
-            <a:r>
-              <a:rPr lang="en-GB" dirty="0">
-                <a:solidFill>
-                  <a:srgbClr val="141414"/>
-                </a:solidFill>
-                <a:latin typeface="HCo Decimal"/>
-              </a:rPr>
-              <a:t>L</a:t>
-            </a:r>
-            <a:r>
-              <a:rPr lang="en-GB" b="0" i="0" dirty="0">
-                <a:solidFill>
-                  <a:srgbClr val="141414"/>
-                </a:solidFill>
-                <a:effectLst/>
-                <a:latin typeface="HCo Decimal"/>
-              </a:rPr>
-              <a:t>og inspection</a:t>
-            </a:r>
-          </a:p>
-          <a:p>
-            <a:pPr marL="1657350" lvl="3" indent="-285750">
-              <a:buFont typeface="Arial" panose="020B0604020202020204" pitchFamily="34" charset="0"/>
-              <a:buChar char="•"/>
-            </a:pPr>
-            <a:r>
-              <a:rPr lang="en-GB" dirty="0">
-                <a:solidFill>
-                  <a:srgbClr val="141414"/>
-                </a:solidFill>
-                <a:latin typeface="HCo Decimal"/>
-              </a:rPr>
-              <a:t>F</a:t>
-            </a:r>
-            <a:r>
-              <a:rPr lang="en-GB" b="0" i="0" dirty="0">
-                <a:solidFill>
-                  <a:srgbClr val="141414"/>
-                </a:solidFill>
-                <a:effectLst/>
-                <a:latin typeface="HCo Decimal"/>
-              </a:rPr>
-              <a:t>ile integrity</a:t>
-            </a:r>
-          </a:p>
-          <a:p>
-            <a:pPr marL="1657350" lvl="3" indent="-285750">
-              <a:buFont typeface="Arial" panose="020B0604020202020204" pitchFamily="34" charset="0"/>
-              <a:buChar char="•"/>
-            </a:pPr>
-            <a:r>
-              <a:rPr lang="en-GB" dirty="0">
-                <a:solidFill>
-                  <a:srgbClr val="141414"/>
-                </a:solidFill>
-                <a:latin typeface="HCo Decimal"/>
-              </a:rPr>
-              <a:t>A</a:t>
-            </a:r>
-            <a:r>
-              <a:rPr lang="en-GB" b="0" i="0" dirty="0">
-                <a:solidFill>
-                  <a:srgbClr val="141414"/>
-                </a:solidFill>
-                <a:effectLst/>
-                <a:latin typeface="HCo Decimal"/>
-              </a:rPr>
-              <a:t>ctivities and custom events</a:t>
-            </a:r>
-          </a:p>
-          <a:p>
-            <a:pPr lvl="3"/>
-            <a:r>
-              <a:rPr lang="en-GB" dirty="0">
-                <a:solidFill>
-                  <a:srgbClr val="141414"/>
-                </a:solidFill>
-                <a:latin typeface="HCo Decimal"/>
-              </a:rPr>
-              <a:t>H</a:t>
-            </a:r>
-            <a:r>
-              <a:rPr lang="en-GB" b="0" i="0" dirty="0">
-                <a:solidFill>
-                  <a:srgbClr val="141414"/>
-                </a:solidFill>
-                <a:effectLst/>
-                <a:latin typeface="HCo Decimal"/>
-              </a:rPr>
-              <a:t>ost protection has all capability. This is continuously reporting/ up-to-date context for your hosts.</a:t>
-            </a:r>
-          </a:p>
-          <a:p>
-            <a:r>
-              <a:rPr lang="en-IN" sz="1400" dirty="0">
-                <a:solidFill>
-                  <a:srgbClr val="00B0F0"/>
-                </a:solidFill>
-              </a:rPr>
-              <a:t>https://docs.paloaltonetworks.com/prisma/prisma-cloud/prisma-cloud-admin-compute/runtime_defense/runtime_defense_hosts.html</a:t>
-            </a:r>
-          </a:p>
-        </p:txBody>
-      </p:sp>
-    </p:spTree>
-    <p:extLst>
-      <p:ext uri="{BB962C8B-B14F-4D97-AF65-F5344CB8AC3E}">
-        <p14:creationId xmlns:p14="http://schemas.microsoft.com/office/powerpoint/2010/main" val="405271297"/>
-      </p:ext>
-    </p:extLst>
-  </p:cSld>
-  <p:clrMapOvr>
-    <a:masterClrMapping/>
-  </p:clrMapOvr>
-  <mc:AlternateContent xmlns:mc="http://schemas.openxmlformats.org/markup-compatibility/2006" xmlns:p14="http://schemas.microsoft.com/office/powerpoint/2010/main">
-    <mc:Choice Requires="p14">
-      <p:transition spd="med" p14:dur="700">
-        <p:fade/>
-      </p:transition>
-    </mc:Choice>
-    <mc:Fallback xmlns="">
-      <p:transition spd="med">
-        <p:fade/>
-      </p:transition>
-    </mc:Fallback>
-  </mc:AlternateContent>
-</p:sld>
-</file>
-
-<file path=ppt/slides/slide53.xml><?xml version="1.0" encoding="utf-8"?>
-<p:sld xmlns:a="http://schemas.openxmlformats.org/drawingml/2006/main" xmlns:r="http://schemas.openxmlformats.org/officeDocument/2006/relationships" xmlns:p="http://schemas.openxmlformats.org/presentationml/2006/main">
-  <p:cSld>
-    <p:spTree>
-      <p:nvGrpSpPr>
-        <p:cNvPr id="1" name=""/>
-        <p:cNvGrpSpPr/>
-        <p:nvPr/>
-      </p:nvGrpSpPr>
-      <p:grpSpPr>
-        <a:xfrm>
-          <a:off x="0" y="0"/>
-          <a:ext cx="0" cy="0"/>
-          <a:chOff x="0" y="0"/>
-          <a:chExt cx="0" cy="0"/>
-        </a:xfrm>
-      </p:grpSpPr>
-      <p:sp>
-        <p:nvSpPr>
-          <p:cNvPr id="17410" name="Rectangle 2"/>
-          <p:cNvSpPr>
-            <a:spLocks noGrp="1" noChangeArrowheads="1"/>
-          </p:cNvSpPr>
-          <p:nvPr>
-            <p:ph type="title"/>
-          </p:nvPr>
-        </p:nvSpPr>
-        <p:spPr/>
-        <p:txBody>
-          <a:bodyPr/>
-          <a:lstStyle/>
-          <a:p>
-            <a:r>
-              <a:rPr lang="en-US" dirty="0"/>
-              <a:t>Prisma- Use Case- AWS Fargate</a:t>
-            </a:r>
-          </a:p>
-        </p:txBody>
-      </p:sp>
-      <p:sp>
-        <p:nvSpPr>
-          <p:cNvPr id="4" name="Slide Number Placeholder 3"/>
-          <p:cNvSpPr>
-            <a:spLocks noGrp="1"/>
-          </p:cNvSpPr>
-          <p:nvPr>
-            <p:ph type="sldNum" sz="quarter" idx="12"/>
-          </p:nvPr>
-        </p:nvSpPr>
-        <p:spPr/>
-        <p:txBody>
-          <a:bodyPr/>
-          <a:lstStyle/>
-          <a:p>
-            <a:fld id="{D92B6165-2E63-41A3-8905-D7634EBC6D44}" type="slidenum">
-              <a:rPr lang="en-US" smtClean="0"/>
-              <a:pPr/>
-              <a:t>53</a:t>
-            </a:fld>
-            <a:endParaRPr lang="en-US"/>
-          </a:p>
-        </p:txBody>
-      </p:sp>
-      <p:sp>
-        <p:nvSpPr>
-          <p:cNvPr id="6" name="TextBox 5">
-            <a:extLst>
-              <a:ext uri="{FF2B5EF4-FFF2-40B4-BE49-F238E27FC236}">
-                <a16:creationId xmlns:a16="http://schemas.microsoft.com/office/drawing/2014/main" id="{7E149B81-9EAE-4CD0-9E8C-3D85A9FCE9D8}"/>
-              </a:ext>
-            </a:extLst>
-          </p:cNvPr>
-          <p:cNvSpPr txBox="1"/>
-          <p:nvPr/>
-        </p:nvSpPr>
-        <p:spPr>
-          <a:xfrm>
-            <a:off x="318235" y="1649710"/>
-            <a:ext cx="11879380" cy="646331"/>
-          </a:xfrm>
-          <a:prstGeom prst="rect">
-            <a:avLst/>
-          </a:prstGeom>
-          <a:noFill/>
-        </p:spPr>
-        <p:txBody>
-          <a:bodyPr wrap="square">
-            <a:spAutoFit/>
-          </a:bodyPr>
-          <a:lstStyle/>
-          <a:p>
-            <a:pPr marL="285750" indent="-285750">
-              <a:buFont typeface="Arial" panose="020B0604020202020204" pitchFamily="34" charset="0"/>
-              <a:buChar char="•"/>
-            </a:pPr>
-            <a:r>
-              <a:rPr lang="en-US" b="0" i="0" dirty="0">
-                <a:solidFill>
-                  <a:srgbClr val="141414"/>
-                </a:solidFill>
-                <a:effectLst/>
-                <a:latin typeface="HCo Decimal"/>
-              </a:rPr>
-              <a:t>Verification of launched processes</a:t>
-            </a:r>
-          </a:p>
-          <a:p>
-            <a:pPr marL="285750" indent="-285750">
-              <a:buFont typeface="Arial" panose="020B0604020202020204" pitchFamily="34" charset="0"/>
-              <a:buChar char="•"/>
-            </a:pPr>
-            <a:r>
-              <a:rPr lang="en-US" b="0" i="0" dirty="0">
-                <a:solidFill>
-                  <a:srgbClr val="141414"/>
-                </a:solidFill>
-                <a:effectLst/>
-                <a:latin typeface="HCo Decimal"/>
-              </a:rPr>
-              <a:t>Verification of domain name resolution, and inbound and outbound network connections.</a:t>
-            </a:r>
-            <a:endParaRPr lang="en-IN" sz="1400" dirty="0">
-              <a:solidFill>
-                <a:srgbClr val="00B0F0"/>
-              </a:solidFill>
-            </a:endParaRPr>
-          </a:p>
-        </p:txBody>
-      </p:sp>
-    </p:spTree>
-    <p:extLst>
-      <p:ext uri="{BB962C8B-B14F-4D97-AF65-F5344CB8AC3E}">
-        <p14:creationId xmlns:p14="http://schemas.microsoft.com/office/powerpoint/2010/main" val="3603619952"/>
-      </p:ext>
-    </p:extLst>
-  </p:cSld>
-  <p:clrMapOvr>
-    <a:masterClrMapping/>
-  </p:clrMapOvr>
-  <mc:AlternateContent xmlns:mc="http://schemas.openxmlformats.org/markup-compatibility/2006" xmlns:p14="http://schemas.microsoft.com/office/powerpoint/2010/main">
-    <mc:Choice Requires="p14">
-      <p:transition spd="med" p14:dur="700">
-        <p:fade/>
-      </p:transition>
-    </mc:Choice>
-    <mc:Fallback xmlns="">
-      <p:transition spd="med">
-        <p:fade/>
-      </p:transition>
-    </mc:Fallback>
-  </mc:AlternateContent>
-</p:sld>
-</file>
-
 <file path=ppt/slides/slide54.xml><?xml version="1.0" encoding="utf-8"?>
 <p:sld xmlns:a="http://schemas.openxmlformats.org/drawingml/2006/main" xmlns:r="http://schemas.openxmlformats.org/officeDocument/2006/relationships" xmlns:p="http://schemas.openxmlformats.org/presentationml/2006/main">
   <p:cSld>
@@ -48936,7 +49077,7 @@
           <a:p>
             <a:r>
               <a:rPr lang="en-US" dirty="0"/>
-              <a:t>Prisma- Use Case- AWS Containers</a:t>
+              <a:t>Prisma- Use Case- AWS Host</a:t>
             </a:r>
           </a:p>
         </p:txBody>
@@ -48980,7 +49121,7 @@
         <p:spPr>
           <a:xfrm>
             <a:off x="318235" y="1649710"/>
-            <a:ext cx="11879380" cy="1200329"/>
+            <a:ext cx="11879380" cy="2246769"/>
           </a:xfrm>
           <a:prstGeom prst="rect">
             <a:avLst/>
@@ -48993,57 +49134,180 @@
           </a:bodyPr>
           <a:lstStyle/>
           <a:p>
-            <a:pPr marL="285750" indent="-285750">
-              <a:buFont typeface="Arial" panose="020B0604020202020204" pitchFamily="34" charset="0"/>
-              <a:buChar char="•"/>
-            </a:pPr>
             <a:r>
-              <a:rPr lang="en-US" dirty="0">
-                <a:solidFill>
-                  <a:srgbClr val="141414"/>
-                </a:solidFill>
-                <a:latin typeface="HCo Decimal"/>
-              </a:rPr>
-              <a:t>P</a:t>
-            </a:r>
-            <a:r>
-              <a:rPr lang="en-US" b="0" i="0" dirty="0">
+              <a:rPr lang="en-GB" b="0" i="0" dirty="0">
                 <a:solidFill>
                   <a:srgbClr val="141414"/>
                 </a:solidFill>
                 <a:effectLst/>
                 <a:latin typeface="HCo Decimal"/>
               </a:rPr>
-              <a:t>redictive protection capabilities like determining when a container runs a process not included in the origin image or creates an unexpected network socket. </a:t>
+              <a:t>Detection for:</a:t>
             </a:r>
           </a:p>
           <a:p>
-            <a:pPr marL="285750" indent="-285750">
+            <a:pPr marL="1657350" lvl="3" indent="-285750">
               <a:buFont typeface="Arial" panose="020B0604020202020204" pitchFamily="34" charset="0"/>
               <a:buChar char="•"/>
             </a:pPr>
             <a:r>
-              <a:rPr lang="en-US" b="0" i="0" dirty="0">
+              <a:rPr lang="en-GB" dirty="0">
+                <a:solidFill>
+                  <a:srgbClr val="141414"/>
+                </a:solidFill>
+                <a:latin typeface="HCo Decimal"/>
+              </a:rPr>
+              <a:t>M</a:t>
+            </a:r>
+            <a:r>
+              <a:rPr lang="en-GB" b="0" i="0" dirty="0">
                 <a:solidFill>
                   <a:srgbClr val="141414"/>
                 </a:solidFill>
                 <a:effectLst/>
                 <a:latin typeface="HCo Decimal"/>
               </a:rPr>
-              <a:t>Threat based protection capabilities like detecting when malware is added to a container or when a container connects to a botnet.</a:t>
+              <a:t>alware </a:t>
             </a:r>
-            <a:endParaRPr lang="en-IN" sz="1400" dirty="0">
-              <a:solidFill>
-                <a:srgbClr val="00B0F0"/>
-              </a:solidFill>
-            </a:endParaRPr>
+          </a:p>
+          <a:p>
+            <a:pPr marL="1657350" lvl="3" indent="-285750">
+              <a:buFont typeface="Arial" panose="020B0604020202020204" pitchFamily="34" charset="0"/>
+              <a:buChar char="•"/>
+            </a:pPr>
+            <a:r>
+              <a:rPr lang="en-GB" dirty="0">
+                <a:solidFill>
+                  <a:srgbClr val="141414"/>
+                </a:solidFill>
+                <a:latin typeface="HCo Decimal"/>
+              </a:rPr>
+              <a:t>N</a:t>
+            </a:r>
+            <a:r>
+              <a:rPr lang="en-GB" b="0" i="0" dirty="0">
+                <a:solidFill>
+                  <a:srgbClr val="141414"/>
+                </a:solidFill>
+                <a:effectLst/>
+                <a:latin typeface="HCo Decimal"/>
+              </a:rPr>
+              <a:t>etwork</a:t>
+            </a:r>
+          </a:p>
+          <a:p>
+            <a:pPr marL="1657350" lvl="3" indent="-285750">
+              <a:buFont typeface="Arial" panose="020B0604020202020204" pitchFamily="34" charset="0"/>
+              <a:buChar char="•"/>
+            </a:pPr>
+            <a:r>
+              <a:rPr lang="en-GB" dirty="0">
+                <a:solidFill>
+                  <a:srgbClr val="141414"/>
+                </a:solidFill>
+                <a:latin typeface="HCo Decimal"/>
+              </a:rPr>
+              <a:t>L</a:t>
+            </a:r>
+            <a:r>
+              <a:rPr lang="en-GB" b="0" i="0" dirty="0">
+                <a:solidFill>
+                  <a:srgbClr val="141414"/>
+                </a:solidFill>
+                <a:effectLst/>
+                <a:latin typeface="HCo Decimal"/>
+              </a:rPr>
+              <a:t>og inspection</a:t>
+            </a:r>
+          </a:p>
+          <a:p>
+            <a:pPr marL="1657350" lvl="3" indent="-285750">
+              <a:buFont typeface="Arial" panose="020B0604020202020204" pitchFamily="34" charset="0"/>
+              <a:buChar char="•"/>
+            </a:pPr>
+            <a:r>
+              <a:rPr lang="en-GB" dirty="0">
+                <a:solidFill>
+                  <a:srgbClr val="141414"/>
+                </a:solidFill>
+                <a:latin typeface="HCo Decimal"/>
+              </a:rPr>
+              <a:t>F</a:t>
+            </a:r>
+            <a:r>
+              <a:rPr lang="en-GB" b="0" i="0" dirty="0">
+                <a:solidFill>
+                  <a:srgbClr val="141414"/>
+                </a:solidFill>
+                <a:effectLst/>
+                <a:latin typeface="HCo Decimal"/>
+              </a:rPr>
+              <a:t>ile integrity</a:t>
+            </a:r>
+          </a:p>
+          <a:p>
+            <a:pPr marL="1657350" lvl="3" indent="-285750">
+              <a:buFont typeface="Arial" panose="020B0604020202020204" pitchFamily="34" charset="0"/>
+              <a:buChar char="•"/>
+            </a:pPr>
+            <a:r>
+              <a:rPr lang="en-GB" dirty="0">
+                <a:solidFill>
+                  <a:srgbClr val="141414"/>
+                </a:solidFill>
+                <a:latin typeface="HCo Decimal"/>
+              </a:rPr>
+              <a:t>A</a:t>
+            </a:r>
+            <a:r>
+              <a:rPr lang="en-GB" b="0" i="0" dirty="0">
+                <a:solidFill>
+                  <a:srgbClr val="141414"/>
+                </a:solidFill>
+                <a:effectLst/>
+                <a:latin typeface="HCo Decimal"/>
+              </a:rPr>
+              <a:t>ctivities and custom events</a:t>
+            </a:r>
+          </a:p>
+          <a:p>
+            <a:pPr lvl="3"/>
+            <a:r>
+              <a:rPr lang="en-GB" dirty="0">
+                <a:solidFill>
+                  <a:srgbClr val="141414"/>
+                </a:solidFill>
+                <a:latin typeface="HCo Decimal"/>
+              </a:rPr>
+              <a:t>H</a:t>
+            </a:r>
+            <a:r>
+              <a:rPr lang="en-GB" b="0" i="0" dirty="0">
+                <a:solidFill>
+                  <a:srgbClr val="141414"/>
+                </a:solidFill>
+                <a:effectLst/>
+                <a:latin typeface="HCo Decimal"/>
+              </a:rPr>
+              <a:t>ost protection has all capability. This is continuously reporting/ up-to-date context for your hosts.</a:t>
+            </a:r>
+          </a:p>
+          <a:p>
+            <a:r>
+              <a:rPr lang="en-IN" sz="1400" dirty="0">
+                <a:solidFill>
+                  <a:srgbClr val="00B0F0"/>
+                </a:solidFill>
+              </a:rPr>
+              <a:t>https://docs.paloaltonetworks.com/prisma/prisma-cloud/prisma-cloud-admin-compute/runtime_defense/runtime_defense_hosts.html</a:t>
+            </a:r>
           </a:p>
         </p:txBody>
       </p:sp>
     </p:spTree>
     <p:extLst>
       <p:ext uri="{BB962C8B-B14F-4D97-AF65-F5344CB8AC3E}">
-        <p14:creationId xmlns:p14="http://schemas.microsoft.com/office/powerpoint/2010/main" val="3187750877"/>
+        <p14:creationId xmlns:p14="http://schemas.microsoft.com/office/powerpoint/2010/main" val="405271297"/>
       </p:ext>
     </p:extLst>
   </p:cSld>
@@ -49099,7 +49363,7 @@
           <a:p>
             <a:r>
               <a:rPr lang="en-US" dirty="0"/>
-              <a:t>Prisma- Use Case- AWS Data Security</a:t>
+              <a:t>Prisma- Use Case- AWS Fargate</a:t>
             </a:r>
           </a:p>
         </p:txBody>
@@ -49143,7 +49407,7 @@
         <p:spPr>
           <a:xfrm>
             <a:off x="318235" y="1649710"/>
-            <a:ext cx="11879380" cy="1200329"/>
+            <a:ext cx="11879380" cy="646331"/>
           </a:xfrm>
           <a:prstGeom prst="rect">
             <a:avLst/>
@@ -49168,11 +49432,11 @@
                 <a:effectLst/>
                 <a:latin typeface="HCo Decimal"/>
               </a:rPr>
-              <a:t>Prisma Cloud Data Security </a:t>
+              <a:t>Verification of launched processes</a:t>
             </a:r>
           </a:p>
           <a:p>
-            <a:pPr marL="742950" lvl="1" indent="-285750">
+            <a:pPr marL="285750" indent="-285750">
               <a:buFont typeface="Arial" panose="020B0604020202020204" pitchFamily="34" charset="0"/>
               <a:buChar char="•"/>
             </a:pPr>
@@ -49184,57 +49448,7 @@
                 <a:effectLst/>
                 <a:latin typeface="HCo Decimal"/>
               </a:rPr>
-              <a:t>Supports Monitor mode only. </a:t>
-            </a:r>
-          </a:p>
-          <a:p>
-            <a:pPr marL="742950" lvl="1" indent="-285750">
-              <a:buFont typeface="Arial" panose="020B0604020202020204" pitchFamily="34" charset="0"/>
-              <a:buChar char="•"/>
-            </a:pPr>
-            <a:r>
-              <a:rPr lang="en-US" dirty="0">
-                <a:solidFill>
-                  <a:srgbClr val="141414"/>
-                </a:solidFill>
-                <a:latin typeface="HCo Decimal"/>
-              </a:rPr>
-              <a:t>D</a:t>
-            </a:r>
-            <a:r>
-              <a:rPr lang="en-US" b="0" i="0" dirty="0">
-                <a:solidFill>
-                  <a:srgbClr val="141414"/>
-                </a:solidFill>
-                <a:effectLst/>
-                <a:latin typeface="HCo Decimal"/>
-              </a:rPr>
-              <a:t>o not support automatic remediation</a:t>
-            </a:r>
-          </a:p>
-          <a:p>
-            <a:pPr marL="742950" lvl="1" indent="-285750">
-              <a:buFont typeface="Arial" panose="020B0604020202020204" pitchFamily="34" charset="0"/>
-              <a:buChar char="•"/>
-            </a:pPr>
-            <a:r>
-              <a:rPr lang="en-US" dirty="0">
-                <a:solidFill>
-                  <a:srgbClr val="141414"/>
-                </a:solidFill>
-                <a:latin typeface="HCo Decimal"/>
-              </a:rPr>
-              <a:t>Y</a:t>
-            </a:r>
-            <a:r>
-              <a:rPr lang="en-US" b="0" i="0" dirty="0">
-                <a:solidFill>
-                  <a:srgbClr val="141414"/>
-                </a:solidFill>
-                <a:effectLst/>
-                <a:latin typeface="HCo Decimal"/>
-              </a:rPr>
-              <a:t>ou must manually fix issues to address alerts generated from Data policies.</a:t>
+              <a:t>Verification of domain name resolution, and inbound and outbound network connections.</a:t>
             </a:r>
             <a:endParaRPr lang="en-IN" sz="1400" dirty="0">
               <a:solidFill>
@@ -49247,7 +49461,7 @@
     </p:spTree>
     <p:extLst>
       <p:ext uri="{BB962C8B-B14F-4D97-AF65-F5344CB8AC3E}">
-        <p14:creationId xmlns:p14="http://schemas.microsoft.com/office/powerpoint/2010/main" val="222447102"/>
+        <p14:creationId xmlns:p14="http://schemas.microsoft.com/office/powerpoint/2010/main" val="3603619952"/>
       </p:ext>
     </p:extLst>
   </p:cSld>
@@ -49303,7 +49517,7 @@
           <a:p>
             <a:r>
               <a:rPr lang="en-US" dirty="0"/>
-              <a:t>Prisma- Use Case- Azure Services (using API)</a:t>
+              <a:t>Prisma- Use Case- AWS Containers</a:t>
             </a:r>
           </a:p>
         </p:txBody>
@@ -49347,7 +49561,7 @@
         <p:spPr>
           <a:xfrm>
             <a:off x="318235" y="1649710"/>
-            <a:ext cx="11879380" cy="2062103"/>
+            <a:ext cx="11879380" cy="1200329"/>
           </a:xfrm>
           <a:prstGeom prst="rect">
             <a:avLst/>
@@ -49365,12 +49579,24 @@
               <a:buChar char="•"/>
             </a:pPr>
             <a:r>
-              <a:rPr lang="en-IN" sz="1600" dirty="0">
-                <a:hlinkClick r:id="rId3"/>
+              <a:rPr lang="en-US" dirty="0">
+                <a:solidFill>
+                  <a:srgbClr val="141414"/>
+                </a:solidFill>
+                <a:latin typeface="HCo Decimal"/>
               </a:rPr>
-              <a:t>Microsoft Azure APIs Ingested by Prisma Cloud (paloaltonetworks.com)</a:t>
+              <a:t>P</a:t>
             </a:r>
-            <a:endParaRPr lang="en-IN" sz="1600" dirty="0"/>
+            <a:r>
+              <a:rPr lang="en-US" b="0" i="0" dirty="0">
+                <a:solidFill>
+                  <a:srgbClr val="141414"/>
+                </a:solidFill>
+                <a:effectLst/>
+                <a:latin typeface="HCo Decimal"/>
+              </a:rPr>
+              <a:t>redictive protection capabilities like determining when a container runs a process not included in the origin image or creates an unexpected network socket. </a:t>
+            </a:r>
           </a:p>
           <a:p>
             <a:pPr marL="285750" indent="-285750">
@@ -49378,116 +49604,27 @@
               <a:buChar char="•"/>
             </a:pPr>
             <a:r>
-              <a:rPr lang="en-IN" sz="1600" dirty="0"/>
-              <a:t>Services covered by API Ingestion:</a:t>
+              <a:rPr lang="en-US" b="0" i="0" dirty="0">
+                <a:solidFill>
+                  <a:srgbClr val="141414"/>
+                </a:solidFill>
+                <a:effectLst/>
+                <a:latin typeface="HCo Decimal"/>
+              </a:rPr>
+              <a:t>Threat based protection capabilities like detecting when malware is added to a container or when a container connects to a botnet.</a:t>
             </a:r>
-          </a:p>
-          <a:p>
-            <a:pPr marL="742950" lvl="1" indent="-285750">
-              <a:buFont typeface="Arial" panose="020B0604020202020204" pitchFamily="34" charset="0"/>
-              <a:buChar char="•"/>
-            </a:pPr>
-            <a:r>
-              <a:rPr lang="en-IN" sz="1600" dirty="0">
-                <a:solidFill>
-                  <a:srgbClr val="00B0F0"/>
-                </a:solidFill>
-              </a:rPr>
-              <a:t>Azure Application Gateway, Azure Active Directory,  Azure API Management, Azure Cache, Azure Compute</a:t>
-            </a:r>
-          </a:p>
-          <a:p>
-            <a:pPr marL="742950" lvl="1" indent="-285750">
-              <a:buFont typeface="Arial" panose="020B0604020202020204" pitchFamily="34" charset="0"/>
-              <a:buChar char="•"/>
-            </a:pPr>
-            <a:r>
-              <a:rPr lang="en-IN" sz="1600" dirty="0">
-                <a:solidFill>
-                  <a:srgbClr val="00B0F0"/>
-                </a:solidFill>
-              </a:rPr>
-              <a:t>Azure Cosmos DB, Azure Data Bricks, Azure Database for MySQL, Azure Data Factory, Azure Data Lake Analytics</a:t>
-            </a:r>
-          </a:p>
-          <a:p>
-            <a:pPr marL="742950" lvl="1" indent="-285750">
-              <a:buFont typeface="Arial" panose="020B0604020202020204" pitchFamily="34" charset="0"/>
-              <a:buChar char="•"/>
-            </a:pPr>
-            <a:r>
-              <a:rPr lang="en-IN" sz="1600" dirty="0">
-                <a:solidFill>
-                  <a:srgbClr val="00B0F0"/>
-                </a:solidFill>
-              </a:rPr>
-              <a:t>Azure Data Lake Storage (Gen 1), Azure Event Hubs, Azure Key Vault, Azure Load Balancer, Azure Logic Apps</a:t>
-            </a:r>
-          </a:p>
-          <a:p>
-            <a:pPr marL="742950" lvl="1" indent="-285750">
-              <a:buFont typeface="Arial" panose="020B0604020202020204" pitchFamily="34" charset="0"/>
-              <a:buChar char="•"/>
-            </a:pPr>
-            <a:r>
-              <a:rPr lang="en-IN" sz="1600" dirty="0">
-                <a:solidFill>
-                  <a:srgbClr val="00B0F0"/>
-                </a:solidFill>
-              </a:rPr>
-              <a:t>Azure Resource Group, Azure Resource Manager, Azure Policy, Azure Security </a:t>
-            </a:r>
-            <a:r>
-              <a:rPr lang="en-IN" sz="1600" dirty="0" err="1">
-                <a:solidFill>
-                  <a:srgbClr val="00B0F0"/>
-                </a:solidFill>
-              </a:rPr>
-              <a:t>Center</a:t>
-            </a:r>
-            <a:r>
-              <a:rPr lang="en-IN" sz="1600" dirty="0">
-                <a:solidFill>
-                  <a:srgbClr val="00B0F0"/>
-                </a:solidFill>
-              </a:rPr>
-              <a:t>, Azure Virtual Network</a:t>
-            </a:r>
-          </a:p>
-          <a:p>
-            <a:pPr marL="742950" lvl="1" indent="-285750">
-              <a:buFont typeface="Arial" panose="020B0604020202020204" pitchFamily="34" charset="0"/>
-              <a:buChar char="•"/>
-            </a:pPr>
-            <a:r>
-              <a:rPr lang="en-IN" sz="1600" dirty="0">
-                <a:solidFill>
-                  <a:srgbClr val="00B0F0"/>
-                </a:solidFill>
-              </a:rPr>
-              <a:t>Azure SQL Database, Azure Database for PostgreSQL, Azure Monitor, Azure Network Watcher</a:t>
-            </a:r>
-          </a:p>
-          <a:p>
-            <a:pPr marL="742950" lvl="1" indent="-285750">
-              <a:buFont typeface="Arial" panose="020B0604020202020204" pitchFamily="34" charset="0"/>
-              <a:buChar char="•"/>
-            </a:pPr>
-            <a:r>
-              <a:rPr lang="en-IN" sz="1600" dirty="0">
-                <a:solidFill>
-                  <a:srgbClr val="00B0F0"/>
-                </a:solidFill>
-              </a:rPr>
-              <a:t>Azure Storage, Subnets, Azure Kubernetes Service, App Service, Azure VPN Gateway</a:t>
-            </a:r>
+            <a:endParaRPr lang="en-IN" sz="1400" dirty="0">
+              <a:solidFill>
+                <a:srgbClr val="00B0F0"/>
+              </a:solidFill>
+            </a:endParaRPr>
           </a:p>
         </p:txBody>
       </p:sp>
     </p:spTree>
     <p:extLst>
       <p:ext uri="{BB962C8B-B14F-4D97-AF65-F5344CB8AC3E}">
-        <p14:creationId xmlns:p14="http://schemas.microsoft.com/office/powerpoint/2010/main" val="524699846"/>
+        <p14:creationId xmlns:p14="http://schemas.microsoft.com/office/powerpoint/2010/main" val="3187750877"/>
       </p:ext>
     </p:extLst>
   </p:cSld>
@@ -49543,15 +49680,7 @@
           <a:p>
             <a:r>
               <a:rPr lang="en-US" dirty="0"/>
-              <a:t>Prisma- </a:t>
-            </a:r>
-            <a:r>
-              <a:rPr lang="en-US" dirty="0" err="1"/>
-              <a:t>Twistcli</a:t>
-            </a:r>
-            <a:r>
-              <a:rPr lang="en-US" dirty="0"/>
-              <a:t> – Build Process</a:t>
+              <a:t>Prisma- Use Case- AWS Data Security</a:t>
             </a:r>
           </a:p>
         </p:txBody>
@@ -49595,7 +49724,7 @@
         <p:spPr>
           <a:xfrm>
             <a:off x="318235" y="1649710"/>
-            <a:ext cx="11879380" cy="3477875"/>
+            <a:ext cx="11879380" cy="1200329"/>
           </a:xfrm>
           <a:prstGeom prst="rect">
             <a:avLst/>
@@ -49608,239 +49737,98 @@
           </a:bodyPr>
           <a:lstStyle/>
           <a:p>
-            <a:pPr marL="342900" indent="-342900" algn="l">
+            <a:pPr marL="285750" indent="-285750">
               <a:buFont typeface="Arial" panose="020B0604020202020204" pitchFamily="34" charset="0"/>
               <a:buChar char="•"/>
             </a:pPr>
             <a:r>
-              <a:rPr lang="en-GB" sz="2000" b="0" i="0" dirty="0" err="1">
+              <a:rPr lang="en-US" b="0" i="0" dirty="0">
                 <a:solidFill>
-                  <a:srgbClr val="000000"/>
+                  <a:srgbClr val="141414"/>
                 </a:solidFill>
                 <a:effectLst/>
-                <a:latin typeface="Montserrat"/>
+                <a:latin typeface="HCo Decimal"/>
               </a:rPr>
-              <a:t>Twistlock</a:t>
+              <a:t>Prisma Cloud Data Security </a:t>
             </a:r>
-            <a:r>
-              <a:rPr lang="en-GB" sz="2000" b="0" i="0" dirty="0">
-                <a:solidFill>
-                  <a:srgbClr val="000000"/>
-                </a:solidFill>
-                <a:effectLst/>
-                <a:latin typeface="Montserrat"/>
-              </a:rPr>
-              <a:t>: </a:t>
-            </a:r>
-          </a:p>
-          <a:p>
-            <a:pPr marL="800100" lvl="1" indent="-342900">
+          </a:p>
+          <a:p>
+            <a:pPr marL="742950" lvl="1" indent="-285750">
               <a:buFont typeface="Arial" panose="020B0604020202020204" pitchFamily="34" charset="0"/>
               <a:buChar char="•"/>
             </a:pPr>
             <a:r>
-              <a:rPr lang="en-GB" sz="2000" dirty="0">
+              <a:rPr lang="en-US" b="0" i="0" dirty="0">
                 <a:solidFill>
-                  <a:srgbClr val="000000"/>
-                </a:solidFill>
-                <a:latin typeface="Montserrat"/>
-              </a:rPr>
-              <a:t>S</a:t>
-            </a:r>
-            <a:r>
-              <a:rPr lang="en-GB" sz="2000" b="0" i="0" dirty="0">
-                <a:solidFill>
-                  <a:srgbClr val="000000"/>
+                  <a:srgbClr val="141414"/>
                 </a:solidFill>
                 <a:effectLst/>
-                <a:latin typeface="Montserrat"/>
+                <a:latin typeface="HCo Decimal"/>
               </a:rPr>
-              <a:t>cans all of the images in the registry, </a:t>
+              <a:t>Supports Monitor mode only. </a:t>
             </a:r>
           </a:p>
           <a:p>
-            <a:pPr marL="800100" lvl="1" indent="-342900">
+            <a:pPr marL="742950" lvl="1" indent="-285750">
               <a:buFont typeface="Arial" panose="020B0604020202020204" pitchFamily="34" charset="0"/>
               <a:buChar char="•"/>
             </a:pPr>
             <a:r>
-              <a:rPr lang="en-GB" sz="2000" dirty="0">
+              <a:rPr lang="en-US" dirty="0">
                 <a:solidFill>
-                  <a:srgbClr val="000000"/>
+                  <a:srgbClr val="141414"/>
                 </a:solidFill>
-                <a:latin typeface="Montserrat"/>
+                <a:latin typeface="HCo Decimal"/>
               </a:rPr>
-              <a:t>S</a:t>
+              <a:t>D</a:t>
             </a:r>
             <a:r>
-              <a:rPr lang="en-GB" sz="2000" b="0" i="0" dirty="0">
+              <a:rPr lang="en-US" b="0" i="0" dirty="0">
                 <a:solidFill>
-                  <a:srgbClr val="000000"/>
+                  <a:srgbClr val="141414"/>
                 </a:solidFill>
                 <a:effectLst/>
-                <a:latin typeface="Montserrat"/>
+                <a:latin typeface="HCo Decimal"/>
               </a:rPr>
-              <a:t>cans images during the build and deploy process, </a:t>
+              <a:t>o not support automatic remediation</a:t>
             </a:r>
           </a:p>
           <a:p>
-            <a:pPr marL="800100" lvl="1" indent="-342900">
+            <a:pPr marL="742950" lvl="1" indent="-285750">
               <a:buFont typeface="Arial" panose="020B0604020202020204" pitchFamily="34" charset="0"/>
               <a:buChar char="•"/>
             </a:pPr>
             <a:r>
-              <a:rPr lang="en-GB" sz="2000" dirty="0">
+              <a:rPr lang="en-US" dirty="0">
                 <a:solidFill>
-                  <a:srgbClr val="000000"/>
+                  <a:srgbClr val="141414"/>
                 </a:solidFill>
-                <a:latin typeface="Montserrat"/>
+                <a:latin typeface="HCo Decimal"/>
               </a:rPr>
-              <a:t>A</a:t>
+              <a:t>Y</a:t>
             </a:r>
             <a:r>
-              <a:rPr lang="en-GB" sz="2000" b="0" i="0" dirty="0">
+              <a:rPr lang="en-US" b="0" i="0" dirty="0">
                 <a:solidFill>
-                  <a:srgbClr val="000000"/>
+                  <a:srgbClr val="141414"/>
                 </a:solidFill>
                 <a:effectLst/>
-                <a:latin typeface="Montserrat"/>
+                <a:latin typeface="HCo Decimal"/>
               </a:rPr>
-              <a:t>nd also continuously monitors any vulnerability changes in your running containers. </a:t>
+              <a:t>ou must manually fix issues to address alerts generated from Data policies.</a:t>
             </a:r>
-          </a:p>
-          <a:p>
-            <a:pPr marL="342900" indent="-342900">
-              <a:buFont typeface="Arial" panose="020B0604020202020204" pitchFamily="34" charset="0"/>
-              <a:buChar char="•"/>
-            </a:pPr>
-            <a:r>
-              <a:rPr lang="en-GB" sz="2000" b="0" i="0" dirty="0" err="1">
-                <a:solidFill>
-                  <a:srgbClr val="000000"/>
-                </a:solidFill>
-                <a:effectLst/>
-                <a:latin typeface="Montserrat"/>
-              </a:rPr>
-              <a:t>Twistlock</a:t>
-            </a:r>
-            <a:r>
-              <a:rPr lang="en-GB" sz="2000" b="0" i="0" dirty="0">
-                <a:solidFill>
-                  <a:srgbClr val="000000"/>
-                </a:solidFill>
-                <a:effectLst/>
-                <a:latin typeface="Montserrat"/>
-              </a:rPr>
-              <a:t> generates a risk score for each of the vulnerabilities it find</a:t>
-            </a:r>
-          </a:p>
-          <a:p>
-            <a:pPr marL="800100" lvl="1" indent="-342900">
-              <a:buFont typeface="Arial" panose="020B0604020202020204" pitchFamily="34" charset="0"/>
-              <a:buChar char="•"/>
-            </a:pPr>
-            <a:r>
-              <a:rPr lang="en-GB" sz="2000" dirty="0">
-                <a:solidFill>
-                  <a:srgbClr val="000000"/>
-                </a:solidFill>
-                <a:latin typeface="Montserrat"/>
-              </a:rPr>
-              <a:t>Use</a:t>
-            </a:r>
-            <a:r>
-              <a:rPr lang="en-GB" sz="2000" b="0" i="0" dirty="0">
-                <a:solidFill>
-                  <a:srgbClr val="000000"/>
-                </a:solidFill>
-                <a:effectLst/>
-                <a:latin typeface="Montserrat"/>
-              </a:rPr>
-              <a:t> risk metrics like CVSS </a:t>
-            </a:r>
-          </a:p>
-          <a:p>
-            <a:pPr marL="800100" lvl="1" indent="-342900">
-              <a:buFont typeface="Arial" panose="020B0604020202020204" pitchFamily="34" charset="0"/>
-              <a:buChar char="•"/>
-            </a:pPr>
-            <a:r>
-              <a:rPr lang="en-GB" sz="2000" dirty="0">
-                <a:solidFill>
-                  <a:srgbClr val="000000"/>
-                </a:solidFill>
-                <a:latin typeface="Montserrat"/>
-              </a:rPr>
-              <a:t>A</a:t>
-            </a:r>
-            <a:r>
-              <a:rPr lang="en-GB" sz="2000" b="0" i="0" dirty="0">
-                <a:solidFill>
-                  <a:srgbClr val="000000"/>
-                </a:solidFill>
-                <a:effectLst/>
-                <a:latin typeface="Montserrat"/>
-              </a:rPr>
-              <a:t>lso a whole host of other metrics as well</a:t>
-            </a:r>
-          </a:p>
-          <a:p>
-            <a:pPr lvl="2">
-              <a:buFont typeface="Arial" panose="020B0604020202020204" pitchFamily="34" charset="0"/>
-              <a:buChar char="•"/>
-            </a:pPr>
-            <a:r>
-              <a:rPr lang="en-GB" sz="2000" b="0" i="0" dirty="0">
-                <a:solidFill>
-                  <a:srgbClr val="000000"/>
-                </a:solidFill>
-                <a:effectLst/>
-                <a:latin typeface="Montserrat"/>
-              </a:rPr>
-              <a:t>Is this container connected to the internet?</a:t>
-            </a:r>
-          </a:p>
-          <a:p>
-            <a:pPr lvl="2">
-              <a:buFont typeface="Arial" panose="020B0604020202020204" pitchFamily="34" charset="0"/>
-              <a:buChar char="•"/>
-            </a:pPr>
-            <a:r>
-              <a:rPr lang="en-GB" sz="2000" b="0" i="0" dirty="0">
-                <a:solidFill>
-                  <a:srgbClr val="000000"/>
-                </a:solidFill>
-                <a:effectLst/>
-                <a:latin typeface="Montserrat"/>
-              </a:rPr>
-              <a:t>Does it have open listening ports?</a:t>
-            </a:r>
-          </a:p>
-          <a:p>
-            <a:pPr lvl="2">
-              <a:buFont typeface="Arial" panose="020B0604020202020204" pitchFamily="34" charset="0"/>
-              <a:buChar char="•"/>
-            </a:pPr>
-            <a:r>
-              <a:rPr lang="en-GB" sz="2000" b="0" i="0" dirty="0">
-                <a:solidFill>
-                  <a:srgbClr val="000000"/>
-                </a:solidFill>
-                <a:effectLst/>
-                <a:latin typeface="Montserrat"/>
-              </a:rPr>
-              <a:t>Does it have a security profile attached</a:t>
-            </a:r>
-          </a:p>
-          <a:p>
-            <a:endParaRPr lang="en-IN" sz="2000" dirty="0"/>
+            <a:endParaRPr lang="en-IN" sz="1400" dirty="0">
+              <a:solidFill>
+                <a:srgbClr val="00B0F0"/>
+              </a:solidFill>
+            </a:endParaRPr>
           </a:p>
         </p:txBody>
       </p:sp>
     </p:spTree>
     <p:extLst>
       <p:ext uri="{BB962C8B-B14F-4D97-AF65-F5344CB8AC3E}">
-        <p14:creationId xmlns:p14="http://schemas.microsoft.com/office/powerpoint/2010/main" val="691266842"/>
+        <p14:creationId xmlns:p14="http://schemas.microsoft.com/office/powerpoint/2010/main" val="222447102"/>
       </p:ext>
     </p:extLst>
   </p:cSld>
@@ -49881,13 +49869,29 @@
       </p:grpSpPr>
       <p:sp>
         <p:nvSpPr>
-          <p:cNvPr id="2" name="Slide Number Placeholder 1">
-            <a:extLst>
-              <a:ext uri="{FF2B5EF4-FFF2-40B4-BE49-F238E27FC236}">
-                <a16:creationId xmlns:a16="http://schemas.microsoft.com/office/drawing/2014/main" id="{3440FDAB-4604-4E5E-9B2B-9B5EBF1594D0}"/>
-              </a:ext>
-            </a:extLst>
-          </p:cNvPr>
+          <p:cNvPr id="17410" name="Rectangle 2"/>
+          <p:cNvSpPr>
+            <a:spLocks noGrp="1" noChangeArrowheads="1"/>
+          </p:cNvSpPr>
+          <p:nvPr>
+            <p:ph type="title"/>
+          </p:nvPr>
+        </p:nvSpPr>
+        <p:spPr/>
+        <p:txBody>
+          <a:bodyPr/>
+          <a:lstStyle/>
+          <a:p>
+            <a:r>
+              <a:rPr lang="en-US" dirty="0"/>
+              <a:t>Prisma- Use Case- Azure Services (using API)</a:t>
+            </a:r>
+          </a:p>
+        </p:txBody>
+      </p:sp>
+      <p:sp>
+        <p:nvSpPr>
+          <p:cNvPr id="4" name="Slide Number Placeholder 3"/>
           <p:cNvSpPr>
             <a:spLocks noGrp="1"/>
           </p:cNvSpPr>
@@ -49901,20 +49905,20 @@
           <a:lstStyle/>
           <a:p>
             <a:fld id="{D92B6165-2E63-41A3-8905-D7634EBC6D44}" type="slidenum">
-              <a:rPr lang="en-IN" smtClean="0"/>
+              <a:rPr lang="en-US" smtClean="0"/>
               <a:pPr/>
               <a:t>58</a:t>
             </a:fld>
-            <a:endParaRPr lang="en-IN"/>
+            <a:endParaRPr lang="en-US"/>
           </a:p>
         </p:txBody>
       </p:sp>
       <p:sp>
         <p:nvSpPr>
-          <p:cNvPr id="4" name="TextBox 3">
+          <p:cNvPr id="6" name="TextBox 5">
             <a:extLst>
               <a:ext uri="{FF2B5EF4-FFF2-40B4-BE49-F238E27FC236}">
-                <a16:creationId xmlns:a16="http://schemas.microsoft.com/office/drawing/2014/main" id="{0789C305-54B6-4E77-9AB8-98E11F371D22}"/>
+                <a16:creationId xmlns:a16="http://schemas.microsoft.com/office/drawing/2014/main" id="{7E149B81-9EAE-4CD0-9E8C-3D85A9FCE9D8}"/>
               </a:ext>
             </a:extLst>
           </p:cNvPr>
@@ -49923,8 +49927,8 @@
         </p:nvSpPr>
         <p:spPr>
           <a:xfrm>
-            <a:off x="2411895" y="2605566"/>
-            <a:ext cx="6096000" cy="1477328"/>
+            <a:off x="318235" y="1649710"/>
+            <a:ext cx="11879380" cy="2062103"/>
           </a:xfrm>
           <a:prstGeom prst="rect">
             <a:avLst/>
@@ -49937,72 +49941,134 @@
           </a:bodyPr>
           <a:lstStyle/>
           <a:p>
+            <a:pPr marL="285750" indent="-285750">
+              <a:buFont typeface="Arial" panose="020B0604020202020204" pitchFamily="34" charset="0"/>
+              <a:buChar char="•"/>
+            </a:pPr>
             <a:r>
-              <a:rPr lang="en-US" dirty="0">
+              <a:rPr lang="en-IN" sz="1600" dirty="0">
+                <a:hlinkClick r:id="rId3"/>
+              </a:rPr>
+              <a:t>Microsoft Azure APIs Ingested by Prisma Cloud (paloaltonetworks.com)</a:t>
+            </a:r>
+            <a:endParaRPr lang="en-IN" sz="1600" dirty="0"/>
+          </a:p>
+          <a:p>
+            <a:pPr marL="285750" indent="-285750">
+              <a:buFont typeface="Arial" panose="020B0604020202020204" pitchFamily="34" charset="0"/>
+              <a:buChar char="•"/>
+            </a:pPr>
+            <a:r>
+              <a:rPr lang="en-IN" sz="1600" dirty="0"/>
+              <a:t>Services covered by API Ingestion:</a:t>
+            </a:r>
+          </a:p>
+          <a:p>
+            <a:pPr marL="742950" lvl="1" indent="-285750">
+              <a:buFont typeface="Arial" panose="020B0604020202020204" pitchFamily="34" charset="0"/>
+              <a:buChar char="•"/>
+            </a:pPr>
+            <a:r>
+              <a:rPr lang="en-IN" sz="1600" dirty="0">
                 <a:solidFill>
-                  <a:srgbClr val="0070C0"/>
+                  <a:srgbClr val="00B0F0"/>
                 </a:solidFill>
-                <a:hlinkClick r:id="rId2">
-                  <a:extLst>
-                    <a:ext uri="{A12FA001-AC4F-418D-AE19-62706E023703}">
-                      <ahyp:hlinkClr xmlns:ahyp="http://schemas.microsoft.com/office/drawing/2018/hyperlinkcolor" val="tx"/>
-                    </a:ext>
-                  </a:extLst>
-                </a:hlinkClick>
               </a:rPr>
-              <a:t>Reference</a:t>
+              <a:t>Azure Application Gateway, Azure Active Directory,  Azure API Management, Azure Cache, Azure Compute</a:t>
+            </a:r>
+          </a:p>
+          <a:p>
+            <a:pPr marL="742950" lvl="1" indent="-285750">
+              <a:buFont typeface="Arial" panose="020B0604020202020204" pitchFamily="34" charset="0"/>
+              <a:buChar char="•"/>
+            </a:pPr>
+            <a:r>
+              <a:rPr lang="en-IN" sz="1600" dirty="0">
+                <a:solidFill>
+                  <a:srgbClr val="00B0F0"/>
+                </a:solidFill>
+              </a:rPr>
+              <a:t>Azure Cosmos DB, Azure Data Bricks, Azure Database for MySQL, Azure Data Factory, Azure Data Lake Analytics</a:t>
+            </a:r>
+          </a:p>
+          <a:p>
+            <a:pPr marL="742950" lvl="1" indent="-285750">
+              <a:buFont typeface="Arial" panose="020B0604020202020204" pitchFamily="34" charset="0"/>
+              <a:buChar char="•"/>
+            </a:pPr>
+            <a:r>
+              <a:rPr lang="en-IN" sz="1600" dirty="0">
+                <a:solidFill>
+                  <a:srgbClr val="00B0F0"/>
+                </a:solidFill>
+              </a:rPr>
+              <a:t>Azure Data Lake Storage (Gen 1), Azure Event Hubs, Azure Key Vault, Azure Load Balancer, Azure Logic Apps</a:t>
+            </a:r>
+          </a:p>
+          <a:p>
+            <a:pPr marL="742950" lvl="1" indent="-285750">
+              <a:buFont typeface="Arial" panose="020B0604020202020204" pitchFamily="34" charset="0"/>
+              <a:buChar char="•"/>
+            </a:pPr>
+            <a:r>
+              <a:rPr lang="en-IN" sz="1600" dirty="0">
+                <a:solidFill>
+                  <a:srgbClr val="00B0F0"/>
+                </a:solidFill>
+              </a:rPr>
+              <a:t>Azure Resource Group, Azure Resource Manager, Azure Policy, Azure Security </a:t>
             </a:r>
             <a:r>
-              <a:rPr lang="en-US" dirty="0">
+              <a:rPr lang="en-IN" sz="1600" dirty="0" err="1">
                 <a:solidFill>
-                  <a:srgbClr val="56BCFE"/>
+                  <a:srgbClr val="00B0F0"/>
                 </a:solidFill>
-                <a:hlinkClick r:id="" action="ppaction://noaction">
-                  <a:extLst>
-                    <a:ext uri="{A12FA001-AC4F-418D-AE19-62706E023703}">
-                      <ahyp:hlinkClr xmlns:ahyp="http://schemas.microsoft.com/office/drawing/2018/hyperlinkcolor" val="tx"/>
-                    </a:ext>
-                  </a:extLst>
-                </a:hlinkClick>
               </a:rPr>
-              <a:t>: </a:t>
-            </a:r>
-          </a:p>
-          <a:p>
-            <a:endParaRPr lang="en-US" dirty="0">
-              <a:solidFill>
-                <a:srgbClr val="56BCFE"/>
-              </a:solidFill>
-              <a:hlinkClick r:id="" action="ppaction://noaction">
-                <a:extLst>
-                  <a:ext uri="{A12FA001-AC4F-418D-AE19-62706E023703}">
-                    <ahyp:hlinkClr xmlns:ahyp="http://schemas.microsoft.com/office/drawing/2018/hyperlinkcolor" val="tx"/>
-                  </a:ext>
-                </a:extLst>
-              </a:hlinkClick>
-            </a:endParaRPr>
-          </a:p>
-          <a:p>
-            <a:r>
-              <a:rPr lang="en-US" dirty="0">
-                <a:hlinkClick r:id="rId2"/>
-              </a:rPr>
-              <a:t>https://www.paloaltonetworks.com/resources/guides/prisma-cloud-enterprise-edition-licensing-guide</a:t>
+              <a:t>Center</a:t>
             </a:r>
             <a:r>
-              <a:rPr lang="en-US" dirty="0"/>
-              <a:t>.</a:t>
+              <a:rPr lang="en-IN" sz="1600" dirty="0">
+                <a:solidFill>
+                  <a:srgbClr val="00B0F0"/>
+                </a:solidFill>
+              </a:rPr>
+              <a:t>, Azure Virtual Network</a:t>
             </a:r>
           </a:p>
           <a:p>
-            <a:endParaRPr lang="en-US" dirty="0"/>
+            <a:pPr marL="742950" lvl="1" indent="-285750">
+              <a:buFont typeface="Arial" panose="020B0604020202020204" pitchFamily="34" charset="0"/>
+              <a:buChar char="•"/>
+            </a:pPr>
+            <a:r>
+              <a:rPr lang="en-IN" sz="1600" dirty="0">
+                <a:solidFill>
+                  <a:srgbClr val="00B0F0"/>
+                </a:solidFill>
+              </a:rPr>
+              <a:t>Azure SQL Database, Azure Database for PostgreSQL, Azure Monitor, Azure Network Watcher</a:t>
+            </a:r>
+          </a:p>
+          <a:p>
+            <a:pPr marL="742950" lvl="1" indent="-285750">
+              <a:buFont typeface="Arial" panose="020B0604020202020204" pitchFamily="34" charset="0"/>
+              <a:buChar char="•"/>
+            </a:pPr>
+            <a:r>
+              <a:rPr lang="en-IN" sz="1600" dirty="0">
+                <a:solidFill>
+                  <a:srgbClr val="00B0F0"/>
+                </a:solidFill>
+              </a:rPr>
+              <a:t>Azure Storage, Subnets, Azure Kubernetes Service, App Service, Azure VPN Gateway</a:t>
+            </a:r>
           </a:p>
         </p:txBody>
       </p:sp>
     </p:spTree>
     <p:extLst>
       <p:ext uri="{BB962C8B-B14F-4D97-AF65-F5344CB8AC3E}">
-        <p14:creationId xmlns:p14="http://schemas.microsoft.com/office/powerpoint/2010/main" val="4053427483"/>
+        <p14:creationId xmlns:p14="http://schemas.microsoft.com/office/powerpoint/2010/main" val="524699846"/>
       </p:ext>
     </p:extLst>
   </p:cSld>
@@ -50027,14 +50093,6 @@
 <file path=ppt/slides/slide59.xml><?xml version="1.0" encoding="utf-8"?>
 <p:sld xmlns:a="http://schemas.openxmlformats.org/drawingml/2006/main" xmlns:r="http://schemas.openxmlformats.org/officeDocument/2006/relationships" xmlns:p="http://schemas.openxmlformats.org/presentationml/2006/main">
   <p:cSld>
-    <p:bg>
-      <p:bgPr>
-        <a:solidFill>
-          <a:schemeClr val="accent1"/>
-        </a:solidFill>
-        <a:effectLst/>
-      </p:bgPr>
-    </p:bg>
     <p:spTree>
       <p:nvGrpSpPr>
         <p:cNvPr id="1" name=""/>
@@ -50049,10 +50107,321 @@
           <a:chExt cx="0" cy="0"/>
         </a:xfrm>
       </p:grpSpPr>
+      <p:sp>
+        <p:nvSpPr>
+          <p:cNvPr id="17410" name="Rectangle 2"/>
+          <p:cNvSpPr>
+            <a:spLocks noGrp="1" noChangeArrowheads="1"/>
+          </p:cNvSpPr>
+          <p:nvPr>
+            <p:ph type="title"/>
+          </p:nvPr>
+        </p:nvSpPr>
+        <p:spPr/>
+        <p:txBody>
+          <a:bodyPr/>
+          <a:lstStyle/>
+          <a:p>
+            <a:r>
+              <a:rPr lang="en-US" dirty="0"/>
+              <a:t>Prisma- </a:t>
+            </a:r>
+            <a:r>
+              <a:rPr lang="en-US" dirty="0" err="1"/>
+              <a:t>Twistcli</a:t>
+            </a:r>
+            <a:r>
+              <a:rPr lang="en-US" dirty="0"/>
+              <a:t> – Build Process</a:t>
+            </a:r>
+          </a:p>
+        </p:txBody>
+      </p:sp>
+      <p:sp>
+        <p:nvSpPr>
+          <p:cNvPr id="4" name="Slide Number Placeholder 3"/>
+          <p:cNvSpPr>
+            <a:spLocks noGrp="1"/>
+          </p:cNvSpPr>
+          <p:nvPr>
+            <p:ph type="sldNum" sz="quarter" idx="12"/>
+          </p:nvPr>
+        </p:nvSpPr>
+        <p:spPr/>
+        <p:txBody>
+          <a:bodyPr/>
+          <a:lstStyle/>
+          <a:p>
+            <a:fld id="{D92B6165-2E63-41A3-8905-D7634EBC6D44}" type="slidenum">
+              <a:rPr lang="en-US" smtClean="0"/>
+              <a:pPr/>
+              <a:t>59</a:t>
+            </a:fld>
+            <a:endParaRPr lang="en-US"/>
+          </a:p>
+        </p:txBody>
+      </p:sp>
+      <p:sp>
+        <p:nvSpPr>
+          <p:cNvPr id="6" name="TextBox 5">
+            <a:extLst>
+              <a:ext uri="{FF2B5EF4-FFF2-40B4-BE49-F238E27FC236}">
+                <a16:creationId xmlns:a16="http://schemas.microsoft.com/office/drawing/2014/main" id="{7E149B81-9EAE-4CD0-9E8C-3D85A9FCE9D8}"/>
+              </a:ext>
+            </a:extLst>
+          </p:cNvPr>
+          <p:cNvSpPr txBox="1"/>
+          <p:nvPr/>
+        </p:nvSpPr>
+        <p:spPr>
+          <a:xfrm>
+            <a:off x="318235" y="1649710"/>
+            <a:ext cx="11879380" cy="3477875"/>
+          </a:xfrm>
+          <a:prstGeom prst="rect">
+            <a:avLst/>
+          </a:prstGeom>
+          <a:noFill/>
+        </p:spPr>
+        <p:txBody>
+          <a:bodyPr wrap="square">
+            <a:spAutoFit/>
+          </a:bodyPr>
+          <a:lstStyle/>
+          <a:p>
+            <a:pPr marL="342900" indent="-342900" algn="l">
+              <a:buFont typeface="Arial" panose="020B0604020202020204" pitchFamily="34" charset="0"/>
+              <a:buChar char="•"/>
+            </a:pPr>
+            <a:r>
+              <a:rPr lang="en-GB" sz="2000" b="0" i="0" dirty="0" err="1">
+                <a:solidFill>
+                  <a:srgbClr val="000000"/>
+                </a:solidFill>
+                <a:effectLst/>
+                <a:latin typeface="Montserrat"/>
+              </a:rPr>
+              <a:t>Twistlock</a:t>
+            </a:r>
+            <a:r>
+              <a:rPr lang="en-GB" sz="2000" b="0" i="0" dirty="0">
+                <a:solidFill>
+                  <a:srgbClr val="000000"/>
+                </a:solidFill>
+                <a:effectLst/>
+                <a:latin typeface="Montserrat"/>
+              </a:rPr>
+              <a:t>: </a:t>
+            </a:r>
+          </a:p>
+          <a:p>
+            <a:pPr marL="800100" lvl="1" indent="-342900">
+              <a:buFont typeface="Arial" panose="020B0604020202020204" pitchFamily="34" charset="0"/>
+              <a:buChar char="•"/>
+            </a:pPr>
+            <a:r>
+              <a:rPr lang="en-GB" sz="2000" dirty="0">
+                <a:solidFill>
+                  <a:srgbClr val="000000"/>
+                </a:solidFill>
+                <a:latin typeface="Montserrat"/>
+              </a:rPr>
+              <a:t>S</a:t>
+            </a:r>
+            <a:r>
+              <a:rPr lang="en-GB" sz="2000" b="0" i="0" dirty="0">
+                <a:solidFill>
+                  <a:srgbClr val="000000"/>
+                </a:solidFill>
+                <a:effectLst/>
+                <a:latin typeface="Montserrat"/>
+              </a:rPr>
+              <a:t>cans all of the images in the registry, </a:t>
+            </a:r>
+          </a:p>
+          <a:p>
+            <a:pPr marL="800100" lvl="1" indent="-342900">
+              <a:buFont typeface="Arial" panose="020B0604020202020204" pitchFamily="34" charset="0"/>
+              <a:buChar char="•"/>
+            </a:pPr>
+            <a:r>
+              <a:rPr lang="en-GB" sz="2000" dirty="0">
+                <a:solidFill>
+                  <a:srgbClr val="000000"/>
+                </a:solidFill>
+                <a:latin typeface="Montserrat"/>
+              </a:rPr>
+              <a:t>S</a:t>
+            </a:r>
+            <a:r>
+              <a:rPr lang="en-GB" sz="2000" b="0" i="0" dirty="0">
+                <a:solidFill>
+                  <a:srgbClr val="000000"/>
+                </a:solidFill>
+                <a:effectLst/>
+                <a:latin typeface="Montserrat"/>
+              </a:rPr>
+              <a:t>cans images during the build and deploy process, </a:t>
+            </a:r>
+          </a:p>
+          <a:p>
+            <a:pPr marL="800100" lvl="1" indent="-342900">
+              <a:buFont typeface="Arial" panose="020B0604020202020204" pitchFamily="34" charset="0"/>
+              <a:buChar char="•"/>
+            </a:pPr>
+            <a:r>
+              <a:rPr lang="en-GB" sz="2000" dirty="0">
+                <a:solidFill>
+                  <a:srgbClr val="000000"/>
+                </a:solidFill>
+                <a:latin typeface="Montserrat"/>
+              </a:rPr>
+              <a:t>A</a:t>
+            </a:r>
+            <a:r>
+              <a:rPr lang="en-GB" sz="2000" b="0" i="0" dirty="0">
+                <a:solidFill>
+                  <a:srgbClr val="000000"/>
+                </a:solidFill>
+                <a:effectLst/>
+                <a:latin typeface="Montserrat"/>
+              </a:rPr>
+              <a:t>nd also continuously monitors any vulnerability changes in your running containers. </a:t>
+            </a:r>
+          </a:p>
+          <a:p>
+            <a:pPr marL="342900" indent="-342900">
+              <a:buFont typeface="Arial" panose="020B0604020202020204" pitchFamily="34" charset="0"/>
+              <a:buChar char="•"/>
+            </a:pPr>
+            <a:r>
+              <a:rPr lang="en-GB" sz="2000" b="0" i="0" dirty="0" err="1">
+                <a:solidFill>
+                  <a:srgbClr val="000000"/>
+                </a:solidFill>
+                <a:effectLst/>
+                <a:latin typeface="Montserrat"/>
+              </a:rPr>
+              <a:t>Twistlock</a:t>
+            </a:r>
+            <a:r>
+              <a:rPr lang="en-GB" sz="2000" b="0" i="0" dirty="0">
+                <a:solidFill>
+                  <a:srgbClr val="000000"/>
+                </a:solidFill>
+                <a:effectLst/>
+                <a:latin typeface="Montserrat"/>
+              </a:rPr>
+              <a:t> generates a risk score for each of the vulnerabilities it find</a:t>
+            </a:r>
+          </a:p>
+          <a:p>
+            <a:pPr marL="800100" lvl="1" indent="-342900">
+              <a:buFont typeface="Arial" panose="020B0604020202020204" pitchFamily="34" charset="0"/>
+              <a:buChar char="•"/>
+            </a:pPr>
+            <a:r>
+              <a:rPr lang="en-GB" sz="2000" dirty="0">
+                <a:solidFill>
+                  <a:srgbClr val="000000"/>
+                </a:solidFill>
+                <a:latin typeface="Montserrat"/>
+              </a:rPr>
+              <a:t>Use</a:t>
+            </a:r>
+            <a:r>
+              <a:rPr lang="en-GB" sz="2000" b="0" i="0" dirty="0">
+                <a:solidFill>
+                  <a:srgbClr val="000000"/>
+                </a:solidFill>
+                <a:effectLst/>
+                <a:latin typeface="Montserrat"/>
+              </a:rPr>
+              <a:t> risk metrics like CVSS </a:t>
+            </a:r>
+          </a:p>
+          <a:p>
+            <a:pPr marL="800100" lvl="1" indent="-342900">
+              <a:buFont typeface="Arial" panose="020B0604020202020204" pitchFamily="34" charset="0"/>
+              <a:buChar char="•"/>
+            </a:pPr>
+            <a:r>
+              <a:rPr lang="en-GB" sz="2000" dirty="0">
+                <a:solidFill>
+                  <a:srgbClr val="000000"/>
+                </a:solidFill>
+                <a:latin typeface="Montserrat"/>
+              </a:rPr>
+              <a:t>A</a:t>
+            </a:r>
+            <a:r>
+              <a:rPr lang="en-GB" sz="2000" b="0" i="0" dirty="0">
+                <a:solidFill>
+                  <a:srgbClr val="000000"/>
+                </a:solidFill>
+                <a:effectLst/>
+                <a:latin typeface="Montserrat"/>
+              </a:rPr>
+              <a:t>lso a whole host of other metrics as well</a:t>
+            </a:r>
+          </a:p>
+          <a:p>
+            <a:pPr lvl="2">
+              <a:buFont typeface="Arial" panose="020B0604020202020204" pitchFamily="34" charset="0"/>
+              <a:buChar char="•"/>
+            </a:pPr>
+            <a:r>
+              <a:rPr lang="en-GB" sz="2000" b="0" i="0" dirty="0">
+                <a:solidFill>
+                  <a:srgbClr val="000000"/>
+                </a:solidFill>
+                <a:effectLst/>
+                <a:latin typeface="Montserrat"/>
+              </a:rPr>
+              <a:t>Is this container connected to the internet?</a:t>
+            </a:r>
+          </a:p>
+          <a:p>
+            <a:pPr lvl="2">
+              <a:buFont typeface="Arial" panose="020B0604020202020204" pitchFamily="34" charset="0"/>
+              <a:buChar char="•"/>
+            </a:pPr>
+            <a:r>
+              <a:rPr lang="en-GB" sz="2000" b="0" i="0" dirty="0">
+                <a:solidFill>
+                  <a:srgbClr val="000000"/>
+                </a:solidFill>
+                <a:effectLst/>
+                <a:latin typeface="Montserrat"/>
+              </a:rPr>
+              <a:t>Does it have open listening ports?</a:t>
+            </a:r>
+          </a:p>
+          <a:p>
+            <a:pPr lvl="2">
+              <a:buFont typeface="Arial" panose="020B0604020202020204" pitchFamily="34" charset="0"/>
+              <a:buChar char="•"/>
+            </a:pPr>
+            <a:r>
+              <a:rPr lang="en-GB" sz="2000" b="0" i="0" dirty="0">
+                <a:solidFill>
+                  <a:srgbClr val="000000"/>
+                </a:solidFill>
+                <a:effectLst/>
+                <a:latin typeface="Montserrat"/>
+              </a:rPr>
+              <a:t>Does it have a security profile attached</a:t>
+            </a:r>
+          </a:p>
+          <a:p>
+            <a:endParaRPr lang="en-IN" sz="2000" dirty="0"/>
+          </a:p>
+        </p:txBody>
+      </p:sp>
     </p:spTree>
     <p:extLst>
       <p:ext uri="{BB962C8B-B14F-4D97-AF65-F5344CB8AC3E}">
-        <p14:creationId xmlns:p14="http://schemas.microsoft.com/office/powerpoint/2010/main" val="4006714961"/>
+        <p14:creationId xmlns:p14="http://schemas.microsoft.com/office/powerpoint/2010/main" val="691266842"/>
       </p:ext>
     </p:extLst>
   </p:cSld>
@@ -50187,6 +50556,218 @@
     <p:extLst>
       <p:ext uri="{BB962C8B-B14F-4D97-AF65-F5344CB8AC3E}">
         <p14:creationId xmlns:p14="http://schemas.microsoft.com/office/powerpoint/2010/main" val="139228287"/>
+      </p:ext>
+    </p:extLst>
+  </p:cSld>
+  <p:clrMapOvr>
+    <a:masterClrMapping/>
+  </p:clrMapOvr>
+  <mc:AlternateContent xmlns:mc="http://schemas.openxmlformats.org/markup-compatibility/2006" xmlns:p14="http://schemas.microsoft.com/office/powerpoint/2010/main">
+    <mc:Choice Requires="p14">
+      <p:transition spd="med" p14:dur="700">
+        <p:fade/>
+      </p:transition>
+    </mc:Choice>
+    <mc:Fallback xmlns="">
+      <p:transition spd="med">
+        <p:fade/>
+      </p:transition>
+    </mc:Fallback>
+  </mc:AlternateContent>
+</p:sld>
+</file>
+
+<file path=ppt/slides/slide60.xml><?xml version="1.0" encoding="utf-8"?>
+<p:sld xmlns:a="http://schemas.openxmlformats.org/drawingml/2006/main" xmlns:r="http://schemas.openxmlformats.org/officeDocument/2006/relationships" xmlns:p="http://schemas.openxmlformats.org/presentationml/2006/main">
+  <p:cSld>
+    <p:spTree>
+      <p:nvGrpSpPr>
+        <p:cNvPr id="1" name=""/>
+        <p:cNvGrpSpPr/>
+        <p:nvPr/>
+      </p:nvGrpSpPr>
+      <p:grpSpPr>
+        <a:xfrm>
+          <a:off x="0" y="0"/>
+          <a:ext cx="0" cy="0"/>
+          <a:chOff x="0" y="0"/>
+          <a:chExt cx="0" cy="0"/>
+        </a:xfrm>
+      </p:grpSpPr>
+      <p:sp>
+        <p:nvSpPr>
+          <p:cNvPr id="2" name="Slide Number Placeholder 1">
+            <a:extLst>
+              <a:ext uri="{FF2B5EF4-FFF2-40B4-BE49-F238E27FC236}">
+                <a16:creationId xmlns:a16="http://schemas.microsoft.com/office/drawing/2014/main" id="{3440FDAB-4604-4E5E-9B2B-9B5EBF1594D0}"/>
+              </a:ext>
+            </a:extLst>
+          </p:cNvPr>
+          <p:cNvSpPr>
+            <a:spLocks noGrp="1"/>
+          </p:cNvSpPr>
+          <p:nvPr>
+            <p:ph type="sldNum" sz="quarter" idx="12"/>
+          </p:nvPr>
+        </p:nvSpPr>
+        <p:spPr/>
+        <p:txBody>
+          <a:bodyPr/>
+          <a:lstStyle/>
+          <a:p>
+            <a:fld id="{D92B6165-2E63-41A3-8905-D7634EBC6D44}" type="slidenum">
+              <a:rPr lang="en-IN" smtClean="0"/>
+              <a:pPr/>
+              <a:t>60</a:t>
+            </a:fld>
+            <a:endParaRPr lang="en-IN"/>
+          </a:p>
+        </p:txBody>
+      </p:sp>
+      <p:sp>
+        <p:nvSpPr>
+          <p:cNvPr id="4" name="TextBox 3">
+            <a:extLst>
+              <a:ext uri="{FF2B5EF4-FFF2-40B4-BE49-F238E27FC236}">
+                <a16:creationId xmlns:a16="http://schemas.microsoft.com/office/drawing/2014/main" id="{0789C305-54B6-4E77-9AB8-98E11F371D22}"/>
+              </a:ext>
+            </a:extLst>
+          </p:cNvPr>
+          <p:cNvSpPr txBox="1"/>
+          <p:nvPr/>
+        </p:nvSpPr>
+        <p:spPr>
+          <a:xfrm>
+            <a:off x="2411895" y="2605566"/>
+            <a:ext cx="6096000" cy="1477328"/>
+          </a:xfrm>
+          <a:prstGeom prst="rect">
+            <a:avLst/>
+          </a:prstGeom>
+          <a:noFill/>
+        </p:spPr>
+        <p:txBody>
+          <a:bodyPr wrap="square">
+            <a:spAutoFit/>
+          </a:bodyPr>
+          <a:lstStyle/>
+          <a:p>
+            <a:r>
+              <a:rPr lang="en-US" dirty="0">
+                <a:solidFill>
+                  <a:srgbClr val="0070C0"/>
+                </a:solidFill>
+                <a:hlinkClick r:id="rId2">
+                  <a:extLst>
+                    <a:ext uri="{A12FA001-AC4F-418D-AE19-62706E023703}">
+                      <ahyp:hlinkClr xmlns:ahyp="http://schemas.microsoft.com/office/drawing/2018/hyperlinkcolor" val="tx"/>
+                    </a:ext>
+                  </a:extLst>
+                </a:hlinkClick>
+              </a:rPr>
+              <a:t>Reference</a:t>
+            </a:r>
+            <a:r>
+              <a:rPr lang="en-US" dirty="0">
+                <a:solidFill>
+                  <a:srgbClr val="56BCFE"/>
+                </a:solidFill>
+                <a:hlinkClick r:id="" action="ppaction://noaction">
+                  <a:extLst>
+                    <a:ext uri="{A12FA001-AC4F-418D-AE19-62706E023703}">
+                      <ahyp:hlinkClr xmlns:ahyp="http://schemas.microsoft.com/office/drawing/2018/hyperlinkcolor" val="tx"/>
+                    </a:ext>
+                  </a:extLst>
+                </a:hlinkClick>
+              </a:rPr>
+              <a:t>: </a:t>
+            </a:r>
+          </a:p>
+          <a:p>
+            <a:endParaRPr lang="en-US" dirty="0">
+              <a:solidFill>
+                <a:srgbClr val="56BCFE"/>
+              </a:solidFill>
+              <a:hlinkClick r:id="" action="ppaction://noaction">
+                <a:extLst>
+                  <a:ext uri="{A12FA001-AC4F-418D-AE19-62706E023703}">
+                    <ahyp:hlinkClr xmlns:ahyp="http://schemas.microsoft.com/office/drawing/2018/hyperlinkcolor" val="tx"/>
+                  </a:ext>
+                </a:extLst>
+              </a:hlinkClick>
+            </a:endParaRPr>
+          </a:p>
+          <a:p>
+            <a:r>
+              <a:rPr lang="en-US" dirty="0">
+                <a:hlinkClick r:id="rId2"/>
+              </a:rPr>
+              <a:t>https://www.paloaltonetworks.com/resources/guides/prisma-cloud-enterprise-edition-licensing-guide</a:t>
+            </a:r>
+            <a:r>
+              <a:rPr lang="en-US" dirty="0"/>
+              <a:t>.</a:t>
+            </a:r>
+          </a:p>
+          <a:p>
+            <a:endParaRPr lang="en-US" dirty="0"/>
+          </a:p>
+        </p:txBody>
+      </p:sp>
+    </p:spTree>
+    <p:extLst>
+      <p:ext uri="{BB962C8B-B14F-4D97-AF65-F5344CB8AC3E}">
+        <p14:creationId xmlns:p14="http://schemas.microsoft.com/office/powerpoint/2010/main" val="4053427483"/>
+      </p:ext>
+    </p:extLst>
+  </p:cSld>
+  <p:clrMapOvr>
+    <a:masterClrMapping/>
+  </p:clrMapOvr>
+  <mc:AlternateContent xmlns:mc="http://schemas.openxmlformats.org/markup-compatibility/2006" xmlns:p14="http://schemas.microsoft.com/office/powerpoint/2010/main">
+    <mc:Choice Requires="p14">
+      <p:transition spd="med" p14:dur="700">
+        <p:fade/>
+      </p:transition>
+    </mc:Choice>
+    <mc:Fallback xmlns="">
+      <p:transition spd="med">
+        <p:fade/>
+      </p:transition>
+    </mc:Fallback>
+  </mc:AlternateContent>
+</p:sld>
+</file>
+
+<file path=ppt/slides/slide61.xml><?xml version="1.0" encoding="utf-8"?>
+<p:sld xmlns:a="http://schemas.openxmlformats.org/drawingml/2006/main" xmlns:r="http://schemas.openxmlformats.org/officeDocument/2006/relationships" xmlns:p="http://schemas.openxmlformats.org/presentationml/2006/main">
+  <p:cSld>
+    <p:bg>
+      <p:bgPr>
+        <a:solidFill>
+          <a:schemeClr val="accent1"/>
+        </a:solidFill>
+        <a:effectLst/>
+      </p:bgPr>
+    </p:bg>
+    <p:spTree>
+      <p:nvGrpSpPr>
+        <p:cNvPr id="1" name=""/>
+        <p:cNvGrpSpPr/>
+        <p:nvPr/>
+      </p:nvGrpSpPr>
+      <p:grpSpPr>
+        <a:xfrm>
+          <a:off x="0" y="0"/>
+          <a:ext cx="0" cy="0"/>
+          <a:chOff x="0" y="0"/>
+          <a:chExt cx="0" cy="0"/>
+        </a:xfrm>
+      </p:grpSpPr>
+    </p:spTree>
+    <p:extLst>
+      <p:ext uri="{BB962C8B-B14F-4D97-AF65-F5344CB8AC3E}">
+        <p14:creationId xmlns:p14="http://schemas.microsoft.com/office/powerpoint/2010/main" val="4006714961"/>
       </p:ext>
     </p:extLst>
   </p:cSld>

--- a/AWS Guard Duty & Azure Security Center.pptx
+++ b/AWS Guard Duty & Azure Security Center.pptx
@@ -5,10 +5,10 @@
     <p:sldMasterId id="2147483648" r:id="rId1"/>
   </p:sldMasterIdLst>
   <p:notesMasterIdLst>
-    <p:notesMasterId r:id="rId63"/>
+    <p:notesMasterId r:id="rId66"/>
   </p:notesMasterIdLst>
   <p:handoutMasterIdLst>
-    <p:handoutMasterId r:id="rId64"/>
+    <p:handoutMasterId r:id="rId67"/>
   </p:handoutMasterIdLst>
   <p:sldIdLst>
     <p:sldId id="296" r:id="rId2"/>
@@ -70,13 +70,16 @@
     <p:sldId id="350" r:id="rId58"/>
     <p:sldId id="352" r:id="rId59"/>
     <p:sldId id="355" r:id="rId60"/>
-    <p:sldId id="342" r:id="rId61"/>
-    <p:sldId id="266" r:id="rId62"/>
+    <p:sldId id="361" r:id="rId61"/>
+    <p:sldId id="360" r:id="rId62"/>
+    <p:sldId id="362" r:id="rId63"/>
+    <p:sldId id="342" r:id="rId64"/>
+    <p:sldId id="266" r:id="rId65"/>
   </p:sldIdLst>
   <p:sldSz cx="12188825" cy="6858000"/>
   <p:notesSz cx="6858000" cy="9144000"/>
   <p:custDataLst>
-    <p:tags r:id="rId65"/>
+    <p:tags r:id="rId68"/>
   </p:custDataLst>
   <p:defaultTextStyle>
     <a:defPPr>
@@ -571,7 +574,7 @@
             <a:fld id="{7724383D-47EA-45CB-930A-8D57FFD0FCC3}" type="datetime2">
               <a:rPr lang="en-US"/>
               <a:pPr/>
-              <a:t>Wednesday, August 18, 2021</a:t>
+              <a:t>Thursday, August 19, 2021</a:t>
             </a:fld>
             <a:endParaRPr/>
           </a:p>
@@ -6707,6 +6710,345 @@
       </p:grpSpPr>
       <p:sp>
         <p:nvSpPr>
+          <p:cNvPr id="31746" name="Rectangle 2"/>
+          <p:cNvSpPr>
+            <a:spLocks noGrp="1" noRot="1" noChangeAspect="1" noChangeArrowheads="1" noTextEdit="1"/>
+          </p:cNvSpPr>
+          <p:nvPr>
+            <p:ph type="sldImg"/>
+          </p:nvPr>
+        </p:nvSpPr>
+        <p:spPr bwMode="auto">
+          <a:noFill/>
+          <a:ln>
+            <a:solidFill>
+              <a:srgbClr val="000000"/>
+            </a:solidFill>
+            <a:miter lim="800000"/>
+            <a:headEnd/>
+            <a:tailEnd/>
+          </a:ln>
+          <a:extLst>
+            <a:ext uri="{909E8E84-426E-40DD-AFC4-6F175D3DCCD1}">
+              <a14:hiddenFill xmlns:a14="http://schemas.microsoft.com/office/drawing/2010/main">
+                <a:solidFill>
+                  <a:srgbClr val="FFFFFF"/>
+                </a:solidFill>
+              </a14:hiddenFill>
+            </a:ext>
+          </a:extLst>
+        </p:spPr>
+      </p:sp>
+      <p:sp>
+        <p:nvSpPr>
+          <p:cNvPr id="31747" name="Rectangle 3"/>
+          <p:cNvSpPr>
+            <a:spLocks noGrp="1" noChangeArrowheads="1"/>
+          </p:cNvSpPr>
+          <p:nvPr>
+            <p:ph type="body" idx="1"/>
+          </p:nvPr>
+        </p:nvSpPr>
+        <p:spPr bwMode="auto">
+          <a:noFill/>
+          <a:extLst>
+            <a:ext uri="{909E8E84-426E-40DD-AFC4-6F175D3DCCD1}">
+              <a14:hiddenFill xmlns:a14="http://schemas.microsoft.com/office/drawing/2010/main">
+                <a:solidFill>
+                  <a:srgbClr val="FFFFFF"/>
+                </a:solidFill>
+              </a14:hiddenFill>
+            </a:ext>
+            <a:ext uri="{91240B29-F687-4F45-9708-019B960494DF}">
+              <a14:hiddenLine xmlns:a14="http://schemas.microsoft.com/office/drawing/2010/main" w="9525">
+                <a:solidFill>
+                  <a:srgbClr val="000000"/>
+                </a:solidFill>
+                <a:miter lim="800000"/>
+                <a:headEnd/>
+                <a:tailEnd/>
+              </a14:hiddenLine>
+            </a:ext>
+          </a:extLst>
+        </p:spPr>
+        <p:txBody>
+          <a:bodyPr wrap="square" numCol="1" anchor="t" anchorCtr="0" compatLnSpc="1">
+            <a:prstTxWarp prst="textNoShape">
+              <a:avLst/>
+            </a:prstTxWarp>
+          </a:bodyPr>
+          <a:lstStyle/>
+          <a:p>
+            <a:pPr eaLnBrk="1" hangingPunct="1">
+              <a:spcBef>
+                <a:spcPct val="0"/>
+              </a:spcBef>
+            </a:pPr>
+            <a:endParaRPr lang="en-US">
+              <a:latin typeface="Helvetica"/>
+              <a:ea typeface="MS PGothic" pitchFamily="34" charset="-128"/>
+            </a:endParaRPr>
+          </a:p>
+        </p:txBody>
+      </p:sp>
+    </p:spTree>
+    <p:extLst>
+      <p:ext uri="{BB962C8B-B14F-4D97-AF65-F5344CB8AC3E}">
+        <p14:creationId xmlns:p14="http://schemas.microsoft.com/office/powerpoint/2010/main" val="55234941"/>
+      </p:ext>
+    </p:extLst>
+  </p:cSld>
+  <p:clrMapOvr>
+    <a:masterClrMapping/>
+  </p:clrMapOvr>
+</p:notes>
+</file>
+
+<file path=ppt/notesSlides/notesSlide57.xml><?xml version="1.0" encoding="utf-8"?>
+<p:notes xmlns:a="http://schemas.openxmlformats.org/drawingml/2006/main" xmlns:r="http://schemas.openxmlformats.org/officeDocument/2006/relationships" xmlns:p="http://schemas.openxmlformats.org/presentationml/2006/main">
+  <p:cSld>
+    <p:spTree>
+      <p:nvGrpSpPr>
+        <p:cNvPr id="1" name=""/>
+        <p:cNvGrpSpPr/>
+        <p:nvPr/>
+      </p:nvGrpSpPr>
+      <p:grpSpPr>
+        <a:xfrm>
+          <a:off x="0" y="0"/>
+          <a:ext cx="0" cy="0"/>
+          <a:chOff x="0" y="0"/>
+          <a:chExt cx="0" cy="0"/>
+        </a:xfrm>
+      </p:grpSpPr>
+      <p:sp>
+        <p:nvSpPr>
+          <p:cNvPr id="31746" name="Rectangle 2"/>
+          <p:cNvSpPr>
+            <a:spLocks noGrp="1" noRot="1" noChangeAspect="1" noChangeArrowheads="1" noTextEdit="1"/>
+          </p:cNvSpPr>
+          <p:nvPr>
+            <p:ph type="sldImg"/>
+          </p:nvPr>
+        </p:nvSpPr>
+        <p:spPr bwMode="auto">
+          <a:noFill/>
+          <a:ln>
+            <a:solidFill>
+              <a:srgbClr val="000000"/>
+            </a:solidFill>
+            <a:miter lim="800000"/>
+            <a:headEnd/>
+            <a:tailEnd/>
+          </a:ln>
+          <a:extLst>
+            <a:ext uri="{909E8E84-426E-40DD-AFC4-6F175D3DCCD1}">
+              <a14:hiddenFill xmlns:a14="http://schemas.microsoft.com/office/drawing/2010/main">
+                <a:solidFill>
+                  <a:srgbClr val="FFFFFF"/>
+                </a:solidFill>
+              </a14:hiddenFill>
+            </a:ext>
+          </a:extLst>
+        </p:spPr>
+      </p:sp>
+      <p:sp>
+        <p:nvSpPr>
+          <p:cNvPr id="31747" name="Rectangle 3"/>
+          <p:cNvSpPr>
+            <a:spLocks noGrp="1" noChangeArrowheads="1"/>
+          </p:cNvSpPr>
+          <p:nvPr>
+            <p:ph type="body" idx="1"/>
+          </p:nvPr>
+        </p:nvSpPr>
+        <p:spPr bwMode="auto">
+          <a:noFill/>
+          <a:extLst>
+            <a:ext uri="{909E8E84-426E-40DD-AFC4-6F175D3DCCD1}">
+              <a14:hiddenFill xmlns:a14="http://schemas.microsoft.com/office/drawing/2010/main">
+                <a:solidFill>
+                  <a:srgbClr val="FFFFFF"/>
+                </a:solidFill>
+              </a14:hiddenFill>
+            </a:ext>
+            <a:ext uri="{91240B29-F687-4F45-9708-019B960494DF}">
+              <a14:hiddenLine xmlns:a14="http://schemas.microsoft.com/office/drawing/2010/main" w="9525">
+                <a:solidFill>
+                  <a:srgbClr val="000000"/>
+                </a:solidFill>
+                <a:miter lim="800000"/>
+                <a:headEnd/>
+                <a:tailEnd/>
+              </a14:hiddenLine>
+            </a:ext>
+          </a:extLst>
+        </p:spPr>
+        <p:txBody>
+          <a:bodyPr wrap="square" numCol="1" anchor="t" anchorCtr="0" compatLnSpc="1">
+            <a:prstTxWarp prst="textNoShape">
+              <a:avLst/>
+            </a:prstTxWarp>
+          </a:bodyPr>
+          <a:lstStyle/>
+          <a:p>
+            <a:pPr eaLnBrk="1" hangingPunct="1">
+              <a:spcBef>
+                <a:spcPct val="0"/>
+              </a:spcBef>
+            </a:pPr>
+            <a:endParaRPr lang="en-US">
+              <a:latin typeface="Helvetica"/>
+              <a:ea typeface="MS PGothic" pitchFamily="34" charset="-128"/>
+            </a:endParaRPr>
+          </a:p>
+        </p:txBody>
+      </p:sp>
+    </p:spTree>
+    <p:extLst>
+      <p:ext uri="{BB962C8B-B14F-4D97-AF65-F5344CB8AC3E}">
+        <p14:creationId xmlns:p14="http://schemas.microsoft.com/office/powerpoint/2010/main" val="3535586889"/>
+      </p:ext>
+    </p:extLst>
+  </p:cSld>
+  <p:clrMapOvr>
+    <a:masterClrMapping/>
+  </p:clrMapOvr>
+</p:notes>
+</file>
+
+<file path=ppt/notesSlides/notesSlide58.xml><?xml version="1.0" encoding="utf-8"?>
+<p:notes xmlns:a="http://schemas.openxmlformats.org/drawingml/2006/main" xmlns:r="http://schemas.openxmlformats.org/officeDocument/2006/relationships" xmlns:p="http://schemas.openxmlformats.org/presentationml/2006/main">
+  <p:cSld>
+    <p:spTree>
+      <p:nvGrpSpPr>
+        <p:cNvPr id="1" name=""/>
+        <p:cNvGrpSpPr/>
+        <p:nvPr/>
+      </p:nvGrpSpPr>
+      <p:grpSpPr>
+        <a:xfrm>
+          <a:off x="0" y="0"/>
+          <a:ext cx="0" cy="0"/>
+          <a:chOff x="0" y="0"/>
+          <a:chExt cx="0" cy="0"/>
+        </a:xfrm>
+      </p:grpSpPr>
+      <p:sp>
+        <p:nvSpPr>
+          <p:cNvPr id="31746" name="Rectangle 2"/>
+          <p:cNvSpPr>
+            <a:spLocks noGrp="1" noRot="1" noChangeAspect="1" noChangeArrowheads="1" noTextEdit="1"/>
+          </p:cNvSpPr>
+          <p:nvPr>
+            <p:ph type="sldImg"/>
+          </p:nvPr>
+        </p:nvSpPr>
+        <p:spPr bwMode="auto">
+          <a:noFill/>
+          <a:ln>
+            <a:solidFill>
+              <a:srgbClr val="000000"/>
+            </a:solidFill>
+            <a:miter lim="800000"/>
+            <a:headEnd/>
+            <a:tailEnd/>
+          </a:ln>
+          <a:extLst>
+            <a:ext uri="{909E8E84-426E-40DD-AFC4-6F175D3DCCD1}">
+              <a14:hiddenFill xmlns:a14="http://schemas.microsoft.com/office/drawing/2010/main">
+                <a:solidFill>
+                  <a:srgbClr val="FFFFFF"/>
+                </a:solidFill>
+              </a14:hiddenFill>
+            </a:ext>
+          </a:extLst>
+        </p:spPr>
+      </p:sp>
+      <p:sp>
+        <p:nvSpPr>
+          <p:cNvPr id="31747" name="Rectangle 3"/>
+          <p:cNvSpPr>
+            <a:spLocks noGrp="1" noChangeArrowheads="1"/>
+          </p:cNvSpPr>
+          <p:nvPr>
+            <p:ph type="body" idx="1"/>
+          </p:nvPr>
+        </p:nvSpPr>
+        <p:spPr bwMode="auto">
+          <a:noFill/>
+          <a:extLst>
+            <a:ext uri="{909E8E84-426E-40DD-AFC4-6F175D3DCCD1}">
+              <a14:hiddenFill xmlns:a14="http://schemas.microsoft.com/office/drawing/2010/main">
+                <a:solidFill>
+                  <a:srgbClr val="FFFFFF"/>
+                </a:solidFill>
+              </a14:hiddenFill>
+            </a:ext>
+            <a:ext uri="{91240B29-F687-4F45-9708-019B960494DF}">
+              <a14:hiddenLine xmlns:a14="http://schemas.microsoft.com/office/drawing/2010/main" w="9525">
+                <a:solidFill>
+                  <a:srgbClr val="000000"/>
+                </a:solidFill>
+                <a:miter lim="800000"/>
+                <a:headEnd/>
+                <a:tailEnd/>
+              </a14:hiddenLine>
+            </a:ext>
+          </a:extLst>
+        </p:spPr>
+        <p:txBody>
+          <a:bodyPr wrap="square" numCol="1" anchor="t" anchorCtr="0" compatLnSpc="1">
+            <a:prstTxWarp prst="textNoShape">
+              <a:avLst/>
+            </a:prstTxWarp>
+          </a:bodyPr>
+          <a:lstStyle/>
+          <a:p>
+            <a:pPr eaLnBrk="1" hangingPunct="1">
+              <a:spcBef>
+                <a:spcPct val="0"/>
+              </a:spcBef>
+            </a:pPr>
+            <a:endParaRPr lang="en-US">
+              <a:latin typeface="Helvetica"/>
+              <a:ea typeface="MS PGothic" pitchFamily="34" charset="-128"/>
+            </a:endParaRPr>
+          </a:p>
+        </p:txBody>
+      </p:sp>
+    </p:spTree>
+    <p:extLst>
+      <p:ext uri="{BB962C8B-B14F-4D97-AF65-F5344CB8AC3E}">
+        <p14:creationId xmlns:p14="http://schemas.microsoft.com/office/powerpoint/2010/main" val="3221574247"/>
+      </p:ext>
+    </p:extLst>
+  </p:cSld>
+  <p:clrMapOvr>
+    <a:masterClrMapping/>
+  </p:clrMapOvr>
+</p:notes>
+</file>
+
+<file path=ppt/notesSlides/notesSlide59.xml><?xml version="1.0" encoding="utf-8"?>
+<p:notes xmlns:a="http://schemas.openxmlformats.org/drawingml/2006/main" xmlns:r="http://schemas.openxmlformats.org/officeDocument/2006/relationships" xmlns:p="http://schemas.openxmlformats.org/presentationml/2006/main">
+  <p:cSld>
+    <p:spTree>
+      <p:nvGrpSpPr>
+        <p:cNvPr id="1" name=""/>
+        <p:cNvGrpSpPr/>
+        <p:nvPr/>
+      </p:nvGrpSpPr>
+      <p:grpSpPr>
+        <a:xfrm>
+          <a:off x="0" y="0"/>
+          <a:ext cx="0" cy="0"/>
+          <a:chOff x="0" y="0"/>
+          <a:chExt cx="0" cy="0"/>
+        </a:xfrm>
+      </p:grpSpPr>
+      <p:sp>
+        <p:nvSpPr>
           <p:cNvPr id="2" name="Slide Image Placeholder 1"/>
           <p:cNvSpPr>
             <a:spLocks noGrp="1" noRot="1" noChangeAspect="1"/>
@@ -6773,7 +7115,7 @@
             <a:fld id="{AA177954-F820-4125-B6DD-F07DB14523EB}" type="slidenum">
               <a:rPr lang="en-US" smtClean="0"/>
               <a:pPr/>
-              <a:t>61</a:t>
+              <a:t>64</a:t>
             </a:fld>
             <a:endParaRPr lang="en-US"/>
           </a:p>
@@ -50596,6 +50938,523 @@
       </p:grpSpPr>
       <p:sp>
         <p:nvSpPr>
+          <p:cNvPr id="17410" name="Rectangle 2"/>
+          <p:cNvSpPr>
+            <a:spLocks noGrp="1" noChangeArrowheads="1"/>
+          </p:cNvSpPr>
+          <p:nvPr>
+            <p:ph type="title"/>
+          </p:nvPr>
+        </p:nvSpPr>
+        <p:spPr/>
+        <p:txBody>
+          <a:bodyPr/>
+          <a:lstStyle/>
+          <a:p>
+            <a:r>
+              <a:rPr lang="en-US" dirty="0"/>
+              <a:t>AWS Multiple accounts </a:t>
+            </a:r>
+          </a:p>
+        </p:txBody>
+      </p:sp>
+      <p:sp>
+        <p:nvSpPr>
+          <p:cNvPr id="4" name="Slide Number Placeholder 3"/>
+          <p:cNvSpPr>
+            <a:spLocks noGrp="1"/>
+          </p:cNvSpPr>
+          <p:nvPr>
+            <p:ph type="sldNum" sz="quarter" idx="12"/>
+          </p:nvPr>
+        </p:nvSpPr>
+        <p:spPr/>
+        <p:txBody>
+          <a:bodyPr/>
+          <a:lstStyle/>
+          <a:p>
+            <a:fld id="{D92B6165-2E63-41A3-8905-D7634EBC6D44}" type="slidenum">
+              <a:rPr lang="en-US" smtClean="0"/>
+              <a:pPr/>
+              <a:t>60</a:t>
+            </a:fld>
+            <a:endParaRPr lang="en-US"/>
+          </a:p>
+        </p:txBody>
+      </p:sp>
+      <p:sp>
+        <p:nvSpPr>
+          <p:cNvPr id="6" name="TextBox 5">
+            <a:extLst>
+              <a:ext uri="{FF2B5EF4-FFF2-40B4-BE49-F238E27FC236}">
+                <a16:creationId xmlns:a16="http://schemas.microsoft.com/office/drawing/2014/main" id="{7E149B81-9EAE-4CD0-9E8C-3D85A9FCE9D8}"/>
+              </a:ext>
+            </a:extLst>
+          </p:cNvPr>
+          <p:cNvSpPr txBox="1"/>
+          <p:nvPr/>
+        </p:nvSpPr>
+        <p:spPr>
+          <a:xfrm>
+            <a:off x="318235" y="1649710"/>
+            <a:ext cx="11879380" cy="3477875"/>
+          </a:xfrm>
+          <a:prstGeom prst="rect">
+            <a:avLst/>
+          </a:prstGeom>
+          <a:noFill/>
+        </p:spPr>
+        <p:txBody>
+          <a:bodyPr wrap="square">
+            <a:spAutoFit/>
+          </a:bodyPr>
+          <a:lstStyle/>
+          <a:p>
+            <a:pPr marL="342900" indent="-342900" algn="l">
+              <a:buFont typeface="Arial" panose="020B0604020202020204" pitchFamily="34" charset="0"/>
+              <a:buChar char="•"/>
+            </a:pPr>
+            <a:r>
+              <a:rPr lang="en-GB" sz="2000" dirty="0">
+                <a:solidFill>
+                  <a:srgbClr val="000000"/>
+                </a:solidFill>
+                <a:latin typeface="Montserrat"/>
+              </a:rPr>
+              <a:t>Benefits</a:t>
+            </a:r>
+            <a:r>
+              <a:rPr lang="en-GB" sz="2000" b="0" i="0" dirty="0">
+                <a:solidFill>
+                  <a:srgbClr val="000000"/>
+                </a:solidFill>
+                <a:effectLst/>
+                <a:latin typeface="Montserrat"/>
+              </a:rPr>
+              <a:t>: </a:t>
+            </a:r>
+          </a:p>
+          <a:p>
+            <a:pPr lvl="1">
+              <a:buFont typeface="Arial" panose="020B0604020202020204" pitchFamily="34" charset="0"/>
+              <a:buChar char="•"/>
+            </a:pPr>
+            <a:r>
+              <a:rPr lang="en-US" sz="2000" b="0" i="0" dirty="0">
+                <a:solidFill>
+                  <a:srgbClr val="333333"/>
+                </a:solidFill>
+                <a:effectLst/>
+                <a:latin typeface="AmazonEmber"/>
+              </a:rPr>
+              <a:t>Rapid innovation with various requirements: Accounts can be allocated to teams, workloads, or products. Separate accounts can provide custom environments and accommodate the differing security needs for each team.</a:t>
+            </a:r>
+          </a:p>
+          <a:p>
+            <a:pPr lvl="1">
+              <a:buFont typeface="Arial" panose="020B0604020202020204" pitchFamily="34" charset="0"/>
+              <a:buChar char="•"/>
+            </a:pPr>
+            <a:r>
+              <a:rPr lang="en-US" sz="2000" b="0" i="0" dirty="0">
+                <a:solidFill>
+                  <a:srgbClr val="333333"/>
+                </a:solidFill>
+                <a:effectLst/>
+                <a:latin typeface="AmazonEmber"/>
+              </a:rPr>
+              <a:t>Simplified billing: The use of multiple accounts simplifies how you allocate AWS costs. You can use them to identify which projects or services are responsible for AWS charges.</a:t>
+            </a:r>
+          </a:p>
+          <a:p>
+            <a:pPr lvl="1">
+              <a:buFont typeface="Arial" panose="020B0604020202020204" pitchFamily="34" charset="0"/>
+              <a:buChar char="•"/>
+            </a:pPr>
+            <a:r>
+              <a:rPr lang="en-US" sz="2000" b="0" i="0" dirty="0">
+                <a:solidFill>
+                  <a:srgbClr val="333333"/>
+                </a:solidFill>
+                <a:effectLst/>
+                <a:latin typeface="AmazonEmber"/>
+              </a:rPr>
+              <a:t>Flexible security controls: You can create grouping mechanisms to ensure certain accounts meet compliance requirements, such as HIPAA or PCI DSS.</a:t>
+            </a:r>
+          </a:p>
+          <a:p>
+            <a:pPr lvl="1">
+              <a:buFont typeface="Arial" panose="020B0604020202020204" pitchFamily="34" charset="0"/>
+              <a:buChar char="•"/>
+            </a:pPr>
+            <a:r>
+              <a:rPr lang="en-US" sz="2000" b="0" i="0" dirty="0">
+                <a:solidFill>
+                  <a:srgbClr val="333333"/>
+                </a:solidFill>
+                <a:effectLst/>
+                <a:latin typeface="AmazonEmber"/>
+              </a:rPr>
+              <a:t>Easily adapt to business processes: The use of multiple accounts allows you to set up your IT infrastructure in a way that reflects the needs of your business processes or requirements.</a:t>
+            </a:r>
+          </a:p>
+          <a:p>
+            <a:endParaRPr lang="en-IN" sz="2000" dirty="0"/>
+          </a:p>
+        </p:txBody>
+      </p:sp>
+    </p:spTree>
+    <p:extLst>
+      <p:ext uri="{BB962C8B-B14F-4D97-AF65-F5344CB8AC3E}">
+        <p14:creationId xmlns:p14="http://schemas.microsoft.com/office/powerpoint/2010/main" val="3810062092"/>
+      </p:ext>
+    </p:extLst>
+  </p:cSld>
+  <p:clrMapOvr>
+    <a:masterClrMapping/>
+  </p:clrMapOvr>
+  <mc:AlternateContent xmlns:mc="http://schemas.openxmlformats.org/markup-compatibility/2006" xmlns:p14="http://schemas.microsoft.com/office/powerpoint/2010/main">
+    <mc:Choice Requires="p14">
+      <p:transition spd="med" p14:dur="700">
+        <p:fade/>
+      </p:transition>
+    </mc:Choice>
+    <mc:Fallback xmlns="">
+      <p:transition spd="med">
+        <p:fade/>
+      </p:transition>
+    </mc:Fallback>
+  </mc:AlternateContent>
+</p:sld>
+</file>
+
+<file path=ppt/slides/slide61.xml><?xml version="1.0" encoding="utf-8"?>
+<p:sld xmlns:a="http://schemas.openxmlformats.org/drawingml/2006/main" xmlns:r="http://schemas.openxmlformats.org/officeDocument/2006/relationships" xmlns:p="http://schemas.openxmlformats.org/presentationml/2006/main">
+  <p:cSld>
+    <p:spTree>
+      <p:nvGrpSpPr>
+        <p:cNvPr id="1" name=""/>
+        <p:cNvGrpSpPr/>
+        <p:nvPr/>
+      </p:nvGrpSpPr>
+      <p:grpSpPr>
+        <a:xfrm>
+          <a:off x="0" y="0"/>
+          <a:ext cx="0" cy="0"/>
+          <a:chOff x="0" y="0"/>
+          <a:chExt cx="0" cy="0"/>
+        </a:xfrm>
+      </p:grpSpPr>
+      <p:sp>
+        <p:nvSpPr>
+          <p:cNvPr id="17410" name="Rectangle 2"/>
+          <p:cNvSpPr>
+            <a:spLocks noGrp="1" noChangeArrowheads="1"/>
+          </p:cNvSpPr>
+          <p:nvPr>
+            <p:ph type="title"/>
+          </p:nvPr>
+        </p:nvSpPr>
+        <p:spPr/>
+        <p:txBody>
+          <a:bodyPr/>
+          <a:lstStyle/>
+          <a:p>
+            <a:r>
+              <a:rPr lang="en-US" dirty="0"/>
+              <a:t>AWS Multiple accounts</a:t>
+            </a:r>
+          </a:p>
+        </p:txBody>
+      </p:sp>
+      <p:sp>
+        <p:nvSpPr>
+          <p:cNvPr id="4" name="Slide Number Placeholder 3"/>
+          <p:cNvSpPr>
+            <a:spLocks noGrp="1"/>
+          </p:cNvSpPr>
+          <p:nvPr>
+            <p:ph type="sldNum" sz="quarter" idx="12"/>
+          </p:nvPr>
+        </p:nvSpPr>
+        <p:spPr/>
+        <p:txBody>
+          <a:bodyPr/>
+          <a:lstStyle/>
+          <a:p>
+            <a:fld id="{D92B6165-2E63-41A3-8905-D7634EBC6D44}" type="slidenum">
+              <a:rPr lang="en-US" smtClean="0"/>
+              <a:pPr/>
+              <a:t>61</a:t>
+            </a:fld>
+            <a:endParaRPr lang="en-US"/>
+          </a:p>
+        </p:txBody>
+      </p:sp>
+      <p:pic>
+        <p:nvPicPr>
+          <p:cNvPr id="1026" name="Picture 2" descr="AWS Landing Zone-Logicworks-2">
+            <a:extLst>
+              <a:ext uri="{FF2B5EF4-FFF2-40B4-BE49-F238E27FC236}">
+                <a16:creationId xmlns:a16="http://schemas.microsoft.com/office/drawing/2014/main" id="{BDC732B3-605A-4102-BDD4-F373A3E01C72}"/>
+              </a:ext>
+            </a:extLst>
+          </p:cNvPr>
+          <p:cNvPicPr>
+            <a:picLocks noChangeAspect="1" noChangeArrowheads="1"/>
+          </p:cNvPicPr>
+          <p:nvPr/>
+        </p:nvPicPr>
+        <p:blipFill>
+          <a:blip r:embed="rId3">
+            <a:extLst>
+              <a:ext uri="{28A0092B-C50C-407E-A947-70E740481C1C}">
+                <a14:useLocalDpi xmlns:a14="http://schemas.microsoft.com/office/drawing/2010/main" val="0"/>
+              </a:ext>
+            </a:extLst>
+          </a:blip>
+          <a:srcRect/>
+          <a:stretch>
+            <a:fillRect/>
+          </a:stretch>
+        </p:blipFill>
+        <p:spPr bwMode="auto">
+          <a:xfrm>
+            <a:off x="1452679" y="1069362"/>
+            <a:ext cx="8108458" cy="5507780"/>
+          </a:xfrm>
+          <a:prstGeom prst="rect">
+            <a:avLst/>
+          </a:prstGeom>
+          <a:noFill/>
+          <a:extLst>
+            <a:ext uri="{909E8E84-426E-40DD-AFC4-6F175D3DCCD1}">
+              <a14:hiddenFill xmlns:a14="http://schemas.microsoft.com/office/drawing/2010/main">
+                <a:solidFill>
+                  <a:srgbClr val="FFFFFF"/>
+                </a:solidFill>
+              </a14:hiddenFill>
+            </a:ext>
+          </a:extLst>
+        </p:spPr>
+      </p:pic>
+    </p:spTree>
+    <p:extLst>
+      <p:ext uri="{BB962C8B-B14F-4D97-AF65-F5344CB8AC3E}">
+        <p14:creationId xmlns:p14="http://schemas.microsoft.com/office/powerpoint/2010/main" val="4184980068"/>
+      </p:ext>
+    </p:extLst>
+  </p:cSld>
+  <p:clrMapOvr>
+    <a:masterClrMapping/>
+  </p:clrMapOvr>
+  <mc:AlternateContent xmlns:mc="http://schemas.openxmlformats.org/markup-compatibility/2006" xmlns:p14="http://schemas.microsoft.com/office/powerpoint/2010/main">
+    <mc:Choice Requires="p14">
+      <p:transition spd="med" p14:dur="700">
+        <p:fade/>
+      </p:transition>
+    </mc:Choice>
+    <mc:Fallback xmlns="">
+      <p:transition spd="med">
+        <p:fade/>
+      </p:transition>
+    </mc:Fallback>
+  </mc:AlternateContent>
+</p:sld>
+</file>
+
+<file path=ppt/slides/slide62.xml><?xml version="1.0" encoding="utf-8"?>
+<p:sld xmlns:a="http://schemas.openxmlformats.org/drawingml/2006/main" xmlns:r="http://schemas.openxmlformats.org/officeDocument/2006/relationships" xmlns:p="http://schemas.openxmlformats.org/presentationml/2006/main">
+  <p:cSld>
+    <p:spTree>
+      <p:nvGrpSpPr>
+        <p:cNvPr id="1" name=""/>
+        <p:cNvGrpSpPr/>
+        <p:nvPr/>
+      </p:nvGrpSpPr>
+      <p:grpSpPr>
+        <a:xfrm>
+          <a:off x="0" y="0"/>
+          <a:ext cx="0" cy="0"/>
+          <a:chOff x="0" y="0"/>
+          <a:chExt cx="0" cy="0"/>
+        </a:xfrm>
+      </p:grpSpPr>
+      <p:sp>
+        <p:nvSpPr>
+          <p:cNvPr id="17410" name="Rectangle 2"/>
+          <p:cNvSpPr>
+            <a:spLocks noGrp="1" noChangeArrowheads="1"/>
+          </p:cNvSpPr>
+          <p:nvPr>
+            <p:ph type="title"/>
+          </p:nvPr>
+        </p:nvSpPr>
+        <p:spPr/>
+        <p:txBody>
+          <a:bodyPr/>
+          <a:lstStyle/>
+          <a:p>
+            <a:r>
+              <a:rPr lang="en-US" dirty="0"/>
+              <a:t>AWS Multiple accounts</a:t>
+            </a:r>
+          </a:p>
+        </p:txBody>
+      </p:sp>
+      <p:sp>
+        <p:nvSpPr>
+          <p:cNvPr id="4" name="Slide Number Placeholder 3"/>
+          <p:cNvSpPr>
+            <a:spLocks noGrp="1"/>
+          </p:cNvSpPr>
+          <p:nvPr>
+            <p:ph type="sldNum" sz="quarter" idx="12"/>
+          </p:nvPr>
+        </p:nvSpPr>
+        <p:spPr/>
+        <p:txBody>
+          <a:bodyPr/>
+          <a:lstStyle/>
+          <a:p>
+            <a:fld id="{D92B6165-2E63-41A3-8905-D7634EBC6D44}" type="slidenum">
+              <a:rPr lang="en-US" smtClean="0"/>
+              <a:pPr/>
+              <a:t>62</a:t>
+            </a:fld>
+            <a:endParaRPr lang="en-US"/>
+          </a:p>
+        </p:txBody>
+      </p:sp>
+      <p:pic>
+        <p:nvPicPr>
+          <p:cNvPr id="2054" name="Picture 6" descr="Additional OU's: Sandbox, Workloads, Policy Staging, Suspended, Individual Business Users, Exceptions, and Deployments">
+            <a:extLst>
+              <a:ext uri="{FF2B5EF4-FFF2-40B4-BE49-F238E27FC236}">
+                <a16:creationId xmlns:a16="http://schemas.microsoft.com/office/drawing/2014/main" id="{A146CC14-AADC-4265-A9B9-8792BF58EFDC}"/>
+              </a:ext>
+            </a:extLst>
+          </p:cNvPr>
+          <p:cNvPicPr>
+            <a:picLocks noChangeAspect="1" noChangeArrowheads="1"/>
+          </p:cNvPicPr>
+          <p:nvPr/>
+        </p:nvPicPr>
+        <p:blipFill>
+          <a:blip r:embed="rId3">
+            <a:extLst>
+              <a:ext uri="{28A0092B-C50C-407E-A947-70E740481C1C}">
+                <a14:useLocalDpi xmlns:a14="http://schemas.microsoft.com/office/drawing/2010/main" val="0"/>
+              </a:ext>
+            </a:extLst>
+          </a:blip>
+          <a:srcRect/>
+          <a:stretch>
+            <a:fillRect/>
+          </a:stretch>
+        </p:blipFill>
+        <p:spPr bwMode="auto">
+          <a:xfrm>
+            <a:off x="930544" y="1227033"/>
+            <a:ext cx="10144984" cy="3746727"/>
+          </a:xfrm>
+          <a:prstGeom prst="rect">
+            <a:avLst/>
+          </a:prstGeom>
+          <a:noFill/>
+          <a:extLst>
+            <a:ext uri="{909E8E84-426E-40DD-AFC4-6F175D3DCCD1}">
+              <a14:hiddenFill xmlns:a14="http://schemas.microsoft.com/office/drawing/2010/main">
+                <a:solidFill>
+                  <a:srgbClr val="FFFFFF"/>
+                </a:solidFill>
+              </a14:hiddenFill>
+            </a:ext>
+          </a:extLst>
+        </p:spPr>
+      </p:pic>
+      <p:sp>
+        <p:nvSpPr>
+          <p:cNvPr id="9" name="TextBox 8">
+            <a:extLst>
+              <a:ext uri="{FF2B5EF4-FFF2-40B4-BE49-F238E27FC236}">
+                <a16:creationId xmlns:a16="http://schemas.microsoft.com/office/drawing/2014/main" id="{86338DC4-3713-4B20-938F-64EF54BFD91C}"/>
+              </a:ext>
+            </a:extLst>
+          </p:cNvPr>
+          <p:cNvSpPr txBox="1"/>
+          <p:nvPr/>
+        </p:nvSpPr>
+        <p:spPr>
+          <a:xfrm>
+            <a:off x="864444" y="5135088"/>
+            <a:ext cx="10799436" cy="276999"/>
+          </a:xfrm>
+          <a:prstGeom prst="rect">
+            <a:avLst/>
+          </a:prstGeom>
+          <a:noFill/>
+        </p:spPr>
+        <p:txBody>
+          <a:bodyPr wrap="square">
+            <a:spAutoFit/>
+          </a:bodyPr>
+          <a:lstStyle/>
+          <a:p>
+            <a:r>
+              <a:rPr lang="en-US" sz="1200" dirty="0">
+                <a:hlinkClick r:id="rId4"/>
+              </a:rPr>
+              <a:t>Best Practices for Organizational Units with AWS Organizations | AWS Management &amp; Governance Blog (amazon.com)</a:t>
+            </a:r>
+            <a:endParaRPr lang="en-IN" sz="1200" dirty="0"/>
+          </a:p>
+        </p:txBody>
+      </p:sp>
+    </p:spTree>
+    <p:extLst>
+      <p:ext uri="{BB962C8B-B14F-4D97-AF65-F5344CB8AC3E}">
+        <p14:creationId xmlns:p14="http://schemas.microsoft.com/office/powerpoint/2010/main" val="2202224549"/>
+      </p:ext>
+    </p:extLst>
+  </p:cSld>
+  <p:clrMapOvr>
+    <a:masterClrMapping/>
+  </p:clrMapOvr>
+  <mc:AlternateContent xmlns:mc="http://schemas.openxmlformats.org/markup-compatibility/2006" xmlns:p14="http://schemas.microsoft.com/office/powerpoint/2010/main">
+    <mc:Choice Requires="p14">
+      <p:transition spd="med" p14:dur="700">
+        <p:fade/>
+      </p:transition>
+    </mc:Choice>
+    <mc:Fallback xmlns="">
+      <p:transition spd="med">
+        <p:fade/>
+      </p:transition>
+    </mc:Fallback>
+  </mc:AlternateContent>
+</p:sld>
+</file>
+
+<file path=ppt/slides/slide63.xml><?xml version="1.0" encoding="utf-8"?>
+<p:sld xmlns:a="http://schemas.openxmlformats.org/drawingml/2006/main" xmlns:r="http://schemas.openxmlformats.org/officeDocument/2006/relationships" xmlns:p="http://schemas.openxmlformats.org/presentationml/2006/main">
+  <p:cSld>
+    <p:spTree>
+      <p:nvGrpSpPr>
+        <p:cNvPr id="1" name=""/>
+        <p:cNvGrpSpPr/>
+        <p:nvPr/>
+      </p:nvGrpSpPr>
+      <p:grpSpPr>
+        <a:xfrm>
+          <a:off x="0" y="0"/>
+          <a:ext cx="0" cy="0"/>
+          <a:chOff x="0" y="0"/>
+          <a:chExt cx="0" cy="0"/>
+        </a:xfrm>
+      </p:grpSpPr>
+      <p:sp>
+        <p:nvSpPr>
           <p:cNvPr id="2" name="Slide Number Placeholder 1">
             <a:extLst>
               <a:ext uri="{FF2B5EF4-FFF2-40B4-BE49-F238E27FC236}">
@@ -50618,7 +51477,7 @@
             <a:fld id="{D92B6165-2E63-41A3-8905-D7634EBC6D44}" type="slidenum">
               <a:rPr lang="en-IN" smtClean="0"/>
               <a:pPr/>
-              <a:t>60</a:t>
+              <a:t>63</a:t>
             </a:fld>
             <a:endParaRPr lang="en-IN"/>
           </a:p>
@@ -50739,7 +51598,7 @@
 </p:sld>
 </file>
 
-<file path=ppt/slides/slide61.xml><?xml version="1.0" encoding="utf-8"?>
+<file path=ppt/slides/slide64.xml><?xml version="1.0" encoding="utf-8"?>
 <p:sld xmlns:a="http://schemas.openxmlformats.org/drawingml/2006/main" xmlns:r="http://schemas.openxmlformats.org/officeDocument/2006/relationships" xmlns:p="http://schemas.openxmlformats.org/presentationml/2006/main">
   <p:cSld>
     <p:bg>
